--- a/nsu_31_01_2017/31.01.2017_kutumov.pptx
+++ b/nsu_31_01_2017/31.01.2017_kutumov.pptx
@@ -18,23 +18,23 @@
     <p:sldId id="323" r:id="rId9"/>
     <p:sldId id="328" r:id="rId10"/>
     <p:sldId id="325" r:id="rId11"/>
-    <p:sldId id="327" r:id="rId12"/>
-    <p:sldId id="330" r:id="rId13"/>
-    <p:sldId id="331" r:id="rId14"/>
-    <p:sldId id="336" r:id="rId15"/>
-    <p:sldId id="337" r:id="rId16"/>
-    <p:sldId id="338" r:id="rId17"/>
-    <p:sldId id="339" r:id="rId18"/>
-    <p:sldId id="340" r:id="rId19"/>
-    <p:sldId id="341" r:id="rId20"/>
-    <p:sldId id="335" r:id="rId21"/>
-    <p:sldId id="342" r:id="rId22"/>
-    <p:sldId id="343" r:id="rId23"/>
-    <p:sldId id="345" r:id="rId24"/>
-    <p:sldId id="346" r:id="rId25"/>
-    <p:sldId id="352" r:id="rId26"/>
-    <p:sldId id="350" r:id="rId27"/>
-    <p:sldId id="267" r:id="rId28"/>
+    <p:sldId id="330" r:id="rId12"/>
+    <p:sldId id="331" r:id="rId13"/>
+    <p:sldId id="336" r:id="rId14"/>
+    <p:sldId id="337" r:id="rId15"/>
+    <p:sldId id="338" r:id="rId16"/>
+    <p:sldId id="339" r:id="rId17"/>
+    <p:sldId id="340" r:id="rId18"/>
+    <p:sldId id="341" r:id="rId19"/>
+    <p:sldId id="335" r:id="rId20"/>
+    <p:sldId id="342" r:id="rId21"/>
+    <p:sldId id="343" r:id="rId22"/>
+    <p:sldId id="345" r:id="rId23"/>
+    <p:sldId id="346" r:id="rId24"/>
+    <p:sldId id="352" r:id="rId25"/>
+    <p:sldId id="350" r:id="rId26"/>
+    <p:sldId id="267" r:id="rId27"/>
+    <p:sldId id="353" r:id="rId28"/>
     <p:sldId id="347" r:id="rId29"/>
     <p:sldId id="349" r:id="rId30"/>
     <p:sldId id="348" r:id="rId31"/>
@@ -301,7 +301,7 @@
                 <a:latin typeface="Arial" panose="020B0604020202020204" pitchFamily="34" charset="0"/>
               </a:rPr>
               <a:pPr/>
-              <a:t>23.01.2017</a:t>
+              <a:t>24.01.2017</a:t>
             </a:fld>
             <a:endParaRPr lang="ru-RU" dirty="0">
               <a:latin typeface="Arial" panose="020B0604020202020204" pitchFamily="34" charset="0"/>
@@ -480,7 +480,7 @@
             <a:fld id="{416DF00E-BD98-4EFE-81A4-2D9C0739E2F3}" type="datetimeFigureOut">
               <a:rPr lang="ru-RU" smtClean="0"/>
               <a:pPr/>
-              <a:t>23.01.2017</a:t>
+              <a:t>24.01.2017</a:t>
             </a:fld>
             <a:endParaRPr lang="ru-RU" dirty="0"/>
           </a:p>
@@ -800,6 +800,18 @@
             <a:pPr marL="342900" lvl="0" indent="-342900">
               <a:buNone/>
             </a:pPr>
+            <a:r>
+              <a:rPr lang="ru-RU" sz="1500" kern="1200" baseline="0" dirty="0" smtClean="0">
+                <a:solidFill>
+                  <a:schemeClr val="tx1"/>
+                </a:solidFill>
+                <a:effectLst/>
+                <a:latin typeface="+mn-lt"/>
+                <a:ea typeface="+mn-ea"/>
+                <a:cs typeface="+mn-cs"/>
+              </a:rPr>
+              <a:t>Всем привет</a:t>
+            </a:r>
             <a:endParaRPr lang="ru-RU" sz="1500" kern="1200" baseline="0" dirty="0">
               <a:solidFill>
                 <a:schemeClr val="tx1"/>
@@ -902,16 +914,43 @@
           <a:lstStyle/>
           <a:p>
             <a:r>
+              <a:rPr lang="en-US" baseline="0" dirty="0" smtClean="0"/>
+              <a:t>Tampering</a:t>
+            </a:r>
+            <a:r>
               <a:rPr lang="ru-RU" baseline="0" dirty="0" smtClean="0"/>
-              <a:t>Итак, </a:t>
+              <a:t> – процесс подмены данных, или же процесс подмены исполняемого файла.</a:t>
+            </a:r>
+          </a:p>
+          <a:p>
+            <a:endParaRPr lang="ru-RU" baseline="0" dirty="0" smtClean="0"/>
+          </a:p>
+          <a:p>
+            <a:r>
+              <a:rPr lang="ru-RU" baseline="0" dirty="0" smtClean="0"/>
+              <a:t>В качестве примера </a:t>
             </a:r>
             <a:r>
               <a:rPr lang="en-US" baseline="0" dirty="0" smtClean="0"/>
-              <a:t>spoofing</a:t>
+              <a:t>tampering</a:t>
             </a:r>
             <a:r>
               <a:rPr lang="ru-RU" baseline="0" dirty="0" smtClean="0"/>
-              <a:t> – процесс подмены пользователя или программы.</a:t>
+              <a:t> можно рассмотреть </a:t>
+            </a:r>
+            <a:r>
+              <a:rPr lang="ru-RU" baseline="0" dirty="0" smtClean="0"/>
+              <a:t>опять–же </a:t>
+            </a:r>
+            <a:r>
+              <a:rPr lang="ru-RU" baseline="0" dirty="0" smtClean="0"/>
+              <a:t>электронную почту.</a:t>
+            </a:r>
+          </a:p>
+          <a:p>
+            <a:r>
+              <a:rPr lang="ru-RU" baseline="0" dirty="0" smtClean="0"/>
+              <a:t>Злоумышленник может перехватить ваше письмо, поменять его содержимое и вы об этом никак не узнаете.</a:t>
             </a:r>
           </a:p>
           <a:p>
@@ -920,7 +959,15 @@
           <a:p>
             <a:r>
               <a:rPr lang="ru-RU" baseline="0" dirty="0" smtClean="0"/>
-              <a:t>Эта атака возникает в том случае, если нет механизма проверки подлинности (аутентификации).</a:t>
+              <a:t>Что важно, </a:t>
+            </a:r>
+            <a:r>
+              <a:rPr lang="en-US" baseline="0" dirty="0" smtClean="0"/>
+              <a:t>tampering</a:t>
+            </a:r>
+            <a:r>
+              <a:rPr lang="ru-RU" baseline="0" dirty="0" smtClean="0"/>
+              <a:t>-у подвержены не только данные, но и исполняемые модули:</a:t>
             </a:r>
           </a:p>
           <a:p>
@@ -929,36 +976,15 @@
           <a:p>
             <a:r>
               <a:rPr lang="ru-RU" baseline="0" dirty="0" smtClean="0"/>
-              <a:t>Например, </a:t>
-            </a:r>
-            <a:r>
-              <a:rPr lang="ru-RU" baseline="0" dirty="0" err="1" smtClean="0"/>
-              <a:t>спуфинг</a:t>
+              <a:t>Например, злоумышленник может подменить приложение, </a:t>
+            </a:r>
+            <a:r>
+              <a:rPr lang="en-US" baseline="0" dirty="0" smtClean="0"/>
+              <a:t>DLL</a:t>
             </a:r>
             <a:r>
               <a:rPr lang="ru-RU" baseline="0" dirty="0" smtClean="0"/>
-              <a:t> </a:t>
-            </a:r>
-            <a:r>
-              <a:rPr lang="en-US" baseline="0" dirty="0" smtClean="0"/>
-              <a:t>e-mail:</a:t>
-            </a:r>
-          </a:p>
-          <a:p>
-            <a:endParaRPr lang="en-US" baseline="0" dirty="0" smtClean="0"/>
-          </a:p>
-          <a:p>
-            <a:r>
-              <a:rPr lang="ru-RU" baseline="0" dirty="0" smtClean="0"/>
-              <a:t>В </a:t>
-            </a:r>
-            <a:r>
-              <a:rPr lang="en-US" baseline="0" dirty="0" smtClean="0"/>
-              <a:t>e-mail</a:t>
-            </a:r>
-            <a:r>
-              <a:rPr lang="ru-RU" baseline="0" dirty="0" smtClean="0"/>
-              <a:t> есть поле «отправитель», эту информацию можно легко подделать. Если пользователь ответит на такое письмо, то оно будет доставлено злоумышленнику вместо легитимного пользователя.</a:t>
+              <a:t>, скрипт на свой, и если у вашей системы нет проверки целостности, то вы об этом никак не узнаете и запустите зловредное приложение.</a:t>
             </a:r>
           </a:p>
         </p:txBody>
@@ -990,7 +1016,7 @@
     </p:spTree>
     <p:extLst>
       <p:ext uri="{BB962C8B-B14F-4D97-AF65-F5344CB8AC3E}">
-        <p14:creationId xmlns:p14="http://schemas.microsoft.com/office/powerpoint/2010/main" val="1574545940"/>
+        <p14:creationId xmlns:p14="http://schemas.microsoft.com/office/powerpoint/2010/main" val="722600875"/>
       </p:ext>
     </p:extLst>
   </p:cSld>
@@ -1046,11 +1072,11 @@
           <a:p>
             <a:r>
               <a:rPr lang="en-US" baseline="0" dirty="0" smtClean="0"/>
-              <a:t>Tampering</a:t>
+              <a:t>Repudiation – </a:t>
             </a:r>
             <a:r>
               <a:rPr lang="ru-RU" baseline="0" dirty="0" smtClean="0"/>
-              <a:t> – процесс подмены данных, или же процесс подмены исполняемого файла.</a:t>
+              <a:t>это процесс заметания следов.</a:t>
             </a:r>
           </a:p>
           <a:p>
@@ -1059,21 +1085,47 @@
           <a:p>
             <a:r>
               <a:rPr lang="ru-RU" baseline="0" dirty="0" smtClean="0"/>
-              <a:t>В качестве примера </a:t>
+              <a:t>Например, если данные пользователя были скомпрометированы – например, все знают логин/пароль для входа в какую-нибудь систему.</a:t>
+            </a:r>
+          </a:p>
+          <a:p>
+            <a:r>
+              <a:rPr lang="ru-RU" baseline="0" dirty="0" smtClean="0"/>
+              <a:t>В этом случае, если </a:t>
+            </a:r>
+            <a:r>
+              <a:rPr lang="ru-RU" baseline="0" dirty="0" err="1" smtClean="0"/>
+              <a:t>злоумышленик</a:t>
+            </a:r>
+            <a:r>
+              <a:rPr lang="ru-RU" baseline="0" dirty="0" smtClean="0"/>
+              <a:t> завладеет такими данными, то он сможет выполнить несанкционированные действия, и никто не сможет выяснить, кто же на самом деле осуществил эти действия.</a:t>
+            </a:r>
+          </a:p>
+          <a:p>
+            <a:endParaRPr lang="ru-RU" baseline="0" dirty="0" smtClean="0"/>
+          </a:p>
+          <a:p>
+            <a:endParaRPr lang="ru-RU" baseline="0" dirty="0" smtClean="0"/>
+          </a:p>
+          <a:p>
+            <a:r>
+              <a:rPr lang="ru-RU" baseline="0" dirty="0" smtClean="0"/>
+              <a:t>Кто может еще привести пример </a:t>
             </a:r>
             <a:r>
               <a:rPr lang="en-US" baseline="0" dirty="0" smtClean="0"/>
-              <a:t>tampering</a:t>
+              <a:t>repudiation</a:t>
             </a:r>
             <a:r>
               <a:rPr lang="ru-RU" baseline="0" dirty="0" smtClean="0"/>
-              <a:t> можно рассмотреть опять –же электронную почту.</a:t>
+              <a:t> – например, у нас есть система, которая фиксирует количество неуспешных попыток логина.</a:t>
             </a:r>
           </a:p>
           <a:p>
             <a:r>
               <a:rPr lang="ru-RU" baseline="0" dirty="0" smtClean="0"/>
-              <a:t>Злоумышленник может перехватить ваше письмо, поменять его содержимое и вы об этом никак не узнаете.</a:t>
+              <a:t>Если данная информация (о неуспешных попытках логина) не защищена должным образом, то злоумышленник может удалить всю информацию о неуспешных попытках логина.</a:t>
             </a:r>
           </a:p>
           <a:p>
@@ -1082,32 +1134,7 @@
           <a:p>
             <a:r>
               <a:rPr lang="ru-RU" baseline="0" dirty="0" smtClean="0"/>
-              <a:t>Что важно, </a:t>
-            </a:r>
-            <a:r>
-              <a:rPr lang="en-US" baseline="0" dirty="0" smtClean="0"/>
-              <a:t>tampering</a:t>
-            </a:r>
-            <a:r>
-              <a:rPr lang="ru-RU" baseline="0" dirty="0" smtClean="0"/>
-              <a:t>-у подвержены не только данные, но и исполняемые модули:</a:t>
-            </a:r>
-          </a:p>
-          <a:p>
-            <a:endParaRPr lang="ru-RU" baseline="0" dirty="0" smtClean="0"/>
-          </a:p>
-          <a:p>
-            <a:r>
-              <a:rPr lang="ru-RU" baseline="0" dirty="0" smtClean="0"/>
-              <a:t>Например, злоумышленник может подменить приложение, </a:t>
-            </a:r>
-            <a:r>
-              <a:rPr lang="en-US" baseline="0" dirty="0" smtClean="0"/>
-              <a:t>DLL</a:t>
-            </a:r>
-            <a:r>
-              <a:rPr lang="ru-RU" baseline="0" dirty="0" smtClean="0"/>
-              <a:t>, скрипт на свой, и если у вашей системы нет проверки целостности, то вы об этом никак не узнаете и запустите зловредное приложение.</a:t>
+              <a:t>Заметьте, при этом злоумышленник может и не получить доступ к системе, однако информация о неуспешном логине исчезнет.</a:t>
             </a:r>
           </a:p>
         </p:txBody>
@@ -1139,7 +1166,7 @@
     </p:spTree>
     <p:extLst>
       <p:ext uri="{BB962C8B-B14F-4D97-AF65-F5344CB8AC3E}">
-        <p14:creationId xmlns:p14="http://schemas.microsoft.com/office/powerpoint/2010/main" val="722600875"/>
+        <p14:creationId xmlns:p14="http://schemas.microsoft.com/office/powerpoint/2010/main" val="30538106"/>
       </p:ext>
     </p:extLst>
   </p:cSld>
@@ -1195,70 +1222,91 @@
           <a:p>
             <a:r>
               <a:rPr lang="en-US" baseline="0" dirty="0" smtClean="0"/>
-              <a:t>Repudiation – </a:t>
+              <a:t>Information disclosure – </a:t>
             </a:r>
             <a:r>
               <a:rPr lang="ru-RU" baseline="0" dirty="0" smtClean="0"/>
-              <a:t>это процесс заметания следов.</a:t>
+              <a:t>это несанкционированное раскрытие данных.</a:t>
             </a:r>
           </a:p>
           <a:p>
             <a:endParaRPr lang="ru-RU" baseline="0" dirty="0" smtClean="0"/>
           </a:p>
           <a:p>
+            <a:endParaRPr lang="ru-RU" baseline="0" dirty="0" smtClean="0"/>
+          </a:p>
+          <a:p>
             <a:r>
               <a:rPr lang="ru-RU" baseline="0" dirty="0" smtClean="0"/>
-              <a:t>Например, если данные пользователя были скомпрометированы – например, все знают логин/пароль для входа в какую-нибудь систему.</a:t>
-            </a:r>
+              <a:t>Тут можно придумать несколько примеров:</a:t>
+            </a:r>
+          </a:p>
+          <a:p>
+            <a:endParaRPr lang="ru-RU" baseline="0" dirty="0" smtClean="0"/>
           </a:p>
           <a:p>
             <a:r>
               <a:rPr lang="ru-RU" baseline="0" dirty="0" smtClean="0"/>
-              <a:t>В этом случае, если </a:t>
+              <a:t>Например, вы передаете секретную </a:t>
+            </a:r>
+            <a:r>
+              <a:rPr lang="ru-RU" baseline="0" dirty="0" smtClean="0"/>
+              <a:t>информацию в открытом виде </a:t>
+            </a:r>
+            <a:r>
+              <a:rPr lang="ru-RU" baseline="0" dirty="0" smtClean="0"/>
+              <a:t>по незащищенному каналу – например </a:t>
+            </a:r>
+            <a:r>
+              <a:rPr lang="en-US" baseline="0" dirty="0" smtClean="0"/>
+              <a:t>http.</a:t>
+            </a:r>
+            <a:r>
+              <a:rPr lang="ru-RU" baseline="0" dirty="0" smtClean="0"/>
+              <a:t> В этом случае злоумышленник с помощью обычного </a:t>
             </a:r>
             <a:r>
               <a:rPr lang="ru-RU" baseline="0" dirty="0" err="1" smtClean="0"/>
-              <a:t>злоумышленик</a:t>
+              <a:t>снифера</a:t>
             </a:r>
             <a:r>
               <a:rPr lang="ru-RU" baseline="0" dirty="0" smtClean="0"/>
-              <a:t> завладеет такими данными, то он сможет выполнить несанкционированные действия, и никто не сможет выяснить, кто же на самом деле осуществил эти действия.</a:t>
+              <a:t> пакетов может получить всю вашу информацию.</a:t>
             </a:r>
           </a:p>
           <a:p>
             <a:endParaRPr lang="ru-RU" baseline="0" dirty="0" smtClean="0"/>
           </a:p>
           <a:p>
+            <a:r>
+              <a:rPr lang="ru-RU" baseline="0" dirty="0" smtClean="0"/>
+              <a:t>Какие еще есть варианты несанкционированного раскрытия информации?</a:t>
+            </a:r>
+          </a:p>
+          <a:p>
             <a:endParaRPr lang="ru-RU" baseline="0" dirty="0" smtClean="0"/>
           </a:p>
           <a:p>
             <a:r>
               <a:rPr lang="ru-RU" baseline="0" dirty="0" smtClean="0"/>
-              <a:t>Кто может еще привести пример </a:t>
-            </a:r>
-            <a:r>
-              <a:rPr lang="en-US" baseline="0" dirty="0" smtClean="0"/>
-              <a:t>repudiation</a:t>
-            </a:r>
+              <a:t>Например, отладочная печать. Программист для целей отладки включил печать логина и пароля на экран.</a:t>
+            </a:r>
+          </a:p>
+          <a:p>
+            <a:endParaRPr lang="ru-RU" baseline="0" dirty="0" smtClean="0"/>
+          </a:p>
+          <a:p>
             <a:r>
               <a:rPr lang="ru-RU" baseline="0" dirty="0" smtClean="0"/>
-              <a:t> – например, у нас есть система, которая фиксирует количество неуспешных попыток логина.</a:t>
-            </a:r>
-          </a:p>
-          <a:p>
-            <a:r>
-              <a:rPr lang="ru-RU" baseline="0" dirty="0" smtClean="0"/>
-              <a:t>Если данная информация (о неуспешных попытках логина) не защищена должным образом, то злоумышленник может удалить всю информацию о неуспешных попытках логина.</a:t>
-            </a:r>
+              <a:t>Вот вам и угроза.</a:t>
+            </a:r>
+            <a:endParaRPr lang="en-US" baseline="0" dirty="0" smtClean="0"/>
+          </a:p>
+          <a:p>
+            <a:endParaRPr lang="en-US" baseline="0" dirty="0" smtClean="0"/>
           </a:p>
           <a:p>
             <a:endParaRPr lang="ru-RU" baseline="0" dirty="0" smtClean="0"/>
-          </a:p>
-          <a:p>
-            <a:r>
-              <a:rPr lang="ru-RU" baseline="0" dirty="0" smtClean="0"/>
-              <a:t>Заметьте, при этом злоумышленник может и не получить доступ к системе, однако информация о неуспешном логине исчезнет.</a:t>
-            </a:r>
           </a:p>
         </p:txBody>
       </p:sp>
@@ -1289,7 +1337,7 @@
     </p:spTree>
     <p:extLst>
       <p:ext uri="{BB962C8B-B14F-4D97-AF65-F5344CB8AC3E}">
-        <p14:creationId xmlns:p14="http://schemas.microsoft.com/office/powerpoint/2010/main" val="30538106"/>
+        <p14:creationId xmlns:p14="http://schemas.microsoft.com/office/powerpoint/2010/main" val="2529652527"/>
       </p:ext>
     </p:extLst>
   </p:cSld>
@@ -1344,84 +1392,52 @@
           <a:lstStyle/>
           <a:p>
             <a:r>
+              <a:rPr lang="ru-RU" baseline="0" dirty="0" smtClean="0"/>
+              <a:t>Вариант «отказ в обслуживании» наверное, самый простой.</a:t>
+            </a:r>
+          </a:p>
+          <a:p>
+            <a:endParaRPr lang="ru-RU" baseline="0" dirty="0" smtClean="0"/>
+          </a:p>
+          <a:p>
+            <a:r>
+              <a:rPr lang="ru-RU" baseline="0" dirty="0" smtClean="0"/>
+              <a:t>Все наверняка слышали о </a:t>
+            </a:r>
+            <a:r>
+              <a:rPr lang="en-US" baseline="0" dirty="0" err="1" smtClean="0"/>
+              <a:t>DoS</a:t>
+            </a:r>
+            <a:r>
+              <a:rPr lang="ru-RU" baseline="0" dirty="0" smtClean="0"/>
+              <a:t> атаках и </a:t>
+            </a:r>
+            <a:r>
               <a:rPr lang="en-US" baseline="0" dirty="0" smtClean="0"/>
-              <a:t>Information disclosure – </a:t>
+              <a:t>DDoS</a:t>
             </a:r>
             <a:r>
               <a:rPr lang="ru-RU" baseline="0" dirty="0" smtClean="0"/>
-              <a:t>это несанкционированное раскрытие данных.</a:t>
+              <a:t> атаках, когда с помощью огромного числа компьютеров организуют одновременные запросы к серверу. Сервер не выдерживает такой нагрузки и падает. При этом легитимные пользователи не могут получить доступ к сервису.</a:t>
             </a:r>
           </a:p>
           <a:p>
             <a:endParaRPr lang="ru-RU" baseline="0" dirty="0" smtClean="0"/>
           </a:p>
           <a:p>
+            <a:r>
+              <a:rPr lang="ru-RU" baseline="0" dirty="0" smtClean="0"/>
+              <a:t>Что еще может быть причиной отказа в обслуживании.</a:t>
+            </a:r>
+          </a:p>
+          <a:p>
             <a:endParaRPr lang="ru-RU" baseline="0" dirty="0" smtClean="0"/>
           </a:p>
           <a:p>
             <a:r>
               <a:rPr lang="ru-RU" baseline="0" dirty="0" smtClean="0"/>
-              <a:t>Тут можно придумать несколько примеров:</a:t>
-            </a:r>
-          </a:p>
-          <a:p>
-            <a:endParaRPr lang="ru-RU" baseline="0" dirty="0" smtClean="0"/>
-          </a:p>
-          <a:p>
-            <a:r>
-              <a:rPr lang="ru-RU" baseline="0" dirty="0" smtClean="0"/>
-              <a:t>Например, вы передаете секретную информацию по незащищенному каналу – например </a:t>
-            </a:r>
-            <a:r>
-              <a:rPr lang="en-US" baseline="0" dirty="0" smtClean="0"/>
-              <a:t>http.</a:t>
-            </a:r>
-            <a:r>
-              <a:rPr lang="ru-RU" baseline="0" dirty="0" smtClean="0"/>
-              <a:t> В этом случае злоумышленник с помощью обычного </a:t>
-            </a:r>
-            <a:r>
-              <a:rPr lang="ru-RU" baseline="0" dirty="0" err="1" smtClean="0"/>
-              <a:t>снифера</a:t>
-            </a:r>
-            <a:r>
-              <a:rPr lang="ru-RU" baseline="0" dirty="0" smtClean="0"/>
-              <a:t> пакетов может получить всю вашу информацию.</a:t>
-            </a:r>
-          </a:p>
-          <a:p>
-            <a:endParaRPr lang="ru-RU" baseline="0" dirty="0" smtClean="0"/>
-          </a:p>
-          <a:p>
-            <a:r>
-              <a:rPr lang="ru-RU" baseline="0" dirty="0" smtClean="0"/>
-              <a:t>Какие еще есть варианты несанкционированного раскрытия информации?</a:t>
-            </a:r>
-          </a:p>
-          <a:p>
-            <a:endParaRPr lang="ru-RU" baseline="0" dirty="0" smtClean="0"/>
-          </a:p>
-          <a:p>
-            <a:r>
-              <a:rPr lang="ru-RU" baseline="0" dirty="0" smtClean="0"/>
-              <a:t>Например, отладочная печать. Программист для целей отладки включил печать логина и пароля на экран.</a:t>
-            </a:r>
-          </a:p>
-          <a:p>
-            <a:endParaRPr lang="ru-RU" baseline="0" dirty="0" smtClean="0"/>
-          </a:p>
-          <a:p>
-            <a:r>
-              <a:rPr lang="ru-RU" baseline="0" dirty="0" smtClean="0"/>
-              <a:t>Вот вам и угроза.</a:t>
-            </a:r>
-            <a:endParaRPr lang="en-US" baseline="0" dirty="0" smtClean="0"/>
-          </a:p>
-          <a:p>
-            <a:endParaRPr lang="en-US" baseline="0" dirty="0" smtClean="0"/>
-          </a:p>
-          <a:p>
-            <a:endParaRPr lang="ru-RU" baseline="0" dirty="0" smtClean="0"/>
+              <a:t>Например, мы можем испортить конфигурационный файл программы, из за этого программа не сможет запуститься.</a:t>
+            </a:r>
           </a:p>
         </p:txBody>
       </p:sp>
@@ -1452,7 +1468,7 @@
     </p:spTree>
     <p:extLst>
       <p:ext uri="{BB962C8B-B14F-4D97-AF65-F5344CB8AC3E}">
-        <p14:creationId xmlns:p14="http://schemas.microsoft.com/office/powerpoint/2010/main" val="2529652527"/>
+        <p14:creationId xmlns:p14="http://schemas.microsoft.com/office/powerpoint/2010/main" val="2193844591"/>
       </p:ext>
     </p:extLst>
   </p:cSld>
@@ -1508,7 +1524,7 @@
           <a:p>
             <a:r>
               <a:rPr lang="ru-RU" baseline="0" dirty="0" smtClean="0"/>
-              <a:t>Вариант «отказ в обслуживании» наверное, самый простой.</a:t>
+              <a:t>Несанкционированное получение привилегий.</a:t>
             </a:r>
           </a:p>
           <a:p>
@@ -1517,23 +1533,39 @@
           <a:p>
             <a:r>
               <a:rPr lang="ru-RU" baseline="0" dirty="0" smtClean="0"/>
-              <a:t>Все наверняка слышали о </a:t>
-            </a:r>
-            <a:r>
-              <a:rPr lang="en-US" baseline="0" dirty="0" err="1" smtClean="0"/>
-              <a:t>DoS</a:t>
+              <a:t>Например, у нас есть система, в которой есть два пользователя: </a:t>
+            </a:r>
+            <a:r>
+              <a:rPr lang="en-US" baseline="0" dirty="0" smtClean="0"/>
+              <a:t>user</a:t>
             </a:r>
             <a:r>
               <a:rPr lang="ru-RU" baseline="0" dirty="0" smtClean="0"/>
-              <a:t> атаках и </a:t>
+              <a:t> и </a:t>
             </a:r>
             <a:r>
               <a:rPr lang="en-US" baseline="0" dirty="0" smtClean="0"/>
-              <a:t>DDoS</a:t>
+              <a:t>admin</a:t>
             </a:r>
             <a:r>
               <a:rPr lang="ru-RU" baseline="0" dirty="0" smtClean="0"/>
-              <a:t> атаках, когда с помощью огромного числа компьютеров организуют одновременные запросы к серверу. Сервер не выдерживает такой нагрузки и падает. При этом легитимные пользователи не могут получить доступ к сервису.</a:t>
+              <a:t>. Причем пользователь </a:t>
+            </a:r>
+            <a:r>
+              <a:rPr lang="en-US" baseline="0" dirty="0" smtClean="0"/>
+              <a:t>admin</a:t>
+            </a:r>
+            <a:r>
+              <a:rPr lang="ru-RU" baseline="0" dirty="0" smtClean="0"/>
+              <a:t> обладает более мощными привилегиями, чем</a:t>
+            </a:r>
+            <a:r>
+              <a:rPr lang="en-US" baseline="0" dirty="0" smtClean="0"/>
+              <a:t> user</a:t>
+            </a:r>
+            <a:r>
+              <a:rPr lang="ru-RU" baseline="0" dirty="0" smtClean="0"/>
+              <a:t>.</a:t>
             </a:r>
           </a:p>
           <a:p>
@@ -1542,17 +1574,22 @@
           <a:p>
             <a:r>
               <a:rPr lang="ru-RU" baseline="0" dirty="0" smtClean="0"/>
-              <a:t>Что еще может быть причиной отказа в обслуживании.</a:t>
+              <a:t>Злоумышленник обладая только логином и паролем </a:t>
+            </a:r>
+            <a:r>
+              <a:rPr lang="en-US" baseline="0" dirty="0" smtClean="0"/>
+              <a:t>user</a:t>
+            </a:r>
+            <a:r>
+              <a:rPr lang="ru-RU" baseline="0" dirty="0" smtClean="0"/>
+              <a:t> может совершать действия, которые доступны только администратору.</a:t>
             </a:r>
           </a:p>
           <a:p>
             <a:endParaRPr lang="ru-RU" baseline="0" dirty="0" smtClean="0"/>
           </a:p>
           <a:p>
-            <a:r>
-              <a:rPr lang="ru-RU" baseline="0" dirty="0" smtClean="0"/>
-              <a:t>Например, мы можем испортить конфигурационный файл программы, из за этого программа не сможет запуститься.</a:t>
-            </a:r>
+            <a:endParaRPr lang="ru-RU" baseline="0" dirty="0" smtClean="0"/>
           </a:p>
         </p:txBody>
       </p:sp>
@@ -1583,7 +1620,7 @@
     </p:spTree>
     <p:extLst>
       <p:ext uri="{BB962C8B-B14F-4D97-AF65-F5344CB8AC3E}">
-        <p14:creationId xmlns:p14="http://schemas.microsoft.com/office/powerpoint/2010/main" val="2193844591"/>
+        <p14:creationId xmlns:p14="http://schemas.microsoft.com/office/powerpoint/2010/main" val="1348462960"/>
       </p:ext>
     </p:extLst>
   </p:cSld>
@@ -1639,69 +1676,94 @@
           <a:p>
             <a:r>
               <a:rPr lang="ru-RU" baseline="0" dirty="0" smtClean="0"/>
-              <a:t>Несанкционированное получение привилегий.</a:t>
-            </a:r>
-          </a:p>
-          <a:p>
+              <a:t>Теперь, что такое моделирование угроз</a:t>
+            </a:r>
+            <a:r>
+              <a:rPr lang="ru-RU" baseline="0" dirty="0" smtClean="0"/>
+              <a:t>?</a:t>
+            </a:r>
+            <a:endParaRPr lang="en-US" baseline="0" dirty="0" smtClean="0"/>
+          </a:p>
+          <a:p>
+            <a:endParaRPr lang="en-US" baseline="0" dirty="0" smtClean="0"/>
+          </a:p>
+          <a:p>
+            <a:r>
+              <a:rPr lang="ru-RU" baseline="0" dirty="0" smtClean="0"/>
+              <a:t>Опять нам на помощь приходит чек-лист из 3-х пунктов.</a:t>
+            </a:r>
             <a:endParaRPr lang="ru-RU" baseline="0" dirty="0" smtClean="0"/>
           </a:p>
           <a:p>
+            <a:endParaRPr lang="ru-RU" baseline="0" dirty="0" smtClean="0"/>
+          </a:p>
+          <a:p>
+            <a:pPr marL="0" indent="0">
+              <a:buNone/>
+            </a:pPr>
             <a:r>
               <a:rPr lang="ru-RU" baseline="0" dirty="0" smtClean="0"/>
-              <a:t>Например, у нас есть система, в которой есть два пользователя: </a:t>
+              <a:t>Чтобы понимать, что угрожает нашей программе, мы должны идентифицировать угрозу. </a:t>
+            </a:r>
+          </a:p>
+          <a:p>
+            <a:pPr marL="0" indent="0">
+              <a:buNone/>
+            </a:pPr>
+            <a:r>
+              <a:rPr lang="ru-RU" baseline="0" dirty="0" smtClean="0"/>
+              <a:t>Что это значит</a:t>
+            </a:r>
+            <a:r>
+              <a:rPr lang="ru-RU" baseline="0" dirty="0" smtClean="0"/>
+              <a:t>? Это значит, что мы должны сопоставить этой угрозе одно из значений из списка </a:t>
             </a:r>
             <a:r>
               <a:rPr lang="en-US" baseline="0" dirty="0" smtClean="0"/>
-              <a:t>user</a:t>
-            </a:r>
+              <a:t>STRIDE.</a:t>
+            </a:r>
+            <a:endParaRPr lang="ru-RU" baseline="0" dirty="0" smtClean="0"/>
+          </a:p>
+          <a:p>
+            <a:pPr marL="0" indent="0">
+              <a:buNone/>
+            </a:pPr>
+            <a:endParaRPr lang="ru-RU" baseline="0" dirty="0" smtClean="0"/>
+          </a:p>
+          <a:p>
+            <a:endParaRPr lang="ru-RU" baseline="0" dirty="0" smtClean="0"/>
+          </a:p>
+          <a:p>
             <a:r>
               <a:rPr lang="ru-RU" baseline="0" dirty="0" smtClean="0"/>
-              <a:t> и </a:t>
-            </a:r>
-            <a:r>
-              <a:rPr lang="en-US" baseline="0" dirty="0" smtClean="0"/>
-              <a:t>admin</a:t>
-            </a:r>
+              <a:t>После этого мы должны все угрозы составить в список, чтобы он был перед глазами.</a:t>
+            </a:r>
+          </a:p>
+          <a:p>
+            <a:endParaRPr lang="ru-RU" baseline="0" dirty="0" smtClean="0"/>
+          </a:p>
+          <a:p>
             <a:r>
               <a:rPr lang="ru-RU" baseline="0" dirty="0" smtClean="0"/>
-              <a:t>. Причем пользователь </a:t>
-            </a:r>
-            <a:r>
-              <a:rPr lang="en-US" baseline="0" dirty="0" smtClean="0"/>
-              <a:t>admin</a:t>
+              <a:t>И в конце мы должны эти угрозы </a:t>
+            </a:r>
+            <a:r>
+              <a:rPr lang="ru-RU" baseline="0" dirty="0" err="1" smtClean="0"/>
+              <a:t>приоритезировать</a:t>
             </a:r>
             <a:r>
               <a:rPr lang="ru-RU" baseline="0" dirty="0" smtClean="0"/>
-              <a:t> обладает более мощными привилегиями, чем</a:t>
-            </a:r>
-            <a:r>
-              <a:rPr lang="en-US" baseline="0" dirty="0" smtClean="0"/>
-              <a:t> user</a:t>
+              <a:t>. Этот пункт очень важный и очень сложный. </a:t>
+            </a:r>
+            <a:r>
+              <a:rPr lang="ru-RU" baseline="0" dirty="0" smtClean="0"/>
+              <a:t>Важно понимать, какие угрозы наиболее реальны, какие нет. Какие угрозы несут большой вред системе, какие нет. В общем нужно угрозы переупорядочить, и работать с ними начиная с самой важной</a:t>
             </a:r>
             <a:r>
               <a:rPr lang="ru-RU" baseline="0" dirty="0" smtClean="0"/>
               <a:t>.</a:t>
             </a:r>
-          </a:p>
-          <a:p>
-            <a:endParaRPr lang="ru-RU" baseline="0" dirty="0" smtClean="0"/>
-          </a:p>
-          <a:p>
-            <a:r>
-              <a:rPr lang="ru-RU" baseline="0" dirty="0" smtClean="0"/>
-              <a:t>Злоумышленник обладая только логином и паролем </a:t>
-            </a:r>
-            <a:r>
-              <a:rPr lang="en-US" baseline="0" dirty="0" smtClean="0"/>
-              <a:t>user</a:t>
-            </a:r>
-            <a:r>
-              <a:rPr lang="ru-RU" baseline="0" dirty="0" smtClean="0"/>
-              <a:t> может совершать действия, которые доступны только администратору.</a:t>
-            </a:r>
-          </a:p>
-          <a:p>
-            <a:endParaRPr lang="ru-RU" baseline="0" dirty="0" smtClean="0"/>
+            <a:endParaRPr lang="en-US" baseline="0" dirty="0" smtClean="0"/>
           </a:p>
           <a:p>
             <a:endParaRPr lang="ru-RU" baseline="0" dirty="0" smtClean="0"/>
@@ -1735,7 +1797,7 @@
     </p:spTree>
     <p:extLst>
       <p:ext uri="{BB962C8B-B14F-4D97-AF65-F5344CB8AC3E}">
-        <p14:creationId xmlns:p14="http://schemas.microsoft.com/office/powerpoint/2010/main" val="1348462960"/>
+        <p14:creationId xmlns:p14="http://schemas.microsoft.com/office/powerpoint/2010/main" val="2081521291"/>
       </p:ext>
     </p:extLst>
   </p:cSld>
@@ -1791,97 +1853,56 @@
           <a:p>
             <a:r>
               <a:rPr lang="ru-RU" baseline="0" dirty="0" smtClean="0"/>
-              <a:t>Теперь, что такое моделирование угроз?</a:t>
+              <a:t>Давайте вернемся к пункту 1 – идентификация угроз.</a:t>
             </a:r>
           </a:p>
           <a:p>
             <a:endParaRPr lang="ru-RU" baseline="0" dirty="0" smtClean="0"/>
           </a:p>
           <a:p>
-            <a:pPr marL="0" indent="0">
-              <a:buNone/>
-            </a:pPr>
             <a:r>
               <a:rPr lang="ru-RU" baseline="0" dirty="0" smtClean="0"/>
-              <a:t>Чтобы понимать, что угрожает нашей программе, мы должны идентифицировать угрозу. </a:t>
-            </a:r>
-          </a:p>
-          <a:p>
-            <a:pPr marL="0" indent="0">
-              <a:buNone/>
-            </a:pPr>
+              <a:t>Как мы это будем делать?</a:t>
+            </a:r>
+          </a:p>
+          <a:p>
             <a:r>
               <a:rPr lang="ru-RU" baseline="0" dirty="0" smtClean="0"/>
-              <a:t>Что это значит?</a:t>
-            </a:r>
-          </a:p>
-          <a:p>
-            <a:pPr marL="0" indent="0">
-              <a:buNone/>
-            </a:pPr>
+              <a:t>Можно с наскоку навалиться на весь проект. Но такой подход вряд ли нам поможет при моделировании угроз в более-менее серьезном проекте.</a:t>
+            </a:r>
+          </a:p>
+          <a:p>
             <a:endParaRPr lang="ru-RU" baseline="0" dirty="0" smtClean="0"/>
           </a:p>
           <a:p>
-            <a:pPr marL="0" indent="0">
-              <a:buNone/>
-            </a:pPr>
             <a:r>
               <a:rPr lang="ru-RU" baseline="0" dirty="0" smtClean="0"/>
-              <a:t>Давайте рассмотрим пример. Допустим у нас есть некая система, вход в которую осуществляется по логину и паролю.</a:t>
-            </a:r>
-          </a:p>
-          <a:p>
-            <a:pPr marL="0" indent="0">
-              <a:buNone/>
-            </a:pPr>
+              <a:t>Опять же, есть формальный подход к идентификации и поиску всех угроз – это </a:t>
+            </a:r>
+            <a:r>
+              <a:rPr lang="en-US" baseline="0" dirty="0" smtClean="0"/>
+              <a:t>Data Flow </a:t>
+            </a:r>
             <a:r>
               <a:rPr lang="ru-RU" baseline="0" dirty="0" smtClean="0"/>
-              <a:t>Логины и пароли хранятся в обычном текстовом файле на этом же компьютере.</a:t>
-            </a:r>
-          </a:p>
-          <a:p>
-            <a:pPr marL="0" indent="0">
-              <a:buNone/>
-            </a:pPr>
+              <a:t>Диаграммы</a:t>
+            </a:r>
+            <a:r>
+              <a:rPr lang="en-US" baseline="0" dirty="0" smtClean="0"/>
+              <a:t> </a:t>
+            </a:r>
             <a:r>
               <a:rPr lang="ru-RU" baseline="0" dirty="0" smtClean="0"/>
-              <a:t>Давайте идентифицируем угрозу. Можно своими словами.</a:t>
-            </a:r>
-          </a:p>
-          <a:p>
-            <a:endParaRPr lang="ru-RU" baseline="0" dirty="0" smtClean="0"/>
-          </a:p>
-          <a:p>
-            <a:endParaRPr lang="ru-RU" baseline="0" dirty="0" smtClean="0"/>
-          </a:p>
-          <a:p>
-            <a:endParaRPr lang="ru-RU" baseline="0" dirty="0" smtClean="0"/>
-          </a:p>
-          <a:p>
+              <a:t>или </a:t>
+            </a:r>
+            <a:r>
+              <a:rPr lang="en-US" baseline="0" dirty="0" smtClean="0"/>
+              <a:t>DFD</a:t>
+            </a:r>
             <a:r>
               <a:rPr lang="ru-RU" baseline="0" dirty="0" smtClean="0"/>
-              <a:t>После этого мы должны все угрозы составить в список, чтобы он был перед глазами.</a:t>
-            </a:r>
-          </a:p>
-          <a:p>
-            <a:endParaRPr lang="ru-RU" baseline="0" dirty="0" smtClean="0"/>
-          </a:p>
-          <a:p>
-            <a:r>
-              <a:rPr lang="ru-RU" baseline="0" dirty="0" smtClean="0"/>
-              <a:t>И в конце мы должны эти угрозы </a:t>
-            </a:r>
-            <a:r>
-              <a:rPr lang="ru-RU" baseline="0" dirty="0" err="1" smtClean="0"/>
-              <a:t>приоритезировать</a:t>
-            </a:r>
-            <a:r>
-              <a:rPr lang="ru-RU" baseline="0" dirty="0" smtClean="0"/>
-              <a:t>. Важно понимать, какие угрозы наиболее реальны, какие нет. Какие угрозы несут большой вред системе, какие нет. В общем нужно угрозы переупорядочить, и работать с ними начиная с самой важной.</a:t>
-            </a:r>
-          </a:p>
-          <a:p>
-            <a:endParaRPr lang="ru-RU" baseline="0" dirty="0" smtClean="0"/>
+              <a:t> диаграммы.</a:t>
+            </a:r>
           </a:p>
         </p:txBody>
       </p:sp>
@@ -1912,7 +1933,7 @@
     </p:spTree>
     <p:extLst>
       <p:ext uri="{BB962C8B-B14F-4D97-AF65-F5344CB8AC3E}">
-        <p14:creationId xmlns:p14="http://schemas.microsoft.com/office/powerpoint/2010/main" val="2081521291"/>
+        <p14:creationId xmlns:p14="http://schemas.microsoft.com/office/powerpoint/2010/main" val="3580288171"/>
       </p:ext>
     </p:extLst>
   </p:cSld>
@@ -1968,47 +1989,7 @@
           <a:p>
             <a:r>
               <a:rPr lang="ru-RU" baseline="0" dirty="0" smtClean="0"/>
-              <a:t>Давайте вернемся к пункту 1 – идентификация угроз.</a:t>
-            </a:r>
-          </a:p>
-          <a:p>
-            <a:endParaRPr lang="ru-RU" baseline="0" dirty="0" smtClean="0"/>
-          </a:p>
-          <a:p>
-            <a:r>
-              <a:rPr lang="ru-RU" baseline="0" dirty="0" smtClean="0"/>
-              <a:t>Как мы это будем делать?</a:t>
-            </a:r>
-          </a:p>
-          <a:p>
-            <a:r>
-              <a:rPr lang="ru-RU" baseline="0" dirty="0" smtClean="0"/>
-              <a:t>Можно с наскоку навалиться на весь проект. Но такой подход вряд ли нам поможет при моделировании угроз в более-менее серьезном проекте.</a:t>
-            </a:r>
-          </a:p>
-          <a:p>
-            <a:endParaRPr lang="ru-RU" baseline="0" dirty="0" smtClean="0"/>
-          </a:p>
-          <a:p>
-            <a:r>
-              <a:rPr lang="ru-RU" baseline="0" dirty="0" smtClean="0"/>
-              <a:t>Опять же, есть формальный подход к идентификации и поиску всех угроз – это </a:t>
-            </a:r>
-            <a:r>
-              <a:rPr lang="en-US" baseline="0" dirty="0" smtClean="0"/>
-              <a:t>Data Flow </a:t>
-            </a:r>
-            <a:r>
-              <a:rPr lang="ru-RU" baseline="0" dirty="0" smtClean="0"/>
-              <a:t>Диаграммы</a:t>
-            </a:r>
-            <a:r>
-              <a:rPr lang="en-US" baseline="0" dirty="0" smtClean="0"/>
-              <a:t> </a:t>
-            </a:r>
-            <a:r>
-              <a:rPr lang="ru-RU" baseline="0" dirty="0" smtClean="0"/>
-              <a:t>или </a:t>
+              <a:t>Вот в принципе все элементы, которые участвуют в </a:t>
             </a:r>
             <a:r>
               <a:rPr lang="en-US" baseline="0" dirty="0" smtClean="0"/>
@@ -2016,7 +1997,121 @@
             </a:r>
             <a:r>
               <a:rPr lang="ru-RU" baseline="0" dirty="0" smtClean="0"/>
-              <a:t> диаграммы.</a:t>
+              <a:t> диаграмме.</a:t>
+            </a:r>
+          </a:p>
+          <a:p>
+            <a:endParaRPr lang="ru-RU" baseline="0" dirty="0" smtClean="0"/>
+          </a:p>
+          <a:p>
+            <a:r>
+              <a:rPr lang="ru-RU" baseline="0" dirty="0" smtClean="0"/>
+              <a:t>Давайте по каждому поговорим более подробно:</a:t>
+            </a:r>
+          </a:p>
+          <a:p>
+            <a:endParaRPr lang="ru-RU" baseline="0" dirty="0" smtClean="0"/>
+          </a:p>
+          <a:p>
+            <a:r>
+              <a:rPr lang="en-US" baseline="0" dirty="0" smtClean="0"/>
+              <a:t>External entity</a:t>
+            </a:r>
+            <a:r>
+              <a:rPr lang="ru-RU" baseline="0" dirty="0" smtClean="0"/>
+              <a:t> – это внешняя по отношению к нашей компоненте сущность – это либо пользователь, либо удаленный сервер, либо другое приложение. Важно – это активная сущность – то есть это не данные.</a:t>
+            </a:r>
+          </a:p>
+          <a:p>
+            <a:endParaRPr lang="ru-RU" baseline="0" dirty="0" smtClean="0"/>
+          </a:p>
+          <a:p>
+            <a:r>
+              <a:rPr lang="en-US" baseline="0" dirty="0" smtClean="0"/>
+              <a:t>Process – </a:t>
+            </a:r>
+            <a:r>
+              <a:rPr lang="ru-RU" baseline="0" dirty="0" smtClean="0"/>
+              <a:t>это собственно наш исполняемый модуль, который выполняет полезные действия. Таких процессов может быть несколько. Например, обычные потоки </a:t>
+            </a:r>
+            <a:r>
+              <a:rPr lang="en-US" baseline="0" dirty="0" smtClean="0"/>
+              <a:t>(thread)</a:t>
+            </a:r>
+            <a:r>
+              <a:rPr lang="ru-RU" baseline="0" dirty="0" smtClean="0"/>
+              <a:t> могут быть такими процессами. Могут быть разные приложения, </a:t>
+            </a:r>
+            <a:r>
+              <a:rPr lang="en-US" baseline="0" dirty="0" err="1" smtClean="0"/>
+              <a:t>dll</a:t>
+            </a:r>
+            <a:r>
+              <a:rPr lang="ru-RU" baseline="0" dirty="0" smtClean="0"/>
+              <a:t> и т.д.</a:t>
+            </a:r>
+          </a:p>
+          <a:p>
+            <a:endParaRPr lang="ru-RU" baseline="0" dirty="0" smtClean="0"/>
+          </a:p>
+          <a:p>
+            <a:r>
+              <a:rPr lang="en-US" baseline="0" dirty="0" smtClean="0"/>
+              <a:t>Data store – </a:t>
+            </a:r>
+            <a:r>
+              <a:rPr lang="ru-RU" baseline="0" dirty="0" smtClean="0"/>
+              <a:t>это всевозможные хранилища данных. Это могут быть как данные на диске, так и в памяти (если это имеет смысл). Это может быть база данных, реестр, </a:t>
+            </a:r>
+            <a:r>
+              <a:rPr lang="ru-RU" baseline="0" dirty="0" err="1" smtClean="0"/>
+              <a:t>конфиг</a:t>
+            </a:r>
+            <a:r>
+              <a:rPr lang="ru-RU" baseline="0" dirty="0" smtClean="0"/>
+              <a:t>-файл и т.д.</a:t>
+            </a:r>
+          </a:p>
+          <a:p>
+            <a:endParaRPr lang="ru-RU" baseline="0" dirty="0" smtClean="0"/>
+          </a:p>
+          <a:p>
+            <a:r>
+              <a:rPr lang="en-US" baseline="0" dirty="0" smtClean="0"/>
+              <a:t>Trust boundary</a:t>
+            </a:r>
+            <a:r>
+              <a:rPr lang="ru-RU" baseline="0" dirty="0" smtClean="0"/>
+              <a:t> – это граница, позволяющая объединить несколько процессов в одну группу. Например, если несколько процессов выполняются под одним и тем же пользователем, то их можно объединить в одну группу.</a:t>
+            </a:r>
+          </a:p>
+          <a:p>
+            <a:endParaRPr lang="ru-RU" baseline="0" dirty="0" smtClean="0"/>
+          </a:p>
+          <a:p>
+            <a:r>
+              <a:rPr lang="ru-RU" baseline="0" dirty="0" smtClean="0"/>
+              <a:t>Также можно отсекать границы доверия, например, когда данные уходят или приходят по сети, то это тоже граница доверия – только в этом случае она будет называться по другому – граница доверия локальной машины.</a:t>
+            </a:r>
+          </a:p>
+          <a:p>
+            <a:endParaRPr lang="ru-RU" baseline="0" dirty="0" smtClean="0"/>
+          </a:p>
+          <a:p>
+            <a:endParaRPr lang="ru-RU" baseline="0" dirty="0" smtClean="0"/>
+          </a:p>
+          <a:p>
+            <a:r>
+              <a:rPr lang="ru-RU" baseline="0" dirty="0" smtClean="0"/>
+              <a:t>Итак, все это звучит по умному, давайте я вам покажу наглядный пример, как нарисовать такую </a:t>
+            </a:r>
+            <a:r>
+              <a:rPr lang="en-US" baseline="0" dirty="0" smtClean="0"/>
+              <a:t>DFD</a:t>
+            </a:r>
+            <a:r>
+              <a:rPr lang="ru-RU" baseline="0" dirty="0" smtClean="0"/>
+              <a:t> диаграмму</a:t>
             </a:r>
           </a:p>
         </p:txBody>
@@ -2048,7 +2143,7 @@
     </p:spTree>
     <p:extLst>
       <p:ext uri="{BB962C8B-B14F-4D97-AF65-F5344CB8AC3E}">
-        <p14:creationId xmlns:p14="http://schemas.microsoft.com/office/powerpoint/2010/main" val="3580288171"/>
+        <p14:creationId xmlns:p14="http://schemas.microsoft.com/office/powerpoint/2010/main" val="78102990"/>
       </p:ext>
     </p:extLst>
   </p:cSld>
@@ -2104,7 +2199,7 @@
           <a:p>
             <a:r>
               <a:rPr lang="ru-RU" baseline="0" dirty="0" smtClean="0"/>
-              <a:t>Вот в принципе все элементы, которые участвуют в </a:t>
+              <a:t>Вот в качестве примера я привел </a:t>
             </a:r>
             <a:r>
               <a:rPr lang="en-US" baseline="0" dirty="0" smtClean="0"/>
@@ -2112,121 +2207,29 @@
             </a:r>
             <a:r>
               <a:rPr lang="ru-RU" baseline="0" dirty="0" smtClean="0"/>
-              <a:t> диаграмме.</a:t>
-            </a:r>
-          </a:p>
-          <a:p>
-            <a:endParaRPr lang="ru-RU" baseline="0" dirty="0" smtClean="0"/>
-          </a:p>
-          <a:p>
+              <a:t> диаграмму какого-то сервера, который принимает запросы по сети от пользователя и складывает их в базу</a:t>
+            </a:r>
             <a:r>
               <a:rPr lang="ru-RU" baseline="0" dirty="0" smtClean="0"/>
-              <a:t>Давайте по каждому поговорим более подробно:</a:t>
-            </a:r>
-          </a:p>
-          <a:p>
-            <a:endParaRPr lang="ru-RU" baseline="0" dirty="0" smtClean="0"/>
-          </a:p>
-          <a:p>
+              <a:t>.</a:t>
+            </a:r>
+            <a:endParaRPr lang="en-US" baseline="0" dirty="0" smtClean="0"/>
+          </a:p>
+          <a:p>
+            <a:endParaRPr lang="en-US" baseline="0" dirty="0" smtClean="0"/>
+          </a:p>
+          <a:p>
+            <a:r>
+              <a:rPr lang="ru-RU" baseline="0" dirty="0" smtClean="0"/>
+              <a:t>Я это делал в программе </a:t>
+            </a:r>
             <a:r>
               <a:rPr lang="en-US" baseline="0" dirty="0" smtClean="0"/>
-              <a:t>External entity</a:t>
-            </a:r>
-            <a:r>
-              <a:rPr lang="ru-RU" baseline="0" dirty="0" smtClean="0"/>
-              <a:t> – это внешняя по отношению к нашей компоненте сущность – это либо пользователь, либо удаленный сервер, либо другое приложение. Важно – это активная сущность – то есть это не данные.</a:t>
-            </a:r>
-          </a:p>
-          <a:p>
-            <a:endParaRPr lang="ru-RU" baseline="0" dirty="0" smtClean="0"/>
-          </a:p>
-          <a:p>
-            <a:r>
-              <a:rPr lang="en-US" baseline="0" dirty="0" smtClean="0"/>
-              <a:t>Process – </a:t>
-            </a:r>
-            <a:r>
-              <a:rPr lang="ru-RU" baseline="0" dirty="0" smtClean="0"/>
-              <a:t>это собственно наш исполняемый модуль, который выполняет полезные действия. Таких процессов может быть несколько. Например, обычные потоки </a:t>
-            </a:r>
-            <a:r>
-              <a:rPr lang="en-US" baseline="0" dirty="0" smtClean="0"/>
-              <a:t>(thread)</a:t>
-            </a:r>
-            <a:r>
-              <a:rPr lang="ru-RU" baseline="0" dirty="0" smtClean="0"/>
-              <a:t> могут быть такими процессами. Могут быть разные приложения, </a:t>
-            </a:r>
-            <a:r>
-              <a:rPr lang="en-US" baseline="0" dirty="0" err="1" smtClean="0"/>
-              <a:t>dll</a:t>
-            </a:r>
-            <a:r>
-              <a:rPr lang="ru-RU" baseline="0" dirty="0" smtClean="0"/>
-              <a:t> и т.д.</a:t>
-            </a:r>
-          </a:p>
-          <a:p>
-            <a:endParaRPr lang="ru-RU" baseline="0" dirty="0" smtClean="0"/>
-          </a:p>
-          <a:p>
-            <a:r>
-              <a:rPr lang="en-US" baseline="0" dirty="0" smtClean="0"/>
-              <a:t>Data store – </a:t>
-            </a:r>
-            <a:r>
-              <a:rPr lang="ru-RU" baseline="0" dirty="0" smtClean="0"/>
-              <a:t>это всевозможные хранилища данных. Это могут быть как данные на диске, так и в памяти (если это имеет смысл). Это может быть база данных, реестр, </a:t>
-            </a:r>
-            <a:r>
-              <a:rPr lang="ru-RU" baseline="0" dirty="0" err="1" smtClean="0"/>
-              <a:t>конфиг</a:t>
-            </a:r>
-            <a:r>
-              <a:rPr lang="ru-RU" baseline="0" dirty="0" smtClean="0"/>
-              <a:t>-файл и т.д.</a:t>
-            </a:r>
-          </a:p>
-          <a:p>
-            <a:endParaRPr lang="ru-RU" baseline="0" dirty="0" smtClean="0"/>
-          </a:p>
-          <a:p>
-            <a:r>
-              <a:rPr lang="en-US" baseline="0" dirty="0" smtClean="0"/>
-              <a:t>Trust boundary</a:t>
-            </a:r>
-            <a:r>
-              <a:rPr lang="ru-RU" baseline="0" dirty="0" smtClean="0"/>
-              <a:t> – это граница, позволяющая объединить несколько процессов в одну группу. Например, если несколько процессов выполняются под одним и тем же пользователем, то их можно объединить в одну группу.</a:t>
-            </a:r>
-          </a:p>
-          <a:p>
-            <a:endParaRPr lang="ru-RU" baseline="0" dirty="0" smtClean="0"/>
-          </a:p>
-          <a:p>
-            <a:r>
-              <a:rPr lang="ru-RU" baseline="0" dirty="0" smtClean="0"/>
-              <a:t>Также можно отсекать границы доверия, например, когда данные уходят или приходят по сети, то это тоже граница доверия – только в этом случае она будет называться по другому – граница доверия локальной машины.</a:t>
-            </a:r>
-          </a:p>
-          <a:p>
-            <a:endParaRPr lang="ru-RU" baseline="0" dirty="0" smtClean="0"/>
-          </a:p>
-          <a:p>
-            <a:endParaRPr lang="ru-RU" baseline="0" dirty="0" smtClean="0"/>
-          </a:p>
-          <a:p>
-            <a:r>
-              <a:rPr lang="ru-RU" baseline="0" dirty="0" smtClean="0"/>
-              <a:t>Итак, все это звучит по умному, давайте я вам покажу наглядный пример, как нарисовать такую </a:t>
-            </a:r>
-            <a:r>
-              <a:rPr lang="en-US" baseline="0" dirty="0" smtClean="0"/>
-              <a:t>DFD</a:t>
-            </a:r>
-            <a:r>
-              <a:rPr lang="ru-RU" baseline="0" dirty="0" smtClean="0"/>
-              <a:t> диаграмму</a:t>
+              <a:t>Microsoft </a:t>
+            </a:r>
+            <a:r>
+              <a:rPr lang="en-US" baseline="0" smtClean="0"/>
+              <a:t>Threat Modelling Tool.</a:t>
             </a:r>
             <a:endParaRPr lang="ru-RU" baseline="0" dirty="0" smtClean="0"/>
           </a:p>
@@ -2259,7 +2262,7 @@
     </p:spTree>
     <p:extLst>
       <p:ext uri="{BB962C8B-B14F-4D97-AF65-F5344CB8AC3E}">
-        <p14:creationId xmlns:p14="http://schemas.microsoft.com/office/powerpoint/2010/main" val="78102990"/>
+        <p14:creationId xmlns:p14="http://schemas.microsoft.com/office/powerpoint/2010/main" val="2345022417"/>
       </p:ext>
     </p:extLst>
   </p:cSld>
@@ -2315,7 +2318,7 @@
           <a:p>
             <a:r>
               <a:rPr lang="ru-RU" baseline="0" dirty="0" smtClean="0"/>
-              <a:t>Вот в качестве примера я привел </a:t>
+              <a:t>Ну и напоследок, табличка, облегчающая анализ </a:t>
             </a:r>
             <a:r>
               <a:rPr lang="en-US" baseline="0" dirty="0" smtClean="0"/>
@@ -2323,8 +2326,20 @@
             </a:r>
             <a:r>
               <a:rPr lang="ru-RU" baseline="0" dirty="0" smtClean="0"/>
-              <a:t> диаграмму какого-то сервера, который принимает запросы по сети от пользователя и складывает их в базу.</a:t>
-            </a:r>
+              <a:t> диаграмм на наличие угроз</a:t>
+            </a:r>
+            <a:r>
+              <a:rPr lang="en-US" baseline="0" dirty="0" smtClean="0"/>
+              <a:t>.</a:t>
+            </a:r>
+          </a:p>
+          <a:p>
+            <a:r>
+              <a:rPr lang="ru-RU" baseline="0" dirty="0" smtClean="0"/>
+              <a:t>В соответствии с этой табличкой вы можете проводить быстрый анализ угроз.</a:t>
+            </a:r>
+          </a:p>
+          <a:p>
             <a:endParaRPr lang="ru-RU" baseline="0" dirty="0" smtClean="0"/>
           </a:p>
         </p:txBody>
@@ -2356,7 +2371,7 @@
     </p:spTree>
     <p:extLst>
       <p:ext uri="{BB962C8B-B14F-4D97-AF65-F5344CB8AC3E}">
-        <p14:creationId xmlns:p14="http://schemas.microsoft.com/office/powerpoint/2010/main" val="2345022417"/>
+        <p14:creationId xmlns:p14="http://schemas.microsoft.com/office/powerpoint/2010/main" val="3168373287"/>
       </p:ext>
     </p:extLst>
   </p:cSld>
@@ -2427,7 +2442,425 @@
               <a:tabLst/>
               <a:defRPr/>
             </a:pPr>
-            <a:endParaRPr lang="en-US" dirty="0"/>
+            <a:r>
+              <a:rPr lang="ru-RU" dirty="0" smtClean="0"/>
+              <a:t>Моя сегодняшняя</a:t>
+            </a:r>
+            <a:r>
+              <a:rPr lang="ru-RU" baseline="0" dirty="0" smtClean="0"/>
+              <a:t> лекция будет состоять из двух частей.</a:t>
+            </a:r>
+          </a:p>
+          <a:p>
+            <a:pPr marL="0" marR="0" lvl="0" indent="0" algn="l" defTabSz="1161105" rtl="0" eaLnBrk="1" fontAlgn="auto" latinLnBrk="0" hangingPunct="1">
+              <a:lnSpc>
+                <a:spcPct val="100000"/>
+              </a:lnSpc>
+              <a:spcBef>
+                <a:spcPts val="0"/>
+              </a:spcBef>
+              <a:spcAft>
+                <a:spcPts val="0"/>
+              </a:spcAft>
+              <a:buClrTx/>
+              <a:buSzTx/>
+              <a:buFontTx/>
+              <a:buNone/>
+              <a:tabLst/>
+              <a:defRPr/>
+            </a:pPr>
+            <a:endParaRPr lang="ru-RU" baseline="0" dirty="0" smtClean="0"/>
+          </a:p>
+          <a:p>
+            <a:pPr marL="0" marR="0" lvl="0" indent="0" algn="l" defTabSz="1161105" rtl="0" eaLnBrk="1" fontAlgn="auto" latinLnBrk="0" hangingPunct="1">
+              <a:lnSpc>
+                <a:spcPct val="100000"/>
+              </a:lnSpc>
+              <a:spcBef>
+                <a:spcPts val="0"/>
+              </a:spcBef>
+              <a:spcAft>
+                <a:spcPts val="0"/>
+              </a:spcAft>
+              <a:buClrTx/>
+              <a:buSzTx/>
+              <a:buFontTx/>
+              <a:buNone/>
+              <a:tabLst/>
+              <a:defRPr/>
+            </a:pPr>
+            <a:r>
+              <a:rPr lang="ru-RU" baseline="0" dirty="0" smtClean="0"/>
+              <a:t>В первой части я попытаюсь кратко рассказать о том как можно разрабатывать архитектуру приложений с упором на безопасность, на основе методологии </a:t>
+            </a:r>
+            <a:r>
+              <a:rPr lang="en-US" baseline="0" dirty="0" smtClean="0"/>
+              <a:t>SDL</a:t>
+            </a:r>
+            <a:r>
+              <a:rPr lang="ru-RU" baseline="0" dirty="0" smtClean="0"/>
+              <a:t>.</a:t>
+            </a:r>
+          </a:p>
+          <a:p>
+            <a:pPr marL="0" marR="0" lvl="0" indent="0" algn="l" defTabSz="1161105" rtl="0" eaLnBrk="1" fontAlgn="auto" latinLnBrk="0" hangingPunct="1">
+              <a:lnSpc>
+                <a:spcPct val="100000"/>
+              </a:lnSpc>
+              <a:spcBef>
+                <a:spcPts val="0"/>
+              </a:spcBef>
+              <a:spcAft>
+                <a:spcPts val="0"/>
+              </a:spcAft>
+              <a:buClrTx/>
+              <a:buSzTx/>
+              <a:buFontTx/>
+              <a:buNone/>
+              <a:tabLst/>
+              <a:defRPr/>
+            </a:pPr>
+            <a:endParaRPr lang="ru-RU" baseline="0" dirty="0" smtClean="0"/>
+          </a:p>
+          <a:p>
+            <a:pPr marL="0" marR="0" lvl="0" indent="0" algn="l" defTabSz="1161105" rtl="0" eaLnBrk="1" fontAlgn="auto" latinLnBrk="0" hangingPunct="1">
+              <a:lnSpc>
+                <a:spcPct val="100000"/>
+              </a:lnSpc>
+              <a:spcBef>
+                <a:spcPts val="0"/>
+              </a:spcBef>
+              <a:spcAft>
+                <a:spcPts val="0"/>
+              </a:spcAft>
+              <a:buClrTx/>
+              <a:buSzTx/>
+              <a:buFontTx/>
+              <a:buNone/>
+              <a:tabLst/>
+              <a:defRPr/>
+            </a:pPr>
+            <a:r>
+              <a:rPr lang="ru-RU" baseline="0" dirty="0" smtClean="0"/>
+              <a:t>Во второй части лекции (надеюсь нам хватит 30 минут), мы попробуем сделать небольшое практическое задание.</a:t>
+            </a:r>
+          </a:p>
+          <a:p>
+            <a:pPr marL="0" marR="0" lvl="0" indent="0" algn="l" defTabSz="1161105" rtl="0" eaLnBrk="1" fontAlgn="auto" latinLnBrk="0" hangingPunct="1">
+              <a:lnSpc>
+                <a:spcPct val="100000"/>
+              </a:lnSpc>
+              <a:spcBef>
+                <a:spcPts val="0"/>
+              </a:spcBef>
+              <a:spcAft>
+                <a:spcPts val="0"/>
+              </a:spcAft>
+              <a:buClrTx/>
+              <a:buSzTx/>
+              <a:buFontTx/>
+              <a:buNone/>
+              <a:tabLst/>
+              <a:defRPr/>
+            </a:pPr>
+            <a:endParaRPr lang="ru-RU" baseline="0" dirty="0" smtClean="0"/>
+          </a:p>
+          <a:p>
+            <a:pPr marL="0" marR="0" lvl="0" indent="0" algn="l" defTabSz="1161105" rtl="0" eaLnBrk="1" fontAlgn="auto" latinLnBrk="0" hangingPunct="1">
+              <a:lnSpc>
+                <a:spcPct val="100000"/>
+              </a:lnSpc>
+              <a:spcBef>
+                <a:spcPts val="0"/>
+              </a:spcBef>
+              <a:spcAft>
+                <a:spcPts val="0"/>
+              </a:spcAft>
+              <a:buClrTx/>
+              <a:buSzTx/>
+              <a:buFontTx/>
+              <a:buNone/>
+              <a:tabLst/>
+              <a:defRPr/>
+            </a:pPr>
+            <a:r>
+              <a:rPr lang="ru-RU" baseline="0" dirty="0" smtClean="0"/>
+              <a:t>Программирования в этой лекции практически не будет, но, надеюсь, она будет не менее интересной.</a:t>
+            </a:r>
+          </a:p>
+          <a:p>
+            <a:pPr marL="0" marR="0" lvl="0" indent="0" algn="l" defTabSz="1161105" rtl="0" eaLnBrk="1" fontAlgn="auto" latinLnBrk="0" hangingPunct="1">
+              <a:lnSpc>
+                <a:spcPct val="100000"/>
+              </a:lnSpc>
+              <a:spcBef>
+                <a:spcPts val="0"/>
+              </a:spcBef>
+              <a:spcAft>
+                <a:spcPts val="0"/>
+              </a:spcAft>
+              <a:buClrTx/>
+              <a:buSzTx/>
+              <a:buFontTx/>
+              <a:buNone/>
+              <a:tabLst/>
+              <a:defRPr/>
+            </a:pPr>
+            <a:endParaRPr lang="ru-RU" baseline="0" dirty="0" smtClean="0"/>
+          </a:p>
+          <a:p>
+            <a:pPr marL="0" marR="0" lvl="0" indent="0" algn="l" defTabSz="1161105" rtl="0" eaLnBrk="1" fontAlgn="auto" latinLnBrk="0" hangingPunct="1">
+              <a:lnSpc>
+                <a:spcPct val="100000"/>
+              </a:lnSpc>
+              <a:spcBef>
+                <a:spcPts val="0"/>
+              </a:spcBef>
+              <a:spcAft>
+                <a:spcPts val="0"/>
+              </a:spcAft>
+              <a:buClrTx/>
+              <a:buSzTx/>
+              <a:buFontTx/>
+              <a:buNone/>
+              <a:tabLst/>
+              <a:defRPr/>
+            </a:pPr>
+            <a:r>
+              <a:rPr lang="ru-RU" baseline="0" dirty="0" smtClean="0"/>
+              <a:t>Мы будем обсуждать вопросы проектирования ПО. Именно на этапе проектирования закладываются основные ограничения и принципы работы ПО. Именно на этом этапе закладываются и «концептуальные» - нерешаемые проблемы, которые в дальнейшем без переделки архитектуры не исправить, поэтому важность проектирования ПО сложно переоценить.</a:t>
+            </a:r>
+          </a:p>
+          <a:p>
+            <a:pPr marL="0" marR="0" lvl="0" indent="0" algn="l" defTabSz="1161105" rtl="0" eaLnBrk="1" fontAlgn="auto" latinLnBrk="0" hangingPunct="1">
+              <a:lnSpc>
+                <a:spcPct val="100000"/>
+              </a:lnSpc>
+              <a:spcBef>
+                <a:spcPts val="0"/>
+              </a:spcBef>
+              <a:spcAft>
+                <a:spcPts val="0"/>
+              </a:spcAft>
+              <a:buClrTx/>
+              <a:buSzTx/>
+              <a:buFontTx/>
+              <a:buNone/>
+              <a:tabLst/>
+              <a:defRPr/>
+            </a:pPr>
+            <a:endParaRPr lang="ru-RU" baseline="0" dirty="0" smtClean="0"/>
+          </a:p>
+          <a:p>
+            <a:pPr marL="0" marR="0" lvl="0" indent="0" algn="l" defTabSz="1161105" rtl="0" eaLnBrk="1" fontAlgn="auto" latinLnBrk="0" hangingPunct="1">
+              <a:lnSpc>
+                <a:spcPct val="100000"/>
+              </a:lnSpc>
+              <a:spcBef>
+                <a:spcPts val="0"/>
+              </a:spcBef>
+              <a:spcAft>
+                <a:spcPts val="0"/>
+              </a:spcAft>
+              <a:buClrTx/>
+              <a:buSzTx/>
+              <a:buFontTx/>
+              <a:buNone/>
+              <a:tabLst/>
+              <a:defRPr/>
+            </a:pPr>
+            <a:r>
+              <a:rPr lang="ru-RU" baseline="0" dirty="0" smtClean="0"/>
+              <a:t>Это на самом деле сложная задача но довольно интересная. Так как именно здесь мы можем решить, как мы будем разрабатывать нашу компоненту: будем использовать новые, экспериментальные технологии, или же сделаем с помощью проверенных временем решений.</a:t>
+            </a:r>
+          </a:p>
+          <a:p>
+            <a:pPr marL="0" marR="0" lvl="0" indent="0" algn="l" defTabSz="1161105" rtl="0" eaLnBrk="1" fontAlgn="auto" latinLnBrk="0" hangingPunct="1">
+              <a:lnSpc>
+                <a:spcPct val="100000"/>
+              </a:lnSpc>
+              <a:spcBef>
+                <a:spcPts val="0"/>
+              </a:spcBef>
+              <a:spcAft>
+                <a:spcPts val="0"/>
+              </a:spcAft>
+              <a:buClrTx/>
+              <a:buSzTx/>
+              <a:buFontTx/>
+              <a:buNone/>
+              <a:tabLst/>
+              <a:defRPr/>
+            </a:pPr>
+            <a:endParaRPr lang="ru-RU" baseline="0" dirty="0" smtClean="0"/>
+          </a:p>
+          <a:p>
+            <a:pPr marL="0" marR="0" lvl="0" indent="0" algn="l" defTabSz="1161105" rtl="0" eaLnBrk="1" fontAlgn="auto" latinLnBrk="0" hangingPunct="1">
+              <a:lnSpc>
+                <a:spcPct val="100000"/>
+              </a:lnSpc>
+              <a:spcBef>
+                <a:spcPts val="0"/>
+              </a:spcBef>
+              <a:spcAft>
+                <a:spcPts val="0"/>
+              </a:spcAft>
+              <a:buClrTx/>
+              <a:buSzTx/>
+              <a:buFontTx/>
+              <a:buNone/>
+              <a:tabLst/>
+              <a:defRPr/>
+            </a:pPr>
+            <a:r>
+              <a:rPr lang="ru-RU" baseline="0" dirty="0" smtClean="0"/>
+              <a:t>Точно также на этапе проектирования ПО мы должны решить вопросы безопасности. Сейчас в эпоху интернета, облачных технологий, </a:t>
+            </a:r>
+            <a:r>
+              <a:rPr lang="en-US" baseline="0" dirty="0" smtClean="0"/>
+              <a:t>Internet Of Things</a:t>
+            </a:r>
+            <a:r>
+              <a:rPr lang="ru-RU" baseline="0" dirty="0" smtClean="0"/>
+              <a:t>, вопросы </a:t>
+            </a:r>
+            <a:r>
+              <a:rPr lang="ru-RU" baseline="0" dirty="0" err="1" smtClean="0"/>
+              <a:t>кибербезопасности</a:t>
+            </a:r>
+            <a:r>
+              <a:rPr lang="ru-RU" baseline="0" dirty="0" smtClean="0"/>
+              <a:t> как никогда актуальны.</a:t>
+            </a:r>
+          </a:p>
+          <a:p>
+            <a:pPr marL="0" marR="0" lvl="0" indent="0" algn="l" defTabSz="1161105" rtl="0" eaLnBrk="1" fontAlgn="auto" latinLnBrk="0" hangingPunct="1">
+              <a:lnSpc>
+                <a:spcPct val="100000"/>
+              </a:lnSpc>
+              <a:spcBef>
+                <a:spcPts val="0"/>
+              </a:spcBef>
+              <a:spcAft>
+                <a:spcPts val="0"/>
+              </a:spcAft>
+              <a:buClrTx/>
+              <a:buSzTx/>
+              <a:buFontTx/>
+              <a:buNone/>
+              <a:tabLst/>
+              <a:defRPr/>
+            </a:pPr>
+            <a:endParaRPr lang="ru-RU" baseline="0" dirty="0" smtClean="0"/>
+          </a:p>
+          <a:p>
+            <a:pPr marL="0" marR="0" lvl="0" indent="0" algn="l" defTabSz="1161105" rtl="0" eaLnBrk="1" fontAlgn="auto" latinLnBrk="0" hangingPunct="1">
+              <a:lnSpc>
+                <a:spcPct val="100000"/>
+              </a:lnSpc>
+              <a:spcBef>
+                <a:spcPts val="0"/>
+              </a:spcBef>
+              <a:spcAft>
+                <a:spcPts val="0"/>
+              </a:spcAft>
+              <a:buClrTx/>
+              <a:buSzTx/>
+              <a:buFontTx/>
+              <a:buNone/>
+              <a:tabLst/>
+              <a:defRPr/>
+            </a:pPr>
+            <a:r>
+              <a:rPr lang="ru-RU" baseline="0" dirty="0" smtClean="0"/>
+              <a:t>Для того, чтобы наше решение было безопасным, быстрым, надежным, удобным, нам просто необходима предварительная проработка архитектуры нашей программы.</a:t>
+            </a:r>
+          </a:p>
+          <a:p>
+            <a:pPr marL="0" marR="0" lvl="0" indent="0" algn="l" defTabSz="1161105" rtl="0" eaLnBrk="1" fontAlgn="auto" latinLnBrk="0" hangingPunct="1">
+              <a:lnSpc>
+                <a:spcPct val="100000"/>
+              </a:lnSpc>
+              <a:spcBef>
+                <a:spcPts val="0"/>
+              </a:spcBef>
+              <a:spcAft>
+                <a:spcPts val="0"/>
+              </a:spcAft>
+              <a:buClrTx/>
+              <a:buSzTx/>
+              <a:buFontTx/>
+              <a:buNone/>
+              <a:tabLst/>
+              <a:defRPr/>
+            </a:pPr>
+            <a:endParaRPr lang="ru-RU" baseline="0" dirty="0" smtClean="0"/>
+          </a:p>
+          <a:p>
+            <a:pPr marL="0" marR="0" lvl="0" indent="0" algn="l" defTabSz="1161105" rtl="0" eaLnBrk="1" fontAlgn="auto" latinLnBrk="0" hangingPunct="1">
+              <a:lnSpc>
+                <a:spcPct val="100000"/>
+              </a:lnSpc>
+              <a:spcBef>
+                <a:spcPts val="0"/>
+              </a:spcBef>
+              <a:spcAft>
+                <a:spcPts val="0"/>
+              </a:spcAft>
+              <a:buClrTx/>
+              <a:buSzTx/>
+              <a:buFontTx/>
+              <a:buNone/>
+              <a:tabLst/>
+              <a:defRPr/>
+            </a:pPr>
+            <a:r>
+              <a:rPr lang="ru-RU" baseline="0" dirty="0" smtClean="0"/>
+              <a:t>Проектирование – это сложно, это почти всегда компромисс. Большая удача, если предложенное решение будет надежным, быстрым, удобным и легко реализуемым. Но в этом и состоит искусство проектирования.</a:t>
+            </a:r>
+          </a:p>
+          <a:p>
+            <a:pPr marL="0" marR="0" lvl="0" indent="0" algn="l" defTabSz="1161105" rtl="0" eaLnBrk="1" fontAlgn="auto" latinLnBrk="0" hangingPunct="1">
+              <a:lnSpc>
+                <a:spcPct val="100000"/>
+              </a:lnSpc>
+              <a:spcBef>
+                <a:spcPts val="0"/>
+              </a:spcBef>
+              <a:spcAft>
+                <a:spcPts val="0"/>
+              </a:spcAft>
+              <a:buClrTx/>
+              <a:buSzTx/>
+              <a:buFontTx/>
+              <a:buNone/>
+              <a:tabLst/>
+              <a:defRPr/>
+            </a:pPr>
+            <a:endParaRPr lang="ru-RU" baseline="0" dirty="0" smtClean="0"/>
+          </a:p>
+          <a:p>
+            <a:pPr marL="0" marR="0" lvl="0" indent="0" algn="l" defTabSz="1161105" rtl="0" eaLnBrk="1" fontAlgn="auto" latinLnBrk="0" hangingPunct="1">
+              <a:lnSpc>
+                <a:spcPct val="100000"/>
+              </a:lnSpc>
+              <a:spcBef>
+                <a:spcPts val="0"/>
+              </a:spcBef>
+              <a:spcAft>
+                <a:spcPts val="0"/>
+              </a:spcAft>
+              <a:buClrTx/>
+              <a:buSzTx/>
+              <a:buFontTx/>
+              <a:buNone/>
+              <a:tabLst/>
+              <a:defRPr/>
+            </a:pPr>
+            <a:r>
+              <a:rPr lang="ru-RU" baseline="0" dirty="0" smtClean="0"/>
+              <a:t>Итак, поехали.</a:t>
+            </a:r>
           </a:p>
         </p:txBody>
       </p:sp>
@@ -2512,9 +2945,69 @@
           <a:bodyPr/>
           <a:lstStyle/>
           <a:p>
+            <a:pPr marL="0" marR="0" lvl="0" indent="0" algn="l" defTabSz="1161105" rtl="0" eaLnBrk="1" fontAlgn="auto" latinLnBrk="0" hangingPunct="1">
+              <a:lnSpc>
+                <a:spcPct val="100000"/>
+              </a:lnSpc>
+              <a:spcBef>
+                <a:spcPts val="0"/>
+              </a:spcBef>
+              <a:spcAft>
+                <a:spcPts val="0"/>
+              </a:spcAft>
+              <a:buClrTx/>
+              <a:buSzTx/>
+              <a:buFontTx/>
+              <a:buNone/>
+              <a:tabLst/>
+              <a:defRPr/>
+            </a:pPr>
             <a:r>
               <a:rPr lang="ru-RU" baseline="0" dirty="0" smtClean="0"/>
-              <a:t>Ну и напоследок, табличка, облегчающая анализ </a:t>
+              <a:t>Ну и напоследок, один вопрос, что мы со всей этой информацией будем делать?</a:t>
+            </a:r>
+          </a:p>
+          <a:p>
+            <a:pPr marL="0" marR="0" lvl="0" indent="0" algn="l" defTabSz="1161105" rtl="0" eaLnBrk="1" fontAlgn="auto" latinLnBrk="0" hangingPunct="1">
+              <a:lnSpc>
+                <a:spcPct val="100000"/>
+              </a:lnSpc>
+              <a:spcBef>
+                <a:spcPts val="0"/>
+              </a:spcBef>
+              <a:spcAft>
+                <a:spcPts val="0"/>
+              </a:spcAft>
+              <a:buClrTx/>
+              <a:buSzTx/>
+              <a:buFontTx/>
+              <a:buNone/>
+              <a:tabLst/>
+              <a:defRPr/>
+            </a:pPr>
+            <a:endParaRPr lang="ru-RU" baseline="0" dirty="0" smtClean="0"/>
+          </a:p>
+          <a:p>
+            <a:pPr marL="0" marR="0" lvl="0" indent="0" algn="l" defTabSz="1161105" rtl="0" eaLnBrk="1" fontAlgn="auto" latinLnBrk="0" hangingPunct="1">
+              <a:lnSpc>
+                <a:spcPct val="100000"/>
+              </a:lnSpc>
+              <a:spcBef>
+                <a:spcPts val="0"/>
+              </a:spcBef>
+              <a:spcAft>
+                <a:spcPts val="0"/>
+              </a:spcAft>
+              <a:buClrTx/>
+              <a:buSzTx/>
+              <a:buFontTx/>
+              <a:buNone/>
+              <a:tabLst/>
+              <a:defRPr/>
+            </a:pPr>
+            <a:r>
+              <a:rPr lang="ru-RU" baseline="0" dirty="0" smtClean="0"/>
+              <a:t>Вот мы построили </a:t>
             </a:r>
             <a:r>
               <a:rPr lang="en-US" baseline="0" dirty="0" smtClean="0"/>
@@ -2522,20 +3015,273 @@
             </a:r>
             <a:r>
               <a:rPr lang="ru-RU" baseline="0" dirty="0" smtClean="0"/>
-              <a:t> диаграмм на наличие угроз</a:t>
+              <a:t> диаграммы, выписали все угрозы. Что теперь с этим делать.</a:t>
+            </a:r>
+          </a:p>
+          <a:p>
+            <a:pPr marL="0" marR="0" lvl="0" indent="0" algn="l" defTabSz="1161105" rtl="0" eaLnBrk="1" fontAlgn="auto" latinLnBrk="0" hangingPunct="1">
+              <a:lnSpc>
+                <a:spcPct val="100000"/>
+              </a:lnSpc>
+              <a:spcBef>
+                <a:spcPts val="0"/>
+              </a:spcBef>
+              <a:spcAft>
+                <a:spcPts val="0"/>
+              </a:spcAft>
+              <a:buClrTx/>
+              <a:buSzTx/>
+              <a:buFontTx/>
+              <a:buNone/>
+              <a:tabLst/>
+              <a:defRPr/>
+            </a:pPr>
+            <a:endParaRPr lang="ru-RU" baseline="0" dirty="0" smtClean="0"/>
+          </a:p>
+          <a:p>
+            <a:pPr marL="0" marR="0" lvl="0" indent="0" algn="l" defTabSz="1161105" rtl="0" eaLnBrk="1" fontAlgn="auto" latinLnBrk="0" hangingPunct="1">
+              <a:lnSpc>
+                <a:spcPct val="100000"/>
+              </a:lnSpc>
+              <a:spcBef>
+                <a:spcPts val="0"/>
+              </a:spcBef>
+              <a:spcAft>
+                <a:spcPts val="0"/>
+              </a:spcAft>
+              <a:buClrTx/>
+              <a:buSzTx/>
+              <a:buFontTx/>
+              <a:buNone/>
+              <a:tabLst/>
+              <a:defRPr/>
+            </a:pPr>
+            <a:r>
+              <a:rPr lang="ru-RU" baseline="0" dirty="0" smtClean="0"/>
+              <a:t>В </a:t>
             </a:r>
             <a:r>
               <a:rPr lang="en-US" baseline="0" dirty="0" smtClean="0"/>
-              <a:t>.</a:t>
-            </a:r>
-          </a:p>
-          <a:p>
+              <a:t>SDL </a:t>
+            </a:r>
             <a:r>
               <a:rPr lang="ru-RU" baseline="0" dirty="0" smtClean="0"/>
-              <a:t>В соответствии с этой табличкой вы можете проводить быстрый анализ угроз.</a:t>
-            </a:r>
-          </a:p>
-          <a:p>
+              <a:t>есть такое понятие </a:t>
+            </a:r>
+            <a:r>
+              <a:rPr lang="en-US" baseline="0" dirty="0" smtClean="0"/>
+              <a:t>threat mitigation – </a:t>
+            </a:r>
+            <a:r>
+              <a:rPr lang="ru-RU" baseline="0" dirty="0" smtClean="0"/>
+              <a:t>смягчение угрозы.</a:t>
+            </a:r>
+          </a:p>
+          <a:p>
+            <a:pPr marL="0" marR="0" lvl="0" indent="0" algn="l" defTabSz="1161105" rtl="0" eaLnBrk="1" fontAlgn="auto" latinLnBrk="0" hangingPunct="1">
+              <a:lnSpc>
+                <a:spcPct val="100000"/>
+              </a:lnSpc>
+              <a:spcBef>
+                <a:spcPts val="0"/>
+              </a:spcBef>
+              <a:spcAft>
+                <a:spcPts val="0"/>
+              </a:spcAft>
+              <a:buClrTx/>
+              <a:buSzTx/>
+              <a:buFontTx/>
+              <a:buNone/>
+              <a:tabLst/>
+              <a:defRPr/>
+            </a:pPr>
+            <a:r>
+              <a:rPr lang="ru-RU" baseline="0" dirty="0" smtClean="0"/>
+              <a:t>Это такая последовательность действий, которая призвана уменьшить угрозу до приемлемого уровня, или совсем от нее избавиться.</a:t>
+            </a:r>
+          </a:p>
+          <a:p>
+            <a:pPr marL="0" marR="0" lvl="0" indent="0" algn="l" defTabSz="1161105" rtl="0" eaLnBrk="1" fontAlgn="auto" latinLnBrk="0" hangingPunct="1">
+              <a:lnSpc>
+                <a:spcPct val="100000"/>
+              </a:lnSpc>
+              <a:spcBef>
+                <a:spcPts val="0"/>
+              </a:spcBef>
+              <a:spcAft>
+                <a:spcPts val="0"/>
+              </a:spcAft>
+              <a:buClrTx/>
+              <a:buSzTx/>
+              <a:buFontTx/>
+              <a:buNone/>
+              <a:tabLst/>
+              <a:defRPr/>
+            </a:pPr>
+            <a:endParaRPr lang="ru-RU" baseline="0" dirty="0" smtClean="0"/>
+          </a:p>
+          <a:p>
+            <a:pPr marL="0" marR="0" lvl="0" indent="0" algn="l" defTabSz="1161105" rtl="0" eaLnBrk="1" fontAlgn="auto" latinLnBrk="0" hangingPunct="1">
+              <a:lnSpc>
+                <a:spcPct val="100000"/>
+              </a:lnSpc>
+              <a:spcBef>
+                <a:spcPts val="0"/>
+              </a:spcBef>
+              <a:spcAft>
+                <a:spcPts val="0"/>
+              </a:spcAft>
+              <a:buClrTx/>
+              <a:buSzTx/>
+              <a:buFontTx/>
+              <a:buNone/>
+              <a:tabLst/>
+              <a:defRPr/>
+            </a:pPr>
+            <a:r>
+              <a:rPr lang="ru-RU" baseline="0" dirty="0" smtClean="0"/>
+              <a:t>Бывают разные способы </a:t>
+            </a:r>
+            <a:r>
+              <a:rPr lang="ru-RU" baseline="0" dirty="0" err="1" smtClean="0"/>
+              <a:t>митигации</a:t>
+            </a:r>
+            <a:r>
+              <a:rPr lang="ru-RU" baseline="0" dirty="0" smtClean="0"/>
+              <a:t> угроз:</a:t>
+            </a:r>
+          </a:p>
+          <a:p>
+            <a:pPr marL="0" marR="0" lvl="0" indent="0" algn="l" defTabSz="1161105" rtl="0" eaLnBrk="1" fontAlgn="auto" latinLnBrk="0" hangingPunct="1">
+              <a:lnSpc>
+                <a:spcPct val="100000"/>
+              </a:lnSpc>
+              <a:spcBef>
+                <a:spcPts val="0"/>
+              </a:spcBef>
+              <a:spcAft>
+                <a:spcPts val="0"/>
+              </a:spcAft>
+              <a:buClrTx/>
+              <a:buSzTx/>
+              <a:buFontTx/>
+              <a:buNone/>
+              <a:tabLst/>
+              <a:defRPr/>
+            </a:pPr>
+            <a:endParaRPr lang="ru-RU" baseline="0" dirty="0" smtClean="0"/>
+          </a:p>
+          <a:p>
+            <a:pPr marL="342900" marR="0" lvl="0" indent="-342900" algn="l" defTabSz="1161105" rtl="0" eaLnBrk="1" fontAlgn="auto" latinLnBrk="0" hangingPunct="1">
+              <a:lnSpc>
+                <a:spcPct val="100000"/>
+              </a:lnSpc>
+              <a:spcBef>
+                <a:spcPts val="0"/>
+              </a:spcBef>
+              <a:spcAft>
+                <a:spcPts val="0"/>
+              </a:spcAft>
+              <a:buClrTx/>
+              <a:buSzTx/>
+              <a:buFontTx/>
+              <a:buAutoNum type="arabicPeriod"/>
+              <a:tabLst/>
+              <a:defRPr/>
+            </a:pPr>
+            <a:r>
+              <a:rPr lang="ru-RU" baseline="0" dirty="0" smtClean="0"/>
+              <a:t>Например, мы можем на этапе дизайна переработать (или вообще убрать) потоки данных или приложение, так что угроза исчезнет.</a:t>
+            </a:r>
+          </a:p>
+          <a:p>
+            <a:pPr marL="342900" marR="0" lvl="0" indent="-342900" algn="l" defTabSz="1161105" rtl="0" eaLnBrk="1" fontAlgn="auto" latinLnBrk="0" hangingPunct="1">
+              <a:lnSpc>
+                <a:spcPct val="100000"/>
+              </a:lnSpc>
+              <a:spcBef>
+                <a:spcPts val="0"/>
+              </a:spcBef>
+              <a:spcAft>
+                <a:spcPts val="0"/>
+              </a:spcAft>
+              <a:buClrTx/>
+              <a:buSzTx/>
+              <a:buFontTx/>
+              <a:buAutoNum type="arabicPeriod"/>
+              <a:tabLst/>
+              <a:defRPr/>
+            </a:pPr>
+            <a:r>
+              <a:rPr lang="ru-RU" baseline="0" dirty="0" smtClean="0"/>
+              <a:t>Мы можем использовать какую-то стандартную </a:t>
+            </a:r>
+            <a:r>
+              <a:rPr lang="ru-RU" baseline="0" dirty="0" err="1" smtClean="0"/>
+              <a:t>митигацию</a:t>
+            </a:r>
+            <a:r>
+              <a:rPr lang="ru-RU" baseline="0" dirty="0" smtClean="0"/>
+              <a:t> (об этом позже).</a:t>
+            </a:r>
+          </a:p>
+          <a:p>
+            <a:pPr marL="342900" marR="0" lvl="0" indent="-342900" algn="l" defTabSz="1161105" rtl="0" eaLnBrk="1" fontAlgn="auto" latinLnBrk="0" hangingPunct="1">
+              <a:lnSpc>
+                <a:spcPct val="100000"/>
+              </a:lnSpc>
+              <a:spcBef>
+                <a:spcPts val="0"/>
+              </a:spcBef>
+              <a:spcAft>
+                <a:spcPts val="0"/>
+              </a:spcAft>
+              <a:buClrTx/>
+              <a:buSzTx/>
+              <a:buFontTx/>
+              <a:buAutoNum type="arabicPeriod"/>
+              <a:tabLst/>
+              <a:defRPr/>
+            </a:pPr>
+            <a:r>
+              <a:rPr lang="ru-RU" baseline="0" dirty="0" smtClean="0"/>
+              <a:t>Мы можем внести описание угрозы в публичную документацию к нашей программе. Например: внимание, данная программа не обеспечивает конфиденциальности данных. Пожалуйста, используйте другие программы по защите данных, например </a:t>
+            </a:r>
+            <a:r>
+              <a:rPr lang="en-US" baseline="0" dirty="0" err="1" smtClean="0"/>
+              <a:t>GnuPG</a:t>
+            </a:r>
+            <a:r>
+              <a:rPr lang="ru-RU" baseline="0" dirty="0" smtClean="0"/>
+              <a:t>. Или, для того чтобы обезопасить себя от утечки данных, настройте </a:t>
+            </a:r>
+            <a:r>
+              <a:rPr lang="en-US" baseline="0" dirty="0" err="1" smtClean="0"/>
+              <a:t>FireWall</a:t>
+            </a:r>
+            <a:r>
+              <a:rPr lang="ru-RU" baseline="0" dirty="0" smtClean="0"/>
+              <a:t>, так чтобы он блокировал все соединения на порту 8080.</a:t>
+            </a:r>
+          </a:p>
+          <a:p>
+            <a:pPr marL="342900" marR="0" lvl="0" indent="-342900" algn="l" defTabSz="1161105" rtl="0" eaLnBrk="1" fontAlgn="auto" latinLnBrk="0" hangingPunct="1">
+              <a:lnSpc>
+                <a:spcPct val="100000"/>
+              </a:lnSpc>
+              <a:spcBef>
+                <a:spcPts val="0"/>
+              </a:spcBef>
+              <a:spcAft>
+                <a:spcPts val="0"/>
+              </a:spcAft>
+              <a:buClrTx/>
+              <a:buSzTx/>
+              <a:buFontTx/>
+              <a:buAutoNum type="arabicPeriod"/>
+              <a:tabLst/>
+              <a:defRPr/>
+            </a:pPr>
             <a:endParaRPr lang="ru-RU" baseline="0" dirty="0" smtClean="0"/>
           </a:p>
         </p:txBody>
@@ -2567,7 +3313,7 @@
     </p:spTree>
     <p:extLst>
       <p:ext uri="{BB962C8B-B14F-4D97-AF65-F5344CB8AC3E}">
-        <p14:creationId xmlns:p14="http://schemas.microsoft.com/office/powerpoint/2010/main" val="3168373287"/>
+        <p14:creationId xmlns:p14="http://schemas.microsoft.com/office/powerpoint/2010/main" val="2840477499"/>
       </p:ext>
     </p:extLst>
   </p:cSld>
@@ -2640,183 +3386,7 @@
             </a:pPr>
             <a:r>
               <a:rPr lang="ru-RU" baseline="0" dirty="0" smtClean="0"/>
-              <a:t>Ну и напоследок, один вопрос, что мы со всей этой информацией будем делать?</a:t>
-            </a:r>
-          </a:p>
-          <a:p>
-            <a:pPr marL="0" marR="0" lvl="0" indent="0" algn="l" defTabSz="1161105" rtl="0" eaLnBrk="1" fontAlgn="auto" latinLnBrk="0" hangingPunct="1">
-              <a:lnSpc>
-                <a:spcPct val="100000"/>
-              </a:lnSpc>
-              <a:spcBef>
-                <a:spcPts val="0"/>
-              </a:spcBef>
-              <a:spcAft>
-                <a:spcPts val="0"/>
-              </a:spcAft>
-              <a:buClrTx/>
-              <a:buSzTx/>
-              <a:buFontTx/>
-              <a:buNone/>
-              <a:tabLst/>
-              <a:defRPr/>
-            </a:pPr>
-            <a:endParaRPr lang="ru-RU" baseline="0" dirty="0" smtClean="0"/>
-          </a:p>
-          <a:p>
-            <a:pPr marL="0" marR="0" lvl="0" indent="0" algn="l" defTabSz="1161105" rtl="0" eaLnBrk="1" fontAlgn="auto" latinLnBrk="0" hangingPunct="1">
-              <a:lnSpc>
-                <a:spcPct val="100000"/>
-              </a:lnSpc>
-              <a:spcBef>
-                <a:spcPts val="0"/>
-              </a:spcBef>
-              <a:spcAft>
-                <a:spcPts val="0"/>
-              </a:spcAft>
-              <a:buClrTx/>
-              <a:buSzTx/>
-              <a:buFontTx/>
-              <a:buNone/>
-              <a:tabLst/>
-              <a:defRPr/>
-            </a:pPr>
-            <a:r>
-              <a:rPr lang="ru-RU" baseline="0" dirty="0" smtClean="0"/>
-              <a:t>Вот мы построили </a:t>
-            </a:r>
-            <a:r>
-              <a:rPr lang="en-US" baseline="0" dirty="0" smtClean="0"/>
-              <a:t>DFD</a:t>
-            </a:r>
-            <a:r>
-              <a:rPr lang="ru-RU" baseline="0" dirty="0" smtClean="0"/>
-              <a:t> диаграммы, выписали все угрозы. Что теперь с этим делать.</a:t>
-            </a:r>
-          </a:p>
-          <a:p>
-            <a:pPr marL="0" marR="0" lvl="0" indent="0" algn="l" defTabSz="1161105" rtl="0" eaLnBrk="1" fontAlgn="auto" latinLnBrk="0" hangingPunct="1">
-              <a:lnSpc>
-                <a:spcPct val="100000"/>
-              </a:lnSpc>
-              <a:spcBef>
-                <a:spcPts val="0"/>
-              </a:spcBef>
-              <a:spcAft>
-                <a:spcPts val="0"/>
-              </a:spcAft>
-              <a:buClrTx/>
-              <a:buSzTx/>
-              <a:buFontTx/>
-              <a:buNone/>
-              <a:tabLst/>
-              <a:defRPr/>
-            </a:pPr>
-            <a:endParaRPr lang="ru-RU" baseline="0" dirty="0" smtClean="0"/>
-          </a:p>
-          <a:p>
-            <a:pPr marL="0" marR="0" lvl="0" indent="0" algn="l" defTabSz="1161105" rtl="0" eaLnBrk="1" fontAlgn="auto" latinLnBrk="0" hangingPunct="1">
-              <a:lnSpc>
-                <a:spcPct val="100000"/>
-              </a:lnSpc>
-              <a:spcBef>
-                <a:spcPts val="0"/>
-              </a:spcBef>
-              <a:spcAft>
-                <a:spcPts val="0"/>
-              </a:spcAft>
-              <a:buClrTx/>
-              <a:buSzTx/>
-              <a:buFontTx/>
-              <a:buNone/>
-              <a:tabLst/>
-              <a:defRPr/>
-            </a:pPr>
-            <a:r>
-              <a:rPr lang="ru-RU" baseline="0" dirty="0" smtClean="0"/>
-              <a:t>В </a:t>
-            </a:r>
-            <a:r>
-              <a:rPr lang="en-US" baseline="0" dirty="0" smtClean="0"/>
-              <a:t>SDL </a:t>
-            </a:r>
-            <a:r>
-              <a:rPr lang="ru-RU" baseline="0" dirty="0" smtClean="0"/>
-              <a:t>есть такое понятие </a:t>
-            </a:r>
-            <a:r>
-              <a:rPr lang="en-US" baseline="0" dirty="0" smtClean="0"/>
-              <a:t>threat mitigation – </a:t>
-            </a:r>
-            <a:r>
-              <a:rPr lang="ru-RU" baseline="0" dirty="0" smtClean="0"/>
-              <a:t>смягчение угрозы.</a:t>
-            </a:r>
-          </a:p>
-          <a:p>
-            <a:pPr marL="0" marR="0" lvl="0" indent="0" algn="l" defTabSz="1161105" rtl="0" eaLnBrk="1" fontAlgn="auto" latinLnBrk="0" hangingPunct="1">
-              <a:lnSpc>
-                <a:spcPct val="100000"/>
-              </a:lnSpc>
-              <a:spcBef>
-                <a:spcPts val="0"/>
-              </a:spcBef>
-              <a:spcAft>
-                <a:spcPts val="0"/>
-              </a:spcAft>
-              <a:buClrTx/>
-              <a:buSzTx/>
-              <a:buFontTx/>
-              <a:buNone/>
-              <a:tabLst/>
-              <a:defRPr/>
-            </a:pPr>
-            <a:r>
-              <a:rPr lang="ru-RU" baseline="0" dirty="0" smtClean="0"/>
-              <a:t>Это такая последовательность действий, которая призвана уменьшить угрозу до приемлемого уровня, или совсем от нее избавиться.</a:t>
-            </a:r>
-          </a:p>
-          <a:p>
-            <a:pPr marL="0" marR="0" lvl="0" indent="0" algn="l" defTabSz="1161105" rtl="0" eaLnBrk="1" fontAlgn="auto" latinLnBrk="0" hangingPunct="1">
-              <a:lnSpc>
-                <a:spcPct val="100000"/>
-              </a:lnSpc>
-              <a:spcBef>
-                <a:spcPts val="0"/>
-              </a:spcBef>
-              <a:spcAft>
-                <a:spcPts val="0"/>
-              </a:spcAft>
-              <a:buClrTx/>
-              <a:buSzTx/>
-              <a:buFontTx/>
-              <a:buNone/>
-              <a:tabLst/>
-              <a:defRPr/>
-            </a:pPr>
-            <a:endParaRPr lang="ru-RU" baseline="0" dirty="0" smtClean="0"/>
-          </a:p>
-          <a:p>
-            <a:pPr marL="0" marR="0" lvl="0" indent="0" algn="l" defTabSz="1161105" rtl="0" eaLnBrk="1" fontAlgn="auto" latinLnBrk="0" hangingPunct="1">
-              <a:lnSpc>
-                <a:spcPct val="100000"/>
-              </a:lnSpc>
-              <a:spcBef>
-                <a:spcPts val="0"/>
-              </a:spcBef>
-              <a:spcAft>
-                <a:spcPts val="0"/>
-              </a:spcAft>
-              <a:buClrTx/>
-              <a:buSzTx/>
-              <a:buFontTx/>
-              <a:buNone/>
-              <a:tabLst/>
-              <a:defRPr/>
-            </a:pPr>
-            <a:r>
-              <a:rPr lang="ru-RU" baseline="0" dirty="0" smtClean="0"/>
-              <a:t>Бывают разные способы </a:t>
+              <a:t>Здесь представлены стандартные варианты </a:t>
             </a:r>
             <a:r>
               <a:rPr lang="ru-RU" baseline="0" dirty="0" err="1" smtClean="0"/>
@@ -2824,141 +3394,13 @@
             </a:r>
             <a:r>
               <a:rPr lang="ru-RU" baseline="0" dirty="0" smtClean="0"/>
-              <a:t> угроз:</a:t>
-            </a:r>
-          </a:p>
-          <a:p>
-            <a:pPr marL="0" marR="0" lvl="0" indent="0" algn="l" defTabSz="1161105" rtl="0" eaLnBrk="1" fontAlgn="auto" latinLnBrk="0" hangingPunct="1">
-              <a:lnSpc>
-                <a:spcPct val="100000"/>
-              </a:lnSpc>
-              <a:spcBef>
-                <a:spcPts val="0"/>
-              </a:spcBef>
-              <a:spcAft>
-                <a:spcPts val="0"/>
-              </a:spcAft>
-              <a:buClrTx/>
-              <a:buSzTx/>
-              <a:buFontTx/>
-              <a:buNone/>
-              <a:tabLst/>
-              <a:defRPr/>
-            </a:pPr>
-            <a:endParaRPr lang="ru-RU" baseline="0" dirty="0" smtClean="0"/>
-          </a:p>
-          <a:p>
-            <a:pPr marL="342900" marR="0" lvl="0" indent="-342900" algn="l" defTabSz="1161105" rtl="0" eaLnBrk="1" fontAlgn="auto" latinLnBrk="0" hangingPunct="1">
-              <a:lnSpc>
-                <a:spcPct val="100000"/>
-              </a:lnSpc>
-              <a:spcBef>
-                <a:spcPts val="0"/>
-              </a:spcBef>
-              <a:spcAft>
-                <a:spcPts val="0"/>
-              </a:spcAft>
-              <a:buClrTx/>
-              <a:buSzTx/>
-              <a:buFontTx/>
-              <a:buAutoNum type="arabicPeriod"/>
-              <a:tabLst/>
-              <a:defRPr/>
-            </a:pPr>
-            <a:r>
-              <a:rPr lang="ru-RU" baseline="0" dirty="0" smtClean="0"/>
-              <a:t>Например, мы можем на этапе дизайна переработать (или вообще убрать) потоки данных или приложение, так что угроза исчезнет.</a:t>
-            </a:r>
-          </a:p>
-          <a:p>
-            <a:pPr marL="342900" marR="0" lvl="0" indent="-342900" algn="l" defTabSz="1161105" rtl="0" eaLnBrk="1" fontAlgn="auto" latinLnBrk="0" hangingPunct="1">
-              <a:lnSpc>
-                <a:spcPct val="100000"/>
-              </a:lnSpc>
-              <a:spcBef>
-                <a:spcPts val="0"/>
-              </a:spcBef>
-              <a:spcAft>
-                <a:spcPts val="0"/>
-              </a:spcAft>
-              <a:buClrTx/>
-              <a:buSzTx/>
-              <a:buFontTx/>
-              <a:buAutoNum type="arabicPeriod"/>
-              <a:tabLst/>
-              <a:defRPr/>
-            </a:pPr>
-            <a:r>
-              <a:rPr lang="ru-RU" baseline="0" dirty="0" smtClean="0"/>
-              <a:t>Мы можем использовать какую-то стандартную </a:t>
-            </a:r>
-            <a:r>
-              <a:rPr lang="ru-RU" baseline="0" dirty="0" err="1" smtClean="0"/>
-              <a:t>митигацию</a:t>
-            </a:r>
-            <a:r>
-              <a:rPr lang="ru-RU" baseline="0" dirty="0" smtClean="0"/>
-              <a:t> (об этом позже).</a:t>
-            </a:r>
-          </a:p>
-          <a:p>
-            <a:pPr marL="342900" marR="0" lvl="0" indent="-342900" algn="l" defTabSz="1161105" rtl="0" eaLnBrk="1" fontAlgn="auto" latinLnBrk="0" hangingPunct="1">
-              <a:lnSpc>
-                <a:spcPct val="100000"/>
-              </a:lnSpc>
-              <a:spcBef>
-                <a:spcPts val="0"/>
-              </a:spcBef>
-              <a:spcAft>
-                <a:spcPts val="0"/>
-              </a:spcAft>
-              <a:buClrTx/>
-              <a:buSzTx/>
-              <a:buFontTx/>
-              <a:buAutoNum type="arabicPeriod"/>
-              <a:tabLst/>
-              <a:defRPr/>
-            </a:pPr>
-            <a:r>
-              <a:rPr lang="ru-RU" baseline="0" dirty="0" smtClean="0"/>
-              <a:t>Мы можем внести описание угрозы в публичную документацию к нашей программе. Например: внимание, данная программа не обеспечивает конфиденциальности данных. Пожалуйста, используйте другие программы по защите данных, например </a:t>
-            </a:r>
-            <a:r>
-              <a:rPr lang="en-US" baseline="0" dirty="0" err="1" smtClean="0"/>
-              <a:t>GnuPG</a:t>
-            </a:r>
-            <a:r>
-              <a:rPr lang="ru-RU" baseline="0" dirty="0" smtClean="0"/>
-              <a:t>. Или, для того чтобы обезопасить себя от утечки данных, настройте </a:t>
-            </a:r>
-            <a:r>
-              <a:rPr lang="en-US" baseline="0" dirty="0" err="1" smtClean="0"/>
-              <a:t>FireWall</a:t>
-            </a:r>
-            <a:r>
-              <a:rPr lang="ru-RU" baseline="0" dirty="0" smtClean="0"/>
-              <a:t>, так чтобы он блокировал все соединения на порту 8080.</a:t>
-            </a:r>
-          </a:p>
-          <a:p>
-            <a:pPr marL="342900" marR="0" lvl="0" indent="-342900" algn="l" defTabSz="1161105" rtl="0" eaLnBrk="1" fontAlgn="auto" latinLnBrk="0" hangingPunct="1">
-              <a:lnSpc>
-                <a:spcPct val="100000"/>
-              </a:lnSpc>
-              <a:spcBef>
-                <a:spcPts val="0"/>
-              </a:spcBef>
-              <a:spcAft>
-                <a:spcPts val="0"/>
-              </a:spcAft>
-              <a:buClrTx/>
-              <a:buSzTx/>
-              <a:buFontTx/>
-              <a:buAutoNum type="arabicPeriod"/>
-              <a:tabLst/>
-              <a:defRPr/>
-            </a:pPr>
-            <a:endParaRPr lang="ru-RU" baseline="0" dirty="0" smtClean="0"/>
+              <a:t> </a:t>
+            </a:r>
+            <a:r>
+              <a:rPr lang="ru-RU" baseline="0" smtClean="0"/>
+              <a:t>угроз.</a:t>
+            </a:r>
+            <a:endParaRPr lang="en-US" baseline="0" dirty="0" smtClean="0"/>
           </a:p>
         </p:txBody>
       </p:sp>
@@ -2989,7 +3431,7 @@
     </p:spTree>
     <p:extLst>
       <p:ext uri="{BB962C8B-B14F-4D97-AF65-F5344CB8AC3E}">
-        <p14:creationId xmlns:p14="http://schemas.microsoft.com/office/powerpoint/2010/main" val="2840477499"/>
+        <p14:creationId xmlns:p14="http://schemas.microsoft.com/office/powerpoint/2010/main" val="1112912105"/>
       </p:ext>
     </p:extLst>
   </p:cSld>
@@ -3018,7 +3460,7 @@
       </p:grpSpPr>
       <p:sp>
         <p:nvSpPr>
-          <p:cNvPr id="2" name="Образ слайда 1"/>
+          <p:cNvPr id="2" name="Slide Image Placeholder 1"/>
           <p:cNvSpPr>
             <a:spLocks noGrp="1" noRot="1" noChangeAspect="1"/>
           </p:cNvSpPr>
@@ -3030,7 +3472,7 @@
       </p:sp>
       <p:sp>
         <p:nvSpPr>
-          <p:cNvPr id="3" name="Заметки 2"/>
+          <p:cNvPr id="3" name="Notes Placeholder 2"/>
           <p:cNvSpPr>
             <a:spLocks noGrp="1"/>
           </p:cNvSpPr>
@@ -3043,7 +3485,7 @@
           <a:bodyPr/>
           <a:lstStyle/>
           <a:p>
-            <a:pPr marL="0" marR="0" lvl="0" indent="0" algn="l" defTabSz="1161105" rtl="0" eaLnBrk="1" fontAlgn="auto" latinLnBrk="0" hangingPunct="1">
+            <a:pPr marL="0" marR="0" indent="0" algn="l" defTabSz="1161105" rtl="0" eaLnBrk="1" fontAlgn="auto" latinLnBrk="0" hangingPunct="1">
               <a:lnSpc>
                 <a:spcPct val="100000"/>
               </a:lnSpc>
@@ -3061,28 +3503,19 @@
               <a:defRPr/>
             </a:pPr>
             <a:r>
-              <a:rPr lang="ru-RU" baseline="0" dirty="0" smtClean="0"/>
-              <a:t>Здесь представлены стандартные варианты </a:t>
-            </a:r>
-            <a:r>
-              <a:rPr lang="ru-RU" baseline="0" dirty="0" err="1" smtClean="0"/>
-              <a:t>митигации</a:t>
-            </a:r>
-            <a:r>
-              <a:rPr lang="ru-RU" baseline="0" dirty="0" smtClean="0"/>
-              <a:t> </a:t>
-            </a:r>
-            <a:r>
-              <a:rPr lang="ru-RU" baseline="0" smtClean="0"/>
-              <a:t>угроз.</a:t>
-            </a:r>
-            <a:endParaRPr lang="en-US" baseline="0" dirty="0" smtClean="0"/>
-          </a:p>
-        </p:txBody>
-      </p:sp>
-      <p:sp>
-        <p:nvSpPr>
-          <p:cNvPr id="4" name="Номер слайда 3"/>
+              <a:rPr lang="ru-RU" dirty="0" err="1"/>
+              <a:t>Дискас</a:t>
+            </a:r>
+            <a:r>
+              <a:rPr lang="ru-RU" dirty="0"/>
+              <a:t>!</a:t>
+            </a:r>
+          </a:p>
+        </p:txBody>
+      </p:sp>
+      <p:sp>
+        <p:nvSpPr>
+          <p:cNvPr id="4" name="Slide Number Placeholder 3"/>
           <p:cNvSpPr>
             <a:spLocks noGrp="1"/>
           </p:cNvSpPr>
@@ -3096,18 +3529,26 @@
           <a:lstStyle/>
           <a:p>
             <a:fld id="{83FDD216-B18C-4F7A-91C3-E6C7F0FB2278}" type="slidenum">
-              <a:rPr lang="ru-RU" smtClean="0"/>
+              <a:rPr lang="ru-RU" smtClean="0">
+                <a:solidFill>
+                  <a:prstClr val="black"/>
+                </a:solidFill>
+              </a:rPr>
               <a:pPr/>
               <a:t>22</a:t>
             </a:fld>
-            <a:endParaRPr lang="ru-RU" dirty="0"/>
+            <a:endParaRPr lang="ru-RU">
+              <a:solidFill>
+                <a:prstClr val="black"/>
+              </a:solidFill>
+            </a:endParaRPr>
           </a:p>
         </p:txBody>
       </p:sp>
     </p:spTree>
     <p:extLst>
       <p:ext uri="{BB962C8B-B14F-4D97-AF65-F5344CB8AC3E}">
-        <p14:creationId xmlns:p14="http://schemas.microsoft.com/office/powerpoint/2010/main" val="1112912105"/>
+        <p14:creationId xmlns:p14="http://schemas.microsoft.com/office/powerpoint/2010/main" val="2147510594"/>
       </p:ext>
     </p:extLst>
   </p:cSld>
@@ -3136,7 +3577,7 @@
       </p:grpSpPr>
       <p:sp>
         <p:nvSpPr>
-          <p:cNvPr id="2" name="Slide Image Placeholder 1"/>
+          <p:cNvPr id="2" name="Образ слайда 1"/>
           <p:cNvSpPr>
             <a:spLocks noGrp="1" noRot="1" noChangeAspect="1"/>
           </p:cNvSpPr>
@@ -3148,7 +3589,7 @@
       </p:sp>
       <p:sp>
         <p:nvSpPr>
-          <p:cNvPr id="3" name="Notes Placeholder 2"/>
+          <p:cNvPr id="3" name="Заметки 2"/>
           <p:cNvSpPr>
             <a:spLocks noGrp="1"/>
           </p:cNvSpPr>
@@ -3161,37 +3602,13 @@
           <a:bodyPr/>
           <a:lstStyle/>
           <a:p>
-            <a:pPr marL="0" marR="0" indent="0" algn="l" defTabSz="1161105" rtl="0" eaLnBrk="1" fontAlgn="auto" latinLnBrk="0" hangingPunct="1">
-              <a:lnSpc>
-                <a:spcPct val="100000"/>
-              </a:lnSpc>
-              <a:spcBef>
-                <a:spcPts val="0"/>
-              </a:spcBef>
-              <a:spcAft>
-                <a:spcPts val="0"/>
-              </a:spcAft>
-              <a:buClrTx/>
-              <a:buSzTx/>
-              <a:buFontTx/>
-              <a:buNone/>
-              <a:tabLst/>
-              <a:defRPr/>
-            </a:pPr>
-            <a:r>
-              <a:rPr lang="ru-RU" dirty="0" err="1"/>
-              <a:t>Дискас</a:t>
-            </a:r>
-            <a:r>
-              <a:rPr lang="ru-RU" dirty="0"/>
-              <a:t>!</a:t>
-            </a:r>
-          </a:p>
-        </p:txBody>
-      </p:sp>
-      <p:sp>
-        <p:nvSpPr>
-          <p:cNvPr id="4" name="Slide Number Placeholder 3"/>
+            <a:endParaRPr lang="en-US" baseline="0" dirty="0"/>
+          </a:p>
+        </p:txBody>
+      </p:sp>
+      <p:sp>
+        <p:nvSpPr>
+          <p:cNvPr id="4" name="Номер слайда 3"/>
           <p:cNvSpPr>
             <a:spLocks noGrp="1"/>
           </p:cNvSpPr>
@@ -3205,26 +3622,18 @@
           <a:lstStyle/>
           <a:p>
             <a:fld id="{83FDD216-B18C-4F7A-91C3-E6C7F0FB2278}" type="slidenum">
-              <a:rPr lang="ru-RU" smtClean="0">
-                <a:solidFill>
-                  <a:prstClr val="black"/>
-                </a:solidFill>
-              </a:rPr>
+              <a:rPr lang="ru-RU" smtClean="0"/>
               <a:pPr/>
               <a:t>23</a:t>
             </a:fld>
-            <a:endParaRPr lang="ru-RU">
-              <a:solidFill>
-                <a:prstClr val="black"/>
-              </a:solidFill>
-            </a:endParaRPr>
+            <a:endParaRPr lang="ru-RU" dirty="0"/>
           </a:p>
         </p:txBody>
       </p:sp>
     </p:spTree>
     <p:extLst>
       <p:ext uri="{BB962C8B-B14F-4D97-AF65-F5344CB8AC3E}">
-        <p14:creationId xmlns:p14="http://schemas.microsoft.com/office/powerpoint/2010/main" val="2147510594"/>
+        <p14:creationId xmlns:p14="http://schemas.microsoft.com/office/powerpoint/2010/main" val="3131211651"/>
       </p:ext>
     </p:extLst>
   </p:cSld>
@@ -3803,7 +4212,7 @@
             </a:pPr>
             <a:r>
               <a:rPr lang="ru-RU" baseline="0" dirty="0" smtClean="0"/>
-              <a:t>Описание поведения программы (структуры данных).</a:t>
+              <a:t>Описание поведения программы (структуры данных). Здесь мы описываем, что наша программа будет делать и как. Это по факту будет самая большая часть документа.</a:t>
             </a:r>
           </a:p>
           <a:p>
@@ -3820,7 +4229,7 @@
             </a:r>
             <a:r>
               <a:rPr lang="ru-RU" baseline="0" dirty="0" smtClean="0"/>
-              <a:t> и т.д.)</a:t>
+              <a:t> и т.д.). Какие компоненты (библиотеки) нам нужны, как мы их будем использовать, каких версий.</a:t>
             </a:r>
           </a:p>
           <a:p>
@@ -3833,7 +4242,7 @@
             </a:r>
             <a:r>
               <a:rPr lang="ru-RU" baseline="0" dirty="0" smtClean="0"/>
-              <a:t> ситуации</a:t>
+              <a:t> ситуации. Это очень важный пункт, к тому же он довольно сильно влияет на безопасность. Как мы будем обрабатывать ошибки конфигурации, недостатка памяти, недоступность базы данных.</a:t>
             </a:r>
             <a:endParaRPr lang="ru-RU" dirty="0" smtClean="0"/>
           </a:p>
@@ -3847,7 +4256,7 @@
             </a:r>
             <a:r>
               <a:rPr lang="ru-RU" baseline="0" dirty="0" smtClean="0"/>
-              <a:t> другие компоненты системы (ОС и т.д.).</a:t>
+              <a:t> другие компоненты системы (ОС и т.д.). Например, мы запрещаем логин пользователя без пароля для наших нужд. Как на это отреагирует система. Или мы создадим новую таблицу и пользователя в базе данных. Мы никому не должны помешать.</a:t>
             </a:r>
             <a:endParaRPr lang="ru-RU" dirty="0" smtClean="0"/>
           </a:p>
@@ -3857,8 +4266,13 @@
             </a:pPr>
             <a:r>
               <a:rPr lang="ru-RU" dirty="0" smtClean="0"/>
-              <a:t>Требования к безопасности</a:t>
-            </a:r>
+              <a:t>Требования к безопасности. Об этом мы сегодня</a:t>
+            </a:r>
+            <a:r>
+              <a:rPr lang="ru-RU" baseline="0" dirty="0" smtClean="0"/>
+              <a:t> будем говорить всю лекцию.</a:t>
+            </a:r>
+            <a:endParaRPr lang="ru-RU" dirty="0" smtClean="0"/>
           </a:p>
           <a:p>
             <a:pPr marL="342900" indent="-342900">
@@ -3870,7 +4284,11 @@
             </a:r>
             <a:r>
               <a:rPr lang="ru-RU" baseline="0" dirty="0" smtClean="0"/>
-              <a:t> ограничения и проблемы</a:t>
+              <a:t> ограничения и проблемы. Здесь мы учитываем, например, что к нашему серверу разрешено не более 10 коннектов одновременно. Наша программа не умеет работать через прокси сервер, нужно только прямое соединение и т.д. Эти ограничения тоже влияют на дизайн нашего приложения. Этот пункт тоже важен, и тоже очень сильно влияет на </a:t>
+            </a:r>
+            <a:r>
+              <a:rPr lang="en-US" baseline="0" dirty="0" smtClean="0"/>
+              <a:t>security.</a:t>
             </a:r>
             <a:endParaRPr lang="ru-RU" dirty="0" smtClean="0"/>
           </a:p>
@@ -4223,9 +4641,26 @@
             </a:r>
           </a:p>
           <a:p>
-            <a:endParaRPr lang="ru-RU" baseline="0" dirty="0" smtClean="0"/>
-          </a:p>
-          <a:p>
+            <a:endParaRPr lang="en-US" baseline="0" dirty="0" smtClean="0"/>
+          </a:p>
+          <a:p>
+            <a:pPr marL="0" marR="0" lvl="0" indent="0" algn="l" defTabSz="1161105" rtl="0" eaLnBrk="1" fontAlgn="auto" latinLnBrk="0" hangingPunct="1">
+              <a:lnSpc>
+                <a:spcPct val="100000"/>
+              </a:lnSpc>
+              <a:spcBef>
+                <a:spcPts val="0"/>
+              </a:spcBef>
+              <a:spcAft>
+                <a:spcPts val="0"/>
+              </a:spcAft>
+              <a:buClrTx/>
+              <a:buSzTx/>
+              <a:buFontTx/>
+              <a:buNone/>
+              <a:tabLst/>
+              <a:defRPr/>
+            </a:pPr>
             <a:r>
               <a:rPr lang="ru-RU" baseline="0" dirty="0" smtClean="0"/>
               <a:t>В практику</a:t>
@@ -4236,9 +4671,24 @@
             </a:r>
             <a:r>
               <a:rPr lang="ru-RU" baseline="0" dirty="0" smtClean="0"/>
-              <a:t> включается много всяких вещей.</a:t>
-            </a:r>
-            <a:endParaRPr lang="en-US" baseline="0" dirty="0"/>
+              <a:t> включается много всяких вещей, но мы с вами рассмотрим только одну часть </a:t>
+            </a:r>
+            <a:r>
+              <a:rPr lang="en-US" baseline="0" dirty="0" smtClean="0"/>
+              <a:t>SDL</a:t>
+            </a:r>
+            <a:r>
+              <a:rPr lang="ru-RU" baseline="0" dirty="0" smtClean="0"/>
+              <a:t> – а именно </a:t>
+            </a:r>
+            <a:r>
+              <a:rPr lang="en-US" baseline="0" dirty="0" smtClean="0"/>
+              <a:t>threat modelling</a:t>
+            </a:r>
+            <a:r>
+              <a:rPr lang="ru-RU" baseline="0" smtClean="0"/>
+              <a:t> – моделирование угроз.</a:t>
+            </a:r>
           </a:p>
         </p:txBody>
       </p:sp>
@@ -4325,15 +4775,15 @@
           <a:p>
             <a:r>
               <a:rPr lang="ru-RU" baseline="0" dirty="0" smtClean="0"/>
-              <a:t>Вот здесь вы видите такую скучную картинку. На ней указан полный процесс </a:t>
+              <a:t>На самом деле два остальных пункта тоже относятся к </a:t>
             </a:r>
             <a:r>
               <a:rPr lang="en-US" baseline="0" dirty="0" smtClean="0"/>
-              <a:t>SDL</a:t>
+              <a:t>threat modelling</a:t>
             </a:r>
             <a:r>
               <a:rPr lang="ru-RU" baseline="0" dirty="0" smtClean="0"/>
-              <a:t>.</a:t>
+              <a:t>, но они сами по себе являются довольно важными, поэтому я их вынес.</a:t>
             </a:r>
           </a:p>
           <a:p>
@@ -4342,101 +4792,36 @@
           <a:p>
             <a:r>
               <a:rPr lang="ru-RU" baseline="0" dirty="0" smtClean="0"/>
-              <a:t>Тут очень много пунктов, но не все пункты должны выполняться разработчиком.</a:t>
-            </a:r>
-          </a:p>
-          <a:p>
-            <a:endParaRPr lang="ru-RU" baseline="0" dirty="0" smtClean="0"/>
-          </a:p>
-          <a:p>
+              <a:t>Итак</a:t>
+            </a:r>
+            <a:r>
+              <a:rPr lang="en-US" baseline="0" dirty="0" smtClean="0"/>
+              <a:t> – threat modelling – </a:t>
+            </a:r>
             <a:r>
               <a:rPr lang="ru-RU" baseline="0" dirty="0" smtClean="0"/>
-              <a:t>Вот из интересного – это пункты реализация и проверка:</a:t>
-            </a:r>
-          </a:p>
-          <a:p>
-            <a:pPr marL="342900" indent="-342900">
-              <a:buAutoNum type="arabicPeriod"/>
-            </a:pPr>
+              <a:t>моделирование угроз на этом этапе мы будем пытаться выявить угрозы.</a:t>
+            </a:r>
+          </a:p>
+          <a:p>
+            <a:r>
+              <a:rPr lang="en-US" baseline="0" dirty="0" smtClean="0"/>
+              <a:t>Data flow diagram – </a:t>
+            </a:r>
             <a:r>
               <a:rPr lang="ru-RU" baseline="0" dirty="0" smtClean="0"/>
-              <a:t>Применение утвержденных инструментов – сюда входит все: язык программирования, </a:t>
-            </a:r>
+              <a:t>это наглядный способ выявить угрозы</a:t>
+            </a:r>
+          </a:p>
+          <a:p>
             <a:r>
               <a:rPr lang="en-US" baseline="0" dirty="0" smtClean="0"/>
-              <a:t>IDE</a:t>
+              <a:t>Threat mitigations</a:t>
             </a:r>
             <a:r>
               <a:rPr lang="ru-RU" baseline="0" dirty="0" smtClean="0"/>
-              <a:t>, утилиты для работы, сторонние библиотеки и т.д.</a:t>
-            </a:r>
-          </a:p>
-          <a:p>
-            <a:pPr marL="342900" indent="-342900">
-              <a:buAutoNum type="arabicPeriod"/>
-            </a:pPr>
-            <a:r>
-              <a:rPr lang="ru-RU" baseline="0" dirty="0" smtClean="0"/>
-              <a:t>Отказ от небезопасных функций</a:t>
-            </a:r>
-          </a:p>
-          <a:p>
-            <a:pPr marL="342900" indent="-342900">
-              <a:buAutoNum type="arabicPeriod"/>
-            </a:pPr>
-            <a:r>
-              <a:rPr lang="ru-RU" baseline="0" dirty="0" smtClean="0"/>
-              <a:t>Статический анализ</a:t>
-            </a:r>
-          </a:p>
-          <a:p>
-            <a:pPr marL="342900" indent="-342900">
-              <a:buAutoNum type="arabicPeriod"/>
-            </a:pPr>
-            <a:r>
-              <a:rPr lang="ru-RU" baseline="0" dirty="0" smtClean="0"/>
-              <a:t>Динамический анализ</a:t>
-            </a:r>
-          </a:p>
-          <a:p>
-            <a:pPr marL="342900" indent="-342900">
-              <a:buAutoNum type="arabicPeriod"/>
-            </a:pPr>
-            <a:r>
-              <a:rPr lang="ru-RU" baseline="0" dirty="0" smtClean="0"/>
-              <a:t>Нечеткое тестирование</a:t>
-            </a:r>
-            <a:r>
-              <a:rPr lang="en-US" baseline="0" dirty="0" smtClean="0"/>
-              <a:t> (fuzzing)</a:t>
-            </a:r>
-          </a:p>
-          <a:p>
-            <a:pPr marL="342900" indent="-342900">
-              <a:buAutoNum type="arabicPeriod"/>
-            </a:pPr>
-            <a:endParaRPr lang="en-US" baseline="0" dirty="0" smtClean="0"/>
-          </a:p>
-          <a:p>
-            <a:pPr marL="342900" indent="-342900">
-              <a:buAutoNum type="arabicPeriod"/>
-            </a:pPr>
-            <a:endParaRPr lang="en-US" baseline="0" dirty="0" smtClean="0"/>
-          </a:p>
-          <a:p>
-            <a:pPr marL="0" indent="0">
-              <a:buNone/>
-            </a:pPr>
-            <a:r>
-              <a:rPr lang="ru-RU" baseline="0" dirty="0" smtClean="0"/>
-              <a:t>Как видите, эти пункты должны выполняться на этапе разработки и тестирования.</a:t>
-            </a:r>
-          </a:p>
-          <a:p>
-            <a:pPr marL="0" indent="0">
-              <a:buNone/>
-            </a:pPr>
-            <a:endParaRPr lang="ru-RU" baseline="0" dirty="0" smtClean="0"/>
+              <a:t> – это способы избавления или уменьшения угроз.</a:t>
+            </a:r>
           </a:p>
         </p:txBody>
       </p:sp>
@@ -4521,35 +4906,133 @@
           <a:bodyPr/>
           <a:lstStyle/>
           <a:p>
-            <a:pPr marL="0" indent="0">
-              <a:buNone/>
+            <a:r>
+              <a:rPr lang="ru-RU" baseline="0" dirty="0" smtClean="0"/>
+              <a:t>Одной из частей </a:t>
+            </a:r>
+            <a:r>
+              <a:rPr lang="en-US" baseline="0" dirty="0" smtClean="0"/>
+              <a:t>SDL</a:t>
+            </a:r>
+            <a:r>
+              <a:rPr lang="ru-RU" baseline="0" dirty="0" smtClean="0"/>
+              <a:t> </a:t>
+            </a:r>
+            <a:r>
+              <a:rPr lang="ru-RU" baseline="0" dirty="0" smtClean="0"/>
+              <a:t>как раз является </a:t>
+            </a:r>
+            <a:r>
+              <a:rPr lang="en-US" baseline="0" dirty="0" smtClean="0"/>
+              <a:t>threat modelling – </a:t>
+            </a:r>
+            <a:r>
+              <a:rPr lang="ru-RU" baseline="0" dirty="0" smtClean="0"/>
+              <a:t>моделирование угроз.</a:t>
+            </a:r>
+          </a:p>
+          <a:p>
+            <a:endParaRPr lang="ru-RU" baseline="0" dirty="0" smtClean="0"/>
+          </a:p>
+          <a:p>
+            <a:r>
+              <a:rPr lang="ru-RU" baseline="0" dirty="0" smtClean="0"/>
+              <a:t>Кто знает что такое угроза?</a:t>
+            </a:r>
+          </a:p>
+          <a:p>
+            <a:r>
+              <a:rPr lang="ru-RU" baseline="0" dirty="0" smtClean="0"/>
+              <a:t>Угроза – это то что угрожает штатному поведению системы. Угроза может привести к различным проблемам, а может и не привести</a:t>
+            </a:r>
+            <a:r>
+              <a:rPr lang="ru-RU" baseline="0" dirty="0" smtClean="0"/>
+              <a:t>.</a:t>
+            </a:r>
+          </a:p>
+          <a:p>
+            <a:pPr marL="0" marR="0" lvl="0" indent="0" algn="l" defTabSz="1161105" rtl="0" eaLnBrk="1" fontAlgn="auto" latinLnBrk="0" hangingPunct="1">
+              <a:lnSpc>
+                <a:spcPct val="100000"/>
+              </a:lnSpc>
+              <a:spcBef>
+                <a:spcPts val="0"/>
+              </a:spcBef>
+              <a:spcAft>
+                <a:spcPts val="0"/>
+              </a:spcAft>
+              <a:buClrTx/>
+              <a:buSzTx/>
+              <a:buFontTx/>
+              <a:buNone/>
+              <a:tabLst/>
+              <a:defRPr/>
             </a:pPr>
             <a:r>
               <a:rPr lang="ru-RU" baseline="0" dirty="0" smtClean="0"/>
-              <a:t>Но мы с вами сегодня будем говорить не об этих пунктах. Мы с вами поговорим о вот этих двух пунктах. Вот я их выделил красненьким.</a:t>
-            </a:r>
-          </a:p>
-          <a:p>
+              <a:t>Тут важно понимать, что угроза может возникнуть из-за того, что на этапе проектирования не учли эту угрозу, так и из-за банального бага в реализации.</a:t>
+            </a:r>
+          </a:p>
+          <a:p>
+            <a:pPr marL="0" marR="0" lvl="0" indent="0" algn="l" defTabSz="1161105" rtl="0" eaLnBrk="1" fontAlgn="auto" latinLnBrk="0" hangingPunct="1">
+              <a:lnSpc>
+                <a:spcPct val="100000"/>
+              </a:lnSpc>
+              <a:spcBef>
+                <a:spcPts val="0"/>
+              </a:spcBef>
+              <a:spcAft>
+                <a:spcPts val="0"/>
+              </a:spcAft>
+              <a:buClrTx/>
+              <a:buSzTx/>
+              <a:buFontTx/>
+              <a:buNone/>
+              <a:tabLst/>
+              <a:defRPr/>
+            </a:pPr>
             <a:endParaRPr lang="ru-RU" baseline="0" dirty="0" smtClean="0"/>
           </a:p>
           <a:p>
+            <a:pPr marL="0" marR="0" lvl="0" indent="0" algn="l" defTabSz="1161105" rtl="0" eaLnBrk="1" fontAlgn="auto" latinLnBrk="0" hangingPunct="1">
+              <a:lnSpc>
+                <a:spcPct val="100000"/>
+              </a:lnSpc>
+              <a:spcBef>
+                <a:spcPts val="0"/>
+              </a:spcBef>
+              <a:spcAft>
+                <a:spcPts val="0"/>
+              </a:spcAft>
+              <a:buClrTx/>
+              <a:buSzTx/>
+              <a:buFontTx/>
+              <a:buNone/>
+              <a:tabLst/>
+              <a:defRPr/>
+            </a:pPr>
+            <a:r>
+              <a:rPr lang="ru-RU" baseline="0" dirty="0" smtClean="0"/>
+              <a:t>Кроме того, одна угроза, сама по себе может не приносить вреда, однако в сочетании с другими угрозами это может перерасти в настоящую уязвимость.</a:t>
+            </a:r>
+          </a:p>
+          <a:p>
             <a:endParaRPr lang="ru-RU" baseline="0" dirty="0" smtClean="0"/>
           </a:p>
           <a:p>
             <a:r>
               <a:rPr lang="ru-RU" baseline="0" dirty="0" smtClean="0"/>
-              <a:t>Собственно, обучением (хоть и весьма кратким) мы сейчас занимаемся, поэтому этот пункт я и выделил.</a:t>
-            </a:r>
-          </a:p>
-          <a:p>
+              <a:t>Давайте </a:t>
+            </a:r>
+            <a:r>
+              <a:rPr lang="ru-RU" baseline="0" dirty="0" smtClean="0"/>
+              <a:t>обсудим, какие виды угроз бывают, как они классифицируются</a:t>
+            </a:r>
+            <a:r>
+              <a:rPr lang="ru-RU" baseline="0" dirty="0" smtClean="0"/>
+              <a:t>.</a:t>
+            </a:r>
             <a:endParaRPr lang="ru-RU" baseline="0" dirty="0" smtClean="0"/>
-          </a:p>
-          <a:p>
-            <a:r>
-              <a:rPr lang="ru-RU" baseline="0" dirty="0" smtClean="0"/>
-              <a:t>После нашего обучения мы займемся как раз проектированием. Во второй части лекции мы разберем один пример – как раз и будем заниматься проектированием.</a:t>
-            </a:r>
-            <a:endParaRPr lang="en-US" baseline="0" dirty="0"/>
           </a:p>
         </p:txBody>
       </p:sp>
@@ -4580,7 +5063,7 @@
     </p:spTree>
     <p:extLst>
       <p:ext uri="{BB962C8B-B14F-4D97-AF65-F5344CB8AC3E}">
-        <p14:creationId xmlns:p14="http://schemas.microsoft.com/office/powerpoint/2010/main" val="2412972392"/>
+        <p14:creationId xmlns:p14="http://schemas.microsoft.com/office/powerpoint/2010/main" val="3442518557"/>
       </p:ext>
     </p:extLst>
   </p:cSld>
@@ -4635,70 +5118,65 @@
           <a:lstStyle/>
           <a:p>
             <a:r>
+              <a:rPr lang="en-US" baseline="0" dirty="0" smtClean="0"/>
+              <a:t>SDL</a:t>
+            </a:r>
+            <a:r>
               <a:rPr lang="ru-RU" baseline="0" dirty="0" smtClean="0"/>
-              <a:t>Одной из частей проектирования (дизайна) как раз является </a:t>
+              <a:t> оперирует 6-ю видами угроз. Их названия формируют акроним </a:t>
             </a:r>
             <a:r>
               <a:rPr lang="en-US" baseline="0" dirty="0" smtClean="0"/>
-              <a:t>threat modelling – </a:t>
-            </a:r>
+              <a:t>STRIDE.</a:t>
+            </a:r>
+          </a:p>
+          <a:p>
             <a:r>
               <a:rPr lang="ru-RU" baseline="0" dirty="0" smtClean="0"/>
-              <a:t>моделирование угроз.</a:t>
-            </a:r>
-          </a:p>
-          <a:p>
+              <a:t>Вот они здесь перечислены. Давайте по каждой из них пройдемся</a:t>
+            </a:r>
+            <a:endParaRPr lang="en-US" baseline="0" dirty="0" smtClean="0"/>
+          </a:p>
+          <a:p>
+            <a:endParaRPr lang="en-US" baseline="0" dirty="0" smtClean="0"/>
+          </a:p>
+          <a:p>
+            <a:endParaRPr lang="en-US" baseline="0" dirty="0" smtClean="0"/>
+          </a:p>
+          <a:p>
+            <a:r>
+              <a:rPr lang="ru-RU" baseline="0" dirty="0" smtClean="0"/>
+              <a:t>В таблице приведены все угрозы с точки зрения </a:t>
+            </a:r>
+            <a:r>
+              <a:rPr lang="en-US" baseline="0" dirty="0" smtClean="0"/>
+              <a:t>SDL</a:t>
+            </a:r>
+            <a:r>
+              <a:rPr lang="ru-RU" baseline="0" dirty="0" smtClean="0"/>
+              <a:t>, а также необходимые свойства компоненты, позволяющие избежать конкретной угрозы</a:t>
+            </a:r>
+            <a:r>
+              <a:rPr lang="ru-RU" baseline="0" dirty="0" smtClean="0"/>
+              <a:t>.</a:t>
+            </a:r>
+            <a:endParaRPr lang="en-US" baseline="0" dirty="0" smtClean="0"/>
+          </a:p>
+          <a:p>
+            <a:endParaRPr lang="en-US" baseline="0" dirty="0" smtClean="0"/>
+          </a:p>
+          <a:p>
+            <a:r>
+              <a:rPr lang="ru-RU" baseline="0" dirty="0" smtClean="0"/>
+              <a:t>Теперь мы обсудим каждую угрозу более детально</a:t>
+            </a:r>
             <a:endParaRPr lang="ru-RU" baseline="0" dirty="0" smtClean="0"/>
           </a:p>
           <a:p>
-            <a:r>
-              <a:rPr lang="ru-RU" baseline="0" dirty="0" smtClean="0"/>
-              <a:t>Кто знает что такое угроза?</a:t>
-            </a:r>
-          </a:p>
-          <a:p>
-            <a:r>
-              <a:rPr lang="ru-RU" baseline="0" dirty="0" smtClean="0"/>
-              <a:t>Угроза – это то что угрожает штатному поведению системы. Угроза может привести к различным проблемам, а может и не привести.</a:t>
-            </a:r>
-          </a:p>
-          <a:p>
             <a:endParaRPr lang="ru-RU" baseline="0" dirty="0" smtClean="0"/>
           </a:p>
           <a:p>
-            <a:r>
-              <a:rPr lang="ru-RU" baseline="0" dirty="0" smtClean="0"/>
-              <a:t>Теперь мы поговорим о том, как моделировать эти самые угрозы.</a:t>
-            </a:r>
-            <a:endParaRPr lang="en-US" baseline="0" dirty="0" smtClean="0"/>
-          </a:p>
-          <a:p>
-            <a:endParaRPr lang="en-US" baseline="0" dirty="0" smtClean="0"/>
-          </a:p>
-          <a:p>
-            <a:r>
-              <a:rPr lang="en-US" baseline="0" dirty="0" smtClean="0"/>
-              <a:t>C</a:t>
-            </a:r>
-            <a:r>
-              <a:rPr lang="ru-RU" baseline="0" dirty="0" smtClean="0"/>
-              <a:t>сначала мы обсудим, какие виды угроз бывают, как они классифицируются.</a:t>
-            </a:r>
-          </a:p>
-          <a:p>
             <a:endParaRPr lang="ru-RU" baseline="0" dirty="0" smtClean="0"/>
-          </a:p>
-          <a:p>
-            <a:r>
-              <a:rPr lang="ru-RU" baseline="0" dirty="0" smtClean="0"/>
-              <a:t>И опять, есть формальные механизмы, благодаря которым, мы сможем успешно смоделировать все наши угрозы.</a:t>
-            </a:r>
-          </a:p>
-          <a:p>
-            <a:r>
-              <a:rPr lang="ru-RU" baseline="0" dirty="0" smtClean="0"/>
-              <a:t>Это чек-лист из трех пунктов, давайте на него посмотрим.</a:t>
-            </a:r>
           </a:p>
         </p:txBody>
       </p:sp>
@@ -4729,7 +5207,7 @@
     </p:spTree>
     <p:extLst>
       <p:ext uri="{BB962C8B-B14F-4D97-AF65-F5344CB8AC3E}">
-        <p14:creationId xmlns:p14="http://schemas.microsoft.com/office/powerpoint/2010/main" val="3442518557"/>
+        <p14:creationId xmlns:p14="http://schemas.microsoft.com/office/powerpoint/2010/main" val="314644239"/>
       </p:ext>
     </p:extLst>
   </p:cSld>
@@ -4784,61 +5262,75 @@
           <a:lstStyle/>
           <a:p>
             <a:r>
+              <a:rPr lang="ru-RU" baseline="0" dirty="0" smtClean="0"/>
+              <a:t>Итак, </a:t>
+            </a:r>
+            <a:r>
               <a:rPr lang="en-US" baseline="0" dirty="0" smtClean="0"/>
-              <a:t>SDL</a:t>
+              <a:t>spoofing</a:t>
             </a:r>
             <a:r>
               <a:rPr lang="ru-RU" baseline="0" dirty="0" smtClean="0"/>
-              <a:t> оперирует 6-ю видами угроз. Их названия формируют акроним </a:t>
+              <a:t> – процесс подмены пользователя или программы.</a:t>
+            </a:r>
+          </a:p>
+          <a:p>
+            <a:endParaRPr lang="ru-RU" baseline="0" dirty="0" smtClean="0"/>
+          </a:p>
+          <a:p>
+            <a:r>
+              <a:rPr lang="ru-RU" baseline="0" dirty="0" smtClean="0"/>
+              <a:t>Эта атака возникает в том случае, если нет механизма проверки подлинности (аутентификации).</a:t>
+            </a:r>
+          </a:p>
+          <a:p>
+            <a:endParaRPr lang="ru-RU" baseline="0" dirty="0" smtClean="0"/>
+          </a:p>
+          <a:p>
+            <a:r>
+              <a:rPr lang="ru-RU" baseline="0" dirty="0" smtClean="0"/>
+              <a:t>Например, </a:t>
+            </a:r>
+            <a:r>
+              <a:rPr lang="ru-RU" baseline="0" dirty="0" err="1" smtClean="0"/>
+              <a:t>спуфинг</a:t>
+            </a:r>
+            <a:r>
+              <a:rPr lang="ru-RU" baseline="0" dirty="0" smtClean="0"/>
+              <a:t> </a:t>
             </a:r>
             <a:r>
               <a:rPr lang="en-US" baseline="0" dirty="0" smtClean="0"/>
-              <a:t>STRIDE.</a:t>
-            </a:r>
+              <a:t>e-mail:</a:t>
+            </a:r>
+          </a:p>
+          <a:p>
+            <a:endParaRPr lang="en-US" baseline="0" dirty="0" smtClean="0"/>
           </a:p>
           <a:p>
             <a:r>
               <a:rPr lang="ru-RU" baseline="0" dirty="0" smtClean="0"/>
-              <a:t>Вот они здесь перечислены. Давайте по каждой из них пройдемся</a:t>
-            </a:r>
-            <a:endParaRPr lang="en-US" baseline="0" dirty="0" smtClean="0"/>
-          </a:p>
-          <a:p>
-            <a:endParaRPr lang="en-US" baseline="0" dirty="0" smtClean="0"/>
-          </a:p>
-          <a:p>
-            <a:endParaRPr lang="en-US" baseline="0" dirty="0" smtClean="0"/>
-          </a:p>
-          <a:p>
+              <a:t>В </a:t>
+            </a:r>
+            <a:r>
+              <a:rPr lang="en-US" baseline="0" dirty="0" smtClean="0"/>
+              <a:t>e-mail</a:t>
+            </a:r>
             <a:r>
               <a:rPr lang="ru-RU" baseline="0" dirty="0" smtClean="0"/>
-              <a:t>В таблице приведены все угрозы с точки зрения </a:t>
-            </a:r>
-            <a:r>
-              <a:rPr lang="en-US" baseline="0" dirty="0" smtClean="0"/>
-              <a:t>SDL</a:t>
+              <a:t> есть поле «отправитель», эту информацию можно легко подделать. Если пользователь ответит на такое письмо, то оно будет доставлено </a:t>
             </a:r>
             <a:r>
               <a:rPr lang="ru-RU" baseline="0" dirty="0" smtClean="0"/>
-              <a:t>, а также необходимые свойства компоненты, позволяющие избежать конкретной угрозы.</a:t>
-            </a:r>
-          </a:p>
-          <a:p>
-            <a:endParaRPr lang="ru-RU" baseline="0" dirty="0" smtClean="0"/>
-          </a:p>
-          <a:p>
+              <a:t>злоумышленнику </a:t>
+            </a:r>
             <a:r>
               <a:rPr lang="ru-RU" baseline="0" dirty="0" smtClean="0"/>
-              <a:t>Теперь давайте кратко пройдемся по всем 6-ти угрозам.</a:t>
-            </a:r>
-          </a:p>
-          <a:p>
-            <a:endParaRPr lang="ru-RU" baseline="0" dirty="0" smtClean="0"/>
-          </a:p>
-          <a:p>
+              <a:t>вместо легитимного пользователя</a:t>
+            </a:r>
             <a:r>
               <a:rPr lang="ru-RU" baseline="0" dirty="0" smtClean="0"/>
-              <a:t>Тут важно понимать, что угроза может возникнуть из-за того, что на этапе проектирования не учли эту угрозу, так и из-за банального бага в реализации.</a:t>
+              <a:t>.</a:t>
             </a:r>
           </a:p>
           <a:p>
@@ -4873,7 +5365,7 @@
     </p:spTree>
     <p:extLst>
       <p:ext uri="{BB962C8B-B14F-4D97-AF65-F5344CB8AC3E}">
-        <p14:creationId xmlns:p14="http://schemas.microsoft.com/office/powerpoint/2010/main" val="314644239"/>
+        <p14:creationId xmlns:p14="http://schemas.microsoft.com/office/powerpoint/2010/main" val="1574545940"/>
       </p:ext>
     </p:extLst>
   </p:cSld>
@@ -26403,7 +26895,7 @@
             <a:fld id="{4A7DA880-8181-4E9F-8B22-A8B3F921EFD5}" type="datetimeFigureOut">
               <a:rPr lang="ru-RU" smtClean="0"/>
               <a:pPr/>
-              <a:t>23.01.2017</a:t>
+              <a:t>24.01.2017</a:t>
             </a:fld>
             <a:endParaRPr lang="ru-RU" dirty="0"/>
           </a:p>
@@ -27572,8 +28064,16 @@
           <a:lstStyle/>
           <a:p>
             <a:r>
+              <a:rPr lang="en-US" dirty="0" smtClean="0">
+                <a:solidFill>
+                  <a:srgbClr val="C00000"/>
+                </a:solidFill>
+              </a:rPr>
+              <a:t>Tampering</a:t>
+            </a:r>
+            <a:r>
               <a:rPr lang="en-US" dirty="0" smtClean="0"/>
-              <a:t>spoofing</a:t>
+              <a:t> - integrity</a:t>
             </a:r>
             <a:endParaRPr lang="ru-RU" dirty="0"/>
           </a:p>
@@ -27617,7 +28117,7 @@
             </a:pPr>
             <a:r>
               <a:rPr lang="ru-RU" sz="2800" dirty="0" smtClean="0"/>
-              <a:t>Процесс маскировки (подмены) пользователя или программы под другую</a:t>
+              <a:t>Несанкционированный процесс изменения (разрушения) данных или программы.</a:t>
             </a:r>
             <a:endParaRPr lang="ru-RU" sz="2800" dirty="0"/>
           </a:p>
@@ -27626,7 +28126,7 @@
     </p:spTree>
     <p:extLst>
       <p:ext uri="{BB962C8B-B14F-4D97-AF65-F5344CB8AC3E}">
-        <p14:creationId xmlns:p14="http://schemas.microsoft.com/office/powerpoint/2010/main" val="4220539737"/>
+        <p14:creationId xmlns:p14="http://schemas.microsoft.com/office/powerpoint/2010/main" val="3285988337"/>
       </p:ext>
     </p:extLst>
   </p:cSld>
@@ -27676,8 +28176,16 @@
           <a:lstStyle/>
           <a:p>
             <a:r>
+              <a:rPr lang="en-US" dirty="0" smtClean="0">
+                <a:solidFill>
+                  <a:srgbClr val="C00000"/>
+                </a:solidFill>
+              </a:rPr>
+              <a:t>Repudiation</a:t>
+            </a:r>
+            <a:r>
               <a:rPr lang="en-US" dirty="0" smtClean="0"/>
-              <a:t>tampering</a:t>
+              <a:t> – non-repudiation</a:t>
             </a:r>
             <a:endParaRPr lang="ru-RU" dirty="0"/>
           </a:p>
@@ -27721,7 +28229,7 @@
             </a:pPr>
             <a:r>
               <a:rPr lang="ru-RU" sz="2800" dirty="0" smtClean="0"/>
-              <a:t>Несанкционированный процесс изменения (разрушения) данных или программы.</a:t>
+              <a:t>Заметание следов (запутывание).</a:t>
             </a:r>
             <a:endParaRPr lang="ru-RU" sz="2800" dirty="0"/>
           </a:p>
@@ -27730,7 +28238,7 @@
     </p:spTree>
     <p:extLst>
       <p:ext uri="{BB962C8B-B14F-4D97-AF65-F5344CB8AC3E}">
-        <p14:creationId xmlns:p14="http://schemas.microsoft.com/office/powerpoint/2010/main" val="3285988337"/>
+        <p14:creationId xmlns:p14="http://schemas.microsoft.com/office/powerpoint/2010/main" val="2530193212"/>
       </p:ext>
     </p:extLst>
   </p:cSld>
@@ -27780,8 +28288,24 @@
           <a:lstStyle/>
           <a:p>
             <a:r>
+              <a:rPr lang="en-US" dirty="0" smtClean="0">
+                <a:solidFill>
+                  <a:srgbClr val="C00000"/>
+                </a:solidFill>
+              </a:rPr>
+              <a:t>Information </a:t>
+            </a:r>
+            <a:r>
+              <a:rPr lang="en-US" dirty="0" smtClean="0">
+                <a:solidFill>
+                  <a:srgbClr val="C00000"/>
+                </a:solidFill>
+              </a:rPr>
+              <a:t>disclosure</a:t>
+            </a:r>
+            <a:r>
               <a:rPr lang="en-US" dirty="0" smtClean="0"/>
-              <a:t>repudiation</a:t>
+              <a:t> - confidentiality</a:t>
             </a:r>
             <a:endParaRPr lang="ru-RU" dirty="0"/>
           </a:p>
@@ -27825,7 +28349,7 @@
             </a:pPr>
             <a:r>
               <a:rPr lang="ru-RU" sz="2800" dirty="0" smtClean="0"/>
-              <a:t>Заметание следов (запутывание).</a:t>
+              <a:t>Несанкционированное раскрытие информации</a:t>
             </a:r>
             <a:endParaRPr lang="ru-RU" sz="2800" dirty="0"/>
           </a:p>
@@ -27834,7 +28358,7 @@
     </p:spTree>
     <p:extLst>
       <p:ext uri="{BB962C8B-B14F-4D97-AF65-F5344CB8AC3E}">
-        <p14:creationId xmlns:p14="http://schemas.microsoft.com/office/powerpoint/2010/main" val="2530193212"/>
+        <p14:creationId xmlns:p14="http://schemas.microsoft.com/office/powerpoint/2010/main" val="1407972076"/>
       </p:ext>
     </p:extLst>
   </p:cSld>
@@ -27884,8 +28408,24 @@
           <a:lstStyle/>
           <a:p>
             <a:r>
+              <a:rPr lang="en-US" dirty="0" smtClean="0">
+                <a:solidFill>
+                  <a:srgbClr val="C00000"/>
+                </a:solidFill>
+              </a:rPr>
+              <a:t>Denial of </a:t>
+            </a:r>
+            <a:r>
+              <a:rPr lang="en-US" dirty="0" smtClean="0">
+                <a:solidFill>
+                  <a:srgbClr val="C00000"/>
+                </a:solidFill>
+              </a:rPr>
+              <a:t>service</a:t>
+            </a:r>
+            <a:r>
               <a:rPr lang="en-US" dirty="0" smtClean="0"/>
-              <a:t>Information disclosure</a:t>
+              <a:t> - availability</a:t>
             </a:r>
             <a:endParaRPr lang="ru-RU" dirty="0"/>
           </a:p>
@@ -27929,7 +28469,7 @@
             </a:pPr>
             <a:r>
               <a:rPr lang="ru-RU" sz="2800" dirty="0" smtClean="0"/>
-              <a:t>Несанкционированное раскрытие информации</a:t>
+              <a:t>Отказ в обслуживании</a:t>
             </a:r>
             <a:endParaRPr lang="ru-RU" sz="2800" dirty="0"/>
           </a:p>
@@ -27938,7 +28478,7 @@
     </p:spTree>
     <p:extLst>
       <p:ext uri="{BB962C8B-B14F-4D97-AF65-F5344CB8AC3E}">
-        <p14:creationId xmlns:p14="http://schemas.microsoft.com/office/powerpoint/2010/main" val="1407972076"/>
+        <p14:creationId xmlns:p14="http://schemas.microsoft.com/office/powerpoint/2010/main" val="2019271087"/>
       </p:ext>
     </p:extLst>
   </p:cSld>
@@ -27988,9 +28528,40 @@
           <a:lstStyle/>
           <a:p>
             <a:r>
-              <a:rPr lang="en-US" dirty="0" smtClean="0"/>
-              <a:t>Denial of service</a:t>
-            </a:r>
+              <a:rPr lang="en-US" sz="2800" dirty="0" smtClean="0">
+                <a:solidFill>
+                  <a:srgbClr val="C00000"/>
+                </a:solidFill>
+              </a:rPr>
+              <a:t>Elevation </a:t>
+            </a:r>
+            <a:r>
+              <a:rPr lang="en-US" sz="2800" dirty="0">
+                <a:solidFill>
+                  <a:srgbClr val="C00000"/>
+                </a:solidFill>
+              </a:rPr>
+              <a:t>of </a:t>
+            </a:r>
+            <a:r>
+              <a:rPr lang="en-US" sz="2800" dirty="0" smtClean="0">
+                <a:solidFill>
+                  <a:srgbClr val="C00000"/>
+                </a:solidFill>
+              </a:rPr>
+              <a:t>Privilege</a:t>
+            </a:r>
+            <a:r>
+              <a:rPr lang="en-US" sz="2800" dirty="0" smtClean="0"/>
+              <a:t> - authorization</a:t>
+            </a:r>
+            <a:r>
+              <a:rPr lang="ru-RU" sz="2800" dirty="0"/>
+              <a:t/>
+            </a:r>
+            <a:br>
+              <a:rPr lang="ru-RU" sz="2800" dirty="0"/>
+            </a:br>
             <a:endParaRPr lang="ru-RU" dirty="0"/>
           </a:p>
         </p:txBody>
@@ -28033,7 +28604,7 @@
             </a:pPr>
             <a:r>
               <a:rPr lang="ru-RU" sz="2800" dirty="0" smtClean="0"/>
-              <a:t>Отказ в обслуживании</a:t>
+              <a:t>Несанкционированное получение привилегий</a:t>
             </a:r>
             <a:endParaRPr lang="ru-RU" sz="2800" dirty="0"/>
           </a:p>
@@ -28042,7 +28613,7 @@
     </p:spTree>
     <p:extLst>
       <p:ext uri="{BB962C8B-B14F-4D97-AF65-F5344CB8AC3E}">
-        <p14:creationId xmlns:p14="http://schemas.microsoft.com/office/powerpoint/2010/main" val="2019271087"/>
+        <p14:creationId xmlns:p14="http://schemas.microsoft.com/office/powerpoint/2010/main" val="345684248"/>
       </p:ext>
     </p:extLst>
   </p:cSld>
@@ -28092,31 +28663,16 @@
           <a:lstStyle/>
           <a:p>
             <a:r>
-              <a:rPr lang="en-US" sz="2800" dirty="0" err="1" smtClean="0"/>
-              <a:t>ELEVation</a:t>
-            </a:r>
-            <a:r>
-              <a:rPr lang="en-US" sz="2800" dirty="0" smtClean="0"/>
-              <a:t> </a:t>
-            </a:r>
-            <a:r>
-              <a:rPr lang="en-US" sz="2800" dirty="0"/>
-              <a:t>of Privilege</a:t>
-            </a:r>
-            <a:r>
-              <a:rPr lang="ru-RU" sz="2800" dirty="0"/>
-              <a:t/>
-            </a:r>
-            <a:br>
-              <a:rPr lang="ru-RU" sz="2800" dirty="0"/>
-            </a:br>
+              <a:rPr lang="en-US" dirty="0" smtClean="0"/>
+              <a:t>Threat modelling</a:t>
+            </a:r>
             <a:endParaRPr lang="ru-RU" dirty="0"/>
           </a:p>
         </p:txBody>
       </p:sp>
       <p:sp>
         <p:nvSpPr>
-          <p:cNvPr id="6" name="Content Placeholder 5"/>
+          <p:cNvPr id="3" name="Объект 2"/>
           <p:cNvSpPr>
             <a:spLocks noGrp="1"/>
           </p:cNvSpPr>
@@ -28124,44 +28680,53 @@
             <p:ph sz="quarter" idx="12"/>
           </p:nvPr>
         </p:nvSpPr>
-        <p:spPr/>
+        <p:spPr>
+          <a:xfrm>
+            <a:off x="357441" y="1167481"/>
+            <a:ext cx="8426450" cy="3492501"/>
+          </a:xfrm>
+        </p:spPr>
         <p:txBody>
           <a:bodyPr/>
           <a:lstStyle/>
           <a:p>
-            <a:pPr marL="0" indent="0" algn="ctr">
-              <a:buNone/>
-            </a:pPr>
+            <a:r>
+              <a:rPr lang="ru-RU" sz="2400" dirty="0" smtClean="0"/>
+              <a:t>Идентифицировать угрозы</a:t>
+            </a:r>
+          </a:p>
+          <a:p>
+            <a:endParaRPr lang="ru-RU" sz="2400" dirty="0"/>
+          </a:p>
+          <a:p>
+            <a:r>
+              <a:rPr lang="ru-RU" sz="2400" dirty="0"/>
+              <a:t>Составить список </a:t>
+            </a:r>
+            <a:r>
+              <a:rPr lang="ru-RU" sz="2400" dirty="0" smtClean="0"/>
+              <a:t>угроз</a:t>
+            </a:r>
+          </a:p>
+          <a:p>
+            <a:endParaRPr lang="ru-RU" sz="2400" dirty="0"/>
+          </a:p>
+          <a:p>
+            <a:r>
+              <a:rPr lang="ru-RU" sz="2400" dirty="0" smtClean="0"/>
+              <a:t>Упорядочить угрозы согласно приоритета</a:t>
+            </a:r>
+            <a:endParaRPr lang="ru-RU" sz="2400" dirty="0"/>
+          </a:p>
+          <a:p>
             <a:endParaRPr lang="ru-RU" sz="1800" dirty="0" smtClean="0"/>
-          </a:p>
-          <a:p>
-            <a:pPr marL="0" indent="0" algn="ctr">
-              <a:buNone/>
-            </a:pPr>
-            <a:endParaRPr lang="ru-RU" sz="1800" dirty="0" smtClean="0"/>
-          </a:p>
-          <a:p>
-            <a:pPr marL="0" indent="0" algn="ctr">
-              <a:buNone/>
-            </a:pPr>
-            <a:endParaRPr lang="ru-RU" sz="1800" dirty="0" smtClean="0"/>
-          </a:p>
-          <a:p>
-            <a:pPr marL="0" indent="0" algn="ctr">
-              <a:buNone/>
-            </a:pPr>
-            <a:r>
-              <a:rPr lang="ru-RU" sz="2800" dirty="0" smtClean="0"/>
-              <a:t>Несанкционированное получение привилегий</a:t>
-            </a:r>
-            <a:endParaRPr lang="ru-RU" sz="2800" dirty="0"/>
           </a:p>
         </p:txBody>
       </p:sp>
     </p:spTree>
     <p:extLst>
       <p:ext uri="{BB962C8B-B14F-4D97-AF65-F5344CB8AC3E}">
-        <p14:creationId xmlns:p14="http://schemas.microsoft.com/office/powerpoint/2010/main" val="345684248"/>
+        <p14:creationId xmlns:p14="http://schemas.microsoft.com/office/powerpoint/2010/main" val="3539263801"/>
       </p:ext>
     </p:extLst>
   </p:cSld>
@@ -28197,119 +28762,6 @@
       </p:grpSpPr>
       <p:sp>
         <p:nvSpPr>
-          <p:cNvPr id="2" name="Заголовок 1"/>
-          <p:cNvSpPr>
-            <a:spLocks noGrp="1"/>
-          </p:cNvSpPr>
-          <p:nvPr>
-            <p:ph type="title"/>
-          </p:nvPr>
-        </p:nvSpPr>
-        <p:spPr/>
-        <p:txBody>
-          <a:bodyPr/>
-          <a:lstStyle/>
-          <a:p>
-            <a:r>
-              <a:rPr lang="en-US" dirty="0" smtClean="0"/>
-              <a:t>Threat modelling</a:t>
-            </a:r>
-            <a:endParaRPr lang="ru-RU" dirty="0"/>
-          </a:p>
-        </p:txBody>
-      </p:sp>
-      <p:sp>
-        <p:nvSpPr>
-          <p:cNvPr id="3" name="Объект 2"/>
-          <p:cNvSpPr>
-            <a:spLocks noGrp="1"/>
-          </p:cNvSpPr>
-          <p:nvPr>
-            <p:ph sz="quarter" idx="12"/>
-          </p:nvPr>
-        </p:nvSpPr>
-        <p:spPr>
-          <a:xfrm>
-            <a:off x="357441" y="1167481"/>
-            <a:ext cx="8426450" cy="3492501"/>
-          </a:xfrm>
-        </p:spPr>
-        <p:txBody>
-          <a:bodyPr/>
-          <a:lstStyle/>
-          <a:p>
-            <a:r>
-              <a:rPr lang="ru-RU" sz="2400" dirty="0" smtClean="0"/>
-              <a:t>Идентифицировать угрозы</a:t>
-            </a:r>
-          </a:p>
-          <a:p>
-            <a:endParaRPr lang="ru-RU" sz="2400" dirty="0"/>
-          </a:p>
-          <a:p>
-            <a:r>
-              <a:rPr lang="ru-RU" sz="2400" dirty="0"/>
-              <a:t>Составить список </a:t>
-            </a:r>
-            <a:r>
-              <a:rPr lang="ru-RU" sz="2400" dirty="0" smtClean="0"/>
-              <a:t>угроз</a:t>
-            </a:r>
-          </a:p>
-          <a:p>
-            <a:endParaRPr lang="ru-RU" sz="2400" dirty="0"/>
-          </a:p>
-          <a:p>
-            <a:r>
-              <a:rPr lang="ru-RU" sz="2400" dirty="0" smtClean="0"/>
-              <a:t>Упорядочить угрозы согласно приоритета</a:t>
-            </a:r>
-            <a:endParaRPr lang="ru-RU" sz="2400" dirty="0"/>
-          </a:p>
-          <a:p>
-            <a:endParaRPr lang="ru-RU" sz="1800" dirty="0" smtClean="0"/>
-          </a:p>
-        </p:txBody>
-      </p:sp>
-    </p:spTree>
-    <p:extLst>
-      <p:ext uri="{BB962C8B-B14F-4D97-AF65-F5344CB8AC3E}">
-        <p14:creationId xmlns:p14="http://schemas.microsoft.com/office/powerpoint/2010/main" val="3539263801"/>
-      </p:ext>
-    </p:extLst>
-  </p:cSld>
-  <p:clrMapOvr>
-    <a:masterClrMapping/>
-  </p:clrMapOvr>
-  <p:timing>
-    <p:tnLst>
-      <p:par>
-        <p:cTn id="1" dur="indefinite" restart="never" nodeType="tmRoot"/>
-      </p:par>
-    </p:tnLst>
-  </p:timing>
-</p:sld>
-</file>
-
-<file path=ppt/slides/slide17.xml><?xml version="1.0" encoding="utf-8"?>
-<p:sld xmlns:a="http://schemas.openxmlformats.org/drawingml/2006/main" xmlns:r="http://schemas.openxmlformats.org/officeDocument/2006/relationships" xmlns:p="http://schemas.openxmlformats.org/presentationml/2006/main">
-  <p:cSld>
-    <p:spTree>
-      <p:nvGrpSpPr>
-        <p:cNvPr id="1" name=""/>
-        <p:cNvGrpSpPr/>
-        <p:nvPr/>
-      </p:nvGrpSpPr>
-      <p:grpSpPr>
-        <a:xfrm>
-          <a:off x="0" y="0"/>
-          <a:ext cx="0" cy="0"/>
-          <a:chOff x="0" y="0"/>
-          <a:chExt cx="0" cy="0"/>
-        </a:xfrm>
-      </p:grpSpPr>
-      <p:sp>
-        <p:nvSpPr>
           <p:cNvPr id="2" name="Текст 1"/>
           <p:cNvSpPr>
             <a:spLocks noGrp="1"/>
@@ -28371,7 +28823,7 @@
 </p:sld>
 </file>
 
-<file path=ppt/slides/slide18.xml><?xml version="1.0" encoding="utf-8"?>
+<file path=ppt/slides/slide17.xml><?xml version="1.0" encoding="utf-8"?>
 <p:sld xmlns:a="http://schemas.openxmlformats.org/drawingml/2006/main" xmlns:r="http://schemas.openxmlformats.org/officeDocument/2006/relationships" xmlns:p="http://schemas.openxmlformats.org/presentationml/2006/main">
   <p:cSld>
     <p:spTree>
@@ -28992,7 +29444,7 @@
 </p:sld>
 </file>
 
-<file path=ppt/slides/slide19.xml><?xml version="1.0" encoding="utf-8"?>
+<file path=ppt/slides/slide18.xml><?xml version="1.0" encoding="utf-8"?>
 <p:sld xmlns:a="http://schemas.openxmlformats.org/drawingml/2006/main" xmlns:r="http://schemas.openxmlformats.org/officeDocument/2006/relationships" xmlns:p="http://schemas.openxmlformats.org/presentationml/2006/main">
   <p:cSld>
     <p:spTree>
@@ -29077,127 +29529,7 @@
 </p:sld>
 </file>
 
-<file path=ppt/slides/slide2.xml><?xml version="1.0" encoding="utf-8"?>
-<p:sld xmlns:a="http://schemas.openxmlformats.org/drawingml/2006/main" xmlns:r="http://schemas.openxmlformats.org/officeDocument/2006/relationships" xmlns:p="http://schemas.openxmlformats.org/presentationml/2006/main">
-  <p:cSld>
-    <p:spTree>
-      <p:nvGrpSpPr>
-        <p:cNvPr id="1" name=""/>
-        <p:cNvGrpSpPr/>
-        <p:nvPr/>
-      </p:nvGrpSpPr>
-      <p:grpSpPr>
-        <a:xfrm>
-          <a:off x="0" y="0"/>
-          <a:ext cx="0" cy="0"/>
-          <a:chOff x="0" y="0"/>
-          <a:chExt cx="0" cy="0"/>
-        </a:xfrm>
-      </p:grpSpPr>
-      <p:sp>
-        <p:nvSpPr>
-          <p:cNvPr id="2" name="Заголовок 1"/>
-          <p:cNvSpPr>
-            <a:spLocks noGrp="1"/>
-          </p:cNvSpPr>
-          <p:nvPr>
-            <p:ph type="title"/>
-          </p:nvPr>
-        </p:nvSpPr>
-        <p:spPr/>
-        <p:txBody>
-          <a:bodyPr/>
-          <a:lstStyle/>
-          <a:p>
-            <a:r>
-              <a:rPr lang="en-US" dirty="0"/>
-              <a:t>agenda</a:t>
-            </a:r>
-            <a:endParaRPr lang="ru-RU" dirty="0"/>
-          </a:p>
-        </p:txBody>
-      </p:sp>
-      <p:sp>
-        <p:nvSpPr>
-          <p:cNvPr id="3" name="Объект 2"/>
-          <p:cNvSpPr>
-            <a:spLocks noGrp="1"/>
-          </p:cNvSpPr>
-          <p:nvPr>
-            <p:ph sz="quarter" idx="12"/>
-          </p:nvPr>
-        </p:nvSpPr>
-        <p:spPr/>
-        <p:txBody>
-          <a:bodyPr/>
-          <a:lstStyle/>
-          <a:p>
-            <a:r>
-              <a:rPr lang="ru-RU" sz="2400" dirty="0"/>
-              <a:t>Что такое </a:t>
-            </a:r>
-            <a:r>
-              <a:rPr lang="ru-RU" sz="2400" dirty="0" smtClean="0"/>
-              <a:t>проектирование ПО</a:t>
-            </a:r>
-            <a:endParaRPr lang="ru-RU" sz="2400" dirty="0"/>
-          </a:p>
-          <a:p>
-            <a:endParaRPr lang="ru-RU" sz="2400" dirty="0"/>
-          </a:p>
-          <a:p>
-            <a:r>
-              <a:rPr lang="ru-RU" sz="2400" dirty="0" smtClean="0"/>
-              <a:t>Введение в </a:t>
-            </a:r>
-            <a:r>
-              <a:rPr lang="en-US" sz="2400" dirty="0" smtClean="0"/>
-              <a:t>SDL</a:t>
-            </a:r>
-            <a:endParaRPr lang="ru-RU" sz="2400" dirty="0"/>
-          </a:p>
-          <a:p>
-            <a:endParaRPr lang="ru-RU" sz="2400" dirty="0"/>
-          </a:p>
-          <a:p>
-            <a:r>
-              <a:rPr lang="ru-RU" sz="2400" dirty="0" smtClean="0"/>
-              <a:t>Практическая часть</a:t>
-            </a:r>
-            <a:endParaRPr lang="ru-RU" sz="2400" dirty="0"/>
-          </a:p>
-          <a:p>
-            <a:endParaRPr lang="ru-RU" sz="2400" dirty="0"/>
-          </a:p>
-          <a:p>
-            <a:endParaRPr lang="en-US" sz="2400" dirty="0"/>
-          </a:p>
-          <a:p>
-            <a:endParaRPr lang="ru-RU" sz="3200" dirty="0"/>
-          </a:p>
-        </p:txBody>
-      </p:sp>
-    </p:spTree>
-    <p:extLst>
-      <p:ext uri="{BB962C8B-B14F-4D97-AF65-F5344CB8AC3E}">
-        <p14:creationId xmlns:p14="http://schemas.microsoft.com/office/powerpoint/2010/main" val="2637384618"/>
-      </p:ext>
-    </p:extLst>
-  </p:cSld>
-  <p:clrMapOvr>
-    <a:masterClrMapping/>
-  </p:clrMapOvr>
-  <p:timing>
-    <p:tnLst>
-      <p:par>
-        <p:cTn id="1" dur="indefinite" restart="never" nodeType="tmRoot"/>
-      </p:par>
-    </p:tnLst>
-  </p:timing>
-</p:sld>
-</file>
-
-<file path=ppt/slides/slide20.xml><?xml version="1.0" encoding="utf-8"?>
+<file path=ppt/slides/slide19.xml><?xml version="1.0" encoding="utf-8"?>
 <p:sld xmlns:a="http://schemas.openxmlformats.org/drawingml/2006/main" xmlns:r="http://schemas.openxmlformats.org/officeDocument/2006/relationships" xmlns:p="http://schemas.openxmlformats.org/presentationml/2006/main">
   <p:cSld>
     <p:spTree>
@@ -29813,7 +30145,115 @@
 </p:sld>
 </file>
 
-<file path=ppt/slides/slide21.xml><?xml version="1.0" encoding="utf-8"?>
+<file path=ppt/slides/slide2.xml><?xml version="1.0" encoding="utf-8"?>
+<p:sld xmlns:a="http://schemas.openxmlformats.org/drawingml/2006/main" xmlns:r="http://schemas.openxmlformats.org/officeDocument/2006/relationships" xmlns:p="http://schemas.openxmlformats.org/presentationml/2006/main">
+  <p:cSld>
+    <p:spTree>
+      <p:nvGrpSpPr>
+        <p:cNvPr id="1" name=""/>
+        <p:cNvGrpSpPr/>
+        <p:nvPr/>
+      </p:nvGrpSpPr>
+      <p:grpSpPr>
+        <a:xfrm>
+          <a:off x="0" y="0"/>
+          <a:ext cx="0" cy="0"/>
+          <a:chOff x="0" y="0"/>
+          <a:chExt cx="0" cy="0"/>
+        </a:xfrm>
+      </p:grpSpPr>
+      <p:sp>
+        <p:nvSpPr>
+          <p:cNvPr id="2" name="Заголовок 1"/>
+          <p:cNvSpPr>
+            <a:spLocks noGrp="1"/>
+          </p:cNvSpPr>
+          <p:nvPr>
+            <p:ph type="title"/>
+          </p:nvPr>
+        </p:nvSpPr>
+        <p:spPr/>
+        <p:txBody>
+          <a:bodyPr/>
+          <a:lstStyle/>
+          <a:p>
+            <a:r>
+              <a:rPr lang="en-US" dirty="0"/>
+              <a:t>agenda</a:t>
+            </a:r>
+            <a:endParaRPr lang="ru-RU" dirty="0"/>
+          </a:p>
+        </p:txBody>
+      </p:sp>
+      <p:sp>
+        <p:nvSpPr>
+          <p:cNvPr id="3" name="Объект 2"/>
+          <p:cNvSpPr>
+            <a:spLocks noGrp="1"/>
+          </p:cNvSpPr>
+          <p:nvPr>
+            <p:ph sz="quarter" idx="12"/>
+          </p:nvPr>
+        </p:nvSpPr>
+        <p:spPr/>
+        <p:txBody>
+          <a:bodyPr/>
+          <a:lstStyle/>
+          <a:p>
+            <a:endParaRPr lang="ru-RU" sz="2400" dirty="0" smtClean="0"/>
+          </a:p>
+          <a:p>
+            <a:r>
+              <a:rPr lang="ru-RU" sz="2400" dirty="0" smtClean="0"/>
+              <a:t>Теоретическая часть</a:t>
+            </a:r>
+            <a:endParaRPr lang="ru-RU" sz="2400" dirty="0"/>
+          </a:p>
+          <a:p>
+            <a:endParaRPr lang="ru-RU" sz="2400" dirty="0" smtClean="0"/>
+          </a:p>
+          <a:p>
+            <a:endParaRPr lang="ru-RU" sz="2400" dirty="0"/>
+          </a:p>
+          <a:p>
+            <a:r>
+              <a:rPr lang="ru-RU" sz="2400" dirty="0" smtClean="0"/>
+              <a:t>Практическая часть</a:t>
+            </a:r>
+            <a:endParaRPr lang="ru-RU" sz="2400" dirty="0"/>
+          </a:p>
+          <a:p>
+            <a:endParaRPr lang="ru-RU" sz="2400" dirty="0"/>
+          </a:p>
+          <a:p>
+            <a:endParaRPr lang="en-US" sz="2400" dirty="0"/>
+          </a:p>
+          <a:p>
+            <a:endParaRPr lang="ru-RU" sz="3200" dirty="0"/>
+          </a:p>
+        </p:txBody>
+      </p:sp>
+    </p:spTree>
+    <p:extLst>
+      <p:ext uri="{BB962C8B-B14F-4D97-AF65-F5344CB8AC3E}">
+        <p14:creationId xmlns:p14="http://schemas.microsoft.com/office/powerpoint/2010/main" val="2637384618"/>
+      </p:ext>
+    </p:extLst>
+  </p:cSld>
+  <p:clrMapOvr>
+    <a:masterClrMapping/>
+  </p:clrMapOvr>
+  <p:timing>
+    <p:tnLst>
+      <p:par>
+        <p:cTn id="1" dur="indefinite" restart="never" nodeType="tmRoot"/>
+      </p:par>
+    </p:tnLst>
+  </p:timing>
+</p:sld>
+</file>
+
+<file path=ppt/slides/slide20.xml><?xml version="1.0" encoding="utf-8"?>
 <p:sld xmlns:a="http://schemas.openxmlformats.org/drawingml/2006/main" xmlns:r="http://schemas.openxmlformats.org/officeDocument/2006/relationships" xmlns:p="http://schemas.openxmlformats.org/presentationml/2006/main">
   <p:cSld>
     <p:spTree>
@@ -29893,7 +30333,7 @@
 </p:sld>
 </file>
 
-<file path=ppt/slides/slide22.xml><?xml version="1.0" encoding="utf-8"?>
+<file path=ppt/slides/slide21.xml><?xml version="1.0" encoding="utf-8"?>
 <p:sld xmlns:a="http://schemas.openxmlformats.org/drawingml/2006/main" xmlns:r="http://schemas.openxmlformats.org/officeDocument/2006/relationships" xmlns:p="http://schemas.openxmlformats.org/presentationml/2006/main">
   <p:cSld>
     <p:spTree>
@@ -30048,11 +30488,7 @@
                     <a:p>
                       <a:r>
                         <a:rPr lang="en-US" dirty="0" smtClean="0"/>
-                        <a:t>ACLs, Digital signatures, </a:t>
-                      </a:r>
-                      <a:r>
-                        <a:rPr lang="en-US" dirty="0" smtClean="0"/>
-                        <a:t>Message</a:t>
+                        <a:t>ACLs, Digital signatures, Message</a:t>
                       </a:r>
                       <a:r>
                         <a:rPr lang="en-US" baseline="0" dirty="0" smtClean="0"/>
@@ -30229,6 +30665,181 @@
 </p:sld>
 </file>
 
+<file path=ppt/slides/slide22.xml><?xml version="1.0" encoding="utf-8"?>
+<p:sld xmlns:a="http://schemas.openxmlformats.org/drawingml/2006/main" xmlns:r="http://schemas.openxmlformats.org/officeDocument/2006/relationships" xmlns:p="http://schemas.openxmlformats.org/presentationml/2006/main">
+  <p:cSld>
+    <p:spTree>
+      <p:nvGrpSpPr>
+        <p:cNvPr id="1" name=""/>
+        <p:cNvGrpSpPr/>
+        <p:nvPr/>
+      </p:nvGrpSpPr>
+      <p:grpSpPr>
+        <a:xfrm>
+          <a:off x="0" y="0"/>
+          <a:ext cx="0" cy="0"/>
+          <a:chOff x="0" y="0"/>
+          <a:chExt cx="0" cy="0"/>
+        </a:xfrm>
+      </p:grpSpPr>
+      <p:sp>
+        <p:nvSpPr>
+          <p:cNvPr id="2" name="LargeTitle"/>
+          <p:cNvSpPr>
+            <a:spLocks noGrp="1"/>
+          </p:cNvSpPr>
+          <p:nvPr>
+            <p:ph type="title"/>
+          </p:nvPr>
+        </p:nvSpPr>
+        <p:spPr/>
+        <p:txBody>
+          <a:bodyPr/>
+          <a:lstStyle/>
+          <a:p>
+            <a:r>
+              <a:rPr lang="en-US" dirty="0"/>
+              <a:t>LET'S TALK?</a:t>
+            </a:r>
+            <a:endParaRPr lang="ru-RU" dirty="0"/>
+          </a:p>
+        </p:txBody>
+      </p:sp>
+      <p:sp>
+        <p:nvSpPr>
+          <p:cNvPr id="9" name="Text Placeholder 8"/>
+          <p:cNvSpPr>
+            <a:spLocks noGrp="1"/>
+          </p:cNvSpPr>
+          <p:nvPr>
+            <p:ph type="body" sz="quarter" idx="12"/>
+          </p:nvPr>
+        </p:nvSpPr>
+        <p:spPr/>
+        <p:txBody>
+          <a:bodyPr>
+            <a:normAutofit fontScale="92500" lnSpcReduction="10000"/>
+          </a:bodyPr>
+          <a:lstStyle/>
+          <a:p>
+            <a:r>
+              <a:rPr lang="en-US" u="sng" dirty="0" smtClean="0">
+                <a:solidFill>
+                  <a:schemeClr val="accent1"/>
+                </a:solidFill>
+              </a:rPr>
+              <a:t>alexey.kutumov@kaspersky.com</a:t>
+            </a:r>
+            <a:endParaRPr lang="en-US" dirty="0"/>
+          </a:p>
+          <a:p>
+            <a:r>
+              <a:rPr lang="en-US" u="sng" dirty="0" smtClean="0">
+                <a:solidFill>
+                  <a:schemeClr val="accent1"/>
+                </a:solidFill>
+              </a:rPr>
+              <a:t>alexey.kutumov@gmail.com</a:t>
+            </a:r>
+            <a:endParaRPr lang="en-US" u="sng" dirty="0">
+              <a:solidFill>
+                <a:schemeClr val="accent1"/>
+              </a:solidFill>
+            </a:endParaRPr>
+          </a:p>
+          <a:p>
+            <a:endParaRPr lang="en-US" dirty="0" smtClean="0"/>
+          </a:p>
+          <a:p>
+            <a:r>
+              <a:rPr lang="en-US" dirty="0">
+                <a:solidFill>
+                  <a:schemeClr val="accent1"/>
+                </a:solidFill>
+              </a:rPr>
+              <a:t>https://</a:t>
+            </a:r>
+            <a:r>
+              <a:rPr lang="en-US" dirty="0" smtClean="0">
+                <a:solidFill>
+                  <a:schemeClr val="accent1"/>
+                </a:solidFill>
+              </a:rPr>
+              <a:t>www.microsoft.com/en-us/sdl/default.aspx</a:t>
+            </a:r>
+            <a:endParaRPr lang="ru-RU" dirty="0" smtClean="0">
+              <a:solidFill>
+                <a:schemeClr val="accent1"/>
+              </a:solidFill>
+            </a:endParaRPr>
+          </a:p>
+          <a:p>
+            <a:r>
+              <a:rPr lang="en-US" dirty="0">
+                <a:solidFill>
+                  <a:schemeClr val="accent1"/>
+                </a:solidFill>
+              </a:rPr>
+              <a:t>https://prograholic.github.io</a:t>
+            </a:r>
+            <a:r>
+              <a:rPr lang="en-US" dirty="0" smtClean="0">
+                <a:solidFill>
+                  <a:schemeClr val="accent1"/>
+                </a:solidFill>
+              </a:rPr>
+              <a:t>/</a:t>
+            </a:r>
+            <a:endParaRPr lang="ru-RU" dirty="0" smtClean="0">
+              <a:solidFill>
+                <a:schemeClr val="accent1"/>
+              </a:solidFill>
+            </a:endParaRPr>
+          </a:p>
+          <a:p>
+            <a:endParaRPr lang="en-US" dirty="0" smtClean="0"/>
+          </a:p>
+          <a:p>
+            <a:endParaRPr lang="en-US" dirty="0" smtClean="0"/>
+          </a:p>
+          <a:p>
+            <a:endParaRPr lang="en-US" u="sng" dirty="0">
+              <a:solidFill>
+                <a:schemeClr val="accent1"/>
+              </a:solidFill>
+            </a:endParaRPr>
+          </a:p>
+          <a:p>
+            <a:endParaRPr lang="en-US" dirty="0"/>
+          </a:p>
+          <a:p>
+            <a:endParaRPr lang="en-US" dirty="0"/>
+          </a:p>
+          <a:p>
+            <a:endParaRPr lang="ru-RU" dirty="0"/>
+          </a:p>
+        </p:txBody>
+      </p:sp>
+    </p:spTree>
+    <p:extLst>
+      <p:ext uri="{BB962C8B-B14F-4D97-AF65-F5344CB8AC3E}">
+        <p14:creationId xmlns:p14="http://schemas.microsoft.com/office/powerpoint/2010/main" val="160467915"/>
+      </p:ext>
+    </p:extLst>
+  </p:cSld>
+  <p:clrMapOvr>
+    <a:masterClrMapping/>
+  </p:clrMapOvr>
+  <p:timing>
+    <p:tnLst>
+      <p:par>
+        <p:cTn id="1" dur="indefinite" restart="never" nodeType="tmRoot"/>
+      </p:par>
+    </p:tnLst>
+  </p:timing>
+</p:sld>
+</file>
+
 <file path=ppt/slides/slide23.xml><?xml version="1.0" encoding="utf-8"?>
 <p:sld xmlns:a="http://schemas.openxmlformats.org/drawingml/2006/main" xmlns:r="http://schemas.openxmlformats.org/officeDocument/2006/relationships" xmlns:p="http://schemas.openxmlformats.org/presentationml/2006/main">
   <p:cSld>
@@ -30248,7 +30859,7 @@
       </p:grpSpPr>
       <p:sp>
         <p:nvSpPr>
-          <p:cNvPr id="2" name="LargeTitle"/>
+          <p:cNvPr id="2" name="Заголовок 1"/>
           <p:cNvSpPr>
             <a:spLocks noGrp="1"/>
           </p:cNvSpPr>
@@ -30262,8 +30873,8 @@
           <a:lstStyle/>
           <a:p>
             <a:r>
-              <a:rPr lang="en-US" dirty="0"/>
-              <a:t>LET'S TALK?</a:t>
+              <a:rPr lang="ru-RU" dirty="0" smtClean="0"/>
+              <a:t>Что такое проектирование ПО</a:t>
             </a:r>
             <a:endParaRPr lang="ru-RU" dirty="0"/>
           </a:p>
@@ -30271,89 +30882,84 @@
       </p:sp>
       <p:sp>
         <p:nvSpPr>
-          <p:cNvPr id="9" name="Text Placeholder 8"/>
-          <p:cNvSpPr>
-            <a:spLocks noGrp="1"/>
-          </p:cNvSpPr>
-          <p:nvPr>
-            <p:ph type="body" sz="quarter" idx="12"/>
-          </p:nvPr>
-        </p:nvSpPr>
-        <p:spPr/>
-        <p:txBody>
-          <a:bodyPr>
-            <a:normAutofit/>
-          </a:bodyPr>
+          <p:cNvPr id="3" name="Объект 2"/>
+          <p:cNvSpPr>
+            <a:spLocks noGrp="1"/>
+          </p:cNvSpPr>
+          <p:nvPr>
+            <p:ph sz="quarter" idx="12"/>
+          </p:nvPr>
+        </p:nvSpPr>
+        <p:spPr>
+          <a:xfrm>
+            <a:off x="357441" y="1167481"/>
+            <a:ext cx="8426450" cy="3492501"/>
+          </a:xfrm>
+        </p:spPr>
+        <p:txBody>
+          <a:bodyPr/>
           <a:lstStyle/>
           <a:p>
             <a:r>
-              <a:rPr lang="en-US" u="sng" dirty="0" smtClean="0">
-                <a:solidFill>
-                  <a:schemeClr val="accent1"/>
-                </a:solidFill>
-              </a:rPr>
-              <a:t>alexey.kutumov@kaspersky.com</a:t>
-            </a:r>
-            <a:endParaRPr lang="en-US" dirty="0"/>
-          </a:p>
-          <a:p>
-            <a:r>
-              <a:rPr lang="en-US" u="sng" dirty="0" smtClean="0">
-                <a:solidFill>
-                  <a:schemeClr val="accent1"/>
-                </a:solidFill>
-              </a:rPr>
-              <a:t>alexey.kutumov@gmail.com</a:t>
-            </a:r>
-            <a:endParaRPr lang="en-US" u="sng" dirty="0">
-              <a:solidFill>
-                <a:schemeClr val="accent1"/>
-              </a:solidFill>
-            </a:endParaRPr>
-          </a:p>
-          <a:p>
-            <a:endParaRPr lang="en-US" dirty="0" smtClean="0"/>
-          </a:p>
-          <a:p>
-            <a:r>
-              <a:rPr lang="en-US" dirty="0">
-                <a:hlinkClick r:id="rId3"/>
-              </a:rPr>
-              <a:t>https://</a:t>
-            </a:r>
-            <a:r>
-              <a:rPr lang="en-US" dirty="0" smtClean="0">
-                <a:hlinkClick r:id="rId3"/>
-              </a:rPr>
-              <a:t>www.microsoft.com/en-us/sdl/default.aspx</a:t>
-            </a:r>
-            <a:endParaRPr lang="en-US" dirty="0" smtClean="0"/>
-          </a:p>
-          <a:p>
-            <a:endParaRPr lang="en-US" dirty="0" smtClean="0"/>
-          </a:p>
-          <a:p>
-            <a:endParaRPr lang="en-US" u="sng" dirty="0">
-              <a:solidFill>
-                <a:schemeClr val="accent1"/>
-              </a:solidFill>
-            </a:endParaRPr>
-          </a:p>
-          <a:p>
-            <a:endParaRPr lang="en-US" dirty="0"/>
-          </a:p>
-          <a:p>
-            <a:endParaRPr lang="en-US" dirty="0"/>
-          </a:p>
-          <a:p>
-            <a:endParaRPr lang="ru-RU" dirty="0"/>
+              <a:rPr lang="ru-RU" sz="1800" dirty="0" smtClean="0"/>
+              <a:t>Описание поведения программы</a:t>
+            </a:r>
+          </a:p>
+          <a:p>
+            <a:endParaRPr lang="ru-RU" sz="1800" dirty="0" smtClean="0"/>
+          </a:p>
+          <a:p>
+            <a:r>
+              <a:rPr lang="ru-RU" sz="1800" dirty="0" smtClean="0"/>
+              <a:t>Требования к внешней среде</a:t>
+            </a:r>
+          </a:p>
+          <a:p>
+            <a:endParaRPr lang="ru-RU" sz="1800" dirty="0" smtClean="0"/>
+          </a:p>
+          <a:p>
+            <a:r>
+              <a:rPr lang="ru-RU" sz="1800" dirty="0" smtClean="0"/>
+              <a:t>Механизм обработки ошибок</a:t>
+            </a:r>
+          </a:p>
+          <a:p>
+            <a:endParaRPr lang="ru-RU" sz="1800" dirty="0" smtClean="0"/>
+          </a:p>
+          <a:p>
+            <a:r>
+              <a:rPr lang="ru-RU" sz="1800" dirty="0" smtClean="0"/>
+              <a:t>Взаимодействие с внешним окружением</a:t>
+            </a:r>
+          </a:p>
+          <a:p>
+            <a:pPr marL="0" indent="0">
+              <a:buNone/>
+            </a:pPr>
+            <a:endParaRPr lang="ru-RU" sz="1800" dirty="0" smtClean="0"/>
+          </a:p>
+          <a:p>
+            <a:r>
+              <a:rPr lang="ru-RU" sz="1800" dirty="0" smtClean="0"/>
+              <a:t>Требования к безопасности</a:t>
+            </a:r>
+          </a:p>
+          <a:p>
+            <a:endParaRPr lang="ru-RU" sz="1800" dirty="0" smtClean="0"/>
+          </a:p>
+          <a:p>
+            <a:r>
+              <a:rPr lang="ru-RU" sz="1800" dirty="0" smtClean="0"/>
+              <a:t>Известные ограничения и проблемы</a:t>
+            </a:r>
+            <a:endParaRPr lang="ru-RU" sz="1800" dirty="0"/>
           </a:p>
         </p:txBody>
       </p:sp>
     </p:spTree>
     <p:extLst>
       <p:ext uri="{BB962C8B-B14F-4D97-AF65-F5344CB8AC3E}">
-        <p14:creationId xmlns:p14="http://schemas.microsoft.com/office/powerpoint/2010/main" val="160467915"/>
+        <p14:creationId xmlns:p14="http://schemas.microsoft.com/office/powerpoint/2010/main" val="2535208191"/>
       </p:ext>
     </p:extLst>
   </p:cSld>
@@ -31995,11 +32601,7 @@
           <a:p>
             <a:r>
               <a:rPr lang="en-US" dirty="0" smtClean="0"/>
-              <a:t>Threat </a:t>
-            </a:r>
-            <a:r>
-              <a:rPr lang="en-US" dirty="0" smtClean="0"/>
-              <a:t>mitigation</a:t>
+              <a:t>Threat mitigation</a:t>
             </a:r>
             <a:endParaRPr lang="ru-RU" dirty="0"/>
           </a:p>
@@ -32115,11 +32717,7 @@
                     <a:p>
                       <a:r>
                         <a:rPr lang="en-US" dirty="0" smtClean="0"/>
-                        <a:t>ACLs, Digital signatures, </a:t>
-                      </a:r>
-                      <a:r>
-                        <a:rPr lang="en-US" dirty="0" smtClean="0"/>
-                        <a:t>Message</a:t>
+                        <a:t>ACLs, Digital signatures, Message</a:t>
                       </a:r>
                       <a:r>
                         <a:rPr lang="en-US" baseline="0" dirty="0" smtClean="0"/>
@@ -32640,124 +33238,44 @@
           </a:p>
         </p:txBody>
       </p:sp>
-      <p:pic>
-        <p:nvPicPr>
-          <p:cNvPr id="4" name="Content Placeholder 3" descr="Page_6"/>
-          <p:cNvPicPr>
-            <a:picLocks noGrp="1"/>
-          </p:cNvPicPr>
+      <p:sp>
+        <p:nvSpPr>
+          <p:cNvPr id="3" name="Content Placeholder 2"/>
+          <p:cNvSpPr>
+            <a:spLocks noGrp="1"/>
+          </p:cNvSpPr>
           <p:nvPr>
             <p:ph sz="quarter" idx="12"/>
           </p:nvPr>
-        </p:nvPicPr>
-        <p:blipFill>
-          <a:blip r:embed="rId3">
-            <a:extLst>
-              <a:ext uri="{28A0092B-C50C-407E-A947-70E740481C1C}">
-                <a14:useLocalDpi xmlns:a14="http://schemas.microsoft.com/office/drawing/2010/main" val="0"/>
-              </a:ext>
-            </a:extLst>
-          </a:blip>
-          <a:srcRect/>
-          <a:stretch>
-            <a:fillRect/>
-          </a:stretch>
-        </p:blipFill>
-        <p:spPr bwMode="auto">
-          <a:xfrm>
-            <a:off x="354668" y="989013"/>
-            <a:ext cx="8609820" cy="2230809"/>
-          </a:xfrm>
-          <a:prstGeom prst="rect">
-            <a:avLst/>
-          </a:prstGeom>
-          <a:noFill/>
-        </p:spPr>
-      </p:pic>
-      <p:sp>
-        <p:nvSpPr>
-          <p:cNvPr id="5" name="Rectangle 4"/>
-          <p:cNvSpPr/>
-          <p:nvPr/>
-        </p:nvSpPr>
-        <p:spPr>
-          <a:xfrm>
-            <a:off x="321665" y="4443958"/>
-            <a:ext cx="8463559" cy="250261"/>
-          </a:xfrm>
-          <a:prstGeom prst="rect">
-            <a:avLst/>
-          </a:prstGeom>
-        </p:spPr>
-        <p:txBody>
-          <a:bodyPr wrap="square">
-            <a:spAutoFit/>
-          </a:bodyPr>
+        </p:nvSpPr>
+        <p:spPr/>
+        <p:txBody>
+          <a:bodyPr/>
           <a:lstStyle/>
           <a:p>
-            <a:pPr algn="just">
-              <a:lnSpc>
-                <a:spcPts val="1400"/>
-              </a:lnSpc>
-              <a:spcAft>
-                <a:spcPts val="600"/>
-              </a:spcAft>
-            </a:pPr>
-            <a:r>
-              <a:rPr lang="ru-RU" sz="600" dirty="0">
-                <a:solidFill>
-                  <a:srgbClr val="000000"/>
-                </a:solidFill>
-                <a:latin typeface="Segoe UI" panose="020B0502040204020203" pitchFamily="34" charset="0"/>
-                <a:ea typeface="Times New Roman" panose="02020603050405020304" pitchFamily="18" charset="0"/>
-              </a:rPr>
-              <a:t>© Корпорация </a:t>
-            </a:r>
-            <a:r>
-              <a:rPr lang="en-US" sz="600" dirty="0">
-                <a:solidFill>
-                  <a:srgbClr val="000000"/>
-                </a:solidFill>
-                <a:latin typeface="Segoe UI" panose="020B0502040204020203" pitchFamily="34" charset="0"/>
-                <a:ea typeface="Times New Roman" panose="02020603050405020304" pitchFamily="18" charset="0"/>
-              </a:rPr>
-              <a:t>Microsoft</a:t>
-            </a:r>
-            <a:r>
-              <a:rPr lang="ru-RU" sz="600" dirty="0">
-                <a:solidFill>
-                  <a:srgbClr val="000000"/>
-                </a:solidFill>
-                <a:latin typeface="Segoe UI" panose="020B0502040204020203" pitchFamily="34" charset="0"/>
-                <a:ea typeface="Times New Roman" panose="02020603050405020304" pitchFamily="18" charset="0"/>
-              </a:rPr>
-              <a:t> (</a:t>
-            </a:r>
-            <a:r>
-              <a:rPr lang="en-US" sz="600" dirty="0">
-                <a:solidFill>
-                  <a:srgbClr val="000000"/>
-                </a:solidFill>
-                <a:latin typeface="Segoe UI" panose="020B0502040204020203" pitchFamily="34" charset="0"/>
-                <a:ea typeface="Times New Roman" panose="02020603050405020304" pitchFamily="18" charset="0"/>
-              </a:rPr>
-              <a:t>Microsoft Corporation</a:t>
-            </a:r>
-            <a:r>
-              <a:rPr lang="ru-RU" sz="600" dirty="0">
-                <a:solidFill>
-                  <a:srgbClr val="000000"/>
-                </a:solidFill>
-                <a:latin typeface="Segoe UI" panose="020B0502040204020203" pitchFamily="34" charset="0"/>
-                <a:ea typeface="Times New Roman" panose="02020603050405020304" pitchFamily="18" charset="0"/>
-              </a:rPr>
-              <a:t>), 2010. Все права защищены.</a:t>
-            </a:r>
-            <a:endParaRPr lang="ru-RU" sz="600" dirty="0">
-              <a:effectLst/>
-              <a:latin typeface="Segoe UI" panose="020B0502040204020203" pitchFamily="34" charset="0"/>
-              <a:ea typeface="Times New Roman" panose="02020603050405020304" pitchFamily="18" charset="0"/>
-            </a:endParaRPr>
+            <a:r>
+              <a:rPr lang="en-US" sz="3200" dirty="0" smtClean="0"/>
+              <a:t>Threat modelling</a:t>
+            </a:r>
+          </a:p>
+          <a:p>
+            <a:endParaRPr lang="en-US" sz="3200" dirty="0" smtClean="0"/>
+          </a:p>
+          <a:p>
+            <a:r>
+              <a:rPr lang="en-US" sz="3200" dirty="0" smtClean="0"/>
+              <a:t>Data flow diagrams</a:t>
+            </a:r>
+          </a:p>
+          <a:p>
+            <a:endParaRPr lang="en-US" sz="3200" dirty="0" smtClean="0"/>
+          </a:p>
+          <a:p>
+            <a:r>
+              <a:rPr lang="en-US" sz="3200" dirty="0" smtClean="0"/>
+              <a:t>Threat mitigations</a:t>
+            </a:r>
+            <a:endParaRPr lang="ru-RU" sz="3200" dirty="0"/>
           </a:p>
         </p:txBody>
       </p:sp>
@@ -32800,315 +33318,6 @@
       </p:grpSpPr>
       <p:sp>
         <p:nvSpPr>
-          <p:cNvPr id="2" name="Заголовок 1"/>
-          <p:cNvSpPr>
-            <a:spLocks noGrp="1"/>
-          </p:cNvSpPr>
-          <p:nvPr>
-            <p:ph type="title"/>
-          </p:nvPr>
-        </p:nvSpPr>
-        <p:spPr/>
-        <p:txBody>
-          <a:bodyPr/>
-          <a:lstStyle/>
-          <a:p>
-            <a:r>
-              <a:rPr lang="ru-RU" dirty="0" smtClean="0"/>
-              <a:t>Что такое </a:t>
-            </a:r>
-            <a:r>
-              <a:rPr lang="en-US" dirty="0" smtClean="0"/>
-              <a:t>SDL</a:t>
-            </a:r>
-            <a:endParaRPr lang="ru-RU" dirty="0"/>
-          </a:p>
-        </p:txBody>
-      </p:sp>
-      <p:pic>
-        <p:nvPicPr>
-          <p:cNvPr id="4" name="Content Placeholder 3" descr="Page_6"/>
-          <p:cNvPicPr>
-            <a:picLocks noGrp="1"/>
-          </p:cNvPicPr>
-          <p:nvPr>
-            <p:ph sz="quarter" idx="12"/>
-          </p:nvPr>
-        </p:nvPicPr>
-        <p:blipFill>
-          <a:blip r:embed="rId3">
-            <a:extLst>
-              <a:ext uri="{28A0092B-C50C-407E-A947-70E740481C1C}">
-                <a14:useLocalDpi xmlns:a14="http://schemas.microsoft.com/office/drawing/2010/main" val="0"/>
-              </a:ext>
-            </a:extLst>
-          </a:blip>
-          <a:srcRect/>
-          <a:stretch>
-            <a:fillRect/>
-          </a:stretch>
-        </p:blipFill>
-        <p:spPr bwMode="auto">
-          <a:xfrm>
-            <a:off x="354668" y="989013"/>
-            <a:ext cx="8609820" cy="2230809"/>
-          </a:xfrm>
-          <a:prstGeom prst="rect">
-            <a:avLst/>
-          </a:prstGeom>
-          <a:noFill/>
-        </p:spPr>
-      </p:pic>
-      <p:sp>
-        <p:nvSpPr>
-          <p:cNvPr id="5" name="Rectangle 4"/>
-          <p:cNvSpPr/>
-          <p:nvPr/>
-        </p:nvSpPr>
-        <p:spPr>
-          <a:xfrm>
-            <a:off x="321665" y="4443958"/>
-            <a:ext cx="8463559" cy="250261"/>
-          </a:xfrm>
-          <a:prstGeom prst="rect">
-            <a:avLst/>
-          </a:prstGeom>
-        </p:spPr>
-        <p:txBody>
-          <a:bodyPr wrap="square">
-            <a:spAutoFit/>
-          </a:bodyPr>
-          <a:lstStyle/>
-          <a:p>
-            <a:pPr algn="just">
-              <a:lnSpc>
-                <a:spcPts val="1400"/>
-              </a:lnSpc>
-              <a:spcAft>
-                <a:spcPts val="600"/>
-              </a:spcAft>
-            </a:pPr>
-            <a:r>
-              <a:rPr lang="ru-RU" sz="600" dirty="0">
-                <a:solidFill>
-                  <a:srgbClr val="000000"/>
-                </a:solidFill>
-                <a:latin typeface="Segoe UI" panose="020B0502040204020203" pitchFamily="34" charset="0"/>
-                <a:ea typeface="Times New Roman" panose="02020603050405020304" pitchFamily="18" charset="0"/>
-              </a:rPr>
-              <a:t>© Корпорация </a:t>
-            </a:r>
-            <a:r>
-              <a:rPr lang="en-US" sz="600" dirty="0">
-                <a:solidFill>
-                  <a:srgbClr val="000000"/>
-                </a:solidFill>
-                <a:latin typeface="Segoe UI" panose="020B0502040204020203" pitchFamily="34" charset="0"/>
-                <a:ea typeface="Times New Roman" panose="02020603050405020304" pitchFamily="18" charset="0"/>
-              </a:rPr>
-              <a:t>Microsoft</a:t>
-            </a:r>
-            <a:r>
-              <a:rPr lang="ru-RU" sz="600" dirty="0">
-                <a:solidFill>
-                  <a:srgbClr val="000000"/>
-                </a:solidFill>
-                <a:latin typeface="Segoe UI" panose="020B0502040204020203" pitchFamily="34" charset="0"/>
-                <a:ea typeface="Times New Roman" panose="02020603050405020304" pitchFamily="18" charset="0"/>
-              </a:rPr>
-              <a:t> (</a:t>
-            </a:r>
-            <a:r>
-              <a:rPr lang="en-US" sz="600" dirty="0">
-                <a:solidFill>
-                  <a:srgbClr val="000000"/>
-                </a:solidFill>
-                <a:latin typeface="Segoe UI" panose="020B0502040204020203" pitchFamily="34" charset="0"/>
-                <a:ea typeface="Times New Roman" panose="02020603050405020304" pitchFamily="18" charset="0"/>
-              </a:rPr>
-              <a:t>Microsoft Corporation</a:t>
-            </a:r>
-            <a:r>
-              <a:rPr lang="ru-RU" sz="600" dirty="0">
-                <a:solidFill>
-                  <a:srgbClr val="000000"/>
-                </a:solidFill>
-                <a:latin typeface="Segoe UI" panose="020B0502040204020203" pitchFamily="34" charset="0"/>
-                <a:ea typeface="Times New Roman" panose="02020603050405020304" pitchFamily="18" charset="0"/>
-              </a:rPr>
-              <a:t>), 2010. Все права защищены.</a:t>
-            </a:r>
-            <a:endParaRPr lang="ru-RU" sz="600" dirty="0">
-              <a:effectLst/>
-              <a:latin typeface="Segoe UI" panose="020B0502040204020203" pitchFamily="34" charset="0"/>
-              <a:ea typeface="Times New Roman" panose="02020603050405020304" pitchFamily="18" charset="0"/>
-            </a:endParaRPr>
-          </a:p>
-        </p:txBody>
-      </p:sp>
-      <p:pic>
-        <p:nvPicPr>
-          <p:cNvPr id="6" name="Content Placeholder 3" descr="Page_6"/>
-          <p:cNvPicPr>
-            <a:picLocks/>
-          </p:cNvPicPr>
-          <p:nvPr/>
-        </p:nvPicPr>
-        <p:blipFill>
-          <a:blip r:embed="rId3">
-            <a:extLst>
-              <a:ext uri="{28A0092B-C50C-407E-A947-70E740481C1C}">
-                <a14:useLocalDpi xmlns:a14="http://schemas.microsoft.com/office/drawing/2010/main" val="0"/>
-              </a:ext>
-            </a:extLst>
-          </a:blip>
-          <a:srcRect/>
-          <a:stretch>
-            <a:fillRect/>
-          </a:stretch>
-        </p:blipFill>
-        <p:spPr bwMode="auto">
-          <a:xfrm>
-            <a:off x="354668" y="989013"/>
-            <a:ext cx="8609820" cy="2230809"/>
-          </a:xfrm>
-          <a:prstGeom prst="rect">
-            <a:avLst/>
-          </a:prstGeom>
-          <a:noFill/>
-        </p:spPr>
-      </p:pic>
-      <p:sp>
-        <p:nvSpPr>
-          <p:cNvPr id="7" name="Oval 6"/>
-          <p:cNvSpPr/>
-          <p:nvPr/>
-        </p:nvSpPr>
-        <p:spPr>
-          <a:xfrm>
-            <a:off x="363472" y="1035125"/>
-            <a:ext cx="1373016" cy="468052"/>
-          </a:xfrm>
-          <a:prstGeom prst="ellipse">
-            <a:avLst/>
-          </a:prstGeom>
-          <a:noFill/>
-          <a:ln w="28575">
-            <a:solidFill>
-              <a:srgbClr val="C00000"/>
-            </a:solidFill>
-          </a:ln>
-        </p:spPr>
-        <p:style>
-          <a:lnRef idx="2">
-            <a:schemeClr val="accent1">
-              <a:shade val="50000"/>
-            </a:schemeClr>
-          </a:lnRef>
-          <a:fillRef idx="1">
-            <a:schemeClr val="accent1"/>
-          </a:fillRef>
-          <a:effectRef idx="0">
-            <a:schemeClr val="accent1"/>
-          </a:effectRef>
-          <a:fontRef idx="minor">
-            <a:schemeClr val="lt1"/>
-          </a:fontRef>
-        </p:style>
-        <p:txBody>
-          <a:bodyPr rtlCol="0" anchor="ctr"/>
-          <a:lstStyle/>
-          <a:p>
-            <a:pPr algn="ctr"/>
-            <a:endParaRPr lang="ru-RU" sz="1200" b="1" dirty="0" err="1" smtClean="0"/>
-          </a:p>
-        </p:txBody>
-      </p:sp>
-      <p:sp>
-        <p:nvSpPr>
-          <p:cNvPr id="8" name="Oval 7"/>
-          <p:cNvSpPr/>
-          <p:nvPr/>
-        </p:nvSpPr>
-        <p:spPr>
-          <a:xfrm>
-            <a:off x="2807804" y="1035125"/>
-            <a:ext cx="1373016" cy="468052"/>
-          </a:xfrm>
-          <a:prstGeom prst="ellipse">
-            <a:avLst/>
-          </a:prstGeom>
-          <a:noFill/>
-          <a:ln w="28575">
-            <a:solidFill>
-              <a:srgbClr val="C00000"/>
-            </a:solidFill>
-          </a:ln>
-        </p:spPr>
-        <p:style>
-          <a:lnRef idx="2">
-            <a:schemeClr val="accent1">
-              <a:shade val="50000"/>
-            </a:schemeClr>
-          </a:lnRef>
-          <a:fillRef idx="1">
-            <a:schemeClr val="accent1"/>
-          </a:fillRef>
-          <a:effectRef idx="0">
-            <a:schemeClr val="accent1"/>
-          </a:effectRef>
-          <a:fontRef idx="minor">
-            <a:schemeClr val="lt1"/>
-          </a:fontRef>
-        </p:style>
-        <p:txBody>
-          <a:bodyPr rtlCol="0" anchor="ctr"/>
-          <a:lstStyle/>
-          <a:p>
-            <a:pPr algn="ctr"/>
-            <a:endParaRPr lang="ru-RU" sz="1200" b="1" dirty="0" err="1" smtClean="0"/>
-          </a:p>
-        </p:txBody>
-      </p:sp>
-    </p:spTree>
-    <p:extLst>
-      <p:ext uri="{BB962C8B-B14F-4D97-AF65-F5344CB8AC3E}">
-        <p14:creationId xmlns:p14="http://schemas.microsoft.com/office/powerpoint/2010/main" val="1381889711"/>
-      </p:ext>
-    </p:extLst>
-  </p:cSld>
-  <p:clrMapOvr>
-    <a:masterClrMapping/>
-  </p:clrMapOvr>
-  <p:timing>
-    <p:tnLst>
-      <p:par>
-        <p:cTn id="1" dur="indefinite" restart="never" nodeType="tmRoot"/>
-      </p:par>
-    </p:tnLst>
-  </p:timing>
-</p:sld>
-</file>
-
-<file path=ppt/slides/slide8.xml><?xml version="1.0" encoding="utf-8"?>
-<p:sld xmlns:a="http://schemas.openxmlformats.org/drawingml/2006/main" xmlns:r="http://schemas.openxmlformats.org/officeDocument/2006/relationships" xmlns:p="http://schemas.openxmlformats.org/presentationml/2006/main">
-  <p:cSld>
-    <p:spTree>
-      <p:nvGrpSpPr>
-        <p:cNvPr id="1" name=""/>
-        <p:cNvGrpSpPr/>
-        <p:nvPr/>
-      </p:nvGrpSpPr>
-      <p:grpSpPr>
-        <a:xfrm>
-          <a:off x="0" y="0"/>
-          <a:ext cx="0" cy="0"/>
-          <a:chOff x="0" y="0"/>
-          <a:chExt cx="0" cy="0"/>
-        </a:xfrm>
-      </p:grpSpPr>
-      <p:sp>
-        <p:nvSpPr>
           <p:cNvPr id="2" name="Текст 1"/>
           <p:cNvSpPr>
             <a:spLocks noGrp="1"/>
@@ -33170,7 +33379,7 @@
 </p:sld>
 </file>
 
-<file path=ppt/slides/slide9.xml><?xml version="1.0" encoding="utf-8"?>
+<file path=ppt/slides/slide8.xml><?xml version="1.0" encoding="utf-8"?>
 <p:sld xmlns:a="http://schemas.openxmlformats.org/drawingml/2006/main" xmlns:r="http://schemas.openxmlformats.org/officeDocument/2006/relationships" xmlns:p="http://schemas.openxmlformats.org/presentationml/2006/main">
   <p:cSld>
     <p:spTree>
@@ -33522,6 +33731,122 @@
     <p:extLst>
       <p:ext uri="{BB962C8B-B14F-4D97-AF65-F5344CB8AC3E}">
         <p14:creationId xmlns:p14="http://schemas.microsoft.com/office/powerpoint/2010/main" val="2717567738"/>
+      </p:ext>
+    </p:extLst>
+  </p:cSld>
+  <p:clrMapOvr>
+    <a:masterClrMapping/>
+  </p:clrMapOvr>
+  <p:timing>
+    <p:tnLst>
+      <p:par>
+        <p:cTn id="1" dur="indefinite" restart="never" nodeType="tmRoot"/>
+      </p:par>
+    </p:tnLst>
+  </p:timing>
+</p:sld>
+</file>
+
+<file path=ppt/slides/slide9.xml><?xml version="1.0" encoding="utf-8"?>
+<p:sld xmlns:a="http://schemas.openxmlformats.org/drawingml/2006/main" xmlns:r="http://schemas.openxmlformats.org/officeDocument/2006/relationships" xmlns:p="http://schemas.openxmlformats.org/presentationml/2006/main">
+  <p:cSld>
+    <p:spTree>
+      <p:nvGrpSpPr>
+        <p:cNvPr id="1" name=""/>
+        <p:cNvGrpSpPr/>
+        <p:nvPr/>
+      </p:nvGrpSpPr>
+      <p:grpSpPr>
+        <a:xfrm>
+          <a:off x="0" y="0"/>
+          <a:ext cx="0" cy="0"/>
+          <a:chOff x="0" y="0"/>
+          <a:chExt cx="0" cy="0"/>
+        </a:xfrm>
+      </p:grpSpPr>
+      <p:sp>
+        <p:nvSpPr>
+          <p:cNvPr id="2" name="Заголовок 1"/>
+          <p:cNvSpPr>
+            <a:spLocks noGrp="1"/>
+          </p:cNvSpPr>
+          <p:nvPr>
+            <p:ph type="title"/>
+          </p:nvPr>
+        </p:nvSpPr>
+        <p:spPr/>
+        <p:txBody>
+          <a:bodyPr/>
+          <a:lstStyle/>
+          <a:p>
+            <a:r>
+              <a:rPr lang="en-US" dirty="0" smtClean="0">
+                <a:solidFill>
+                  <a:srgbClr val="C00000"/>
+                </a:solidFill>
+              </a:rPr>
+              <a:t>Spoofing</a:t>
+            </a:r>
+            <a:r>
+              <a:rPr lang="ru-RU" dirty="0" smtClean="0"/>
+              <a:t> - </a:t>
+            </a:r>
+            <a:r>
+              <a:rPr lang="en-US" dirty="0" smtClean="0"/>
+              <a:t>authentication</a:t>
+            </a:r>
+            <a:endParaRPr lang="ru-RU" dirty="0"/>
+          </a:p>
+        </p:txBody>
+      </p:sp>
+      <p:sp>
+        <p:nvSpPr>
+          <p:cNvPr id="6" name="Content Placeholder 5"/>
+          <p:cNvSpPr>
+            <a:spLocks noGrp="1"/>
+          </p:cNvSpPr>
+          <p:nvPr>
+            <p:ph sz="quarter" idx="12"/>
+          </p:nvPr>
+        </p:nvSpPr>
+        <p:spPr/>
+        <p:txBody>
+          <a:bodyPr/>
+          <a:lstStyle/>
+          <a:p>
+            <a:pPr marL="0" indent="0" algn="ctr">
+              <a:buNone/>
+            </a:pPr>
+            <a:endParaRPr lang="ru-RU" sz="1800" dirty="0" smtClean="0"/>
+          </a:p>
+          <a:p>
+            <a:pPr marL="0" indent="0" algn="ctr">
+              <a:buNone/>
+            </a:pPr>
+            <a:endParaRPr lang="ru-RU" sz="1800" dirty="0" smtClean="0"/>
+          </a:p>
+          <a:p>
+            <a:pPr marL="0" indent="0" algn="ctr">
+              <a:buNone/>
+            </a:pPr>
+            <a:endParaRPr lang="ru-RU" sz="1800" dirty="0" smtClean="0"/>
+          </a:p>
+          <a:p>
+            <a:pPr marL="0" indent="0" algn="ctr">
+              <a:buNone/>
+            </a:pPr>
+            <a:r>
+              <a:rPr lang="ru-RU" sz="2800" dirty="0" smtClean="0"/>
+              <a:t>Процесс маскировки (подмены) пользователя или программы под другую</a:t>
+            </a:r>
+            <a:endParaRPr lang="ru-RU" sz="2800" dirty="0"/>
+          </a:p>
+        </p:txBody>
+      </p:sp>
+    </p:spTree>
+    <p:extLst>
+      <p:ext uri="{BB962C8B-B14F-4D97-AF65-F5344CB8AC3E}">
+        <p14:creationId xmlns:p14="http://schemas.microsoft.com/office/powerpoint/2010/main" val="4220539737"/>
       </p:ext>
     </p:extLst>
   </p:cSld>
@@ -34680,6 +35005,15 @@
 </file>
 
 <file path=customXml/item1.xml><?xml version="1.0" encoding="utf-8"?>
+<?mso-contentType ?>
+<FormTemplates xmlns="http://schemas.microsoft.com/sharepoint/v3/contenttype/forms">
+  <Display>DocumentLibraryForm</Display>
+  <Edit>DocumentLibraryForm</Edit>
+  <New>DocumentLibraryForm</New>
+</FormTemplates>
+</file>
+
+<file path=customXml/item2.xml><?xml version="1.0" encoding="utf-8"?>
 <ct:contentTypeSchema xmlns:ct="http://schemas.microsoft.com/office/2006/metadata/contentType" xmlns:ma="http://schemas.microsoft.com/office/2006/metadata/properties/metaAttributes" ct:_="" ma:_="" ma:contentTypeName="Document" ma:contentTypeID="0x010100C1586E4E9F030F4399E265B5D2D2EC9A" ma:contentTypeVersion="2" ma:contentTypeDescription="Create a new document." ma:contentTypeScope="" ma:versionID="4091279fccd7624e96e41653ff018ce7">
   <xsd:schema xmlns:xsd="http://www.w3.org/2001/XMLSchema" xmlns:xs="http://www.w3.org/2001/XMLSchema" xmlns:p="http://schemas.microsoft.com/office/2006/metadata/properties" xmlns:ns1="8a09c138-3bb3-4bc6-a8a7-2afac9fb1b96" targetNamespace="http://schemas.microsoft.com/office/2006/metadata/properties" ma:root="true" ma:fieldsID="920cbb75d2dd36b9330eb638bfb0df8f" ns1:_="">
     <xsd:import namespace="8a09c138-3bb3-4bc6-a8a7-2afac9fb1b96"/>
@@ -34818,7 +35152,7 @@
 </ct:contentTypeSchema>
 </file>
 
-<file path=customXml/item2.xml><?xml version="1.0" encoding="utf-8"?>
+<file path=customXml/item3.xml><?xml version="1.0" encoding="utf-8"?>
 <p:properties xmlns:p="http://schemas.microsoft.com/office/2006/metadata/properties" xmlns:xsi="http://www.w3.org/2001/XMLSchema-instance" xmlns:pc="http://schemas.microsoft.com/office/infopath/2007/PartnerControls">
   <documentManagement>
     <Preview xmlns="8a09c138-3bb3-4bc6-a8a7-2afac9fb1b96">https://intranet.kaspersky.com/PublishingImages/Brand_Central/16x9.jpg, </Preview>
@@ -34830,16 +35164,15 @@
 </p:properties>
 </file>
 
-<file path=customXml/item3.xml><?xml version="1.0" encoding="utf-8"?>
-<?mso-contentType ?>
-<FormTemplates xmlns="http://schemas.microsoft.com/sharepoint/v3/contenttype/forms">
-  <Display>DocumentLibraryForm</Display>
-  <Edit>DocumentLibraryForm</Edit>
-  <New>DocumentLibraryForm</New>
-</FormTemplates>
+<file path=customXml/itemProps1.xml><?xml version="1.0" encoding="utf-8"?>
+<ds:datastoreItem xmlns:ds="http://schemas.openxmlformats.org/officeDocument/2006/customXml" ds:itemID="{A9684E87-8FA4-4297-8378-8D5D3320CC30}">
+  <ds:schemaRefs>
+    <ds:schemaRef ds:uri="http://schemas.microsoft.com/sharepoint/v3/contenttype/forms"/>
+  </ds:schemaRefs>
+</ds:datastoreItem>
 </file>
 
-<file path=customXml/itemProps1.xml><?xml version="1.0" encoding="utf-8"?>
+<file path=customXml/itemProps2.xml><?xml version="1.0" encoding="utf-8"?>
 <ds:datastoreItem xmlns:ds="http://schemas.openxmlformats.org/officeDocument/2006/customXml" ds:itemID="{35F66CE6-A235-4737-ABB5-528646C78818}">
   <ds:schemaRefs>
     <ds:schemaRef ds:uri="http://schemas.microsoft.com/office/2006/metadata/contentType"/>
@@ -34857,7 +35190,7 @@
 </ds:datastoreItem>
 </file>
 
-<file path=customXml/itemProps2.xml><?xml version="1.0" encoding="utf-8"?>
+<file path=customXml/itemProps3.xml><?xml version="1.0" encoding="utf-8"?>
 <ds:datastoreItem xmlns:ds="http://schemas.openxmlformats.org/officeDocument/2006/customXml" ds:itemID="{3235EFE6-ED36-44A8-992E-657AFD707955}">
   <ds:schemaRefs>
     <ds:schemaRef ds:uri="http://purl.org/dc/elements/1.1/"/>
@@ -34871,12 +35204,4 @@
     <ds:schemaRef ds:uri="http://purl.org/dc/dcmitype/"/>
   </ds:schemaRefs>
 </ds:datastoreItem>
-</file>
-
-<file path=customXml/itemProps3.xml><?xml version="1.0" encoding="utf-8"?>
-<ds:datastoreItem xmlns:ds="http://schemas.openxmlformats.org/officeDocument/2006/customXml" ds:itemID="{A9684E87-8FA4-4297-8378-8D5D3320CC30}">
-  <ds:schemaRefs>
-    <ds:schemaRef ds:uri="http://schemas.microsoft.com/sharepoint/v3/contenttype/forms"/>
-  </ds:schemaRefs>
-</ds:datastoreItem>
 </file>
--- a/nsu_31_01_2017/31.01.2017_kutumov.pptx
+++ b/nsu_31_01_2017/31.01.2017_kutumov.pptx
@@ -6,10 +6,10 @@
     <p:sldMasterId id="2147483708" r:id="rId5"/>
   </p:sldMasterIdLst>
   <p:notesMasterIdLst>
-    <p:notesMasterId r:id="rId33"/>
+    <p:notesMasterId r:id="rId31"/>
   </p:notesMasterIdLst>
   <p:handoutMasterIdLst>
-    <p:handoutMasterId r:id="rId34"/>
+    <p:handoutMasterId r:id="rId32"/>
   </p:handoutMasterIdLst>
   <p:sldIdLst>
     <p:sldId id="256" r:id="rId6"/>
@@ -17,33 +17,31 @@
     <p:sldId id="292" r:id="rId8"/>
     <p:sldId id="323" r:id="rId9"/>
     <p:sldId id="328" r:id="rId10"/>
-    <p:sldId id="325" r:id="rId11"/>
-    <p:sldId id="330" r:id="rId12"/>
-    <p:sldId id="331" r:id="rId13"/>
-    <p:sldId id="336" r:id="rId14"/>
-    <p:sldId id="337" r:id="rId15"/>
-    <p:sldId id="338" r:id="rId16"/>
-    <p:sldId id="339" r:id="rId17"/>
-    <p:sldId id="340" r:id="rId18"/>
-    <p:sldId id="341" r:id="rId19"/>
-    <p:sldId id="335" r:id="rId20"/>
-    <p:sldId id="342" r:id="rId21"/>
-    <p:sldId id="343" r:id="rId22"/>
-    <p:sldId id="345" r:id="rId23"/>
-    <p:sldId id="346" r:id="rId24"/>
-    <p:sldId id="352" r:id="rId25"/>
-    <p:sldId id="350" r:id="rId26"/>
-    <p:sldId id="267" r:id="rId27"/>
-    <p:sldId id="353" r:id="rId28"/>
-    <p:sldId id="347" r:id="rId29"/>
-    <p:sldId id="349" r:id="rId30"/>
-    <p:sldId id="348" r:id="rId31"/>
-    <p:sldId id="351" r:id="rId32"/>
+    <p:sldId id="331" r:id="rId11"/>
+    <p:sldId id="336" r:id="rId12"/>
+    <p:sldId id="337" r:id="rId13"/>
+    <p:sldId id="338" r:id="rId14"/>
+    <p:sldId id="339" r:id="rId15"/>
+    <p:sldId id="340" r:id="rId16"/>
+    <p:sldId id="341" r:id="rId17"/>
+    <p:sldId id="335" r:id="rId18"/>
+    <p:sldId id="342" r:id="rId19"/>
+    <p:sldId id="343" r:id="rId20"/>
+    <p:sldId id="345" r:id="rId21"/>
+    <p:sldId id="346" r:id="rId22"/>
+    <p:sldId id="352" r:id="rId23"/>
+    <p:sldId id="350" r:id="rId24"/>
+    <p:sldId id="267" r:id="rId25"/>
+    <p:sldId id="353" r:id="rId26"/>
+    <p:sldId id="347" r:id="rId27"/>
+    <p:sldId id="349" r:id="rId28"/>
+    <p:sldId id="348" r:id="rId29"/>
+    <p:sldId id="351" r:id="rId30"/>
   </p:sldIdLst>
   <p:sldSz cx="9144000" cy="5143500" type="screen16x9"/>
   <p:notesSz cx="6669088" cy="9926638"/>
   <p:custDataLst>
-    <p:tags r:id="rId35"/>
+    <p:tags r:id="rId33"/>
   </p:custDataLst>
   <p:defaultTextStyle>
     <a:defPPr>
@@ -915,42 +913,66 @@
           <a:p>
             <a:r>
               <a:rPr lang="en-US" baseline="0" dirty="0" smtClean="0"/>
-              <a:t>Tampering</a:t>
+              <a:t>Information disclosure – </a:t>
             </a:r>
             <a:r>
               <a:rPr lang="ru-RU" baseline="0" dirty="0" smtClean="0"/>
-              <a:t> – процесс подмены данных, или же процесс подмены исполняемого файла.</a:t>
+              <a:t>это несанкционированное раскрытие данных.</a:t>
             </a:r>
           </a:p>
           <a:p>
             <a:endParaRPr lang="ru-RU" baseline="0" dirty="0" smtClean="0"/>
           </a:p>
           <a:p>
+            <a:endParaRPr lang="ru-RU" baseline="0" dirty="0" smtClean="0"/>
+          </a:p>
+          <a:p>
             <a:r>
               <a:rPr lang="ru-RU" baseline="0" dirty="0" smtClean="0"/>
-              <a:t>В качестве примера </a:t>
+              <a:t>Тут можно придумать несколько примеров:</a:t>
+            </a:r>
+          </a:p>
+          <a:p>
+            <a:endParaRPr lang="ru-RU" baseline="0" dirty="0" smtClean="0"/>
+          </a:p>
+          <a:p>
+            <a:r>
+              <a:rPr lang="ru-RU" baseline="0" dirty="0" smtClean="0"/>
+              <a:t>Например, вы передаете секретную информацию в открытом виде по незащищенному каналу – например </a:t>
             </a:r>
             <a:r>
               <a:rPr lang="en-US" baseline="0" dirty="0" smtClean="0"/>
-              <a:t>tampering</a:t>
+              <a:t>http.</a:t>
             </a:r>
             <a:r>
               <a:rPr lang="ru-RU" baseline="0" dirty="0" smtClean="0"/>
-              <a:t> можно рассмотреть </a:t>
+              <a:t> В этом случае злоумышленник с помощью обычного </a:t>
+            </a:r>
+            <a:r>
+              <a:rPr lang="ru-RU" baseline="0" dirty="0" err="1" smtClean="0"/>
+              <a:t>снифера</a:t>
             </a:r>
             <a:r>
               <a:rPr lang="ru-RU" baseline="0" dirty="0" smtClean="0"/>
-              <a:t>опять–же </a:t>
-            </a:r>
+              <a:t> пакетов может получить всю вашу информацию.</a:t>
+            </a:r>
+          </a:p>
+          <a:p>
+            <a:endParaRPr lang="ru-RU" baseline="0" dirty="0" smtClean="0"/>
+          </a:p>
+          <a:p>
             <a:r>
               <a:rPr lang="ru-RU" baseline="0" dirty="0" smtClean="0"/>
-              <a:t>электронную почту.</a:t>
-            </a:r>
+              <a:t>Какие еще есть варианты несанкционированного раскрытия информации?</a:t>
+            </a:r>
+          </a:p>
+          <a:p>
+            <a:endParaRPr lang="ru-RU" baseline="0" dirty="0" smtClean="0"/>
           </a:p>
           <a:p>
             <a:r>
               <a:rPr lang="ru-RU" baseline="0" dirty="0" smtClean="0"/>
-              <a:t>Злоумышленник может перехватить ваше письмо, поменять его содержимое и вы об этом никак не узнаете.</a:t>
+              <a:t>Например, отладочная печать. Программист для целей отладки включил печать логина и пароля на экран.</a:t>
             </a:r>
           </a:p>
           <a:p>
@@ -959,33 +981,15 @@
           <a:p>
             <a:r>
               <a:rPr lang="ru-RU" baseline="0" dirty="0" smtClean="0"/>
-              <a:t>Что важно, </a:t>
-            </a:r>
-            <a:r>
-              <a:rPr lang="en-US" baseline="0" dirty="0" smtClean="0"/>
-              <a:t>tampering</a:t>
-            </a:r>
-            <a:r>
-              <a:rPr lang="ru-RU" baseline="0" dirty="0" smtClean="0"/>
-              <a:t>-у подвержены не только данные, но и исполняемые модули:</a:t>
-            </a:r>
+              <a:t>Вот вам и угроза.</a:t>
+            </a:r>
+            <a:endParaRPr lang="en-US" baseline="0" dirty="0" smtClean="0"/>
+          </a:p>
+          <a:p>
+            <a:endParaRPr lang="en-US" baseline="0" dirty="0" smtClean="0"/>
           </a:p>
           <a:p>
             <a:endParaRPr lang="ru-RU" baseline="0" dirty="0" smtClean="0"/>
-          </a:p>
-          <a:p>
-            <a:r>
-              <a:rPr lang="ru-RU" baseline="0" dirty="0" smtClean="0"/>
-              <a:t>Например, злоумышленник может подменить приложение, </a:t>
-            </a:r>
-            <a:r>
-              <a:rPr lang="en-US" baseline="0" dirty="0" smtClean="0"/>
-              <a:t>DLL</a:t>
-            </a:r>
-            <a:r>
-              <a:rPr lang="ru-RU" baseline="0" dirty="0" smtClean="0"/>
-              <a:t>, скрипт на свой, и если у вашей системы нет проверки целостности, то вы об этом никак не узнаете и запустите зловредное приложение.</a:t>
-            </a:r>
           </a:p>
         </p:txBody>
       </p:sp>
@@ -1016,7 +1020,7 @@
     </p:spTree>
     <p:extLst>
       <p:ext uri="{BB962C8B-B14F-4D97-AF65-F5344CB8AC3E}">
-        <p14:creationId xmlns:p14="http://schemas.microsoft.com/office/powerpoint/2010/main" val="722600875"/>
+        <p14:creationId xmlns:p14="http://schemas.microsoft.com/office/powerpoint/2010/main" val="2529652527"/>
       </p:ext>
     </p:extLst>
   </p:cSld>
@@ -1071,12 +1075,33 @@
           <a:lstStyle/>
           <a:p>
             <a:r>
+              <a:rPr lang="ru-RU" baseline="0" dirty="0" smtClean="0"/>
+              <a:t>Вариант «отказ в обслуживании» наверное, самый простой.</a:t>
+            </a:r>
+          </a:p>
+          <a:p>
+            <a:endParaRPr lang="ru-RU" baseline="0" dirty="0" smtClean="0"/>
+          </a:p>
+          <a:p>
+            <a:r>
+              <a:rPr lang="ru-RU" baseline="0" dirty="0" smtClean="0"/>
+              <a:t>Все наверняка слышали о </a:t>
+            </a:r>
+            <a:r>
+              <a:rPr lang="en-US" baseline="0" dirty="0" err="1" smtClean="0"/>
+              <a:t>DoS</a:t>
+            </a:r>
+            <a:r>
+              <a:rPr lang="ru-RU" baseline="0" dirty="0" smtClean="0"/>
+              <a:t> атаках и </a:t>
+            </a:r>
+            <a:r>
               <a:rPr lang="en-US" baseline="0" dirty="0" smtClean="0"/>
-              <a:t>Repudiation – </a:t>
+              <a:t>DDoS</a:t>
             </a:r>
             <a:r>
               <a:rPr lang="ru-RU" baseline="0" dirty="0" smtClean="0"/>
-              <a:t>это процесс заметания следов.</a:t>
+              <a:t> атаках, когда с помощью огромного числа компьютеров организуют одновременные запросы к серверу. Сервер не выдерживает такой нагрузки и падает. При этом легитимные пользователи не могут получить доступ к сервису.</a:t>
             </a:r>
           </a:p>
           <a:p>
@@ -1085,56 +1110,16 @@
           <a:p>
             <a:r>
               <a:rPr lang="ru-RU" baseline="0" dirty="0" smtClean="0"/>
-              <a:t>Например, если данные пользователя были скомпрометированы – например, все знают логин/пароль для входа в какую-нибудь систему.</a:t>
-            </a:r>
+              <a:t>Что еще может быть причиной отказа в обслуживании.</a:t>
+            </a:r>
+          </a:p>
+          <a:p>
+            <a:endParaRPr lang="ru-RU" baseline="0" dirty="0" smtClean="0"/>
           </a:p>
           <a:p>
             <a:r>
               <a:rPr lang="ru-RU" baseline="0" dirty="0" smtClean="0"/>
-              <a:t>В этом случае, если </a:t>
-            </a:r>
-            <a:r>
-              <a:rPr lang="ru-RU" baseline="0" dirty="0" err="1" smtClean="0"/>
-              <a:t>злоумышленик</a:t>
-            </a:r>
-            <a:r>
-              <a:rPr lang="ru-RU" baseline="0" dirty="0" smtClean="0"/>
-              <a:t> завладеет такими данными, то он сможет выполнить несанкционированные действия, и никто не сможет выяснить, кто же на самом деле осуществил эти действия.</a:t>
-            </a:r>
-          </a:p>
-          <a:p>
-            <a:endParaRPr lang="ru-RU" baseline="0" dirty="0" smtClean="0"/>
-          </a:p>
-          <a:p>
-            <a:endParaRPr lang="ru-RU" baseline="0" dirty="0" smtClean="0"/>
-          </a:p>
-          <a:p>
-            <a:r>
-              <a:rPr lang="ru-RU" baseline="0" dirty="0" smtClean="0"/>
-              <a:t>Кто может еще привести пример </a:t>
-            </a:r>
-            <a:r>
-              <a:rPr lang="en-US" baseline="0" dirty="0" smtClean="0"/>
-              <a:t>repudiation</a:t>
-            </a:r>
-            <a:r>
-              <a:rPr lang="ru-RU" baseline="0" dirty="0" smtClean="0"/>
-              <a:t> – например, у нас есть система, которая фиксирует количество неуспешных попыток логина.</a:t>
-            </a:r>
-          </a:p>
-          <a:p>
-            <a:r>
-              <a:rPr lang="ru-RU" baseline="0" dirty="0" smtClean="0"/>
-              <a:t>Если данная информация (о неуспешных попытках логина) не защищена должным образом, то злоумышленник может удалить всю информацию о неуспешных попытках логина.</a:t>
-            </a:r>
-          </a:p>
-          <a:p>
-            <a:endParaRPr lang="ru-RU" baseline="0" dirty="0" smtClean="0"/>
-          </a:p>
-          <a:p>
-            <a:r>
-              <a:rPr lang="ru-RU" baseline="0" dirty="0" smtClean="0"/>
-              <a:t>Заметьте, при этом злоумышленник может и не получить доступ к системе, однако информация о неуспешном логине исчезнет.</a:t>
+              <a:t>Например, мы можем испортить конфигурационный файл программы, из за этого программа не сможет запуститься.</a:t>
             </a:r>
           </a:p>
         </p:txBody>
@@ -1166,7 +1151,7 @@
     </p:spTree>
     <p:extLst>
       <p:ext uri="{BB962C8B-B14F-4D97-AF65-F5344CB8AC3E}">
-        <p14:creationId xmlns:p14="http://schemas.microsoft.com/office/powerpoint/2010/main" val="30538106"/>
+        <p14:creationId xmlns:p14="http://schemas.microsoft.com/office/powerpoint/2010/main" val="2193844591"/>
       </p:ext>
     </p:extLst>
   </p:cSld>
@@ -1221,89 +1206,70 @@
           <a:lstStyle/>
           <a:p>
             <a:r>
+              <a:rPr lang="ru-RU" baseline="0" dirty="0" smtClean="0"/>
+              <a:t>Несанкционированное получение привилегий.</a:t>
+            </a:r>
+          </a:p>
+          <a:p>
+            <a:endParaRPr lang="ru-RU" baseline="0" dirty="0" smtClean="0"/>
+          </a:p>
+          <a:p>
+            <a:r>
+              <a:rPr lang="ru-RU" baseline="0" dirty="0" smtClean="0"/>
+              <a:t>Например, у нас есть система, в которой есть два пользователя: </a:t>
+            </a:r>
+            <a:r>
               <a:rPr lang="en-US" baseline="0" dirty="0" smtClean="0"/>
-              <a:t>Information disclosure – </a:t>
+              <a:t>user</a:t>
             </a:r>
             <a:r>
               <a:rPr lang="ru-RU" baseline="0" dirty="0" smtClean="0"/>
-              <a:t>это несанкционированное раскрытие данных.</a:t>
+              <a:t> и </a:t>
+            </a:r>
+            <a:r>
+              <a:rPr lang="en-US" baseline="0" dirty="0" smtClean="0"/>
+              <a:t>admin</a:t>
+            </a:r>
+            <a:r>
+              <a:rPr lang="ru-RU" baseline="0" dirty="0" smtClean="0"/>
+              <a:t>. Причем пользователь </a:t>
+            </a:r>
+            <a:r>
+              <a:rPr lang="en-US" baseline="0" dirty="0" smtClean="0"/>
+              <a:t>admin</a:t>
+            </a:r>
+            <a:r>
+              <a:rPr lang="ru-RU" baseline="0" dirty="0" smtClean="0"/>
+              <a:t> обладает более мощными привилегиями, чем</a:t>
+            </a:r>
+            <a:r>
+              <a:rPr lang="en-US" baseline="0" dirty="0" smtClean="0"/>
+              <a:t> user</a:t>
+            </a:r>
+            <a:r>
+              <a:rPr lang="ru-RU" baseline="0" dirty="0" smtClean="0"/>
+              <a:t>.</a:t>
             </a:r>
           </a:p>
           <a:p>
             <a:endParaRPr lang="ru-RU" baseline="0" dirty="0" smtClean="0"/>
           </a:p>
           <a:p>
+            <a:r>
+              <a:rPr lang="ru-RU" baseline="0" dirty="0" smtClean="0"/>
+              <a:t>Злоумышленник обладая только логином и паролем </a:t>
+            </a:r>
+            <a:r>
+              <a:rPr lang="en-US" baseline="0" dirty="0" smtClean="0"/>
+              <a:t>user</a:t>
+            </a:r>
+            <a:r>
+              <a:rPr lang="ru-RU" baseline="0" dirty="0" smtClean="0"/>
+              <a:t> может совершать действия, которые доступны только администратору.</a:t>
+            </a:r>
+          </a:p>
+          <a:p>
             <a:endParaRPr lang="ru-RU" baseline="0" dirty="0" smtClean="0"/>
-          </a:p>
-          <a:p>
-            <a:r>
-              <a:rPr lang="ru-RU" baseline="0" dirty="0" smtClean="0"/>
-              <a:t>Тут можно придумать несколько примеров:</a:t>
-            </a:r>
-          </a:p>
-          <a:p>
-            <a:endParaRPr lang="ru-RU" baseline="0" dirty="0" smtClean="0"/>
-          </a:p>
-          <a:p>
-            <a:r>
-              <a:rPr lang="ru-RU" baseline="0" dirty="0" smtClean="0"/>
-              <a:t>Например, вы передаете секретную </a:t>
-            </a:r>
-            <a:r>
-              <a:rPr lang="ru-RU" baseline="0" dirty="0" smtClean="0"/>
-              <a:t>информацию в открытом виде </a:t>
-            </a:r>
-            <a:r>
-              <a:rPr lang="ru-RU" baseline="0" dirty="0" smtClean="0"/>
-              <a:t>по незащищенному каналу – например </a:t>
-            </a:r>
-            <a:r>
-              <a:rPr lang="en-US" baseline="0" dirty="0" smtClean="0"/>
-              <a:t>http.</a:t>
-            </a:r>
-            <a:r>
-              <a:rPr lang="ru-RU" baseline="0" dirty="0" smtClean="0"/>
-              <a:t> В этом случае злоумышленник с помощью обычного </a:t>
-            </a:r>
-            <a:r>
-              <a:rPr lang="ru-RU" baseline="0" dirty="0" err="1" smtClean="0"/>
-              <a:t>снифера</a:t>
-            </a:r>
-            <a:r>
-              <a:rPr lang="ru-RU" baseline="0" dirty="0" smtClean="0"/>
-              <a:t> пакетов может получить всю вашу информацию.</a:t>
-            </a:r>
-          </a:p>
-          <a:p>
-            <a:endParaRPr lang="ru-RU" baseline="0" dirty="0" smtClean="0"/>
-          </a:p>
-          <a:p>
-            <a:r>
-              <a:rPr lang="ru-RU" baseline="0" dirty="0" smtClean="0"/>
-              <a:t>Какие еще есть варианты несанкционированного раскрытия информации?</a:t>
-            </a:r>
-          </a:p>
-          <a:p>
-            <a:endParaRPr lang="ru-RU" baseline="0" dirty="0" smtClean="0"/>
-          </a:p>
-          <a:p>
-            <a:r>
-              <a:rPr lang="ru-RU" baseline="0" dirty="0" smtClean="0"/>
-              <a:t>Например, отладочная печать. Программист для целей отладки включил печать логина и пароля на экран.</a:t>
-            </a:r>
-          </a:p>
-          <a:p>
-            <a:endParaRPr lang="ru-RU" baseline="0" dirty="0" smtClean="0"/>
-          </a:p>
-          <a:p>
-            <a:r>
-              <a:rPr lang="ru-RU" baseline="0" dirty="0" smtClean="0"/>
-              <a:t>Вот вам и угроза.</a:t>
-            </a:r>
-            <a:endParaRPr lang="en-US" baseline="0" dirty="0" smtClean="0"/>
-          </a:p>
-          <a:p>
-            <a:endParaRPr lang="en-US" baseline="0" dirty="0" smtClean="0"/>
           </a:p>
           <a:p>
             <a:endParaRPr lang="ru-RU" baseline="0" dirty="0" smtClean="0"/>
@@ -1337,7 +1303,7 @@
     </p:spTree>
     <p:extLst>
       <p:ext uri="{BB962C8B-B14F-4D97-AF65-F5344CB8AC3E}">
-        <p14:creationId xmlns:p14="http://schemas.microsoft.com/office/powerpoint/2010/main" val="2529652527"/>
+        <p14:creationId xmlns:p14="http://schemas.microsoft.com/office/powerpoint/2010/main" val="1348462960"/>
       </p:ext>
     </p:extLst>
   </p:cSld>
@@ -1393,32 +1359,58 @@
           <a:p>
             <a:r>
               <a:rPr lang="ru-RU" baseline="0" dirty="0" smtClean="0"/>
-              <a:t>Вариант «отказ в обслуживании» наверное, самый простой.</a:t>
+              <a:t>Теперь, что такое моделирование угроз?</a:t>
+            </a:r>
+            <a:endParaRPr lang="en-US" baseline="0" dirty="0" smtClean="0"/>
+          </a:p>
+          <a:p>
+            <a:endParaRPr lang="en-US" baseline="0" dirty="0" smtClean="0"/>
+          </a:p>
+          <a:p>
+            <a:r>
+              <a:rPr lang="ru-RU" baseline="0" dirty="0" smtClean="0"/>
+              <a:t>Опять нам на помощь приходит чек-лист из 3-х пунктов.</a:t>
             </a:r>
           </a:p>
           <a:p>
             <a:endParaRPr lang="ru-RU" baseline="0" dirty="0" smtClean="0"/>
           </a:p>
           <a:p>
+            <a:pPr marL="0" indent="0">
+              <a:buNone/>
+            </a:pPr>
             <a:r>
               <a:rPr lang="ru-RU" baseline="0" dirty="0" smtClean="0"/>
-              <a:t>Все наверняка слышали о </a:t>
-            </a:r>
-            <a:r>
-              <a:rPr lang="en-US" baseline="0" dirty="0" err="1" smtClean="0"/>
-              <a:t>DoS</a:t>
-            </a:r>
+              <a:t>Чтобы понимать, что угрожает нашей программе, мы должны идентифицировать угрозу. </a:t>
+            </a:r>
+          </a:p>
+          <a:p>
+            <a:pPr marL="0" indent="0">
+              <a:buNone/>
+            </a:pPr>
             <a:r>
               <a:rPr lang="ru-RU" baseline="0" dirty="0" smtClean="0"/>
-              <a:t> атаках и </a:t>
+              <a:t>Что это значит? Это значит, что мы должны сопоставить этой угрозе одно из значений из списка </a:t>
             </a:r>
             <a:r>
               <a:rPr lang="en-US" baseline="0" dirty="0" smtClean="0"/>
-              <a:t>DDoS</a:t>
-            </a:r>
+              <a:t>STRIDE.</a:t>
+            </a:r>
+            <a:endParaRPr lang="ru-RU" baseline="0" dirty="0" smtClean="0"/>
+          </a:p>
+          <a:p>
+            <a:pPr marL="0" indent="0">
+              <a:buNone/>
+            </a:pPr>
+            <a:endParaRPr lang="ru-RU" baseline="0" dirty="0" smtClean="0"/>
+          </a:p>
+          <a:p>
+            <a:endParaRPr lang="ru-RU" baseline="0" dirty="0" smtClean="0"/>
+          </a:p>
+          <a:p>
             <a:r>
               <a:rPr lang="ru-RU" baseline="0" dirty="0" smtClean="0"/>
-              <a:t> атаках, когда с помощью огромного числа компьютеров организуют одновременные запросы к серверу. Сервер не выдерживает такой нагрузки и падает. При этом легитимные пользователи не могут получить доступ к сервису.</a:t>
+              <a:t>После этого мы должны все угрозы составить в список, чтобы он был перед глазами.</a:t>
             </a:r>
           </a:p>
           <a:p>
@@ -1427,17 +1419,20 @@
           <a:p>
             <a:r>
               <a:rPr lang="ru-RU" baseline="0" dirty="0" smtClean="0"/>
-              <a:t>Что еще может быть причиной отказа в обслуживании.</a:t>
-            </a:r>
+              <a:t>И в конце мы должны эти угрозы </a:t>
+            </a:r>
+            <a:r>
+              <a:rPr lang="ru-RU" baseline="0" dirty="0" err="1" smtClean="0"/>
+              <a:t>приоритезировать</a:t>
+            </a:r>
+            <a:r>
+              <a:rPr lang="ru-RU" baseline="0" dirty="0" smtClean="0"/>
+              <a:t>. Этот пункт очень важный и очень сложный. Важно понимать, какие угрозы наиболее реальны, какие нет. Какие угрозы несут большой вред системе, какие нет. В общем нужно угрозы переупорядочить, и работать с ними начиная с самой важной.</a:t>
+            </a:r>
+            <a:endParaRPr lang="en-US" baseline="0" dirty="0" smtClean="0"/>
           </a:p>
           <a:p>
             <a:endParaRPr lang="ru-RU" baseline="0" dirty="0" smtClean="0"/>
-          </a:p>
-          <a:p>
-            <a:r>
-              <a:rPr lang="ru-RU" baseline="0" dirty="0" smtClean="0"/>
-              <a:t>Например, мы можем испортить конфигурационный файл программы, из за этого программа не сможет запуститься.</a:t>
-            </a:r>
           </a:p>
         </p:txBody>
       </p:sp>
@@ -1468,7 +1463,7 @@
     </p:spTree>
     <p:extLst>
       <p:ext uri="{BB962C8B-B14F-4D97-AF65-F5344CB8AC3E}">
-        <p14:creationId xmlns:p14="http://schemas.microsoft.com/office/powerpoint/2010/main" val="2193844591"/>
+        <p14:creationId xmlns:p14="http://schemas.microsoft.com/office/powerpoint/2010/main" val="2081521291"/>
       </p:ext>
     </p:extLst>
   </p:cSld>
@@ -1524,7 +1519,7 @@
           <a:p>
             <a:r>
               <a:rPr lang="ru-RU" baseline="0" dirty="0" smtClean="0"/>
-              <a:t>Несанкционированное получение привилегий.</a:t>
+              <a:t>Давайте вернемся к пункту 1 – идентификация угроз.</a:t>
             </a:r>
           </a:p>
           <a:p>
@@ -1533,63 +1528,47 @@
           <a:p>
             <a:r>
               <a:rPr lang="ru-RU" baseline="0" dirty="0" smtClean="0"/>
-              <a:t>Например, у нас есть система, в которой есть два пользователя: </a:t>
+              <a:t>Как мы это будем делать?</a:t>
+            </a:r>
+          </a:p>
+          <a:p>
+            <a:r>
+              <a:rPr lang="ru-RU" baseline="0" dirty="0" smtClean="0"/>
+              <a:t>Можно с наскоку навалиться на весь проект. Но такой подход вряд ли нам поможет при моделировании угроз в более-менее серьезном проекте.</a:t>
+            </a:r>
+          </a:p>
+          <a:p>
+            <a:endParaRPr lang="ru-RU" baseline="0" dirty="0" smtClean="0"/>
+          </a:p>
+          <a:p>
+            <a:r>
+              <a:rPr lang="ru-RU" baseline="0" dirty="0" smtClean="0"/>
+              <a:t>Опять же, есть формальный подход к идентификации и поиску всех угроз – это </a:t>
             </a:r>
             <a:r>
               <a:rPr lang="en-US" baseline="0" dirty="0" smtClean="0"/>
-              <a:t>user</a:t>
+              <a:t>Data Flow </a:t>
             </a:r>
             <a:r>
               <a:rPr lang="ru-RU" baseline="0" dirty="0" smtClean="0"/>
-              <a:t> и </a:t>
+              <a:t>Диаграммы</a:t>
             </a:r>
             <a:r>
               <a:rPr lang="en-US" baseline="0" dirty="0" smtClean="0"/>
-              <a:t>admin</a:t>
+              <a:t> </a:t>
             </a:r>
             <a:r>
               <a:rPr lang="ru-RU" baseline="0" dirty="0" smtClean="0"/>
-              <a:t>. Причем пользователь </a:t>
+              <a:t>или </a:t>
             </a:r>
             <a:r>
               <a:rPr lang="en-US" baseline="0" dirty="0" smtClean="0"/>
-              <a:t>admin</a:t>
+              <a:t>DFD</a:t>
             </a:r>
             <a:r>
               <a:rPr lang="ru-RU" baseline="0" dirty="0" smtClean="0"/>
-              <a:t> обладает более мощными привилегиями, чем</a:t>
-            </a:r>
-            <a:r>
-              <a:rPr lang="en-US" baseline="0" dirty="0" smtClean="0"/>
-              <a:t> user</a:t>
-            </a:r>
-            <a:r>
-              <a:rPr lang="ru-RU" baseline="0" dirty="0" smtClean="0"/>
-              <a:t>.</a:t>
-            </a:r>
-          </a:p>
-          <a:p>
-            <a:endParaRPr lang="ru-RU" baseline="0" dirty="0" smtClean="0"/>
-          </a:p>
-          <a:p>
-            <a:r>
-              <a:rPr lang="ru-RU" baseline="0" dirty="0" smtClean="0"/>
-              <a:t>Злоумышленник обладая только логином и паролем </a:t>
-            </a:r>
-            <a:r>
-              <a:rPr lang="en-US" baseline="0" dirty="0" smtClean="0"/>
-              <a:t>user</a:t>
-            </a:r>
-            <a:r>
-              <a:rPr lang="ru-RU" baseline="0" dirty="0" smtClean="0"/>
-              <a:t> может совершать действия, которые доступны только администратору.</a:t>
-            </a:r>
-          </a:p>
-          <a:p>
-            <a:endParaRPr lang="ru-RU" baseline="0" dirty="0" smtClean="0"/>
-          </a:p>
-          <a:p>
-            <a:endParaRPr lang="ru-RU" baseline="0" dirty="0" smtClean="0"/>
+              <a:t> диаграммы.</a:t>
+            </a:r>
           </a:p>
         </p:txBody>
       </p:sp>
@@ -1620,7 +1599,7 @@
     </p:spTree>
     <p:extLst>
       <p:ext uri="{BB962C8B-B14F-4D97-AF65-F5344CB8AC3E}">
-        <p14:creationId xmlns:p14="http://schemas.microsoft.com/office/powerpoint/2010/main" val="1348462960"/>
+        <p14:creationId xmlns:p14="http://schemas.microsoft.com/office/powerpoint/2010/main" val="3580288171"/>
       </p:ext>
     </p:extLst>
   </p:cSld>
@@ -1676,97 +1655,130 @@
           <a:p>
             <a:r>
               <a:rPr lang="ru-RU" baseline="0" dirty="0" smtClean="0"/>
-              <a:t>Теперь, что такое моделирование угроз</a:t>
+              <a:t>Вот в принципе все элементы, которые участвуют в </a:t>
+            </a:r>
+            <a:r>
+              <a:rPr lang="en-US" baseline="0" dirty="0" smtClean="0"/>
+              <a:t>DFD</a:t>
             </a:r>
             <a:r>
               <a:rPr lang="ru-RU" baseline="0" dirty="0" smtClean="0"/>
-              <a:t>?</a:t>
-            </a:r>
-            <a:endParaRPr lang="en-US" baseline="0" dirty="0" smtClean="0"/>
-          </a:p>
-          <a:p>
-            <a:endParaRPr lang="en-US" baseline="0" dirty="0" smtClean="0"/>
+              <a:t> диаграмме.</a:t>
+            </a:r>
+          </a:p>
+          <a:p>
+            <a:endParaRPr lang="ru-RU" baseline="0" dirty="0" smtClean="0"/>
           </a:p>
           <a:p>
             <a:r>
               <a:rPr lang="ru-RU" baseline="0" dirty="0" smtClean="0"/>
-              <a:t>Опять нам на помощь приходит чек-лист из 3-х пунктов.</a:t>
-            </a:r>
+              <a:t>Давайте по каждому поговорим более подробно:</a:t>
+            </a:r>
+          </a:p>
+          <a:p>
             <a:endParaRPr lang="ru-RU" baseline="0" dirty="0" smtClean="0"/>
           </a:p>
           <a:p>
+            <a:r>
+              <a:rPr lang="en-US" baseline="0" dirty="0" smtClean="0"/>
+              <a:t>External entity</a:t>
+            </a:r>
+            <a:r>
+              <a:rPr lang="ru-RU" baseline="0" dirty="0" smtClean="0"/>
+              <a:t> – это внешняя по отношению к нашей компоненте сущность – это либо пользователь, либо удаленный сервер, либо другое приложение. Важно – это активная сущность – то есть это не данные.</a:t>
+            </a:r>
+          </a:p>
+          <a:p>
             <a:endParaRPr lang="ru-RU" baseline="0" dirty="0" smtClean="0"/>
           </a:p>
           <a:p>
-            <a:pPr marL="0" indent="0">
-              <a:buNone/>
-            </a:pPr>
+            <a:r>
+              <a:rPr lang="en-US" baseline="0" dirty="0" smtClean="0"/>
+              <a:t>Process – </a:t>
+            </a:r>
             <a:r>
               <a:rPr lang="ru-RU" baseline="0" dirty="0" smtClean="0"/>
-              <a:t>Чтобы понимать, что угрожает нашей программе, мы должны идентифицировать угрозу. </a:t>
-            </a:r>
-          </a:p>
-          <a:p>
-            <a:pPr marL="0" indent="0">
-              <a:buNone/>
-            </a:pPr>
+              <a:t>это собственно наш исполняемый модуль, который выполняет полезные действия. Таких процессов может быть несколько. Например, обычные потоки </a:t>
+            </a:r>
+            <a:r>
+              <a:rPr lang="en-US" baseline="0" dirty="0" smtClean="0"/>
+              <a:t>(thread)</a:t>
+            </a:r>
             <a:r>
               <a:rPr lang="ru-RU" baseline="0" dirty="0" smtClean="0"/>
-              <a:t>Что это значит</a:t>
+              <a:t> могут быть такими процессами. Могут быть разные приложения, </a:t>
+            </a:r>
+            <a:r>
+              <a:rPr lang="en-US" baseline="0" dirty="0" err="1" smtClean="0"/>
+              <a:t>dll</a:t>
             </a:r>
             <a:r>
               <a:rPr lang="ru-RU" baseline="0" dirty="0" smtClean="0"/>
-              <a:t>? Это значит, что мы должны сопоставить этой угрозе одно из значений из списка </a:t>
-            </a:r>
+              <a:t> и т.д.</a:t>
+            </a:r>
+          </a:p>
+          <a:p>
+            <a:endParaRPr lang="ru-RU" baseline="0" dirty="0" smtClean="0"/>
+          </a:p>
+          <a:p>
             <a:r>
               <a:rPr lang="en-US" baseline="0" dirty="0" smtClean="0"/>
-              <a:t>STRIDE.</a:t>
-            </a:r>
+              <a:t>Data store – </a:t>
+            </a:r>
+            <a:r>
+              <a:rPr lang="ru-RU" baseline="0" dirty="0" smtClean="0"/>
+              <a:t>это всевозможные хранилища данных. Это могут быть как данные на диске, так и в памяти (если это имеет смысл). Это может быть база данных, реестр, </a:t>
+            </a:r>
+            <a:r>
+              <a:rPr lang="ru-RU" baseline="0" dirty="0" err="1" smtClean="0"/>
+              <a:t>конфиг</a:t>
+            </a:r>
+            <a:r>
+              <a:rPr lang="ru-RU" baseline="0" dirty="0" smtClean="0"/>
+              <a:t>-файл и т.д.</a:t>
+            </a:r>
+          </a:p>
+          <a:p>
             <a:endParaRPr lang="ru-RU" baseline="0" dirty="0" smtClean="0"/>
           </a:p>
           <a:p>
-            <a:pPr marL="0" indent="0">
-              <a:buNone/>
-            </a:pPr>
+            <a:r>
+              <a:rPr lang="en-US" baseline="0" dirty="0" smtClean="0"/>
+              <a:t>Trust boundary</a:t>
+            </a:r>
+            <a:r>
+              <a:rPr lang="ru-RU" baseline="0" dirty="0" smtClean="0"/>
+              <a:t> – это граница, позволяющая объединить несколько процессов в одну группу. Например, если несколько процессов выполняются под одним и тем же пользователем, то их можно объединить в одну группу.</a:t>
+            </a:r>
+          </a:p>
+          <a:p>
             <a:endParaRPr lang="ru-RU" baseline="0" dirty="0" smtClean="0"/>
           </a:p>
           <a:p>
+            <a:r>
+              <a:rPr lang="ru-RU" baseline="0" dirty="0" smtClean="0"/>
+              <a:t>Также можно отсекать границы доверия, например, когда данные уходят или приходят по сети, то это тоже граница доверия – только в этом случае она будет называться по другому – граница доверия локальной машины.</a:t>
+            </a:r>
+          </a:p>
+          <a:p>
             <a:endParaRPr lang="ru-RU" baseline="0" dirty="0" smtClean="0"/>
           </a:p>
           <a:p>
+            <a:endParaRPr lang="ru-RU" baseline="0" dirty="0" smtClean="0"/>
+          </a:p>
+          <a:p>
             <a:r>
               <a:rPr lang="ru-RU" baseline="0" dirty="0" smtClean="0"/>
-              <a:t>После этого мы должны все угрозы составить в список, чтобы он был перед глазами.</a:t>
-            </a:r>
-          </a:p>
-          <a:p>
-            <a:endParaRPr lang="ru-RU" baseline="0" dirty="0" smtClean="0"/>
-          </a:p>
-          <a:p>
+              <a:t>Итак, все это звучит по умному, давайте я вам покажу наглядный пример, как нарисовать такую </a:t>
+            </a:r>
+            <a:r>
+              <a:rPr lang="en-US" baseline="0" dirty="0" smtClean="0"/>
+              <a:t>DFD</a:t>
+            </a:r>
             <a:r>
               <a:rPr lang="ru-RU" baseline="0" dirty="0" smtClean="0"/>
-              <a:t>И в конце мы должны эти угрозы </a:t>
-            </a:r>
-            <a:r>
-              <a:rPr lang="ru-RU" baseline="0" dirty="0" err="1" smtClean="0"/>
-              <a:t>приоритезировать</a:t>
-            </a:r>
-            <a:r>
-              <a:rPr lang="ru-RU" baseline="0" dirty="0" smtClean="0"/>
-              <a:t>. Этот пункт очень важный и очень сложный. </a:t>
-            </a:r>
-            <a:r>
-              <a:rPr lang="ru-RU" baseline="0" dirty="0" smtClean="0"/>
-              <a:t>Важно понимать, какие угрозы наиболее реальны, какие нет. Какие угрозы несут большой вред системе, какие нет. В общем нужно угрозы переупорядочить, и работать с ними начиная с самой важной</a:t>
-            </a:r>
-            <a:r>
-              <a:rPr lang="ru-RU" baseline="0" dirty="0" smtClean="0"/>
-              <a:t>.</a:t>
-            </a:r>
-            <a:endParaRPr lang="en-US" baseline="0" dirty="0" smtClean="0"/>
-          </a:p>
-          <a:p>
-            <a:endParaRPr lang="ru-RU" baseline="0" dirty="0" smtClean="0"/>
+              <a:t> диаграмму</a:t>
+            </a:r>
           </a:p>
         </p:txBody>
       </p:sp>
@@ -1797,7 +1809,7 @@
     </p:spTree>
     <p:extLst>
       <p:ext uri="{BB962C8B-B14F-4D97-AF65-F5344CB8AC3E}">
-        <p14:creationId xmlns:p14="http://schemas.microsoft.com/office/powerpoint/2010/main" val="2081521291"/>
+        <p14:creationId xmlns:p14="http://schemas.microsoft.com/office/powerpoint/2010/main" val="78102990"/>
       </p:ext>
     </p:extLst>
   </p:cSld>
@@ -1853,47 +1865,7 @@
           <a:p>
             <a:r>
               <a:rPr lang="ru-RU" baseline="0" dirty="0" smtClean="0"/>
-              <a:t>Давайте вернемся к пункту 1 – идентификация угроз.</a:t>
-            </a:r>
-          </a:p>
-          <a:p>
-            <a:endParaRPr lang="ru-RU" baseline="0" dirty="0" smtClean="0"/>
-          </a:p>
-          <a:p>
-            <a:r>
-              <a:rPr lang="ru-RU" baseline="0" dirty="0" smtClean="0"/>
-              <a:t>Как мы это будем делать?</a:t>
-            </a:r>
-          </a:p>
-          <a:p>
-            <a:r>
-              <a:rPr lang="ru-RU" baseline="0" dirty="0" smtClean="0"/>
-              <a:t>Можно с наскоку навалиться на весь проект. Но такой подход вряд ли нам поможет при моделировании угроз в более-менее серьезном проекте.</a:t>
-            </a:r>
-          </a:p>
-          <a:p>
-            <a:endParaRPr lang="ru-RU" baseline="0" dirty="0" smtClean="0"/>
-          </a:p>
-          <a:p>
-            <a:r>
-              <a:rPr lang="ru-RU" baseline="0" dirty="0" smtClean="0"/>
-              <a:t>Опять же, есть формальный подход к идентификации и поиску всех угроз – это </a:t>
-            </a:r>
-            <a:r>
-              <a:rPr lang="en-US" baseline="0" dirty="0" smtClean="0"/>
-              <a:t>Data Flow </a:t>
-            </a:r>
-            <a:r>
-              <a:rPr lang="ru-RU" baseline="0" dirty="0" smtClean="0"/>
-              <a:t>Диаграммы</a:t>
-            </a:r>
-            <a:r>
-              <a:rPr lang="en-US" baseline="0" dirty="0" smtClean="0"/>
-              <a:t> </a:t>
-            </a:r>
-            <a:r>
-              <a:rPr lang="ru-RU" baseline="0" dirty="0" smtClean="0"/>
-              <a:t>или </a:t>
+              <a:t>Вот в качестве примера я привел </a:t>
             </a:r>
             <a:r>
               <a:rPr lang="en-US" baseline="0" dirty="0" smtClean="0"/>
@@ -1901,8 +1873,27 @@
             </a:r>
             <a:r>
               <a:rPr lang="ru-RU" baseline="0" dirty="0" smtClean="0"/>
-              <a:t> диаграммы.</a:t>
-            </a:r>
+              <a:t> диаграмму какого-то сервера, который принимает запросы по сети от пользователя и складывает их в базу.</a:t>
+            </a:r>
+            <a:endParaRPr lang="en-US" baseline="0" dirty="0" smtClean="0"/>
+          </a:p>
+          <a:p>
+            <a:endParaRPr lang="en-US" baseline="0" dirty="0" smtClean="0"/>
+          </a:p>
+          <a:p>
+            <a:r>
+              <a:rPr lang="ru-RU" baseline="0" dirty="0" smtClean="0"/>
+              <a:t>Я это делал в программе </a:t>
+            </a:r>
+            <a:r>
+              <a:rPr lang="en-US" baseline="0" dirty="0" smtClean="0"/>
+              <a:t>Microsoft </a:t>
+            </a:r>
+            <a:r>
+              <a:rPr lang="en-US" baseline="0" smtClean="0"/>
+              <a:t>Threat Modelling Tool.</a:t>
+            </a:r>
+            <a:endParaRPr lang="ru-RU" baseline="0" dirty="0" smtClean="0"/>
           </a:p>
         </p:txBody>
       </p:sp>
@@ -1933,7 +1924,7 @@
     </p:spTree>
     <p:extLst>
       <p:ext uri="{BB962C8B-B14F-4D97-AF65-F5344CB8AC3E}">
-        <p14:creationId xmlns:p14="http://schemas.microsoft.com/office/powerpoint/2010/main" val="3580288171"/>
+        <p14:creationId xmlns:p14="http://schemas.microsoft.com/office/powerpoint/2010/main" val="2345022417"/>
       </p:ext>
     </p:extLst>
   </p:cSld>
@@ -1989,7 +1980,7 @@
           <a:p>
             <a:r>
               <a:rPr lang="ru-RU" baseline="0" dirty="0" smtClean="0"/>
-              <a:t>Вот в принципе все элементы, которые участвуют в </a:t>
+              <a:t>Ну и напоследок, табличка, облегчающая анализ </a:t>
             </a:r>
             <a:r>
               <a:rPr lang="en-US" baseline="0" dirty="0" smtClean="0"/>
@@ -1997,122 +1988,21 @@
             </a:r>
             <a:r>
               <a:rPr lang="ru-RU" baseline="0" dirty="0" smtClean="0"/>
-              <a:t> диаграмме.</a:t>
+              <a:t> диаграмм на наличие угроз</a:t>
+            </a:r>
+            <a:r>
+              <a:rPr lang="en-US" baseline="0" dirty="0" smtClean="0"/>
+              <a:t>.</a:t>
+            </a:r>
+          </a:p>
+          <a:p>
+            <a:r>
+              <a:rPr lang="ru-RU" baseline="0" dirty="0" smtClean="0"/>
+              <a:t>В соответствии с этой табличкой вы можете проводить быстрый анализ угроз.</a:t>
             </a:r>
           </a:p>
           <a:p>
             <a:endParaRPr lang="ru-RU" baseline="0" dirty="0" smtClean="0"/>
-          </a:p>
-          <a:p>
-            <a:r>
-              <a:rPr lang="ru-RU" baseline="0" dirty="0" smtClean="0"/>
-              <a:t>Давайте по каждому поговорим более подробно:</a:t>
-            </a:r>
-          </a:p>
-          <a:p>
-            <a:endParaRPr lang="ru-RU" baseline="0" dirty="0" smtClean="0"/>
-          </a:p>
-          <a:p>
-            <a:r>
-              <a:rPr lang="en-US" baseline="0" dirty="0" smtClean="0"/>
-              <a:t>External entity</a:t>
-            </a:r>
-            <a:r>
-              <a:rPr lang="ru-RU" baseline="0" dirty="0" smtClean="0"/>
-              <a:t> – это внешняя по отношению к нашей компоненте сущность – это либо пользователь, либо удаленный сервер, либо другое приложение. Важно – это активная сущность – то есть это не данные.</a:t>
-            </a:r>
-          </a:p>
-          <a:p>
-            <a:endParaRPr lang="ru-RU" baseline="0" dirty="0" smtClean="0"/>
-          </a:p>
-          <a:p>
-            <a:r>
-              <a:rPr lang="en-US" baseline="0" dirty="0" smtClean="0"/>
-              <a:t>Process – </a:t>
-            </a:r>
-            <a:r>
-              <a:rPr lang="ru-RU" baseline="0" dirty="0" smtClean="0"/>
-              <a:t>это собственно наш исполняемый модуль, который выполняет полезные действия. Таких процессов может быть несколько. Например, обычные потоки </a:t>
-            </a:r>
-            <a:r>
-              <a:rPr lang="en-US" baseline="0" dirty="0" smtClean="0"/>
-              <a:t>(thread)</a:t>
-            </a:r>
-            <a:r>
-              <a:rPr lang="ru-RU" baseline="0" dirty="0" smtClean="0"/>
-              <a:t> могут быть такими процессами. Могут быть разные приложения, </a:t>
-            </a:r>
-            <a:r>
-              <a:rPr lang="en-US" baseline="0" dirty="0" err="1" smtClean="0"/>
-              <a:t>dll</a:t>
-            </a:r>
-            <a:r>
-              <a:rPr lang="ru-RU" baseline="0" dirty="0" smtClean="0"/>
-              <a:t> и т.д.</a:t>
-            </a:r>
-          </a:p>
-          <a:p>
-            <a:endParaRPr lang="ru-RU" baseline="0" dirty="0" smtClean="0"/>
-          </a:p>
-          <a:p>
-            <a:r>
-              <a:rPr lang="en-US" baseline="0" dirty="0" smtClean="0"/>
-              <a:t>Data store – </a:t>
-            </a:r>
-            <a:r>
-              <a:rPr lang="ru-RU" baseline="0" dirty="0" smtClean="0"/>
-              <a:t>это всевозможные хранилища данных. Это могут быть как данные на диске, так и в памяти (если это имеет смысл). Это может быть база данных, реестр, </a:t>
-            </a:r>
-            <a:r>
-              <a:rPr lang="ru-RU" baseline="0" dirty="0" err="1" smtClean="0"/>
-              <a:t>конфиг</a:t>
-            </a:r>
-            <a:r>
-              <a:rPr lang="ru-RU" baseline="0" dirty="0" smtClean="0"/>
-              <a:t>-файл и т.д.</a:t>
-            </a:r>
-          </a:p>
-          <a:p>
-            <a:endParaRPr lang="ru-RU" baseline="0" dirty="0" smtClean="0"/>
-          </a:p>
-          <a:p>
-            <a:r>
-              <a:rPr lang="en-US" baseline="0" dirty="0" smtClean="0"/>
-              <a:t>Trust boundary</a:t>
-            </a:r>
-            <a:r>
-              <a:rPr lang="ru-RU" baseline="0" dirty="0" smtClean="0"/>
-              <a:t> – это граница, позволяющая объединить несколько процессов в одну группу. Например, если несколько процессов выполняются под одним и тем же пользователем, то их можно объединить в одну группу.</a:t>
-            </a:r>
-          </a:p>
-          <a:p>
-            <a:endParaRPr lang="ru-RU" baseline="0" dirty="0" smtClean="0"/>
-          </a:p>
-          <a:p>
-            <a:r>
-              <a:rPr lang="ru-RU" baseline="0" dirty="0" smtClean="0"/>
-              <a:t>Также можно отсекать границы доверия, например, когда данные уходят или приходят по сети, то это тоже граница доверия – только в этом случае она будет называться по другому – граница доверия локальной машины.</a:t>
-            </a:r>
-          </a:p>
-          <a:p>
-            <a:endParaRPr lang="ru-RU" baseline="0" dirty="0" smtClean="0"/>
-          </a:p>
-          <a:p>
-            <a:endParaRPr lang="ru-RU" baseline="0" dirty="0" smtClean="0"/>
-          </a:p>
-          <a:p>
-            <a:r>
-              <a:rPr lang="ru-RU" baseline="0" dirty="0" smtClean="0"/>
-              <a:t>Итак, все это звучит по умному, давайте я вам покажу наглядный пример, как нарисовать такую </a:t>
-            </a:r>
-            <a:r>
-              <a:rPr lang="en-US" baseline="0" dirty="0" smtClean="0"/>
-              <a:t>DFD</a:t>
-            </a:r>
-            <a:r>
-              <a:rPr lang="ru-RU" baseline="0" dirty="0" smtClean="0"/>
-              <a:t> диаграмму</a:t>
-            </a:r>
           </a:p>
         </p:txBody>
       </p:sp>
@@ -2143,7 +2033,7 @@
     </p:spTree>
     <p:extLst>
       <p:ext uri="{BB962C8B-B14F-4D97-AF65-F5344CB8AC3E}">
-        <p14:creationId xmlns:p14="http://schemas.microsoft.com/office/powerpoint/2010/main" val="78102990"/>
+        <p14:creationId xmlns:p14="http://schemas.microsoft.com/office/powerpoint/2010/main" val="3168373287"/>
       </p:ext>
     </p:extLst>
   </p:cSld>
@@ -2197,9 +2087,69 @@
           <a:bodyPr/>
           <a:lstStyle/>
           <a:p>
+            <a:pPr marL="0" marR="0" lvl="0" indent="0" algn="l" defTabSz="1161105" rtl="0" eaLnBrk="1" fontAlgn="auto" latinLnBrk="0" hangingPunct="1">
+              <a:lnSpc>
+                <a:spcPct val="100000"/>
+              </a:lnSpc>
+              <a:spcBef>
+                <a:spcPts val="0"/>
+              </a:spcBef>
+              <a:spcAft>
+                <a:spcPts val="0"/>
+              </a:spcAft>
+              <a:buClrTx/>
+              <a:buSzTx/>
+              <a:buFontTx/>
+              <a:buNone/>
+              <a:tabLst/>
+              <a:defRPr/>
+            </a:pPr>
             <a:r>
               <a:rPr lang="ru-RU" baseline="0" dirty="0" smtClean="0"/>
-              <a:t>Вот в качестве примера я привел </a:t>
+              <a:t>Ну и напоследок, один вопрос, что мы со всей этой информацией будем делать?</a:t>
+            </a:r>
+          </a:p>
+          <a:p>
+            <a:pPr marL="0" marR="0" lvl="0" indent="0" algn="l" defTabSz="1161105" rtl="0" eaLnBrk="1" fontAlgn="auto" latinLnBrk="0" hangingPunct="1">
+              <a:lnSpc>
+                <a:spcPct val="100000"/>
+              </a:lnSpc>
+              <a:spcBef>
+                <a:spcPts val="0"/>
+              </a:spcBef>
+              <a:spcAft>
+                <a:spcPts val="0"/>
+              </a:spcAft>
+              <a:buClrTx/>
+              <a:buSzTx/>
+              <a:buFontTx/>
+              <a:buNone/>
+              <a:tabLst/>
+              <a:defRPr/>
+            </a:pPr>
+            <a:endParaRPr lang="ru-RU" baseline="0" dirty="0" smtClean="0"/>
+          </a:p>
+          <a:p>
+            <a:pPr marL="0" marR="0" lvl="0" indent="0" algn="l" defTabSz="1161105" rtl="0" eaLnBrk="1" fontAlgn="auto" latinLnBrk="0" hangingPunct="1">
+              <a:lnSpc>
+                <a:spcPct val="100000"/>
+              </a:lnSpc>
+              <a:spcBef>
+                <a:spcPts val="0"/>
+              </a:spcBef>
+              <a:spcAft>
+                <a:spcPts val="0"/>
+              </a:spcAft>
+              <a:buClrTx/>
+              <a:buSzTx/>
+              <a:buFontTx/>
+              <a:buNone/>
+              <a:tabLst/>
+              <a:defRPr/>
+            </a:pPr>
+            <a:r>
+              <a:rPr lang="ru-RU" baseline="0" dirty="0" smtClean="0"/>
+              <a:t>Вот мы построили </a:t>
             </a:r>
             <a:r>
               <a:rPr lang="en-US" baseline="0" dirty="0" smtClean="0"/>
@@ -2207,30 +2157,273 @@
             </a:r>
             <a:r>
               <a:rPr lang="ru-RU" baseline="0" dirty="0" smtClean="0"/>
-              <a:t> диаграмму какого-то сервера, который принимает запросы по сети от пользователя и складывает их в базу</a:t>
-            </a:r>
+              <a:t> диаграммы, выписали все угрозы. Что теперь с этим делать.</a:t>
+            </a:r>
+          </a:p>
+          <a:p>
+            <a:pPr marL="0" marR="0" lvl="0" indent="0" algn="l" defTabSz="1161105" rtl="0" eaLnBrk="1" fontAlgn="auto" latinLnBrk="0" hangingPunct="1">
+              <a:lnSpc>
+                <a:spcPct val="100000"/>
+              </a:lnSpc>
+              <a:spcBef>
+                <a:spcPts val="0"/>
+              </a:spcBef>
+              <a:spcAft>
+                <a:spcPts val="0"/>
+              </a:spcAft>
+              <a:buClrTx/>
+              <a:buSzTx/>
+              <a:buFontTx/>
+              <a:buNone/>
+              <a:tabLst/>
+              <a:defRPr/>
+            </a:pPr>
+            <a:endParaRPr lang="ru-RU" baseline="0" dirty="0" smtClean="0"/>
+          </a:p>
+          <a:p>
+            <a:pPr marL="0" marR="0" lvl="0" indent="0" algn="l" defTabSz="1161105" rtl="0" eaLnBrk="1" fontAlgn="auto" latinLnBrk="0" hangingPunct="1">
+              <a:lnSpc>
+                <a:spcPct val="100000"/>
+              </a:lnSpc>
+              <a:spcBef>
+                <a:spcPts val="0"/>
+              </a:spcBef>
+              <a:spcAft>
+                <a:spcPts val="0"/>
+              </a:spcAft>
+              <a:buClrTx/>
+              <a:buSzTx/>
+              <a:buFontTx/>
+              <a:buNone/>
+              <a:tabLst/>
+              <a:defRPr/>
+            </a:pPr>
             <a:r>
               <a:rPr lang="ru-RU" baseline="0" dirty="0" smtClean="0"/>
-              <a:t>.</a:t>
-            </a:r>
-            <a:endParaRPr lang="en-US" baseline="0" dirty="0" smtClean="0"/>
-          </a:p>
-          <a:p>
-            <a:endParaRPr lang="en-US" baseline="0" dirty="0" smtClean="0"/>
-          </a:p>
-          <a:p>
+              <a:t>В </a:t>
+            </a:r>
+            <a:r>
+              <a:rPr lang="en-US" baseline="0" dirty="0" smtClean="0"/>
+              <a:t>SDL </a:t>
+            </a:r>
             <a:r>
               <a:rPr lang="ru-RU" baseline="0" dirty="0" smtClean="0"/>
-              <a:t>Я это делал в программе </a:t>
+              <a:t>есть такое понятие </a:t>
             </a:r>
             <a:r>
               <a:rPr lang="en-US" baseline="0" dirty="0" smtClean="0"/>
-              <a:t>Microsoft </a:t>
-            </a:r>
-            <a:r>
-              <a:rPr lang="en-US" baseline="0" smtClean="0"/>
-              <a:t>Threat Modelling Tool.</a:t>
-            </a:r>
+              <a:t>threat mitigation – </a:t>
+            </a:r>
+            <a:r>
+              <a:rPr lang="ru-RU" baseline="0" dirty="0" smtClean="0"/>
+              <a:t>смягчение угрозы.</a:t>
+            </a:r>
+          </a:p>
+          <a:p>
+            <a:pPr marL="0" marR="0" lvl="0" indent="0" algn="l" defTabSz="1161105" rtl="0" eaLnBrk="1" fontAlgn="auto" latinLnBrk="0" hangingPunct="1">
+              <a:lnSpc>
+                <a:spcPct val="100000"/>
+              </a:lnSpc>
+              <a:spcBef>
+                <a:spcPts val="0"/>
+              </a:spcBef>
+              <a:spcAft>
+                <a:spcPts val="0"/>
+              </a:spcAft>
+              <a:buClrTx/>
+              <a:buSzTx/>
+              <a:buFontTx/>
+              <a:buNone/>
+              <a:tabLst/>
+              <a:defRPr/>
+            </a:pPr>
+            <a:r>
+              <a:rPr lang="ru-RU" baseline="0" dirty="0" smtClean="0"/>
+              <a:t>Это такая последовательность действий, которая призвана уменьшить угрозу до приемлемого уровня, или совсем от нее избавиться.</a:t>
+            </a:r>
+          </a:p>
+          <a:p>
+            <a:pPr marL="0" marR="0" lvl="0" indent="0" algn="l" defTabSz="1161105" rtl="0" eaLnBrk="1" fontAlgn="auto" latinLnBrk="0" hangingPunct="1">
+              <a:lnSpc>
+                <a:spcPct val="100000"/>
+              </a:lnSpc>
+              <a:spcBef>
+                <a:spcPts val="0"/>
+              </a:spcBef>
+              <a:spcAft>
+                <a:spcPts val="0"/>
+              </a:spcAft>
+              <a:buClrTx/>
+              <a:buSzTx/>
+              <a:buFontTx/>
+              <a:buNone/>
+              <a:tabLst/>
+              <a:defRPr/>
+            </a:pPr>
+            <a:endParaRPr lang="ru-RU" baseline="0" dirty="0" smtClean="0"/>
+          </a:p>
+          <a:p>
+            <a:pPr marL="0" marR="0" lvl="0" indent="0" algn="l" defTabSz="1161105" rtl="0" eaLnBrk="1" fontAlgn="auto" latinLnBrk="0" hangingPunct="1">
+              <a:lnSpc>
+                <a:spcPct val="100000"/>
+              </a:lnSpc>
+              <a:spcBef>
+                <a:spcPts val="0"/>
+              </a:spcBef>
+              <a:spcAft>
+                <a:spcPts val="0"/>
+              </a:spcAft>
+              <a:buClrTx/>
+              <a:buSzTx/>
+              <a:buFontTx/>
+              <a:buNone/>
+              <a:tabLst/>
+              <a:defRPr/>
+            </a:pPr>
+            <a:r>
+              <a:rPr lang="ru-RU" baseline="0" dirty="0" smtClean="0"/>
+              <a:t>Бывают разные способы </a:t>
+            </a:r>
+            <a:r>
+              <a:rPr lang="ru-RU" baseline="0" dirty="0" err="1" smtClean="0"/>
+              <a:t>митигации</a:t>
+            </a:r>
+            <a:r>
+              <a:rPr lang="ru-RU" baseline="0" dirty="0" smtClean="0"/>
+              <a:t> угроз:</a:t>
+            </a:r>
+          </a:p>
+          <a:p>
+            <a:pPr marL="0" marR="0" lvl="0" indent="0" algn="l" defTabSz="1161105" rtl="0" eaLnBrk="1" fontAlgn="auto" latinLnBrk="0" hangingPunct="1">
+              <a:lnSpc>
+                <a:spcPct val="100000"/>
+              </a:lnSpc>
+              <a:spcBef>
+                <a:spcPts val="0"/>
+              </a:spcBef>
+              <a:spcAft>
+                <a:spcPts val="0"/>
+              </a:spcAft>
+              <a:buClrTx/>
+              <a:buSzTx/>
+              <a:buFontTx/>
+              <a:buNone/>
+              <a:tabLst/>
+              <a:defRPr/>
+            </a:pPr>
+            <a:endParaRPr lang="ru-RU" baseline="0" dirty="0" smtClean="0"/>
+          </a:p>
+          <a:p>
+            <a:pPr marL="342900" marR="0" lvl="0" indent="-342900" algn="l" defTabSz="1161105" rtl="0" eaLnBrk="1" fontAlgn="auto" latinLnBrk="0" hangingPunct="1">
+              <a:lnSpc>
+                <a:spcPct val="100000"/>
+              </a:lnSpc>
+              <a:spcBef>
+                <a:spcPts val="0"/>
+              </a:spcBef>
+              <a:spcAft>
+                <a:spcPts val="0"/>
+              </a:spcAft>
+              <a:buClrTx/>
+              <a:buSzTx/>
+              <a:buFontTx/>
+              <a:buAutoNum type="arabicPeriod"/>
+              <a:tabLst/>
+              <a:defRPr/>
+            </a:pPr>
+            <a:r>
+              <a:rPr lang="ru-RU" baseline="0" dirty="0" smtClean="0"/>
+              <a:t>Например, мы можем на этапе дизайна переработать (или вообще убрать) потоки данных или приложение, так что угроза исчезнет.</a:t>
+            </a:r>
+          </a:p>
+          <a:p>
+            <a:pPr marL="342900" marR="0" lvl="0" indent="-342900" algn="l" defTabSz="1161105" rtl="0" eaLnBrk="1" fontAlgn="auto" latinLnBrk="0" hangingPunct="1">
+              <a:lnSpc>
+                <a:spcPct val="100000"/>
+              </a:lnSpc>
+              <a:spcBef>
+                <a:spcPts val="0"/>
+              </a:spcBef>
+              <a:spcAft>
+                <a:spcPts val="0"/>
+              </a:spcAft>
+              <a:buClrTx/>
+              <a:buSzTx/>
+              <a:buFontTx/>
+              <a:buAutoNum type="arabicPeriod"/>
+              <a:tabLst/>
+              <a:defRPr/>
+            </a:pPr>
+            <a:r>
+              <a:rPr lang="ru-RU" baseline="0" dirty="0" smtClean="0"/>
+              <a:t>Мы можем использовать какую-то стандартную </a:t>
+            </a:r>
+            <a:r>
+              <a:rPr lang="ru-RU" baseline="0" dirty="0" err="1" smtClean="0"/>
+              <a:t>митигацию</a:t>
+            </a:r>
+            <a:r>
+              <a:rPr lang="ru-RU" baseline="0" dirty="0" smtClean="0"/>
+              <a:t> (об этом позже).</a:t>
+            </a:r>
+          </a:p>
+          <a:p>
+            <a:pPr marL="342900" marR="0" lvl="0" indent="-342900" algn="l" defTabSz="1161105" rtl="0" eaLnBrk="1" fontAlgn="auto" latinLnBrk="0" hangingPunct="1">
+              <a:lnSpc>
+                <a:spcPct val="100000"/>
+              </a:lnSpc>
+              <a:spcBef>
+                <a:spcPts val="0"/>
+              </a:spcBef>
+              <a:spcAft>
+                <a:spcPts val="0"/>
+              </a:spcAft>
+              <a:buClrTx/>
+              <a:buSzTx/>
+              <a:buFontTx/>
+              <a:buAutoNum type="arabicPeriod"/>
+              <a:tabLst/>
+              <a:defRPr/>
+            </a:pPr>
+            <a:r>
+              <a:rPr lang="ru-RU" baseline="0" dirty="0" smtClean="0"/>
+              <a:t>Мы можем внести описание угрозы в публичную документацию к нашей программе. Например: внимание, данная программа не обеспечивает конфиденциальности данных. Пожалуйста, используйте другие программы по защите данных, например </a:t>
+            </a:r>
+            <a:r>
+              <a:rPr lang="en-US" baseline="0" dirty="0" err="1" smtClean="0"/>
+              <a:t>GnuPG</a:t>
+            </a:r>
+            <a:r>
+              <a:rPr lang="ru-RU" baseline="0" dirty="0" smtClean="0"/>
+              <a:t>. Или, для того чтобы обезопасить себя от утечки данных, настройте </a:t>
+            </a:r>
+            <a:r>
+              <a:rPr lang="en-US" baseline="0" dirty="0" err="1" smtClean="0"/>
+              <a:t>FireWall</a:t>
+            </a:r>
+            <a:r>
+              <a:rPr lang="ru-RU" baseline="0" dirty="0" smtClean="0"/>
+              <a:t>, так чтобы он блокировал все соединения на порту 8080.</a:t>
+            </a:r>
+          </a:p>
+          <a:p>
+            <a:pPr marL="342900" marR="0" lvl="0" indent="-342900" algn="l" defTabSz="1161105" rtl="0" eaLnBrk="1" fontAlgn="auto" latinLnBrk="0" hangingPunct="1">
+              <a:lnSpc>
+                <a:spcPct val="100000"/>
+              </a:lnSpc>
+              <a:spcBef>
+                <a:spcPts val="0"/>
+              </a:spcBef>
+              <a:spcAft>
+                <a:spcPts val="0"/>
+              </a:spcAft>
+              <a:buClrTx/>
+              <a:buSzTx/>
+              <a:buFontTx/>
+              <a:buAutoNum type="arabicPeriod"/>
+              <a:tabLst/>
+              <a:defRPr/>
+            </a:pPr>
             <a:endParaRPr lang="ru-RU" baseline="0" dirty="0" smtClean="0"/>
           </a:p>
         </p:txBody>
@@ -2262,7 +2455,7 @@
     </p:spTree>
     <p:extLst>
       <p:ext uri="{BB962C8B-B14F-4D97-AF65-F5344CB8AC3E}">
-        <p14:creationId xmlns:p14="http://schemas.microsoft.com/office/powerpoint/2010/main" val="2345022417"/>
+        <p14:creationId xmlns:p14="http://schemas.microsoft.com/office/powerpoint/2010/main" val="2840477499"/>
       </p:ext>
     </p:extLst>
   </p:cSld>
@@ -2316,31 +2509,40 @@
           <a:bodyPr/>
           <a:lstStyle/>
           <a:p>
+            <a:pPr marL="0" marR="0" lvl="0" indent="0" algn="l" defTabSz="1161105" rtl="0" eaLnBrk="1" fontAlgn="auto" latinLnBrk="0" hangingPunct="1">
+              <a:lnSpc>
+                <a:spcPct val="100000"/>
+              </a:lnSpc>
+              <a:spcBef>
+                <a:spcPts val="0"/>
+              </a:spcBef>
+              <a:spcAft>
+                <a:spcPts val="0"/>
+              </a:spcAft>
+              <a:buClrTx/>
+              <a:buSzTx/>
+              <a:buFontTx/>
+              <a:buNone/>
+              <a:tabLst/>
+              <a:defRPr/>
+            </a:pPr>
             <a:r>
               <a:rPr lang="ru-RU" baseline="0" dirty="0" smtClean="0"/>
-              <a:t>Ну и напоследок, табличка, облегчающая анализ </a:t>
-            </a:r>
-            <a:r>
-              <a:rPr lang="en-US" baseline="0" dirty="0" smtClean="0"/>
-              <a:t>DFD</a:t>
+              <a:t>Здесь представлены стандартные варианты </a:t>
+            </a:r>
+            <a:r>
+              <a:rPr lang="ru-RU" baseline="0" dirty="0" err="1" smtClean="0"/>
+              <a:t>митигации</a:t>
             </a:r>
             <a:r>
               <a:rPr lang="ru-RU" baseline="0" dirty="0" smtClean="0"/>
-              <a:t> диаграмм на наличие угроз</a:t>
-            </a:r>
-            <a:r>
-              <a:rPr lang="en-US" baseline="0" dirty="0" smtClean="0"/>
-              <a:t>.</a:t>
-            </a:r>
-          </a:p>
-          <a:p>
-            <a:r>
-              <a:rPr lang="ru-RU" baseline="0" dirty="0" smtClean="0"/>
-              <a:t>В соответствии с этой табличкой вы можете проводить быстрый анализ угроз.</a:t>
-            </a:r>
-          </a:p>
-          <a:p>
-            <a:endParaRPr lang="ru-RU" baseline="0" dirty="0" smtClean="0"/>
+              <a:t> </a:t>
+            </a:r>
+            <a:r>
+              <a:rPr lang="ru-RU" baseline="0" smtClean="0"/>
+              <a:t>угроз.</a:t>
+            </a:r>
+            <a:endParaRPr lang="en-US" baseline="0" dirty="0" smtClean="0"/>
           </a:p>
         </p:txBody>
       </p:sp>
@@ -2371,7 +2573,7 @@
     </p:spTree>
     <p:extLst>
       <p:ext uri="{BB962C8B-B14F-4D97-AF65-F5344CB8AC3E}">
-        <p14:creationId xmlns:p14="http://schemas.microsoft.com/office/powerpoint/2010/main" val="3168373287"/>
+        <p14:creationId xmlns:p14="http://schemas.microsoft.com/office/powerpoint/2010/main" val="1112912105"/>
       </p:ext>
     </p:extLst>
   </p:cSld>
@@ -2920,7 +3122,7 @@
       </p:grpSpPr>
       <p:sp>
         <p:nvSpPr>
-          <p:cNvPr id="2" name="Образ слайда 1"/>
+          <p:cNvPr id="2" name="Slide Image Placeholder 1"/>
           <p:cNvSpPr>
             <a:spLocks noGrp="1" noRot="1" noChangeAspect="1"/>
           </p:cNvSpPr>
@@ -2932,7 +3134,7 @@
       </p:sp>
       <p:sp>
         <p:nvSpPr>
-          <p:cNvPr id="3" name="Заметки 2"/>
+          <p:cNvPr id="3" name="Notes Placeholder 2"/>
           <p:cNvSpPr>
             <a:spLocks noGrp="1"/>
           </p:cNvSpPr>
@@ -2945,7 +3147,7 @@
           <a:bodyPr/>
           <a:lstStyle/>
           <a:p>
-            <a:pPr marL="0" marR="0" lvl="0" indent="0" algn="l" defTabSz="1161105" rtl="0" eaLnBrk="1" fontAlgn="auto" latinLnBrk="0" hangingPunct="1">
+            <a:pPr marL="0" marR="0" indent="0" algn="l" defTabSz="1161105" rtl="0" eaLnBrk="1" fontAlgn="auto" latinLnBrk="0" hangingPunct="1">
               <a:lnSpc>
                 <a:spcPct val="100000"/>
               </a:lnSpc>
@@ -2963,332 +3165,19 @@
               <a:defRPr/>
             </a:pPr>
             <a:r>
-              <a:rPr lang="ru-RU" baseline="0" dirty="0" smtClean="0"/>
-              <a:t>Ну и напоследок, один вопрос, что мы со всей этой информацией будем делать?</a:t>
-            </a:r>
-          </a:p>
-          <a:p>
-            <a:pPr marL="0" marR="0" lvl="0" indent="0" algn="l" defTabSz="1161105" rtl="0" eaLnBrk="1" fontAlgn="auto" latinLnBrk="0" hangingPunct="1">
-              <a:lnSpc>
-                <a:spcPct val="100000"/>
-              </a:lnSpc>
-              <a:spcBef>
-                <a:spcPts val="0"/>
-              </a:spcBef>
-              <a:spcAft>
-                <a:spcPts val="0"/>
-              </a:spcAft>
-              <a:buClrTx/>
-              <a:buSzTx/>
-              <a:buFontTx/>
-              <a:buNone/>
-              <a:tabLst/>
-              <a:defRPr/>
-            </a:pPr>
-            <a:endParaRPr lang="ru-RU" baseline="0" dirty="0" smtClean="0"/>
-          </a:p>
-          <a:p>
-            <a:pPr marL="0" marR="0" lvl="0" indent="0" algn="l" defTabSz="1161105" rtl="0" eaLnBrk="1" fontAlgn="auto" latinLnBrk="0" hangingPunct="1">
-              <a:lnSpc>
-                <a:spcPct val="100000"/>
-              </a:lnSpc>
-              <a:spcBef>
-                <a:spcPts val="0"/>
-              </a:spcBef>
-              <a:spcAft>
-                <a:spcPts val="0"/>
-              </a:spcAft>
-              <a:buClrTx/>
-              <a:buSzTx/>
-              <a:buFontTx/>
-              <a:buNone/>
-              <a:tabLst/>
-              <a:defRPr/>
-            </a:pPr>
-            <a:r>
-              <a:rPr lang="ru-RU" baseline="0" dirty="0" smtClean="0"/>
-              <a:t>Вот мы построили </a:t>
-            </a:r>
-            <a:r>
-              <a:rPr lang="en-US" baseline="0" dirty="0" smtClean="0"/>
-              <a:t>DFD</a:t>
-            </a:r>
-            <a:r>
-              <a:rPr lang="ru-RU" baseline="0" dirty="0" smtClean="0"/>
-              <a:t> диаграммы, выписали все угрозы. Что теперь с этим делать.</a:t>
-            </a:r>
-          </a:p>
-          <a:p>
-            <a:pPr marL="0" marR="0" lvl="0" indent="0" algn="l" defTabSz="1161105" rtl="0" eaLnBrk="1" fontAlgn="auto" latinLnBrk="0" hangingPunct="1">
-              <a:lnSpc>
-                <a:spcPct val="100000"/>
-              </a:lnSpc>
-              <a:spcBef>
-                <a:spcPts val="0"/>
-              </a:spcBef>
-              <a:spcAft>
-                <a:spcPts val="0"/>
-              </a:spcAft>
-              <a:buClrTx/>
-              <a:buSzTx/>
-              <a:buFontTx/>
-              <a:buNone/>
-              <a:tabLst/>
-              <a:defRPr/>
-            </a:pPr>
-            <a:endParaRPr lang="ru-RU" baseline="0" dirty="0" smtClean="0"/>
-          </a:p>
-          <a:p>
-            <a:pPr marL="0" marR="0" lvl="0" indent="0" algn="l" defTabSz="1161105" rtl="0" eaLnBrk="1" fontAlgn="auto" latinLnBrk="0" hangingPunct="1">
-              <a:lnSpc>
-                <a:spcPct val="100000"/>
-              </a:lnSpc>
-              <a:spcBef>
-                <a:spcPts val="0"/>
-              </a:spcBef>
-              <a:spcAft>
-                <a:spcPts val="0"/>
-              </a:spcAft>
-              <a:buClrTx/>
-              <a:buSzTx/>
-              <a:buFontTx/>
-              <a:buNone/>
-              <a:tabLst/>
-              <a:defRPr/>
-            </a:pPr>
-            <a:r>
-              <a:rPr lang="ru-RU" baseline="0" dirty="0" smtClean="0"/>
-              <a:t>В </a:t>
-            </a:r>
-            <a:r>
-              <a:rPr lang="en-US" baseline="0" dirty="0" smtClean="0"/>
-              <a:t>SDL </a:t>
-            </a:r>
-            <a:r>
-              <a:rPr lang="ru-RU" baseline="0" dirty="0" smtClean="0"/>
-              <a:t>есть такое понятие </a:t>
-            </a:r>
-            <a:r>
-              <a:rPr lang="en-US" baseline="0" dirty="0" smtClean="0"/>
-              <a:t>threat mitigation – </a:t>
-            </a:r>
-            <a:r>
-              <a:rPr lang="ru-RU" baseline="0" dirty="0" smtClean="0"/>
-              <a:t>смягчение угрозы.</a:t>
-            </a:r>
-          </a:p>
-          <a:p>
-            <a:pPr marL="0" marR="0" lvl="0" indent="0" algn="l" defTabSz="1161105" rtl="0" eaLnBrk="1" fontAlgn="auto" latinLnBrk="0" hangingPunct="1">
-              <a:lnSpc>
-                <a:spcPct val="100000"/>
-              </a:lnSpc>
-              <a:spcBef>
-                <a:spcPts val="0"/>
-              </a:spcBef>
-              <a:spcAft>
-                <a:spcPts val="0"/>
-              </a:spcAft>
-              <a:buClrTx/>
-              <a:buSzTx/>
-              <a:buFontTx/>
-              <a:buNone/>
-              <a:tabLst/>
-              <a:defRPr/>
-            </a:pPr>
-            <a:r>
-              <a:rPr lang="ru-RU" baseline="0" dirty="0" smtClean="0"/>
-              <a:t>Это такая последовательность действий, которая призвана уменьшить угрозу до приемлемого уровня, или совсем от нее избавиться.</a:t>
-            </a:r>
-          </a:p>
-          <a:p>
-            <a:pPr marL="0" marR="0" lvl="0" indent="0" algn="l" defTabSz="1161105" rtl="0" eaLnBrk="1" fontAlgn="auto" latinLnBrk="0" hangingPunct="1">
-              <a:lnSpc>
-                <a:spcPct val="100000"/>
-              </a:lnSpc>
-              <a:spcBef>
-                <a:spcPts val="0"/>
-              </a:spcBef>
-              <a:spcAft>
-                <a:spcPts val="0"/>
-              </a:spcAft>
-              <a:buClrTx/>
-              <a:buSzTx/>
-              <a:buFontTx/>
-              <a:buNone/>
-              <a:tabLst/>
-              <a:defRPr/>
-            </a:pPr>
-            <a:endParaRPr lang="ru-RU" baseline="0" dirty="0" smtClean="0"/>
-          </a:p>
-          <a:p>
-            <a:pPr marL="0" marR="0" lvl="0" indent="0" algn="l" defTabSz="1161105" rtl="0" eaLnBrk="1" fontAlgn="auto" latinLnBrk="0" hangingPunct="1">
-              <a:lnSpc>
-                <a:spcPct val="100000"/>
-              </a:lnSpc>
-              <a:spcBef>
-                <a:spcPts val="0"/>
-              </a:spcBef>
-              <a:spcAft>
-                <a:spcPts val="0"/>
-              </a:spcAft>
-              <a:buClrTx/>
-              <a:buSzTx/>
-              <a:buFontTx/>
-              <a:buNone/>
-              <a:tabLst/>
-              <a:defRPr/>
-            </a:pPr>
-            <a:r>
-              <a:rPr lang="ru-RU" baseline="0" dirty="0" smtClean="0"/>
-              <a:t>Бывают разные способы </a:t>
-            </a:r>
-            <a:r>
-              <a:rPr lang="ru-RU" baseline="0" dirty="0" err="1" smtClean="0"/>
-              <a:t>митигации</a:t>
-            </a:r>
-            <a:r>
-              <a:rPr lang="ru-RU" baseline="0" dirty="0" smtClean="0"/>
-              <a:t> угроз:</a:t>
-            </a:r>
-          </a:p>
-          <a:p>
-            <a:pPr marL="0" marR="0" lvl="0" indent="0" algn="l" defTabSz="1161105" rtl="0" eaLnBrk="1" fontAlgn="auto" latinLnBrk="0" hangingPunct="1">
-              <a:lnSpc>
-                <a:spcPct val="100000"/>
-              </a:lnSpc>
-              <a:spcBef>
-                <a:spcPts val="0"/>
-              </a:spcBef>
-              <a:spcAft>
-                <a:spcPts val="0"/>
-              </a:spcAft>
-              <a:buClrTx/>
-              <a:buSzTx/>
-              <a:buFontTx/>
-              <a:buNone/>
-              <a:tabLst/>
-              <a:defRPr/>
-            </a:pPr>
-            <a:endParaRPr lang="ru-RU" baseline="0" dirty="0" smtClean="0"/>
-          </a:p>
-          <a:p>
-            <a:pPr marL="342900" marR="0" lvl="0" indent="-342900" algn="l" defTabSz="1161105" rtl="0" eaLnBrk="1" fontAlgn="auto" latinLnBrk="0" hangingPunct="1">
-              <a:lnSpc>
-                <a:spcPct val="100000"/>
-              </a:lnSpc>
-              <a:spcBef>
-                <a:spcPts val="0"/>
-              </a:spcBef>
-              <a:spcAft>
-                <a:spcPts val="0"/>
-              </a:spcAft>
-              <a:buClrTx/>
-              <a:buSzTx/>
-              <a:buFontTx/>
-              <a:buAutoNum type="arabicPeriod"/>
-              <a:tabLst/>
-              <a:defRPr/>
-            </a:pPr>
-            <a:r>
-              <a:rPr lang="ru-RU" baseline="0" dirty="0" smtClean="0"/>
-              <a:t>Например, мы можем на этапе дизайна переработать (или вообще убрать) потоки данных или приложение, так что угроза исчезнет.</a:t>
-            </a:r>
-          </a:p>
-          <a:p>
-            <a:pPr marL="342900" marR="0" lvl="0" indent="-342900" algn="l" defTabSz="1161105" rtl="0" eaLnBrk="1" fontAlgn="auto" latinLnBrk="0" hangingPunct="1">
-              <a:lnSpc>
-                <a:spcPct val="100000"/>
-              </a:lnSpc>
-              <a:spcBef>
-                <a:spcPts val="0"/>
-              </a:spcBef>
-              <a:spcAft>
-                <a:spcPts val="0"/>
-              </a:spcAft>
-              <a:buClrTx/>
-              <a:buSzTx/>
-              <a:buFontTx/>
-              <a:buAutoNum type="arabicPeriod"/>
-              <a:tabLst/>
-              <a:defRPr/>
-            </a:pPr>
-            <a:r>
-              <a:rPr lang="ru-RU" baseline="0" dirty="0" smtClean="0"/>
-              <a:t>Мы можем использовать какую-то стандартную </a:t>
-            </a:r>
-            <a:r>
-              <a:rPr lang="ru-RU" baseline="0" dirty="0" err="1" smtClean="0"/>
-              <a:t>митигацию</a:t>
-            </a:r>
-            <a:r>
-              <a:rPr lang="ru-RU" baseline="0" dirty="0" smtClean="0"/>
-              <a:t> (об этом позже).</a:t>
-            </a:r>
-          </a:p>
-          <a:p>
-            <a:pPr marL="342900" marR="0" lvl="0" indent="-342900" algn="l" defTabSz="1161105" rtl="0" eaLnBrk="1" fontAlgn="auto" latinLnBrk="0" hangingPunct="1">
-              <a:lnSpc>
-                <a:spcPct val="100000"/>
-              </a:lnSpc>
-              <a:spcBef>
-                <a:spcPts val="0"/>
-              </a:spcBef>
-              <a:spcAft>
-                <a:spcPts val="0"/>
-              </a:spcAft>
-              <a:buClrTx/>
-              <a:buSzTx/>
-              <a:buFontTx/>
-              <a:buAutoNum type="arabicPeriod"/>
-              <a:tabLst/>
-              <a:defRPr/>
-            </a:pPr>
-            <a:r>
-              <a:rPr lang="ru-RU" baseline="0" dirty="0" smtClean="0"/>
-              <a:t>Мы можем внести описание угрозы в публичную документацию к нашей программе. Например: внимание, данная программа не обеспечивает конфиденциальности данных. Пожалуйста, используйте другие программы по защите данных, например </a:t>
-            </a:r>
-            <a:r>
-              <a:rPr lang="en-US" baseline="0" dirty="0" err="1" smtClean="0"/>
-              <a:t>GnuPG</a:t>
-            </a:r>
-            <a:r>
-              <a:rPr lang="ru-RU" baseline="0" dirty="0" smtClean="0"/>
-              <a:t>. Или, для того чтобы обезопасить себя от утечки данных, настройте </a:t>
-            </a:r>
-            <a:r>
-              <a:rPr lang="en-US" baseline="0" dirty="0" err="1" smtClean="0"/>
-              <a:t>FireWall</a:t>
-            </a:r>
-            <a:r>
-              <a:rPr lang="ru-RU" baseline="0" dirty="0" smtClean="0"/>
-              <a:t>, так чтобы он блокировал все соединения на порту 8080.</a:t>
-            </a:r>
-          </a:p>
-          <a:p>
-            <a:pPr marL="342900" marR="0" lvl="0" indent="-342900" algn="l" defTabSz="1161105" rtl="0" eaLnBrk="1" fontAlgn="auto" latinLnBrk="0" hangingPunct="1">
-              <a:lnSpc>
-                <a:spcPct val="100000"/>
-              </a:lnSpc>
-              <a:spcBef>
-                <a:spcPts val="0"/>
-              </a:spcBef>
-              <a:spcAft>
-                <a:spcPts val="0"/>
-              </a:spcAft>
-              <a:buClrTx/>
-              <a:buSzTx/>
-              <a:buFontTx/>
-              <a:buAutoNum type="arabicPeriod"/>
-              <a:tabLst/>
-              <a:defRPr/>
-            </a:pPr>
-            <a:endParaRPr lang="ru-RU" baseline="0" dirty="0" smtClean="0"/>
-          </a:p>
-        </p:txBody>
-      </p:sp>
-      <p:sp>
-        <p:nvSpPr>
-          <p:cNvPr id="4" name="Номер слайда 3"/>
+              <a:rPr lang="ru-RU" dirty="0" err="1"/>
+              <a:t>Дискас</a:t>
+            </a:r>
+            <a:r>
+              <a:rPr lang="ru-RU" dirty="0"/>
+              <a:t>!</a:t>
+            </a:r>
+          </a:p>
+        </p:txBody>
+      </p:sp>
+      <p:sp>
+        <p:nvSpPr>
+          <p:cNvPr id="4" name="Slide Number Placeholder 3"/>
           <p:cNvSpPr>
             <a:spLocks noGrp="1"/>
           </p:cNvSpPr>
@@ -3302,18 +3191,26 @@
           <a:lstStyle/>
           <a:p>
             <a:fld id="{83FDD216-B18C-4F7A-91C3-E6C7F0FB2278}" type="slidenum">
-              <a:rPr lang="ru-RU" smtClean="0"/>
+              <a:rPr lang="ru-RU" smtClean="0">
+                <a:solidFill>
+                  <a:prstClr val="black"/>
+                </a:solidFill>
+              </a:rPr>
               <a:pPr/>
               <a:t>20</a:t>
             </a:fld>
-            <a:endParaRPr lang="ru-RU" dirty="0"/>
+            <a:endParaRPr lang="ru-RU">
+              <a:solidFill>
+                <a:prstClr val="black"/>
+              </a:solidFill>
+            </a:endParaRPr>
           </a:p>
         </p:txBody>
       </p:sp>
     </p:spTree>
     <p:extLst>
       <p:ext uri="{BB962C8B-B14F-4D97-AF65-F5344CB8AC3E}">
-        <p14:creationId xmlns:p14="http://schemas.microsoft.com/office/powerpoint/2010/main" val="2840477499"/>
+        <p14:creationId xmlns:p14="http://schemas.microsoft.com/office/powerpoint/2010/main" val="2147510594"/>
       </p:ext>
     </p:extLst>
   </p:cSld>
@@ -3367,40 +3264,7 @@
           <a:bodyPr/>
           <a:lstStyle/>
           <a:p>
-            <a:pPr marL="0" marR="0" lvl="0" indent="0" algn="l" defTabSz="1161105" rtl="0" eaLnBrk="1" fontAlgn="auto" latinLnBrk="0" hangingPunct="1">
-              <a:lnSpc>
-                <a:spcPct val="100000"/>
-              </a:lnSpc>
-              <a:spcBef>
-                <a:spcPts val="0"/>
-              </a:spcBef>
-              <a:spcAft>
-                <a:spcPts val="0"/>
-              </a:spcAft>
-              <a:buClrTx/>
-              <a:buSzTx/>
-              <a:buFontTx/>
-              <a:buNone/>
-              <a:tabLst/>
-              <a:defRPr/>
-            </a:pPr>
-            <a:r>
-              <a:rPr lang="ru-RU" baseline="0" dirty="0" smtClean="0"/>
-              <a:t>Здесь представлены стандартные варианты </a:t>
-            </a:r>
-            <a:r>
-              <a:rPr lang="ru-RU" baseline="0" dirty="0" err="1" smtClean="0"/>
-              <a:t>митигации</a:t>
-            </a:r>
-            <a:r>
-              <a:rPr lang="ru-RU" baseline="0" dirty="0" smtClean="0"/>
-              <a:t> </a:t>
-            </a:r>
-            <a:r>
-              <a:rPr lang="ru-RU" baseline="0" smtClean="0"/>
-              <a:t>угроз.</a:t>
-            </a:r>
-            <a:endParaRPr lang="en-US" baseline="0" dirty="0" smtClean="0"/>
+            <a:endParaRPr lang="en-US" baseline="0" dirty="0"/>
           </a:p>
         </p:txBody>
       </p:sp>
@@ -3431,7 +3295,7 @@
     </p:spTree>
     <p:extLst>
       <p:ext uri="{BB962C8B-B14F-4D97-AF65-F5344CB8AC3E}">
-        <p14:creationId xmlns:p14="http://schemas.microsoft.com/office/powerpoint/2010/main" val="1112912105"/>
+        <p14:creationId xmlns:p14="http://schemas.microsoft.com/office/powerpoint/2010/main" val="3131211651"/>
       </p:ext>
     </p:extLst>
   </p:cSld>
@@ -3460,7 +3324,7 @@
       </p:grpSpPr>
       <p:sp>
         <p:nvSpPr>
-          <p:cNvPr id="2" name="Slide Image Placeholder 1"/>
+          <p:cNvPr id="2" name="Образ слайда 1"/>
           <p:cNvSpPr>
             <a:spLocks noGrp="1" noRot="1" noChangeAspect="1"/>
           </p:cNvSpPr>
@@ -3472,7 +3336,7 @@
       </p:sp>
       <p:sp>
         <p:nvSpPr>
-          <p:cNvPr id="3" name="Notes Placeholder 2"/>
+          <p:cNvPr id="3" name="Заметки 2"/>
           <p:cNvSpPr>
             <a:spLocks noGrp="1"/>
           </p:cNvSpPr>
@@ -3485,37 +3349,13 @@
           <a:bodyPr/>
           <a:lstStyle/>
           <a:p>
-            <a:pPr marL="0" marR="0" indent="0" algn="l" defTabSz="1161105" rtl="0" eaLnBrk="1" fontAlgn="auto" latinLnBrk="0" hangingPunct="1">
-              <a:lnSpc>
-                <a:spcPct val="100000"/>
-              </a:lnSpc>
-              <a:spcBef>
-                <a:spcPts val="0"/>
-              </a:spcBef>
-              <a:spcAft>
-                <a:spcPts val="0"/>
-              </a:spcAft>
-              <a:buClrTx/>
-              <a:buSzTx/>
-              <a:buFontTx/>
-              <a:buNone/>
-              <a:tabLst/>
-              <a:defRPr/>
-            </a:pPr>
-            <a:r>
-              <a:rPr lang="ru-RU" dirty="0" err="1"/>
-              <a:t>Дискас</a:t>
-            </a:r>
-            <a:r>
-              <a:rPr lang="ru-RU" dirty="0"/>
-              <a:t>!</a:t>
-            </a:r>
-          </a:p>
-        </p:txBody>
-      </p:sp>
-      <p:sp>
-        <p:nvSpPr>
-          <p:cNvPr id="4" name="Slide Number Placeholder 3"/>
+            <a:endParaRPr lang="ru-RU" baseline="0" dirty="0" smtClean="0"/>
+          </a:p>
+        </p:txBody>
+      </p:sp>
+      <p:sp>
+        <p:nvSpPr>
+          <p:cNvPr id="4" name="Номер слайда 3"/>
           <p:cNvSpPr>
             <a:spLocks noGrp="1"/>
           </p:cNvSpPr>
@@ -3529,26 +3369,18 @@
           <a:lstStyle/>
           <a:p>
             <a:fld id="{83FDD216-B18C-4F7A-91C3-E6C7F0FB2278}" type="slidenum">
-              <a:rPr lang="ru-RU" smtClean="0">
-                <a:solidFill>
-                  <a:prstClr val="black"/>
-                </a:solidFill>
-              </a:rPr>
+              <a:rPr lang="ru-RU" smtClean="0"/>
               <a:pPr/>
               <a:t>22</a:t>
             </a:fld>
-            <a:endParaRPr lang="ru-RU">
-              <a:solidFill>
-                <a:prstClr val="black"/>
-              </a:solidFill>
-            </a:endParaRPr>
+            <a:endParaRPr lang="ru-RU" dirty="0"/>
           </a:p>
         </p:txBody>
       </p:sp>
     </p:spTree>
     <p:extLst>
       <p:ext uri="{BB962C8B-B14F-4D97-AF65-F5344CB8AC3E}">
-        <p14:creationId xmlns:p14="http://schemas.microsoft.com/office/powerpoint/2010/main" val="2147510594"/>
+        <p14:creationId xmlns:p14="http://schemas.microsoft.com/office/powerpoint/2010/main" val="2445790166"/>
       </p:ext>
     </p:extLst>
   </p:cSld>
@@ -3602,7 +3434,7 @@
           <a:bodyPr/>
           <a:lstStyle/>
           <a:p>
-            <a:endParaRPr lang="en-US" baseline="0" dirty="0"/>
+            <a:endParaRPr lang="ru-RU" baseline="0" dirty="0" smtClean="0"/>
           </a:p>
         </p:txBody>
       </p:sp>
@@ -3633,7 +3465,7 @@
     </p:spTree>
     <p:extLst>
       <p:ext uri="{BB962C8B-B14F-4D97-AF65-F5344CB8AC3E}">
-        <p14:creationId xmlns:p14="http://schemas.microsoft.com/office/powerpoint/2010/main" val="3131211651"/>
+        <p14:creationId xmlns:p14="http://schemas.microsoft.com/office/powerpoint/2010/main" val="3518859395"/>
       </p:ext>
     </p:extLst>
   </p:cSld>
@@ -3718,7 +3550,7 @@
     </p:spTree>
     <p:extLst>
       <p:ext uri="{BB962C8B-B14F-4D97-AF65-F5344CB8AC3E}">
-        <p14:creationId xmlns:p14="http://schemas.microsoft.com/office/powerpoint/2010/main" val="2445790166"/>
+        <p14:creationId xmlns:p14="http://schemas.microsoft.com/office/powerpoint/2010/main" val="1113396651"/>
       </p:ext>
     </p:extLst>
   </p:cSld>
@@ -3772,176 +3604,6 @@
           <a:bodyPr/>
           <a:lstStyle/>
           <a:p>
-            <a:endParaRPr lang="ru-RU" baseline="0" dirty="0" smtClean="0"/>
-          </a:p>
-        </p:txBody>
-      </p:sp>
-      <p:sp>
-        <p:nvSpPr>
-          <p:cNvPr id="4" name="Номер слайда 3"/>
-          <p:cNvSpPr>
-            <a:spLocks noGrp="1"/>
-          </p:cNvSpPr>
-          <p:nvPr>
-            <p:ph type="sldNum" sz="quarter" idx="10"/>
-          </p:nvPr>
-        </p:nvSpPr>
-        <p:spPr/>
-        <p:txBody>
-          <a:bodyPr/>
-          <a:lstStyle/>
-          <a:p>
-            <a:fld id="{83FDD216-B18C-4F7A-91C3-E6C7F0FB2278}" type="slidenum">
-              <a:rPr lang="ru-RU" smtClean="0"/>
-              <a:pPr/>
-              <a:t>25</a:t>
-            </a:fld>
-            <a:endParaRPr lang="ru-RU" dirty="0"/>
-          </a:p>
-        </p:txBody>
-      </p:sp>
-    </p:spTree>
-    <p:extLst>
-      <p:ext uri="{BB962C8B-B14F-4D97-AF65-F5344CB8AC3E}">
-        <p14:creationId xmlns:p14="http://schemas.microsoft.com/office/powerpoint/2010/main" val="3518859395"/>
-      </p:ext>
-    </p:extLst>
-  </p:cSld>
-  <p:clrMapOvr>
-    <a:masterClrMapping/>
-  </p:clrMapOvr>
-</p:notes>
-</file>
-
-<file path=ppt/notesSlides/notesSlide26.xml><?xml version="1.0" encoding="utf-8"?>
-<p:notes xmlns:a="http://schemas.openxmlformats.org/drawingml/2006/main" xmlns:r="http://schemas.openxmlformats.org/officeDocument/2006/relationships" xmlns:p="http://schemas.openxmlformats.org/presentationml/2006/main">
-  <p:cSld>
-    <p:spTree>
-      <p:nvGrpSpPr>
-        <p:cNvPr id="1" name=""/>
-        <p:cNvGrpSpPr/>
-        <p:nvPr/>
-      </p:nvGrpSpPr>
-      <p:grpSpPr>
-        <a:xfrm>
-          <a:off x="0" y="0"/>
-          <a:ext cx="0" cy="0"/>
-          <a:chOff x="0" y="0"/>
-          <a:chExt cx="0" cy="0"/>
-        </a:xfrm>
-      </p:grpSpPr>
-      <p:sp>
-        <p:nvSpPr>
-          <p:cNvPr id="2" name="Образ слайда 1"/>
-          <p:cNvSpPr>
-            <a:spLocks noGrp="1" noRot="1" noChangeAspect="1"/>
-          </p:cNvSpPr>
-          <p:nvPr>
-            <p:ph type="sldImg"/>
-          </p:nvPr>
-        </p:nvSpPr>
-        <p:spPr/>
-      </p:sp>
-      <p:sp>
-        <p:nvSpPr>
-          <p:cNvPr id="3" name="Заметки 2"/>
-          <p:cNvSpPr>
-            <a:spLocks noGrp="1"/>
-          </p:cNvSpPr>
-          <p:nvPr>
-            <p:ph type="body" idx="1"/>
-          </p:nvPr>
-        </p:nvSpPr>
-        <p:spPr/>
-        <p:txBody>
-          <a:bodyPr/>
-          <a:lstStyle/>
-          <a:p>
-            <a:endParaRPr lang="ru-RU" baseline="0" dirty="0" smtClean="0"/>
-          </a:p>
-        </p:txBody>
-      </p:sp>
-      <p:sp>
-        <p:nvSpPr>
-          <p:cNvPr id="4" name="Номер слайда 3"/>
-          <p:cNvSpPr>
-            <a:spLocks noGrp="1"/>
-          </p:cNvSpPr>
-          <p:nvPr>
-            <p:ph type="sldNum" sz="quarter" idx="10"/>
-          </p:nvPr>
-        </p:nvSpPr>
-        <p:spPr/>
-        <p:txBody>
-          <a:bodyPr/>
-          <a:lstStyle/>
-          <a:p>
-            <a:fld id="{83FDD216-B18C-4F7A-91C3-E6C7F0FB2278}" type="slidenum">
-              <a:rPr lang="ru-RU" smtClean="0"/>
-              <a:pPr/>
-              <a:t>26</a:t>
-            </a:fld>
-            <a:endParaRPr lang="ru-RU" dirty="0"/>
-          </a:p>
-        </p:txBody>
-      </p:sp>
-    </p:spTree>
-    <p:extLst>
-      <p:ext uri="{BB962C8B-B14F-4D97-AF65-F5344CB8AC3E}">
-        <p14:creationId xmlns:p14="http://schemas.microsoft.com/office/powerpoint/2010/main" val="1113396651"/>
-      </p:ext>
-    </p:extLst>
-  </p:cSld>
-  <p:clrMapOvr>
-    <a:masterClrMapping/>
-  </p:clrMapOvr>
-</p:notes>
-</file>
-
-<file path=ppt/notesSlides/notesSlide27.xml><?xml version="1.0" encoding="utf-8"?>
-<p:notes xmlns:a="http://schemas.openxmlformats.org/drawingml/2006/main" xmlns:r="http://schemas.openxmlformats.org/officeDocument/2006/relationships" xmlns:p="http://schemas.openxmlformats.org/presentationml/2006/main">
-  <p:cSld>
-    <p:spTree>
-      <p:nvGrpSpPr>
-        <p:cNvPr id="1" name=""/>
-        <p:cNvGrpSpPr/>
-        <p:nvPr/>
-      </p:nvGrpSpPr>
-      <p:grpSpPr>
-        <a:xfrm>
-          <a:off x="0" y="0"/>
-          <a:ext cx="0" cy="0"/>
-          <a:chOff x="0" y="0"/>
-          <a:chExt cx="0" cy="0"/>
-        </a:xfrm>
-      </p:grpSpPr>
-      <p:sp>
-        <p:nvSpPr>
-          <p:cNvPr id="2" name="Образ слайда 1"/>
-          <p:cNvSpPr>
-            <a:spLocks noGrp="1" noRot="1" noChangeAspect="1"/>
-          </p:cNvSpPr>
-          <p:nvPr>
-            <p:ph type="sldImg"/>
-          </p:nvPr>
-        </p:nvSpPr>
-        <p:spPr/>
-      </p:sp>
-      <p:sp>
-        <p:nvSpPr>
-          <p:cNvPr id="3" name="Заметки 2"/>
-          <p:cNvSpPr>
-            <a:spLocks noGrp="1"/>
-          </p:cNvSpPr>
-          <p:nvPr>
-            <p:ph type="body" idx="1"/>
-          </p:nvPr>
-        </p:nvSpPr>
-        <p:spPr/>
-        <p:txBody>
-          <a:bodyPr/>
-          <a:lstStyle/>
-          <a:p>
             <a:pPr marL="0" marR="0" lvl="0" indent="0" algn="l" defTabSz="1161105" rtl="0" eaLnBrk="1" fontAlgn="auto" latinLnBrk="0" hangingPunct="1">
               <a:lnSpc>
                 <a:spcPct val="100000"/>
@@ -3981,7 +3643,7 @@
             <a:fld id="{83FDD216-B18C-4F7A-91C3-E6C7F0FB2278}" type="slidenum">
               <a:rPr lang="ru-RU" smtClean="0"/>
               <a:pPr/>
-              <a:t>27</a:t>
+              <a:t>25</a:t>
             </a:fld>
             <a:endParaRPr lang="ru-RU" dirty="0"/>
           </a:p>
@@ -4353,25 +4015,13 @@
             </a:pPr>
             <a:r>
               <a:rPr lang="ru-RU" baseline="0" dirty="0" smtClean="0"/>
-              <a:t>Наоборот, все пункты равнозначны, и все они должны быть рассмотрены с учетом влияния других пунктов. Ну кроме быть может последнего пункта. Он формируется обычно в конце, когда мы все учли, но не можем реализовать требование по каким-то причинам. Например, реализация алгоритма, требует больше 4</a:t>
-            </a:r>
-            <a:r>
-              <a:rPr lang="en-US" baseline="0" dirty="0" smtClean="0"/>
-              <a:t>G</a:t>
+              <a:t>Наоборот, все пункты равнозначны, и все они должны быть рассмотрены с учетом влияния других пунктов</a:t>
             </a:r>
             <a:r>
               <a:rPr lang="ru-RU" baseline="0" dirty="0" smtClean="0"/>
-              <a:t> памяти, а сторонняя библиотека может работать только в 32-х битном режиме.</a:t>
-            </a:r>
-          </a:p>
-          <a:p>
-            <a:pPr marL="0" indent="0">
-              <a:buNone/>
-            </a:pPr>
-            <a:r>
-              <a:rPr lang="ru-RU" baseline="0" dirty="0" smtClean="0"/>
-              <a:t>Переделка библиотеки под 64 бита потребует существенных доработок. И т.д.</a:t>
-            </a:r>
+              <a:t>.</a:t>
+            </a:r>
+            <a:endParaRPr lang="en-US" baseline="0" dirty="0" smtClean="0"/>
           </a:p>
           <a:p>
             <a:pPr marL="0" indent="0">
@@ -4686,9 +4336,106 @@
               <a:t>threat modelling</a:t>
             </a:r>
             <a:r>
-              <a:rPr lang="ru-RU" baseline="0" smtClean="0"/>
-              <a:t> – моделирование угроз.</a:t>
-            </a:r>
+              <a:rPr lang="ru-RU" baseline="0" dirty="0" smtClean="0"/>
+              <a:t> – моделирование угроз</a:t>
+            </a:r>
+            <a:r>
+              <a:rPr lang="ru-RU" baseline="0" dirty="0" smtClean="0"/>
+              <a:t>.</a:t>
+            </a:r>
+            <a:endParaRPr lang="en-US" baseline="0" dirty="0" smtClean="0"/>
+          </a:p>
+          <a:p>
+            <a:pPr marL="0" marR="0" lvl="0" indent="0" algn="l" defTabSz="1161105" rtl="0" eaLnBrk="1" fontAlgn="auto" latinLnBrk="0" hangingPunct="1">
+              <a:lnSpc>
+                <a:spcPct val="100000"/>
+              </a:lnSpc>
+              <a:spcBef>
+                <a:spcPts val="0"/>
+              </a:spcBef>
+              <a:spcAft>
+                <a:spcPts val="0"/>
+              </a:spcAft>
+              <a:buClrTx/>
+              <a:buSzTx/>
+              <a:buFontTx/>
+              <a:buNone/>
+              <a:tabLst/>
+              <a:defRPr/>
+            </a:pPr>
+            <a:endParaRPr lang="en-US" baseline="0" dirty="0" smtClean="0"/>
+          </a:p>
+          <a:p>
+            <a:r>
+              <a:rPr lang="ru-RU" baseline="0" dirty="0" smtClean="0"/>
+              <a:t>Кто знает что такое угроза?</a:t>
+            </a:r>
+          </a:p>
+          <a:p>
+            <a:r>
+              <a:rPr lang="ru-RU" baseline="0" dirty="0" smtClean="0"/>
+              <a:t>Угроза – это то что угрожает штатному поведению системы. Угроза может привести к различным проблемам, а может и не привести.</a:t>
+            </a:r>
+          </a:p>
+          <a:p>
+            <a:pPr marL="0" marR="0" lvl="0" indent="0" algn="l" defTabSz="1161105" rtl="0" eaLnBrk="1" fontAlgn="auto" latinLnBrk="0" hangingPunct="1">
+              <a:lnSpc>
+                <a:spcPct val="100000"/>
+              </a:lnSpc>
+              <a:spcBef>
+                <a:spcPts val="0"/>
+              </a:spcBef>
+              <a:spcAft>
+                <a:spcPts val="0"/>
+              </a:spcAft>
+              <a:buClrTx/>
+              <a:buSzTx/>
+              <a:buFontTx/>
+              <a:buNone/>
+              <a:tabLst/>
+              <a:defRPr/>
+            </a:pPr>
+            <a:r>
+              <a:rPr lang="ru-RU" baseline="0" dirty="0" smtClean="0"/>
+              <a:t>Тут важно понимать, что угроза может возникнуть из-за того, что на этапе проектирования не учли эту угрозу, так и из-за банального бага в реализации.</a:t>
+            </a:r>
+            <a:r>
+              <a:rPr lang="en-US" baseline="0" dirty="0" smtClean="0"/>
+              <a:t> </a:t>
+            </a:r>
+            <a:r>
+              <a:rPr lang="ru-RU" baseline="0" dirty="0" smtClean="0"/>
+              <a:t>Кроме того, одна угроза, сама по себе может не приносить вреда, однако в сочетании с другими угрозами это может перерасти в настоящую уязвимость.</a:t>
+            </a:r>
+          </a:p>
+          <a:p>
+            <a:endParaRPr lang="ru-RU" baseline="0" dirty="0" smtClean="0"/>
+          </a:p>
+          <a:p>
+            <a:r>
+              <a:rPr lang="ru-RU" baseline="0" dirty="0" smtClean="0"/>
+              <a:t>Давайте обсудим, какие виды угроз бывают, как они классифицируются.</a:t>
+            </a:r>
+          </a:p>
+          <a:p>
+            <a:pPr marL="0" marR="0" lvl="0" indent="0" algn="l" defTabSz="1161105" rtl="0" eaLnBrk="1" fontAlgn="auto" latinLnBrk="0" hangingPunct="1">
+              <a:lnSpc>
+                <a:spcPct val="100000"/>
+              </a:lnSpc>
+              <a:spcBef>
+                <a:spcPts val="0"/>
+              </a:spcBef>
+              <a:spcAft>
+                <a:spcPts val="0"/>
+              </a:spcAft>
+              <a:buClrTx/>
+              <a:buSzTx/>
+              <a:buFontTx/>
+              <a:buNone/>
+              <a:tabLst/>
+              <a:defRPr/>
+            </a:pPr>
+            <a:endParaRPr lang="ru-RU" baseline="0" dirty="0" smtClean="0"/>
           </a:p>
         </p:txBody>
       </p:sp>
@@ -4774,54 +4521,60 @@
           <a:lstStyle/>
           <a:p>
             <a:r>
+              <a:rPr lang="en-US" baseline="0" dirty="0" smtClean="0"/>
+              <a:t>SDL</a:t>
+            </a:r>
+            <a:r>
               <a:rPr lang="ru-RU" baseline="0" dirty="0" smtClean="0"/>
-              <a:t>На самом деле два остальных пункта тоже относятся к </a:t>
+              <a:t> оперирует 6-ю видами угроз. Их названия формируют акроним </a:t>
             </a:r>
             <a:r>
               <a:rPr lang="en-US" baseline="0" dirty="0" smtClean="0"/>
-              <a:t>threat modelling</a:t>
-            </a:r>
+              <a:t>STRIDE.</a:t>
+            </a:r>
+          </a:p>
+          <a:p>
             <a:r>
               <a:rPr lang="ru-RU" baseline="0" dirty="0" smtClean="0"/>
-              <a:t>, но они сами по себе являются довольно важными, поэтому я их вынес.</a:t>
+              <a:t>Вот они здесь перечислены. Давайте по каждой из них пройдемся</a:t>
+            </a:r>
+            <a:endParaRPr lang="en-US" baseline="0" dirty="0" smtClean="0"/>
+          </a:p>
+          <a:p>
+            <a:endParaRPr lang="en-US" baseline="0" dirty="0" smtClean="0"/>
+          </a:p>
+          <a:p>
+            <a:endParaRPr lang="en-US" baseline="0" dirty="0" smtClean="0"/>
+          </a:p>
+          <a:p>
+            <a:r>
+              <a:rPr lang="ru-RU" baseline="0" dirty="0" smtClean="0"/>
+              <a:t>В таблице приведены все угрозы с точки зрения </a:t>
+            </a:r>
+            <a:r>
+              <a:rPr lang="en-US" baseline="0" dirty="0" smtClean="0"/>
+              <a:t>SDL</a:t>
+            </a:r>
+            <a:r>
+              <a:rPr lang="ru-RU" baseline="0" dirty="0" smtClean="0"/>
+              <a:t>, а также необходимые свойства компоненты, позволяющие избежать конкретной угрозы.</a:t>
+            </a:r>
+            <a:endParaRPr lang="en-US" baseline="0" dirty="0" smtClean="0"/>
+          </a:p>
+          <a:p>
+            <a:endParaRPr lang="en-US" baseline="0" dirty="0" smtClean="0"/>
+          </a:p>
+          <a:p>
+            <a:r>
+              <a:rPr lang="ru-RU" baseline="0" dirty="0" smtClean="0"/>
+              <a:t>Теперь мы обсудим каждую угрозу более детально</a:t>
             </a:r>
           </a:p>
           <a:p>
             <a:endParaRPr lang="ru-RU" baseline="0" dirty="0" smtClean="0"/>
           </a:p>
           <a:p>
-            <a:r>
-              <a:rPr lang="ru-RU" baseline="0" dirty="0" smtClean="0"/>
-              <a:t>Итак</a:t>
-            </a:r>
-            <a:r>
-              <a:rPr lang="en-US" baseline="0" dirty="0" smtClean="0"/>
-              <a:t> – threat modelling – </a:t>
-            </a:r>
-            <a:r>
-              <a:rPr lang="ru-RU" baseline="0" dirty="0" smtClean="0"/>
-              <a:t>моделирование угроз на этом этапе мы будем пытаться выявить угрозы.</a:t>
-            </a:r>
-          </a:p>
-          <a:p>
-            <a:r>
-              <a:rPr lang="en-US" baseline="0" dirty="0" smtClean="0"/>
-              <a:t>Data flow diagram – </a:t>
-            </a:r>
-            <a:r>
-              <a:rPr lang="ru-RU" baseline="0" dirty="0" smtClean="0"/>
-              <a:t>это наглядный способ выявить угрозы</a:t>
-            </a:r>
-          </a:p>
-          <a:p>
-            <a:r>
-              <a:rPr lang="en-US" baseline="0" dirty="0" smtClean="0"/>
-              <a:t>Threat mitigations</a:t>
-            </a:r>
-            <a:r>
-              <a:rPr lang="ru-RU" baseline="0" dirty="0" smtClean="0"/>
-              <a:t> – это способы избавления или уменьшения угроз.</a:t>
-            </a:r>
+            <a:endParaRPr lang="ru-RU" baseline="0" dirty="0" smtClean="0"/>
           </a:p>
         </p:txBody>
       </p:sp>
@@ -4852,7 +4605,7 @@
     </p:spTree>
     <p:extLst>
       <p:ext uri="{BB962C8B-B14F-4D97-AF65-F5344CB8AC3E}">
-        <p14:creationId xmlns:p14="http://schemas.microsoft.com/office/powerpoint/2010/main" val="60959060"/>
+        <p14:creationId xmlns:p14="http://schemas.microsoft.com/office/powerpoint/2010/main" val="314644239"/>
       </p:ext>
     </p:extLst>
   </p:cSld>
@@ -4908,130 +4661,65 @@
           <a:p>
             <a:r>
               <a:rPr lang="ru-RU" baseline="0" dirty="0" smtClean="0"/>
-              <a:t>Одной из частей </a:t>
+              <a:t>Итак, </a:t>
             </a:r>
             <a:r>
               <a:rPr lang="en-US" baseline="0" dirty="0" smtClean="0"/>
-              <a:t>SDL</a:t>
+              <a:t>spoofing</a:t>
+            </a:r>
+            <a:r>
+              <a:rPr lang="ru-RU" baseline="0" dirty="0" smtClean="0"/>
+              <a:t> – процесс подмены пользователя или программы.</a:t>
+            </a:r>
+          </a:p>
+          <a:p>
+            <a:endParaRPr lang="ru-RU" baseline="0" dirty="0" smtClean="0"/>
+          </a:p>
+          <a:p>
+            <a:r>
+              <a:rPr lang="ru-RU" baseline="0" dirty="0" smtClean="0"/>
+              <a:t>Эта атака возникает в том случае, если нет механизма проверки подлинности (аутентификации).</a:t>
+            </a:r>
+          </a:p>
+          <a:p>
+            <a:endParaRPr lang="ru-RU" baseline="0" dirty="0" smtClean="0"/>
+          </a:p>
+          <a:p>
+            <a:r>
+              <a:rPr lang="ru-RU" baseline="0" dirty="0" smtClean="0"/>
+              <a:t>Например, </a:t>
+            </a:r>
+            <a:r>
+              <a:rPr lang="ru-RU" baseline="0" dirty="0" err="1" smtClean="0"/>
+              <a:t>спуфинг</a:t>
             </a:r>
             <a:r>
               <a:rPr lang="ru-RU" baseline="0" dirty="0" smtClean="0"/>
               <a:t> </a:t>
             </a:r>
             <a:r>
+              <a:rPr lang="en-US" baseline="0" dirty="0" smtClean="0"/>
+              <a:t>e-mail:</a:t>
+            </a:r>
+          </a:p>
+          <a:p>
+            <a:endParaRPr lang="en-US" baseline="0" dirty="0" smtClean="0"/>
+          </a:p>
+          <a:p>
+            <a:r>
               <a:rPr lang="ru-RU" baseline="0" dirty="0" smtClean="0"/>
-              <a:t>как раз является </a:t>
+              <a:t>В </a:t>
             </a:r>
             <a:r>
               <a:rPr lang="en-US" baseline="0" dirty="0" smtClean="0"/>
-              <a:t>threat modelling – </a:t>
+              <a:t>e-mail</a:t>
             </a:r>
             <a:r>
               <a:rPr lang="ru-RU" baseline="0" dirty="0" smtClean="0"/>
-              <a:t>моделирование угроз.</a:t>
-            </a:r>
-          </a:p>
-          <a:p>
-            <a:endParaRPr lang="ru-RU" baseline="0" dirty="0" smtClean="0"/>
-          </a:p>
-          <a:p>
-            <a:r>
-              <a:rPr lang="ru-RU" baseline="0" dirty="0" smtClean="0"/>
-              <a:t>Кто знает что такое угроза?</a:t>
-            </a:r>
-          </a:p>
-          <a:p>
-            <a:r>
-              <a:rPr lang="ru-RU" baseline="0" dirty="0" smtClean="0"/>
-              <a:t>Угроза – это то что угрожает штатному поведению системы. Угроза может привести к различным проблемам, а может и не привести</a:t>
-            </a:r>
-            <a:r>
-              <a:rPr lang="ru-RU" baseline="0" dirty="0" smtClean="0"/>
-              <a:t>.</a:t>
-            </a:r>
-          </a:p>
-          <a:p>
-            <a:pPr marL="0" marR="0" lvl="0" indent="0" algn="l" defTabSz="1161105" rtl="0" eaLnBrk="1" fontAlgn="auto" latinLnBrk="0" hangingPunct="1">
-              <a:lnSpc>
-                <a:spcPct val="100000"/>
-              </a:lnSpc>
-              <a:spcBef>
-                <a:spcPts val="0"/>
-              </a:spcBef>
-              <a:spcAft>
-                <a:spcPts val="0"/>
-              </a:spcAft>
-              <a:buClrTx/>
-              <a:buSzTx/>
-              <a:buFontTx/>
-              <a:buNone/>
-              <a:tabLst/>
-              <a:defRPr/>
-            </a:pPr>
-            <a:r>
-              <a:rPr lang="ru-RU" baseline="0" dirty="0" smtClean="0"/>
-              <a:t>Тут важно понимать, что угроза может возникнуть из-за того, что на этапе проектирования не учли эту угрозу, так и из-за банального бага в реализации.</a:t>
-            </a:r>
-          </a:p>
-          <a:p>
-            <a:pPr marL="0" marR="0" lvl="0" indent="0" algn="l" defTabSz="1161105" rtl="0" eaLnBrk="1" fontAlgn="auto" latinLnBrk="0" hangingPunct="1">
-              <a:lnSpc>
-                <a:spcPct val="100000"/>
-              </a:lnSpc>
-              <a:spcBef>
-                <a:spcPts val="0"/>
-              </a:spcBef>
-              <a:spcAft>
-                <a:spcPts val="0"/>
-              </a:spcAft>
-              <a:buClrTx/>
-              <a:buSzTx/>
-              <a:buFontTx/>
-              <a:buNone/>
-              <a:tabLst/>
-              <a:defRPr/>
-            </a:pPr>
-            <a:endParaRPr lang="ru-RU" baseline="0" dirty="0" smtClean="0"/>
-          </a:p>
-          <a:p>
-            <a:pPr marL="0" marR="0" lvl="0" indent="0" algn="l" defTabSz="1161105" rtl="0" eaLnBrk="1" fontAlgn="auto" latinLnBrk="0" hangingPunct="1">
-              <a:lnSpc>
-                <a:spcPct val="100000"/>
-              </a:lnSpc>
-              <a:spcBef>
-                <a:spcPts val="0"/>
-              </a:spcBef>
-              <a:spcAft>
-                <a:spcPts val="0"/>
-              </a:spcAft>
-              <a:buClrTx/>
-              <a:buSzTx/>
-              <a:buFontTx/>
-              <a:buNone/>
-              <a:tabLst/>
-              <a:defRPr/>
-            </a:pPr>
-            <a:r>
-              <a:rPr lang="ru-RU" baseline="0" dirty="0" smtClean="0"/>
-              <a:t>Кроме того, одна угроза, сама по себе может не приносить вреда, однако в сочетании с другими угрозами это может перерасти в настоящую уязвимость.</a:t>
-            </a:r>
-          </a:p>
-          <a:p>
-            <a:endParaRPr lang="ru-RU" baseline="0" dirty="0" smtClean="0"/>
-          </a:p>
-          <a:p>
-            <a:r>
-              <a:rPr lang="ru-RU" baseline="0" dirty="0" smtClean="0"/>
-              <a:t>Давайте </a:t>
-            </a:r>
-            <a:r>
-              <a:rPr lang="ru-RU" baseline="0" dirty="0" smtClean="0"/>
-              <a:t>обсудим, какие виды угроз бывают, как они классифицируются</a:t>
-            </a:r>
-            <a:r>
-              <a:rPr lang="ru-RU" baseline="0" dirty="0" smtClean="0"/>
-              <a:t>.</a:t>
-            </a:r>
+              <a:t> есть поле «отправитель», эту информацию можно легко подделать. Если пользователь ответит на такое письмо, то оно будет доставлено злоумышленнику вместо легитимного пользователя.</a:t>
+            </a:r>
+          </a:p>
+          <a:p>
             <a:endParaRPr lang="ru-RU" baseline="0" dirty="0" smtClean="0"/>
           </a:p>
         </p:txBody>
@@ -5063,7 +4751,7 @@
     </p:spTree>
     <p:extLst>
       <p:ext uri="{BB962C8B-B14F-4D97-AF65-F5344CB8AC3E}">
-        <p14:creationId xmlns:p14="http://schemas.microsoft.com/office/powerpoint/2010/main" val="3442518557"/>
+        <p14:creationId xmlns:p14="http://schemas.microsoft.com/office/powerpoint/2010/main" val="1574545940"/>
       </p:ext>
     </p:extLst>
   </p:cSld>
@@ -5119,64 +4807,69 @@
           <a:p>
             <a:r>
               <a:rPr lang="en-US" baseline="0" dirty="0" smtClean="0"/>
-              <a:t>SDL</a:t>
+              <a:t>Tampering</a:t>
             </a:r>
             <a:r>
               <a:rPr lang="ru-RU" baseline="0" dirty="0" smtClean="0"/>
-              <a:t> оперирует 6-ю видами угроз. Их названия формируют акроним </a:t>
+              <a:t> – процесс подмены данных, или же процесс подмены исполняемого файла.</a:t>
+            </a:r>
+          </a:p>
+          <a:p>
+            <a:endParaRPr lang="ru-RU" baseline="0" dirty="0" smtClean="0"/>
+          </a:p>
+          <a:p>
+            <a:r>
+              <a:rPr lang="ru-RU" baseline="0" dirty="0" smtClean="0"/>
+              <a:t>В качестве примера </a:t>
             </a:r>
             <a:r>
               <a:rPr lang="en-US" baseline="0" dirty="0" smtClean="0"/>
-              <a:t>STRIDE.</a:t>
-            </a:r>
-          </a:p>
-          <a:p>
+              <a:t>tampering</a:t>
+            </a:r>
             <a:r>
               <a:rPr lang="ru-RU" baseline="0" dirty="0" smtClean="0"/>
-              <a:t>Вот они здесь перечислены. Давайте по каждой из них пройдемся</a:t>
-            </a:r>
-            <a:endParaRPr lang="en-US" baseline="0" dirty="0" smtClean="0"/>
-          </a:p>
-          <a:p>
-            <a:endParaRPr lang="en-US" baseline="0" dirty="0" smtClean="0"/>
-          </a:p>
-          <a:p>
-            <a:endParaRPr lang="en-US" baseline="0" dirty="0" smtClean="0"/>
+              <a:t> можно рассмотреть опять–же электронную почту.</a:t>
+            </a:r>
           </a:p>
           <a:p>
             <a:r>
               <a:rPr lang="ru-RU" baseline="0" dirty="0" smtClean="0"/>
-              <a:t>В таблице приведены все угрозы с точки зрения </a:t>
+              <a:t>Злоумышленник может перехватить ваше письмо, поменять его содержимое и вы об этом никак не узнаете.</a:t>
+            </a:r>
+          </a:p>
+          <a:p>
+            <a:endParaRPr lang="ru-RU" baseline="0" dirty="0" smtClean="0"/>
+          </a:p>
+          <a:p>
+            <a:r>
+              <a:rPr lang="ru-RU" baseline="0" dirty="0" smtClean="0"/>
+              <a:t>Что важно, </a:t>
             </a:r>
             <a:r>
               <a:rPr lang="en-US" baseline="0" dirty="0" smtClean="0"/>
-              <a:t>SDL</a:t>
+              <a:t>tampering</a:t>
             </a:r>
             <a:r>
               <a:rPr lang="ru-RU" baseline="0" dirty="0" smtClean="0"/>
-              <a:t>, а также необходимые свойства компоненты, позволяющие избежать конкретной угрозы</a:t>
-            </a:r>
+              <a:t>-у подвержены не только данные, но и исполняемые модули:</a:t>
+            </a:r>
+          </a:p>
+          <a:p>
+            <a:endParaRPr lang="ru-RU" baseline="0" dirty="0" smtClean="0"/>
+          </a:p>
+          <a:p>
             <a:r>
               <a:rPr lang="ru-RU" baseline="0" dirty="0" smtClean="0"/>
-              <a:t>.</a:t>
-            </a:r>
-            <a:endParaRPr lang="en-US" baseline="0" dirty="0" smtClean="0"/>
-          </a:p>
-          <a:p>
-            <a:endParaRPr lang="en-US" baseline="0" dirty="0" smtClean="0"/>
-          </a:p>
-          <a:p>
+              <a:t>Например, злоумышленник может подменить приложение, </a:t>
+            </a:r>
+            <a:r>
+              <a:rPr lang="en-US" baseline="0" dirty="0" smtClean="0"/>
+              <a:t>DLL</a:t>
+            </a:r>
             <a:r>
               <a:rPr lang="ru-RU" baseline="0" dirty="0" smtClean="0"/>
-              <a:t>Теперь мы обсудим каждую угрозу более детально</a:t>
-            </a:r>
-            <a:endParaRPr lang="ru-RU" baseline="0" dirty="0" smtClean="0"/>
-          </a:p>
-          <a:p>
-            <a:endParaRPr lang="ru-RU" baseline="0" dirty="0" smtClean="0"/>
-          </a:p>
-          <a:p>
-            <a:endParaRPr lang="ru-RU" baseline="0" dirty="0" smtClean="0"/>
+              <a:t>, скрипт на свой, и если у вашей системы нет проверки целостности, то вы об этом никак не узнаете и запустите зловредное приложение.</a:t>
+            </a:r>
           </a:p>
         </p:txBody>
       </p:sp>
@@ -5207,7 +4900,7 @@
     </p:spTree>
     <p:extLst>
       <p:ext uri="{BB962C8B-B14F-4D97-AF65-F5344CB8AC3E}">
-        <p14:creationId xmlns:p14="http://schemas.microsoft.com/office/powerpoint/2010/main" val="314644239"/>
+        <p14:creationId xmlns:p14="http://schemas.microsoft.com/office/powerpoint/2010/main" val="722600875"/>
       </p:ext>
     </p:extLst>
   </p:cSld>
@@ -5262,16 +4955,61 @@
           <a:lstStyle/>
           <a:p>
             <a:r>
+              <a:rPr lang="en-US" baseline="0" dirty="0" smtClean="0"/>
+              <a:t>Repudiation – </a:t>
+            </a:r>
+            <a:r>
               <a:rPr lang="ru-RU" baseline="0" dirty="0" smtClean="0"/>
-              <a:t>Итак, </a:t>
+              <a:t>это процесс заметания следов.</a:t>
+            </a:r>
+          </a:p>
+          <a:p>
+            <a:endParaRPr lang="ru-RU" baseline="0" dirty="0" smtClean="0"/>
+          </a:p>
+          <a:p>
+            <a:r>
+              <a:rPr lang="ru-RU" baseline="0" dirty="0" smtClean="0"/>
+              <a:t>Например, если данные пользователя были скомпрометированы – например, все знают логин/пароль для входа в какую-нибудь систему.</a:t>
+            </a:r>
+          </a:p>
+          <a:p>
+            <a:r>
+              <a:rPr lang="ru-RU" baseline="0" dirty="0" smtClean="0"/>
+              <a:t>В этом случае, если </a:t>
+            </a:r>
+            <a:r>
+              <a:rPr lang="ru-RU" baseline="0" dirty="0" err="1" smtClean="0"/>
+              <a:t>злоумышленик</a:t>
+            </a:r>
+            <a:r>
+              <a:rPr lang="ru-RU" baseline="0" dirty="0" smtClean="0"/>
+              <a:t> завладеет такими данными, то он сможет выполнить несанкционированные действия, и никто не сможет выяснить, кто же на самом деле осуществил эти действия.</a:t>
+            </a:r>
+          </a:p>
+          <a:p>
+            <a:endParaRPr lang="ru-RU" baseline="0" dirty="0" smtClean="0"/>
+          </a:p>
+          <a:p>
+            <a:endParaRPr lang="ru-RU" baseline="0" dirty="0" smtClean="0"/>
+          </a:p>
+          <a:p>
+            <a:r>
+              <a:rPr lang="ru-RU" baseline="0" dirty="0" smtClean="0"/>
+              <a:t>Кто может еще привести пример </a:t>
             </a:r>
             <a:r>
               <a:rPr lang="en-US" baseline="0" dirty="0" smtClean="0"/>
-              <a:t>spoofing</a:t>
+              <a:t>repudiation</a:t>
             </a:r>
             <a:r>
               <a:rPr lang="ru-RU" baseline="0" dirty="0" smtClean="0"/>
-              <a:t> – процесс подмены пользователя или программы.</a:t>
+              <a:t> – например, у нас есть система, которая фиксирует количество неуспешных попыток логина.</a:t>
+            </a:r>
+          </a:p>
+          <a:p>
+            <a:r>
+              <a:rPr lang="ru-RU" baseline="0" dirty="0" smtClean="0"/>
+              <a:t>Если данная информация (о неуспешных попытках логина) не защищена должным образом, то злоумышленник может удалить всю информацию о неуспешных попытках логина.</a:t>
             </a:r>
           </a:p>
           <a:p>
@@ -5280,61 +5018,8 @@
           <a:p>
             <a:r>
               <a:rPr lang="ru-RU" baseline="0" dirty="0" smtClean="0"/>
-              <a:t>Эта атака возникает в том случае, если нет механизма проверки подлинности (аутентификации).</a:t>
-            </a:r>
-          </a:p>
-          <a:p>
-            <a:endParaRPr lang="ru-RU" baseline="0" dirty="0" smtClean="0"/>
-          </a:p>
-          <a:p>
-            <a:r>
-              <a:rPr lang="ru-RU" baseline="0" dirty="0" smtClean="0"/>
-              <a:t>Например, </a:t>
-            </a:r>
-            <a:r>
-              <a:rPr lang="ru-RU" baseline="0" dirty="0" err="1" smtClean="0"/>
-              <a:t>спуфинг</a:t>
-            </a:r>
-            <a:r>
-              <a:rPr lang="ru-RU" baseline="0" dirty="0" smtClean="0"/>
-              <a:t> </a:t>
-            </a:r>
-            <a:r>
-              <a:rPr lang="en-US" baseline="0" dirty="0" smtClean="0"/>
-              <a:t>e-mail:</a:t>
-            </a:r>
-          </a:p>
-          <a:p>
-            <a:endParaRPr lang="en-US" baseline="0" dirty="0" smtClean="0"/>
-          </a:p>
-          <a:p>
-            <a:r>
-              <a:rPr lang="ru-RU" baseline="0" dirty="0" smtClean="0"/>
-              <a:t>В </a:t>
-            </a:r>
-            <a:r>
-              <a:rPr lang="en-US" baseline="0" dirty="0" smtClean="0"/>
-              <a:t>e-mail</a:t>
-            </a:r>
-            <a:r>
-              <a:rPr lang="ru-RU" baseline="0" dirty="0" smtClean="0"/>
-              <a:t> есть поле «отправитель», эту информацию можно легко подделать. Если пользователь ответит на такое письмо, то оно будет доставлено </a:t>
-            </a:r>
-            <a:r>
-              <a:rPr lang="ru-RU" baseline="0" dirty="0" smtClean="0"/>
-              <a:t>злоумышленнику </a:t>
-            </a:r>
-            <a:r>
-              <a:rPr lang="ru-RU" baseline="0" dirty="0" smtClean="0"/>
-              <a:t>вместо легитимного пользователя</a:t>
-            </a:r>
-            <a:r>
-              <a:rPr lang="ru-RU" baseline="0" dirty="0" smtClean="0"/>
-              <a:t>.</a:t>
-            </a:r>
-          </a:p>
-          <a:p>
-            <a:endParaRPr lang="ru-RU" baseline="0" dirty="0" smtClean="0"/>
+              <a:t>Заметьте, при этом злоумышленник может и не получить доступ к системе, однако информация о неуспешном логине исчезнет.</a:t>
+            </a:r>
           </a:p>
         </p:txBody>
       </p:sp>
@@ -5365,7 +5050,7 @@
     </p:spTree>
     <p:extLst>
       <p:ext uri="{BB962C8B-B14F-4D97-AF65-F5344CB8AC3E}">
-        <p14:creationId xmlns:p14="http://schemas.microsoft.com/office/powerpoint/2010/main" val="1574545940"/>
+        <p14:creationId xmlns:p14="http://schemas.microsoft.com/office/powerpoint/2010/main" val="30538106"/>
       </p:ext>
     </p:extLst>
   </p:cSld>
@@ -28069,11 +27754,11 @@
                   <a:srgbClr val="C00000"/>
                 </a:solidFill>
               </a:rPr>
-              <a:t>Tampering</a:t>
+              <a:t>Information disclosure</a:t>
             </a:r>
             <a:r>
               <a:rPr lang="en-US" dirty="0" smtClean="0"/>
-              <a:t> - integrity</a:t>
+              <a:t> - confidentiality</a:t>
             </a:r>
             <a:endParaRPr lang="ru-RU" dirty="0"/>
           </a:p>
@@ -28117,7 +27802,7 @@
             </a:pPr>
             <a:r>
               <a:rPr lang="ru-RU" sz="2800" dirty="0" smtClean="0"/>
-              <a:t>Несанкционированный процесс изменения (разрушения) данных или программы.</a:t>
+              <a:t>Несанкционированное раскрытие информации</a:t>
             </a:r>
             <a:endParaRPr lang="ru-RU" sz="2800" dirty="0"/>
           </a:p>
@@ -28126,7 +27811,7 @@
     </p:spTree>
     <p:extLst>
       <p:ext uri="{BB962C8B-B14F-4D97-AF65-F5344CB8AC3E}">
-        <p14:creationId xmlns:p14="http://schemas.microsoft.com/office/powerpoint/2010/main" val="3285988337"/>
+        <p14:creationId xmlns:p14="http://schemas.microsoft.com/office/powerpoint/2010/main" val="1407972076"/>
       </p:ext>
     </p:extLst>
   </p:cSld>
@@ -28181,11 +27866,11 @@
                   <a:srgbClr val="C00000"/>
                 </a:solidFill>
               </a:rPr>
-              <a:t>Repudiation</a:t>
+              <a:t>Denial of service</a:t>
             </a:r>
             <a:r>
               <a:rPr lang="en-US" dirty="0" smtClean="0"/>
-              <a:t> – non-repudiation</a:t>
+              <a:t> - availability</a:t>
             </a:r>
             <a:endParaRPr lang="ru-RU" dirty="0"/>
           </a:p>
@@ -28229,7 +27914,7 @@
             </a:pPr>
             <a:r>
               <a:rPr lang="ru-RU" sz="2800" dirty="0" smtClean="0"/>
-              <a:t>Заметание следов (запутывание).</a:t>
+              <a:t>Отказ в обслуживании</a:t>
             </a:r>
             <a:endParaRPr lang="ru-RU" sz="2800" dirty="0"/>
           </a:p>
@@ -28238,7 +27923,7 @@
     </p:spTree>
     <p:extLst>
       <p:ext uri="{BB962C8B-B14F-4D97-AF65-F5344CB8AC3E}">
-        <p14:creationId xmlns:p14="http://schemas.microsoft.com/office/powerpoint/2010/main" val="2530193212"/>
+        <p14:creationId xmlns:p14="http://schemas.microsoft.com/office/powerpoint/2010/main" val="2019271087"/>
       </p:ext>
     </p:extLst>
   </p:cSld>
@@ -28288,25 +27973,40 @@
           <a:lstStyle/>
           <a:p>
             <a:r>
-              <a:rPr lang="en-US" dirty="0" smtClean="0">
+              <a:rPr lang="en-US" sz="2800" dirty="0" smtClean="0">
                 <a:solidFill>
                   <a:srgbClr val="C00000"/>
                 </a:solidFill>
               </a:rPr>
-              <a:t>Information </a:t>
-            </a:r>
-            <a:r>
-              <a:rPr lang="en-US" dirty="0" smtClean="0">
+              <a:t>Elevation </a:t>
+            </a:r>
+            <a:r>
+              <a:rPr lang="en-US" sz="2800" dirty="0">
                 <a:solidFill>
                   <a:srgbClr val="C00000"/>
                 </a:solidFill>
               </a:rPr>
-              <a:t>disclosure</a:t>
-            </a:r>
-            <a:r>
-              <a:rPr lang="en-US" dirty="0" smtClean="0"/>
-              <a:t> - confidentiality</a:t>
-            </a:r>
+              <a:t>of </a:t>
+            </a:r>
+            <a:r>
+              <a:rPr lang="en-US" sz="2800" dirty="0" smtClean="0">
+                <a:solidFill>
+                  <a:srgbClr val="C00000"/>
+                </a:solidFill>
+              </a:rPr>
+              <a:t>Privilege</a:t>
+            </a:r>
+            <a:r>
+              <a:rPr lang="en-US" sz="2800" dirty="0" smtClean="0"/>
+              <a:t> - authorization</a:t>
+            </a:r>
+            <a:r>
+              <a:rPr lang="ru-RU" sz="2800" dirty="0"/>
+              <a:t/>
+            </a:r>
+            <a:br>
+              <a:rPr lang="ru-RU" sz="2800" dirty="0"/>
+            </a:br>
             <a:endParaRPr lang="ru-RU" dirty="0"/>
           </a:p>
         </p:txBody>
@@ -28349,7 +28049,7 @@
             </a:pPr>
             <a:r>
               <a:rPr lang="ru-RU" sz="2800" dirty="0" smtClean="0"/>
-              <a:t>Несанкционированное раскрытие информации</a:t>
+              <a:t>Несанкционированное получение привилегий</a:t>
             </a:r>
             <a:endParaRPr lang="ru-RU" sz="2800" dirty="0"/>
           </a:p>
@@ -28358,7 +28058,7 @@
     </p:spTree>
     <p:extLst>
       <p:ext uri="{BB962C8B-B14F-4D97-AF65-F5344CB8AC3E}">
-        <p14:creationId xmlns:p14="http://schemas.microsoft.com/office/powerpoint/2010/main" val="1407972076"/>
+        <p14:creationId xmlns:p14="http://schemas.microsoft.com/office/powerpoint/2010/main" val="345684248"/>
       </p:ext>
     </p:extLst>
   </p:cSld>
@@ -28408,24 +28108,8 @@
           <a:lstStyle/>
           <a:p>
             <a:r>
-              <a:rPr lang="en-US" dirty="0" smtClean="0">
-                <a:solidFill>
-                  <a:srgbClr val="C00000"/>
-                </a:solidFill>
-              </a:rPr>
-              <a:t>Denial of </a:t>
-            </a:r>
-            <a:r>
-              <a:rPr lang="en-US" dirty="0" smtClean="0">
-                <a:solidFill>
-                  <a:srgbClr val="C00000"/>
-                </a:solidFill>
-              </a:rPr>
-              <a:t>service</a:t>
-            </a:r>
-            <a:r>
               <a:rPr lang="en-US" dirty="0" smtClean="0"/>
-              <a:t> - availability</a:t>
+              <a:t>Threat modelling</a:t>
             </a:r>
             <a:endParaRPr lang="ru-RU" dirty="0"/>
           </a:p>
@@ -28433,7 +28117,7 @@
       </p:sp>
       <p:sp>
         <p:nvSpPr>
-          <p:cNvPr id="6" name="Content Placeholder 5"/>
+          <p:cNvPr id="3" name="Объект 2"/>
           <p:cNvSpPr>
             <a:spLocks noGrp="1"/>
           </p:cNvSpPr>
@@ -28441,44 +28125,53 @@
             <p:ph sz="quarter" idx="12"/>
           </p:nvPr>
         </p:nvSpPr>
-        <p:spPr/>
+        <p:spPr>
+          <a:xfrm>
+            <a:off x="357441" y="1167481"/>
+            <a:ext cx="8426450" cy="3492501"/>
+          </a:xfrm>
+        </p:spPr>
         <p:txBody>
           <a:bodyPr/>
           <a:lstStyle/>
           <a:p>
-            <a:pPr marL="0" indent="0" algn="ctr">
-              <a:buNone/>
-            </a:pPr>
+            <a:r>
+              <a:rPr lang="ru-RU" sz="2400" dirty="0" smtClean="0"/>
+              <a:t>Идентифицировать угрозы</a:t>
+            </a:r>
+          </a:p>
+          <a:p>
+            <a:endParaRPr lang="ru-RU" sz="2400" dirty="0"/>
+          </a:p>
+          <a:p>
+            <a:r>
+              <a:rPr lang="ru-RU" sz="2400" dirty="0"/>
+              <a:t>Составить список </a:t>
+            </a:r>
+            <a:r>
+              <a:rPr lang="ru-RU" sz="2400" dirty="0" smtClean="0"/>
+              <a:t>угроз</a:t>
+            </a:r>
+          </a:p>
+          <a:p>
+            <a:endParaRPr lang="ru-RU" sz="2400" dirty="0"/>
+          </a:p>
+          <a:p>
+            <a:r>
+              <a:rPr lang="ru-RU" sz="2400" dirty="0" smtClean="0"/>
+              <a:t>Упорядочить угрозы согласно приоритета</a:t>
+            </a:r>
+            <a:endParaRPr lang="ru-RU" sz="2400" dirty="0"/>
+          </a:p>
+          <a:p>
             <a:endParaRPr lang="ru-RU" sz="1800" dirty="0" smtClean="0"/>
-          </a:p>
-          <a:p>
-            <a:pPr marL="0" indent="0" algn="ctr">
-              <a:buNone/>
-            </a:pPr>
-            <a:endParaRPr lang="ru-RU" sz="1800" dirty="0" smtClean="0"/>
-          </a:p>
-          <a:p>
-            <a:pPr marL="0" indent="0" algn="ctr">
-              <a:buNone/>
-            </a:pPr>
-            <a:endParaRPr lang="ru-RU" sz="1800" dirty="0" smtClean="0"/>
-          </a:p>
-          <a:p>
-            <a:pPr marL="0" indent="0" algn="ctr">
-              <a:buNone/>
-            </a:pPr>
-            <a:r>
-              <a:rPr lang="ru-RU" sz="2800" dirty="0" smtClean="0"/>
-              <a:t>Отказ в обслуживании</a:t>
-            </a:r>
-            <a:endParaRPr lang="ru-RU" sz="2800" dirty="0"/>
           </a:p>
         </p:txBody>
       </p:sp>
     </p:spTree>
     <p:extLst>
       <p:ext uri="{BB962C8B-B14F-4D97-AF65-F5344CB8AC3E}">
-        <p14:creationId xmlns:p14="http://schemas.microsoft.com/office/powerpoint/2010/main" val="2019271087"/>
+        <p14:creationId xmlns:p14="http://schemas.microsoft.com/office/powerpoint/2010/main" val="3539263801"/>
       </p:ext>
     </p:extLst>
   </p:cSld>
@@ -28514,254 +28207,6 @@
       </p:grpSpPr>
       <p:sp>
         <p:nvSpPr>
-          <p:cNvPr id="2" name="Заголовок 1"/>
-          <p:cNvSpPr>
-            <a:spLocks noGrp="1"/>
-          </p:cNvSpPr>
-          <p:nvPr>
-            <p:ph type="title"/>
-          </p:nvPr>
-        </p:nvSpPr>
-        <p:spPr/>
-        <p:txBody>
-          <a:bodyPr/>
-          <a:lstStyle/>
-          <a:p>
-            <a:r>
-              <a:rPr lang="en-US" sz="2800" dirty="0" smtClean="0">
-                <a:solidFill>
-                  <a:srgbClr val="C00000"/>
-                </a:solidFill>
-              </a:rPr>
-              <a:t>Elevation </a:t>
-            </a:r>
-            <a:r>
-              <a:rPr lang="en-US" sz="2800" dirty="0">
-                <a:solidFill>
-                  <a:srgbClr val="C00000"/>
-                </a:solidFill>
-              </a:rPr>
-              <a:t>of </a:t>
-            </a:r>
-            <a:r>
-              <a:rPr lang="en-US" sz="2800" dirty="0" smtClean="0">
-                <a:solidFill>
-                  <a:srgbClr val="C00000"/>
-                </a:solidFill>
-              </a:rPr>
-              <a:t>Privilege</a:t>
-            </a:r>
-            <a:r>
-              <a:rPr lang="en-US" sz="2800" dirty="0" smtClean="0"/>
-              <a:t> - authorization</a:t>
-            </a:r>
-            <a:r>
-              <a:rPr lang="ru-RU" sz="2800" dirty="0"/>
-              <a:t/>
-            </a:r>
-            <a:br>
-              <a:rPr lang="ru-RU" sz="2800" dirty="0"/>
-            </a:br>
-            <a:endParaRPr lang="ru-RU" dirty="0"/>
-          </a:p>
-        </p:txBody>
-      </p:sp>
-      <p:sp>
-        <p:nvSpPr>
-          <p:cNvPr id="6" name="Content Placeholder 5"/>
-          <p:cNvSpPr>
-            <a:spLocks noGrp="1"/>
-          </p:cNvSpPr>
-          <p:nvPr>
-            <p:ph sz="quarter" idx="12"/>
-          </p:nvPr>
-        </p:nvSpPr>
-        <p:spPr/>
-        <p:txBody>
-          <a:bodyPr/>
-          <a:lstStyle/>
-          <a:p>
-            <a:pPr marL="0" indent="0" algn="ctr">
-              <a:buNone/>
-            </a:pPr>
-            <a:endParaRPr lang="ru-RU" sz="1800" dirty="0" smtClean="0"/>
-          </a:p>
-          <a:p>
-            <a:pPr marL="0" indent="0" algn="ctr">
-              <a:buNone/>
-            </a:pPr>
-            <a:endParaRPr lang="ru-RU" sz="1800" dirty="0" smtClean="0"/>
-          </a:p>
-          <a:p>
-            <a:pPr marL="0" indent="0" algn="ctr">
-              <a:buNone/>
-            </a:pPr>
-            <a:endParaRPr lang="ru-RU" sz="1800" dirty="0" smtClean="0"/>
-          </a:p>
-          <a:p>
-            <a:pPr marL="0" indent="0" algn="ctr">
-              <a:buNone/>
-            </a:pPr>
-            <a:r>
-              <a:rPr lang="ru-RU" sz="2800" dirty="0" smtClean="0"/>
-              <a:t>Несанкционированное получение привилегий</a:t>
-            </a:r>
-            <a:endParaRPr lang="ru-RU" sz="2800" dirty="0"/>
-          </a:p>
-        </p:txBody>
-      </p:sp>
-    </p:spTree>
-    <p:extLst>
-      <p:ext uri="{BB962C8B-B14F-4D97-AF65-F5344CB8AC3E}">
-        <p14:creationId xmlns:p14="http://schemas.microsoft.com/office/powerpoint/2010/main" val="345684248"/>
-      </p:ext>
-    </p:extLst>
-  </p:cSld>
-  <p:clrMapOvr>
-    <a:masterClrMapping/>
-  </p:clrMapOvr>
-  <p:timing>
-    <p:tnLst>
-      <p:par>
-        <p:cTn id="1" dur="indefinite" restart="never" nodeType="tmRoot"/>
-      </p:par>
-    </p:tnLst>
-  </p:timing>
-</p:sld>
-</file>
-
-<file path=ppt/slides/slide15.xml><?xml version="1.0" encoding="utf-8"?>
-<p:sld xmlns:a="http://schemas.openxmlformats.org/drawingml/2006/main" xmlns:r="http://schemas.openxmlformats.org/officeDocument/2006/relationships" xmlns:p="http://schemas.openxmlformats.org/presentationml/2006/main">
-  <p:cSld>
-    <p:spTree>
-      <p:nvGrpSpPr>
-        <p:cNvPr id="1" name=""/>
-        <p:cNvGrpSpPr/>
-        <p:nvPr/>
-      </p:nvGrpSpPr>
-      <p:grpSpPr>
-        <a:xfrm>
-          <a:off x="0" y="0"/>
-          <a:ext cx="0" cy="0"/>
-          <a:chOff x="0" y="0"/>
-          <a:chExt cx="0" cy="0"/>
-        </a:xfrm>
-      </p:grpSpPr>
-      <p:sp>
-        <p:nvSpPr>
-          <p:cNvPr id="2" name="Заголовок 1"/>
-          <p:cNvSpPr>
-            <a:spLocks noGrp="1"/>
-          </p:cNvSpPr>
-          <p:nvPr>
-            <p:ph type="title"/>
-          </p:nvPr>
-        </p:nvSpPr>
-        <p:spPr/>
-        <p:txBody>
-          <a:bodyPr/>
-          <a:lstStyle/>
-          <a:p>
-            <a:r>
-              <a:rPr lang="en-US" dirty="0" smtClean="0"/>
-              <a:t>Threat modelling</a:t>
-            </a:r>
-            <a:endParaRPr lang="ru-RU" dirty="0"/>
-          </a:p>
-        </p:txBody>
-      </p:sp>
-      <p:sp>
-        <p:nvSpPr>
-          <p:cNvPr id="3" name="Объект 2"/>
-          <p:cNvSpPr>
-            <a:spLocks noGrp="1"/>
-          </p:cNvSpPr>
-          <p:nvPr>
-            <p:ph sz="quarter" idx="12"/>
-          </p:nvPr>
-        </p:nvSpPr>
-        <p:spPr>
-          <a:xfrm>
-            <a:off x="357441" y="1167481"/>
-            <a:ext cx="8426450" cy="3492501"/>
-          </a:xfrm>
-        </p:spPr>
-        <p:txBody>
-          <a:bodyPr/>
-          <a:lstStyle/>
-          <a:p>
-            <a:r>
-              <a:rPr lang="ru-RU" sz="2400" dirty="0" smtClean="0"/>
-              <a:t>Идентифицировать угрозы</a:t>
-            </a:r>
-          </a:p>
-          <a:p>
-            <a:endParaRPr lang="ru-RU" sz="2400" dirty="0"/>
-          </a:p>
-          <a:p>
-            <a:r>
-              <a:rPr lang="ru-RU" sz="2400" dirty="0"/>
-              <a:t>Составить список </a:t>
-            </a:r>
-            <a:r>
-              <a:rPr lang="ru-RU" sz="2400" dirty="0" smtClean="0"/>
-              <a:t>угроз</a:t>
-            </a:r>
-          </a:p>
-          <a:p>
-            <a:endParaRPr lang="ru-RU" sz="2400" dirty="0"/>
-          </a:p>
-          <a:p>
-            <a:r>
-              <a:rPr lang="ru-RU" sz="2400" dirty="0" smtClean="0"/>
-              <a:t>Упорядочить угрозы согласно приоритета</a:t>
-            </a:r>
-            <a:endParaRPr lang="ru-RU" sz="2400" dirty="0"/>
-          </a:p>
-          <a:p>
-            <a:endParaRPr lang="ru-RU" sz="1800" dirty="0" smtClean="0"/>
-          </a:p>
-        </p:txBody>
-      </p:sp>
-    </p:spTree>
-    <p:extLst>
-      <p:ext uri="{BB962C8B-B14F-4D97-AF65-F5344CB8AC3E}">
-        <p14:creationId xmlns:p14="http://schemas.microsoft.com/office/powerpoint/2010/main" val="3539263801"/>
-      </p:ext>
-    </p:extLst>
-  </p:cSld>
-  <p:clrMapOvr>
-    <a:masterClrMapping/>
-  </p:clrMapOvr>
-  <p:timing>
-    <p:tnLst>
-      <p:par>
-        <p:cTn id="1" dur="indefinite" restart="never" nodeType="tmRoot"/>
-      </p:par>
-    </p:tnLst>
-  </p:timing>
-</p:sld>
-</file>
-
-<file path=ppt/slides/slide16.xml><?xml version="1.0" encoding="utf-8"?>
-<p:sld xmlns:a="http://schemas.openxmlformats.org/drawingml/2006/main" xmlns:r="http://schemas.openxmlformats.org/officeDocument/2006/relationships" xmlns:p="http://schemas.openxmlformats.org/presentationml/2006/main">
-  <p:cSld>
-    <p:spTree>
-      <p:nvGrpSpPr>
-        <p:cNvPr id="1" name=""/>
-        <p:cNvGrpSpPr/>
-        <p:nvPr/>
-      </p:nvGrpSpPr>
-      <p:grpSpPr>
-        <a:xfrm>
-          <a:off x="0" y="0"/>
-          <a:ext cx="0" cy="0"/>
-          <a:chOff x="0" y="0"/>
-          <a:chExt cx="0" cy="0"/>
-        </a:xfrm>
-      </p:grpSpPr>
-      <p:sp>
-        <p:nvSpPr>
           <p:cNvPr id="2" name="Текст 1"/>
           <p:cNvSpPr>
             <a:spLocks noGrp="1"/>
@@ -28823,7 +28268,7 @@
 </p:sld>
 </file>
 
-<file path=ppt/slides/slide17.xml><?xml version="1.0" encoding="utf-8"?>
+<file path=ppt/slides/slide15.xml><?xml version="1.0" encoding="utf-8"?>
 <p:sld xmlns:a="http://schemas.openxmlformats.org/drawingml/2006/main" xmlns:r="http://schemas.openxmlformats.org/officeDocument/2006/relationships" xmlns:p="http://schemas.openxmlformats.org/presentationml/2006/main">
   <p:cSld>
     <p:spTree>
@@ -29444,7 +28889,7 @@
 </p:sld>
 </file>
 
-<file path=ppt/slides/slide18.xml><?xml version="1.0" encoding="utf-8"?>
+<file path=ppt/slides/slide16.xml><?xml version="1.0" encoding="utf-8"?>
 <p:sld xmlns:a="http://schemas.openxmlformats.org/drawingml/2006/main" xmlns:r="http://schemas.openxmlformats.org/officeDocument/2006/relationships" xmlns:p="http://schemas.openxmlformats.org/presentationml/2006/main">
   <p:cSld>
     <p:spTree>
@@ -29529,7 +28974,7 @@
 </p:sld>
 </file>
 
-<file path=ppt/slides/slide19.xml><?xml version="1.0" encoding="utf-8"?>
+<file path=ppt/slides/slide17.xml><?xml version="1.0" encoding="utf-8"?>
 <p:sld xmlns:a="http://schemas.openxmlformats.org/drawingml/2006/main" xmlns:r="http://schemas.openxmlformats.org/officeDocument/2006/relationships" xmlns:p="http://schemas.openxmlformats.org/presentationml/2006/main">
   <p:cSld>
     <p:spTree>
@@ -30145,115 +29590,7 @@
 </p:sld>
 </file>
 
-<file path=ppt/slides/slide2.xml><?xml version="1.0" encoding="utf-8"?>
-<p:sld xmlns:a="http://schemas.openxmlformats.org/drawingml/2006/main" xmlns:r="http://schemas.openxmlformats.org/officeDocument/2006/relationships" xmlns:p="http://schemas.openxmlformats.org/presentationml/2006/main">
-  <p:cSld>
-    <p:spTree>
-      <p:nvGrpSpPr>
-        <p:cNvPr id="1" name=""/>
-        <p:cNvGrpSpPr/>
-        <p:nvPr/>
-      </p:nvGrpSpPr>
-      <p:grpSpPr>
-        <a:xfrm>
-          <a:off x="0" y="0"/>
-          <a:ext cx="0" cy="0"/>
-          <a:chOff x="0" y="0"/>
-          <a:chExt cx="0" cy="0"/>
-        </a:xfrm>
-      </p:grpSpPr>
-      <p:sp>
-        <p:nvSpPr>
-          <p:cNvPr id="2" name="Заголовок 1"/>
-          <p:cNvSpPr>
-            <a:spLocks noGrp="1"/>
-          </p:cNvSpPr>
-          <p:nvPr>
-            <p:ph type="title"/>
-          </p:nvPr>
-        </p:nvSpPr>
-        <p:spPr/>
-        <p:txBody>
-          <a:bodyPr/>
-          <a:lstStyle/>
-          <a:p>
-            <a:r>
-              <a:rPr lang="en-US" dirty="0"/>
-              <a:t>agenda</a:t>
-            </a:r>
-            <a:endParaRPr lang="ru-RU" dirty="0"/>
-          </a:p>
-        </p:txBody>
-      </p:sp>
-      <p:sp>
-        <p:nvSpPr>
-          <p:cNvPr id="3" name="Объект 2"/>
-          <p:cNvSpPr>
-            <a:spLocks noGrp="1"/>
-          </p:cNvSpPr>
-          <p:nvPr>
-            <p:ph sz="quarter" idx="12"/>
-          </p:nvPr>
-        </p:nvSpPr>
-        <p:spPr/>
-        <p:txBody>
-          <a:bodyPr/>
-          <a:lstStyle/>
-          <a:p>
-            <a:endParaRPr lang="ru-RU" sz="2400" dirty="0" smtClean="0"/>
-          </a:p>
-          <a:p>
-            <a:r>
-              <a:rPr lang="ru-RU" sz="2400" dirty="0" smtClean="0"/>
-              <a:t>Теоретическая часть</a:t>
-            </a:r>
-            <a:endParaRPr lang="ru-RU" sz="2400" dirty="0"/>
-          </a:p>
-          <a:p>
-            <a:endParaRPr lang="ru-RU" sz="2400" dirty="0" smtClean="0"/>
-          </a:p>
-          <a:p>
-            <a:endParaRPr lang="ru-RU" sz="2400" dirty="0"/>
-          </a:p>
-          <a:p>
-            <a:r>
-              <a:rPr lang="ru-RU" sz="2400" dirty="0" smtClean="0"/>
-              <a:t>Практическая часть</a:t>
-            </a:r>
-            <a:endParaRPr lang="ru-RU" sz="2400" dirty="0"/>
-          </a:p>
-          <a:p>
-            <a:endParaRPr lang="ru-RU" sz="2400" dirty="0"/>
-          </a:p>
-          <a:p>
-            <a:endParaRPr lang="en-US" sz="2400" dirty="0"/>
-          </a:p>
-          <a:p>
-            <a:endParaRPr lang="ru-RU" sz="3200" dirty="0"/>
-          </a:p>
-        </p:txBody>
-      </p:sp>
-    </p:spTree>
-    <p:extLst>
-      <p:ext uri="{BB962C8B-B14F-4D97-AF65-F5344CB8AC3E}">
-        <p14:creationId xmlns:p14="http://schemas.microsoft.com/office/powerpoint/2010/main" val="2637384618"/>
-      </p:ext>
-    </p:extLst>
-  </p:cSld>
-  <p:clrMapOvr>
-    <a:masterClrMapping/>
-  </p:clrMapOvr>
-  <p:timing>
-    <p:tnLst>
-      <p:par>
-        <p:cTn id="1" dur="indefinite" restart="never" nodeType="tmRoot"/>
-      </p:par>
-    </p:tnLst>
-  </p:timing>
-</p:sld>
-</file>
-
-<file path=ppt/slides/slide20.xml><?xml version="1.0" encoding="utf-8"?>
+<file path=ppt/slides/slide18.xml><?xml version="1.0" encoding="utf-8"?>
 <p:sld xmlns:a="http://schemas.openxmlformats.org/drawingml/2006/main" xmlns:r="http://schemas.openxmlformats.org/officeDocument/2006/relationships" xmlns:p="http://schemas.openxmlformats.org/presentationml/2006/main">
   <p:cSld>
     <p:spTree>
@@ -30333,7 +29670,7 @@
 </p:sld>
 </file>
 
-<file path=ppt/slides/slide21.xml><?xml version="1.0" encoding="utf-8"?>
+<file path=ppt/slides/slide19.xml><?xml version="1.0" encoding="utf-8"?>
 <p:sld xmlns:a="http://schemas.openxmlformats.org/drawingml/2006/main" xmlns:r="http://schemas.openxmlformats.org/officeDocument/2006/relationships" xmlns:p="http://schemas.openxmlformats.org/presentationml/2006/main">
   <p:cSld>
     <p:spTree>
@@ -30665,7 +30002,115 @@
 </p:sld>
 </file>
 
-<file path=ppt/slides/slide22.xml><?xml version="1.0" encoding="utf-8"?>
+<file path=ppt/slides/slide2.xml><?xml version="1.0" encoding="utf-8"?>
+<p:sld xmlns:a="http://schemas.openxmlformats.org/drawingml/2006/main" xmlns:r="http://schemas.openxmlformats.org/officeDocument/2006/relationships" xmlns:p="http://schemas.openxmlformats.org/presentationml/2006/main">
+  <p:cSld>
+    <p:spTree>
+      <p:nvGrpSpPr>
+        <p:cNvPr id="1" name=""/>
+        <p:cNvGrpSpPr/>
+        <p:nvPr/>
+      </p:nvGrpSpPr>
+      <p:grpSpPr>
+        <a:xfrm>
+          <a:off x="0" y="0"/>
+          <a:ext cx="0" cy="0"/>
+          <a:chOff x="0" y="0"/>
+          <a:chExt cx="0" cy="0"/>
+        </a:xfrm>
+      </p:grpSpPr>
+      <p:sp>
+        <p:nvSpPr>
+          <p:cNvPr id="2" name="Заголовок 1"/>
+          <p:cNvSpPr>
+            <a:spLocks noGrp="1"/>
+          </p:cNvSpPr>
+          <p:nvPr>
+            <p:ph type="title"/>
+          </p:nvPr>
+        </p:nvSpPr>
+        <p:spPr/>
+        <p:txBody>
+          <a:bodyPr/>
+          <a:lstStyle/>
+          <a:p>
+            <a:r>
+              <a:rPr lang="en-US" dirty="0"/>
+              <a:t>agenda</a:t>
+            </a:r>
+            <a:endParaRPr lang="ru-RU" dirty="0"/>
+          </a:p>
+        </p:txBody>
+      </p:sp>
+      <p:sp>
+        <p:nvSpPr>
+          <p:cNvPr id="3" name="Объект 2"/>
+          <p:cNvSpPr>
+            <a:spLocks noGrp="1"/>
+          </p:cNvSpPr>
+          <p:nvPr>
+            <p:ph sz="quarter" idx="12"/>
+          </p:nvPr>
+        </p:nvSpPr>
+        <p:spPr/>
+        <p:txBody>
+          <a:bodyPr/>
+          <a:lstStyle/>
+          <a:p>
+            <a:endParaRPr lang="ru-RU" sz="2400" dirty="0" smtClean="0"/>
+          </a:p>
+          <a:p>
+            <a:r>
+              <a:rPr lang="ru-RU" sz="2400" dirty="0" smtClean="0"/>
+              <a:t>Теоретическая часть</a:t>
+            </a:r>
+            <a:endParaRPr lang="ru-RU" sz="2400" dirty="0"/>
+          </a:p>
+          <a:p>
+            <a:endParaRPr lang="ru-RU" sz="2400" dirty="0" smtClean="0"/>
+          </a:p>
+          <a:p>
+            <a:endParaRPr lang="ru-RU" sz="2400" dirty="0"/>
+          </a:p>
+          <a:p>
+            <a:r>
+              <a:rPr lang="ru-RU" sz="2400" dirty="0" smtClean="0"/>
+              <a:t>Практическая часть</a:t>
+            </a:r>
+            <a:endParaRPr lang="ru-RU" sz="2400" dirty="0"/>
+          </a:p>
+          <a:p>
+            <a:endParaRPr lang="ru-RU" sz="2400" dirty="0"/>
+          </a:p>
+          <a:p>
+            <a:endParaRPr lang="en-US" sz="2400" dirty="0"/>
+          </a:p>
+          <a:p>
+            <a:endParaRPr lang="ru-RU" sz="3200" dirty="0"/>
+          </a:p>
+        </p:txBody>
+      </p:sp>
+    </p:spTree>
+    <p:extLst>
+      <p:ext uri="{BB962C8B-B14F-4D97-AF65-F5344CB8AC3E}">
+        <p14:creationId xmlns:p14="http://schemas.microsoft.com/office/powerpoint/2010/main" val="2637384618"/>
+      </p:ext>
+    </p:extLst>
+  </p:cSld>
+  <p:clrMapOvr>
+    <a:masterClrMapping/>
+  </p:clrMapOvr>
+  <p:timing>
+    <p:tnLst>
+      <p:par>
+        <p:cTn id="1" dur="indefinite" restart="never" nodeType="tmRoot"/>
+      </p:par>
+    </p:tnLst>
+  </p:timing>
+</p:sld>
+</file>
+
+<file path=ppt/slides/slide20.xml><?xml version="1.0" encoding="utf-8"?>
 <p:sld xmlns:a="http://schemas.openxmlformats.org/drawingml/2006/main" xmlns:r="http://schemas.openxmlformats.org/officeDocument/2006/relationships" xmlns:p="http://schemas.openxmlformats.org/presentationml/2006/main">
   <p:cSld>
     <p:spTree>
@@ -30840,7 +30285,7 @@
 </p:sld>
 </file>
 
-<file path=ppt/slides/slide23.xml><?xml version="1.0" encoding="utf-8"?>
+<file path=ppt/slides/slide21.xml><?xml version="1.0" encoding="utf-8"?>
 <p:sld xmlns:a="http://schemas.openxmlformats.org/drawingml/2006/main" xmlns:r="http://schemas.openxmlformats.org/officeDocument/2006/relationships" xmlns:p="http://schemas.openxmlformats.org/presentationml/2006/main">
   <p:cSld>
     <p:spTree>
@@ -30976,7 +30421,7 @@
 </p:sld>
 </file>
 
-<file path=ppt/slides/slide24.xml><?xml version="1.0" encoding="utf-8"?>
+<file path=ppt/slides/slide22.xml><?xml version="1.0" encoding="utf-8"?>
 <p:sld xmlns:a="http://schemas.openxmlformats.org/drawingml/2006/main" xmlns:r="http://schemas.openxmlformats.org/officeDocument/2006/relationships" xmlns:p="http://schemas.openxmlformats.org/presentationml/2006/main">
   <p:cSld>
     <p:spTree>
@@ -31340,7 +30785,7 @@
 </p:sld>
 </file>
 
-<file path=ppt/slides/slide25.xml><?xml version="1.0" encoding="utf-8"?>
+<file path=ppt/slides/slide23.xml><?xml version="1.0" encoding="utf-8"?>
 <p:sld xmlns:a="http://schemas.openxmlformats.org/drawingml/2006/main" xmlns:r="http://schemas.openxmlformats.org/officeDocument/2006/relationships" xmlns:p="http://schemas.openxmlformats.org/presentationml/2006/main">
   <p:cSld>
     <p:spTree>
@@ -31956,7 +31401,7 @@
 </p:sld>
 </file>
 
-<file path=ppt/slides/slide26.xml><?xml version="1.0" encoding="utf-8"?>
+<file path=ppt/slides/slide24.xml><?xml version="1.0" encoding="utf-8"?>
 <p:sld xmlns:a="http://schemas.openxmlformats.org/drawingml/2006/main" xmlns:r="http://schemas.openxmlformats.org/officeDocument/2006/relationships" xmlns:p="http://schemas.openxmlformats.org/presentationml/2006/main">
   <p:cSld>
     <p:spTree>
@@ -32567,7 +32012,7 @@
 </p:sld>
 </file>
 
-<file path=ppt/slides/slide27.xml><?xml version="1.0" encoding="utf-8"?>
+<file path=ppt/slides/slide25.xml><?xml version="1.0" encoding="utf-8"?>
 <p:sld xmlns:a="http://schemas.openxmlformats.org/drawingml/2006/main" xmlns:r="http://schemas.openxmlformats.org/officeDocument/2006/relationships" xmlns:p="http://schemas.openxmlformats.org/presentationml/2006/main">
   <p:cSld>
     <p:spTree>
@@ -33146,7 +32591,11 @@
           <a:bodyPr/>
           <a:lstStyle/>
           <a:p>
-            <a:endParaRPr lang="ru-RU"/>
+            <a:r>
+              <a:rPr lang="en-US" sz="2400" dirty="0" smtClean="0"/>
+              <a:t>Threat modelling</a:t>
+            </a:r>
+            <a:endParaRPr lang="ru-RU" sz="2400" dirty="0"/>
           </a:p>
         </p:txBody>
       </p:sp>
@@ -33227,193 +32676,20 @@
           <a:lstStyle/>
           <a:p>
             <a:r>
-              <a:rPr lang="ru-RU" dirty="0" smtClean="0"/>
-              <a:t>Что такое </a:t>
-            </a:r>
-            <a:r>
               <a:rPr lang="en-US" dirty="0" smtClean="0"/>
-              <a:t>SDL</a:t>
-            </a:r>
-            <a:endParaRPr lang="ru-RU" dirty="0"/>
-          </a:p>
-        </p:txBody>
-      </p:sp>
-      <p:sp>
-        <p:nvSpPr>
-          <p:cNvPr id="3" name="Content Placeholder 2"/>
-          <p:cNvSpPr>
-            <a:spLocks noGrp="1"/>
-          </p:cNvSpPr>
-          <p:nvPr>
-            <p:ph sz="quarter" idx="12"/>
-          </p:nvPr>
-        </p:nvSpPr>
-        <p:spPr/>
-        <p:txBody>
-          <a:bodyPr/>
-          <a:lstStyle/>
-          <a:p>
-            <a:r>
-              <a:rPr lang="en-US" sz="3200" dirty="0" smtClean="0"/>
-              <a:t>Threat modelling</a:t>
-            </a:r>
-          </a:p>
-          <a:p>
-            <a:endParaRPr lang="en-US" sz="3200" dirty="0" smtClean="0"/>
-          </a:p>
-          <a:p>
-            <a:r>
-              <a:rPr lang="en-US" sz="3200" dirty="0" smtClean="0"/>
-              <a:t>Data flow diagrams</a:t>
-            </a:r>
-          </a:p>
-          <a:p>
-            <a:endParaRPr lang="en-US" sz="3200" dirty="0" smtClean="0"/>
-          </a:p>
-          <a:p>
-            <a:r>
-              <a:rPr lang="en-US" sz="3200" dirty="0" smtClean="0"/>
-              <a:t>Threat mitigations</a:t>
-            </a:r>
-            <a:endParaRPr lang="ru-RU" sz="3200" dirty="0"/>
-          </a:p>
-        </p:txBody>
-      </p:sp>
-    </p:spTree>
-    <p:extLst>
-      <p:ext uri="{BB962C8B-B14F-4D97-AF65-F5344CB8AC3E}">
-        <p14:creationId xmlns:p14="http://schemas.microsoft.com/office/powerpoint/2010/main" val="4097155139"/>
-      </p:ext>
-    </p:extLst>
-  </p:cSld>
-  <p:clrMapOvr>
-    <a:masterClrMapping/>
-  </p:clrMapOvr>
-  <p:timing>
-    <p:tnLst>
-      <p:par>
-        <p:cTn id="1" dur="indefinite" restart="never" nodeType="tmRoot"/>
-      </p:par>
-    </p:tnLst>
-  </p:timing>
-</p:sld>
-</file>
-
-<file path=ppt/slides/slide7.xml><?xml version="1.0" encoding="utf-8"?>
-<p:sld xmlns:a="http://schemas.openxmlformats.org/drawingml/2006/main" xmlns:r="http://schemas.openxmlformats.org/officeDocument/2006/relationships" xmlns:p="http://schemas.openxmlformats.org/presentationml/2006/main">
-  <p:cSld>
-    <p:spTree>
-      <p:nvGrpSpPr>
-        <p:cNvPr id="1" name=""/>
-        <p:cNvGrpSpPr/>
-        <p:nvPr/>
-      </p:nvGrpSpPr>
-      <p:grpSpPr>
-        <a:xfrm>
-          <a:off x="0" y="0"/>
-          <a:ext cx="0" cy="0"/>
-          <a:chOff x="0" y="0"/>
-          <a:chExt cx="0" cy="0"/>
-        </a:xfrm>
-      </p:grpSpPr>
-      <p:sp>
-        <p:nvSpPr>
-          <p:cNvPr id="2" name="Текст 1"/>
-          <p:cNvSpPr>
-            <a:spLocks noGrp="1"/>
-          </p:cNvSpPr>
-          <p:nvPr>
-            <p:ph type="body" sz="quarter" idx="12"/>
-          </p:nvPr>
-        </p:nvSpPr>
-        <p:spPr/>
-        <p:txBody>
-          <a:bodyPr/>
-          <a:lstStyle/>
-          <a:p>
-            <a:endParaRPr lang="ru-RU"/>
-          </a:p>
-        </p:txBody>
-      </p:sp>
-      <p:sp>
-        <p:nvSpPr>
-          <p:cNvPr id="3" name="Текст 2"/>
-          <p:cNvSpPr>
-            <a:spLocks noGrp="1"/>
-          </p:cNvSpPr>
-          <p:nvPr>
-            <p:ph type="body" sz="quarter" idx="14"/>
-          </p:nvPr>
-        </p:nvSpPr>
-        <p:spPr/>
-        <p:txBody>
-          <a:bodyPr/>
-          <a:lstStyle/>
-          <a:p>
-            <a:pPr algn="ctr"/>
+              <a:t>Threat types (</a:t>
+            </a:r>
+            <a:r>
+              <a:rPr lang="en-US" dirty="0" smtClean="0">
+                <a:solidFill>
+                  <a:srgbClr val="C00000"/>
+                </a:solidFill>
+              </a:rPr>
+              <a:t>STRIDE</a:t>
+            </a:r>
             <a:r>
               <a:rPr lang="en-US" dirty="0" smtClean="0"/>
-              <a:t>Threat modelling</a:t>
-            </a:r>
-            <a:endParaRPr lang="ru-RU" dirty="0"/>
-          </a:p>
-        </p:txBody>
-      </p:sp>
-    </p:spTree>
-    <p:extLst>
-      <p:ext uri="{BB962C8B-B14F-4D97-AF65-F5344CB8AC3E}">
-        <p14:creationId xmlns:p14="http://schemas.microsoft.com/office/powerpoint/2010/main" val="2545113818"/>
-      </p:ext>
-    </p:extLst>
-  </p:cSld>
-  <p:clrMapOvr>
-    <a:masterClrMapping/>
-  </p:clrMapOvr>
-  <p:timing>
-    <p:tnLst>
-      <p:par>
-        <p:cTn id="1" dur="indefinite" restart="never" nodeType="tmRoot"/>
-      </p:par>
-    </p:tnLst>
-  </p:timing>
-</p:sld>
-</file>
-
-<file path=ppt/slides/slide8.xml><?xml version="1.0" encoding="utf-8"?>
-<p:sld xmlns:a="http://schemas.openxmlformats.org/drawingml/2006/main" xmlns:r="http://schemas.openxmlformats.org/officeDocument/2006/relationships" xmlns:p="http://schemas.openxmlformats.org/presentationml/2006/main">
-  <p:cSld>
-    <p:spTree>
-      <p:nvGrpSpPr>
-        <p:cNvPr id="1" name=""/>
-        <p:cNvGrpSpPr/>
-        <p:nvPr/>
-      </p:nvGrpSpPr>
-      <p:grpSpPr>
-        <a:xfrm>
-          <a:off x="0" y="0"/>
-          <a:ext cx="0" cy="0"/>
-          <a:chOff x="0" y="0"/>
-          <a:chExt cx="0" cy="0"/>
-        </a:xfrm>
-      </p:grpSpPr>
-      <p:sp>
-        <p:nvSpPr>
-          <p:cNvPr id="2" name="Заголовок 1"/>
-          <p:cNvSpPr>
-            <a:spLocks noGrp="1"/>
-          </p:cNvSpPr>
-          <p:nvPr>
-            <p:ph type="title"/>
-          </p:nvPr>
-        </p:nvSpPr>
-        <p:spPr/>
-        <p:txBody>
-          <a:bodyPr/>
-          <a:lstStyle/>
-          <a:p>
-            <a:r>
-              <a:rPr lang="en-US" dirty="0" smtClean="0"/>
-              <a:t>STRIDE</a:t>
+              <a:t>)</a:t>
             </a:r>
             <a:endParaRPr lang="ru-RU" dirty="0"/>
           </a:p>
@@ -33747,6 +33023,234 @@
 </p:sld>
 </file>
 
+<file path=ppt/slides/slide7.xml><?xml version="1.0" encoding="utf-8"?>
+<p:sld xmlns:a="http://schemas.openxmlformats.org/drawingml/2006/main" xmlns:r="http://schemas.openxmlformats.org/officeDocument/2006/relationships" xmlns:p="http://schemas.openxmlformats.org/presentationml/2006/main">
+  <p:cSld>
+    <p:spTree>
+      <p:nvGrpSpPr>
+        <p:cNvPr id="1" name=""/>
+        <p:cNvGrpSpPr/>
+        <p:nvPr/>
+      </p:nvGrpSpPr>
+      <p:grpSpPr>
+        <a:xfrm>
+          <a:off x="0" y="0"/>
+          <a:ext cx="0" cy="0"/>
+          <a:chOff x="0" y="0"/>
+          <a:chExt cx="0" cy="0"/>
+        </a:xfrm>
+      </p:grpSpPr>
+      <p:sp>
+        <p:nvSpPr>
+          <p:cNvPr id="2" name="Заголовок 1"/>
+          <p:cNvSpPr>
+            <a:spLocks noGrp="1"/>
+          </p:cNvSpPr>
+          <p:nvPr>
+            <p:ph type="title"/>
+          </p:nvPr>
+        </p:nvSpPr>
+        <p:spPr/>
+        <p:txBody>
+          <a:bodyPr/>
+          <a:lstStyle/>
+          <a:p>
+            <a:r>
+              <a:rPr lang="en-US" dirty="0" smtClean="0">
+                <a:solidFill>
+                  <a:srgbClr val="C00000"/>
+                </a:solidFill>
+              </a:rPr>
+              <a:t>Spoofing</a:t>
+            </a:r>
+            <a:r>
+              <a:rPr lang="ru-RU" dirty="0" smtClean="0"/>
+              <a:t> - </a:t>
+            </a:r>
+            <a:r>
+              <a:rPr lang="en-US" dirty="0" smtClean="0"/>
+              <a:t>authentication</a:t>
+            </a:r>
+            <a:endParaRPr lang="ru-RU" dirty="0"/>
+          </a:p>
+        </p:txBody>
+      </p:sp>
+      <p:sp>
+        <p:nvSpPr>
+          <p:cNvPr id="6" name="Content Placeholder 5"/>
+          <p:cNvSpPr>
+            <a:spLocks noGrp="1"/>
+          </p:cNvSpPr>
+          <p:nvPr>
+            <p:ph sz="quarter" idx="12"/>
+          </p:nvPr>
+        </p:nvSpPr>
+        <p:spPr/>
+        <p:txBody>
+          <a:bodyPr/>
+          <a:lstStyle/>
+          <a:p>
+            <a:pPr marL="0" indent="0" algn="ctr">
+              <a:buNone/>
+            </a:pPr>
+            <a:endParaRPr lang="ru-RU" sz="1800" dirty="0" smtClean="0"/>
+          </a:p>
+          <a:p>
+            <a:pPr marL="0" indent="0" algn="ctr">
+              <a:buNone/>
+            </a:pPr>
+            <a:endParaRPr lang="ru-RU" sz="1800" dirty="0" smtClean="0"/>
+          </a:p>
+          <a:p>
+            <a:pPr marL="0" indent="0" algn="ctr">
+              <a:buNone/>
+            </a:pPr>
+            <a:endParaRPr lang="ru-RU" sz="1800" dirty="0" smtClean="0"/>
+          </a:p>
+          <a:p>
+            <a:pPr marL="0" indent="0" algn="ctr">
+              <a:buNone/>
+            </a:pPr>
+            <a:r>
+              <a:rPr lang="ru-RU" sz="2800" dirty="0" smtClean="0"/>
+              <a:t>Процесс маскировки (подмены) пользователя или программы под другую</a:t>
+            </a:r>
+            <a:endParaRPr lang="ru-RU" sz="2800" dirty="0"/>
+          </a:p>
+        </p:txBody>
+      </p:sp>
+    </p:spTree>
+    <p:extLst>
+      <p:ext uri="{BB962C8B-B14F-4D97-AF65-F5344CB8AC3E}">
+        <p14:creationId xmlns:p14="http://schemas.microsoft.com/office/powerpoint/2010/main" val="4220539737"/>
+      </p:ext>
+    </p:extLst>
+  </p:cSld>
+  <p:clrMapOvr>
+    <a:masterClrMapping/>
+  </p:clrMapOvr>
+  <p:timing>
+    <p:tnLst>
+      <p:par>
+        <p:cTn id="1" dur="indefinite" restart="never" nodeType="tmRoot"/>
+      </p:par>
+    </p:tnLst>
+  </p:timing>
+</p:sld>
+</file>
+
+<file path=ppt/slides/slide8.xml><?xml version="1.0" encoding="utf-8"?>
+<p:sld xmlns:a="http://schemas.openxmlformats.org/drawingml/2006/main" xmlns:r="http://schemas.openxmlformats.org/officeDocument/2006/relationships" xmlns:p="http://schemas.openxmlformats.org/presentationml/2006/main">
+  <p:cSld>
+    <p:spTree>
+      <p:nvGrpSpPr>
+        <p:cNvPr id="1" name=""/>
+        <p:cNvGrpSpPr/>
+        <p:nvPr/>
+      </p:nvGrpSpPr>
+      <p:grpSpPr>
+        <a:xfrm>
+          <a:off x="0" y="0"/>
+          <a:ext cx="0" cy="0"/>
+          <a:chOff x="0" y="0"/>
+          <a:chExt cx="0" cy="0"/>
+        </a:xfrm>
+      </p:grpSpPr>
+      <p:sp>
+        <p:nvSpPr>
+          <p:cNvPr id="2" name="Заголовок 1"/>
+          <p:cNvSpPr>
+            <a:spLocks noGrp="1"/>
+          </p:cNvSpPr>
+          <p:nvPr>
+            <p:ph type="title"/>
+          </p:nvPr>
+        </p:nvSpPr>
+        <p:spPr/>
+        <p:txBody>
+          <a:bodyPr/>
+          <a:lstStyle/>
+          <a:p>
+            <a:r>
+              <a:rPr lang="en-US" dirty="0" smtClean="0">
+                <a:solidFill>
+                  <a:srgbClr val="C00000"/>
+                </a:solidFill>
+              </a:rPr>
+              <a:t>Tampering</a:t>
+            </a:r>
+            <a:r>
+              <a:rPr lang="en-US" dirty="0" smtClean="0"/>
+              <a:t> - integrity</a:t>
+            </a:r>
+            <a:endParaRPr lang="ru-RU" dirty="0"/>
+          </a:p>
+        </p:txBody>
+      </p:sp>
+      <p:sp>
+        <p:nvSpPr>
+          <p:cNvPr id="6" name="Content Placeholder 5"/>
+          <p:cNvSpPr>
+            <a:spLocks noGrp="1"/>
+          </p:cNvSpPr>
+          <p:nvPr>
+            <p:ph sz="quarter" idx="12"/>
+          </p:nvPr>
+        </p:nvSpPr>
+        <p:spPr/>
+        <p:txBody>
+          <a:bodyPr/>
+          <a:lstStyle/>
+          <a:p>
+            <a:pPr marL="0" indent="0" algn="ctr">
+              <a:buNone/>
+            </a:pPr>
+            <a:endParaRPr lang="ru-RU" sz="1800" dirty="0" smtClean="0"/>
+          </a:p>
+          <a:p>
+            <a:pPr marL="0" indent="0" algn="ctr">
+              <a:buNone/>
+            </a:pPr>
+            <a:endParaRPr lang="ru-RU" sz="1800" dirty="0" smtClean="0"/>
+          </a:p>
+          <a:p>
+            <a:pPr marL="0" indent="0" algn="ctr">
+              <a:buNone/>
+            </a:pPr>
+            <a:endParaRPr lang="ru-RU" sz="1800" dirty="0" smtClean="0"/>
+          </a:p>
+          <a:p>
+            <a:pPr marL="0" indent="0" algn="ctr">
+              <a:buNone/>
+            </a:pPr>
+            <a:r>
+              <a:rPr lang="ru-RU" sz="2800" dirty="0" smtClean="0"/>
+              <a:t>Несанкционированный процесс изменения (разрушения) данных или программы.</a:t>
+            </a:r>
+            <a:endParaRPr lang="ru-RU" sz="2800" dirty="0"/>
+          </a:p>
+        </p:txBody>
+      </p:sp>
+    </p:spTree>
+    <p:extLst>
+      <p:ext uri="{BB962C8B-B14F-4D97-AF65-F5344CB8AC3E}">
+        <p14:creationId xmlns:p14="http://schemas.microsoft.com/office/powerpoint/2010/main" val="3285988337"/>
+      </p:ext>
+    </p:extLst>
+  </p:cSld>
+  <p:clrMapOvr>
+    <a:masterClrMapping/>
+  </p:clrMapOvr>
+  <p:timing>
+    <p:tnLst>
+      <p:par>
+        <p:cTn id="1" dur="indefinite" restart="never" nodeType="tmRoot"/>
+      </p:par>
+    </p:tnLst>
+  </p:timing>
+</p:sld>
+</file>
+
 <file path=ppt/slides/slide9.xml><?xml version="1.0" encoding="utf-8"?>
 <p:sld xmlns:a="http://schemas.openxmlformats.org/drawingml/2006/main" xmlns:r="http://schemas.openxmlformats.org/officeDocument/2006/relationships" xmlns:p="http://schemas.openxmlformats.org/presentationml/2006/main">
   <p:cSld>
@@ -33785,15 +33289,11 @@
                   <a:srgbClr val="C00000"/>
                 </a:solidFill>
               </a:rPr>
-              <a:t>Spoofing</a:t>
-            </a:r>
-            <a:r>
-              <a:rPr lang="ru-RU" dirty="0" smtClean="0"/>
-              <a:t> - </a:t>
+              <a:t>Repudiation</a:t>
             </a:r>
             <a:r>
               <a:rPr lang="en-US" dirty="0" smtClean="0"/>
-              <a:t>authentication</a:t>
+              <a:t> – non-repudiation</a:t>
             </a:r>
             <a:endParaRPr lang="ru-RU" dirty="0"/>
           </a:p>
@@ -33837,7 +33337,7 @@
             </a:pPr>
             <a:r>
               <a:rPr lang="ru-RU" sz="2800" dirty="0" smtClean="0"/>
-              <a:t>Процесс маскировки (подмены) пользователя или программы под другую</a:t>
+              <a:t>Заметание следов (запутывание).</a:t>
             </a:r>
             <a:endParaRPr lang="ru-RU" sz="2800" dirty="0"/>
           </a:p>
@@ -33846,7 +33346,7 @@
     </p:spTree>
     <p:extLst>
       <p:ext uri="{BB962C8B-B14F-4D97-AF65-F5344CB8AC3E}">
-        <p14:creationId xmlns:p14="http://schemas.microsoft.com/office/powerpoint/2010/main" val="4220539737"/>
+        <p14:creationId xmlns:p14="http://schemas.microsoft.com/office/powerpoint/2010/main" val="2530193212"/>
       </p:ext>
     </p:extLst>
   </p:cSld>
@@ -35005,12 +34505,15 @@
 </file>
 
 <file path=customXml/item1.xml><?xml version="1.0" encoding="utf-8"?>
-<?mso-contentType ?>
-<FormTemplates xmlns="http://schemas.microsoft.com/sharepoint/v3/contenttype/forms">
-  <Display>DocumentLibraryForm</Display>
-  <Edit>DocumentLibraryForm</Edit>
-  <New>DocumentLibraryForm</New>
-</FormTemplates>
+<p:properties xmlns:p="http://schemas.microsoft.com/office/2006/metadata/properties" xmlns:xsi="http://www.w3.org/2001/XMLSchema-instance" xmlns:pc="http://schemas.microsoft.com/office/infopath/2007/PartnerControls">
+  <documentManagement>
+    <Preview xmlns="8a09c138-3bb3-4bc6-a8a7-2afac9fb1b96">https://intranet.kaspersky.com/PublishingImages/Brand_Central/16x9.jpg, </Preview>
+    <Link xmlns="8a09c138-3bb3-4bc6-a8a7-2afac9fb1b96">
+      <Url xsi:nil="true"/>
+      <Description xsi:nil="true"/>
+    </Link>
+  </documentManagement>
+</p:properties>
 </file>
 
 <file path=customXml/item2.xml><?xml version="1.0" encoding="utf-8"?>
@@ -35153,21 +34656,26 @@
 </file>
 
 <file path=customXml/item3.xml><?xml version="1.0" encoding="utf-8"?>
-<p:properties xmlns:p="http://schemas.microsoft.com/office/2006/metadata/properties" xmlns:xsi="http://www.w3.org/2001/XMLSchema-instance" xmlns:pc="http://schemas.microsoft.com/office/infopath/2007/PartnerControls">
-  <documentManagement>
-    <Preview xmlns="8a09c138-3bb3-4bc6-a8a7-2afac9fb1b96">https://intranet.kaspersky.com/PublishingImages/Brand_Central/16x9.jpg, </Preview>
-    <Link xmlns="8a09c138-3bb3-4bc6-a8a7-2afac9fb1b96">
-      <Url xsi:nil="true"/>
-      <Description xsi:nil="true"/>
-    </Link>
-  </documentManagement>
-</p:properties>
+<?mso-contentType ?>
+<FormTemplates xmlns="http://schemas.microsoft.com/sharepoint/v3/contenttype/forms">
+  <Display>DocumentLibraryForm</Display>
+  <Edit>DocumentLibraryForm</Edit>
+  <New>DocumentLibraryForm</New>
+</FormTemplates>
 </file>
 
 <file path=customXml/itemProps1.xml><?xml version="1.0" encoding="utf-8"?>
-<ds:datastoreItem xmlns:ds="http://schemas.openxmlformats.org/officeDocument/2006/customXml" ds:itemID="{A9684E87-8FA4-4297-8378-8D5D3320CC30}">
+<ds:datastoreItem xmlns:ds="http://schemas.openxmlformats.org/officeDocument/2006/customXml" ds:itemID="{3235EFE6-ED36-44A8-992E-657AFD707955}">
   <ds:schemaRefs>
-    <ds:schemaRef ds:uri="http://schemas.microsoft.com/sharepoint/v3/contenttype/forms"/>
+    <ds:schemaRef ds:uri="http://purl.org/dc/elements/1.1/"/>
+    <ds:schemaRef ds:uri="http://schemas.microsoft.com/office/2006/metadata/properties"/>
+    <ds:schemaRef ds:uri="http://schemas.openxmlformats.org/package/2006/metadata/core-properties"/>
+    <ds:schemaRef ds:uri="8a09c138-3bb3-4bc6-a8a7-2afac9fb1b96"/>
+    <ds:schemaRef ds:uri="http://schemas.microsoft.com/office/infopath/2007/PartnerControls"/>
+    <ds:schemaRef ds:uri="http://purl.org/dc/terms/"/>
+    <ds:schemaRef ds:uri="http://schemas.microsoft.com/office/2006/documentManagement/types"/>
+    <ds:schemaRef ds:uri="http://www.w3.org/XML/1998/namespace"/>
+    <ds:schemaRef ds:uri="http://purl.org/dc/dcmitype/"/>
   </ds:schemaRefs>
 </ds:datastoreItem>
 </file>
@@ -35191,17 +34699,9 @@
 </file>
 
 <file path=customXml/itemProps3.xml><?xml version="1.0" encoding="utf-8"?>
-<ds:datastoreItem xmlns:ds="http://schemas.openxmlformats.org/officeDocument/2006/customXml" ds:itemID="{3235EFE6-ED36-44A8-992E-657AFD707955}">
+<ds:datastoreItem xmlns:ds="http://schemas.openxmlformats.org/officeDocument/2006/customXml" ds:itemID="{A9684E87-8FA4-4297-8378-8D5D3320CC30}">
   <ds:schemaRefs>
-    <ds:schemaRef ds:uri="http://purl.org/dc/elements/1.1/"/>
-    <ds:schemaRef ds:uri="http://schemas.microsoft.com/office/2006/metadata/properties"/>
-    <ds:schemaRef ds:uri="http://schemas.openxmlformats.org/package/2006/metadata/core-properties"/>
-    <ds:schemaRef ds:uri="8a09c138-3bb3-4bc6-a8a7-2afac9fb1b96"/>
-    <ds:schemaRef ds:uri="http://schemas.microsoft.com/office/infopath/2007/PartnerControls"/>
-    <ds:schemaRef ds:uri="http://purl.org/dc/terms/"/>
-    <ds:schemaRef ds:uri="http://schemas.microsoft.com/office/2006/documentManagement/types"/>
-    <ds:schemaRef ds:uri="http://www.w3.org/XML/1998/namespace"/>
-    <ds:schemaRef ds:uri="http://purl.org/dc/dcmitype/"/>
+    <ds:schemaRef ds:uri="http://schemas.microsoft.com/sharepoint/v3/contenttype/forms"/>
   </ds:schemaRefs>
 </ds:datastoreItem>
 </file>
--- a/nsu_31_01_2017/31.01.2017_kutumov.pptx
+++ b/nsu_31_01_2017/31.01.2017_kutumov.pptx
@@ -6,42 +6,45 @@
     <p:sldMasterId id="2147483708" r:id="rId5"/>
   </p:sldMasterIdLst>
   <p:notesMasterIdLst>
-    <p:notesMasterId r:id="rId31"/>
+    <p:notesMasterId r:id="rId34"/>
   </p:notesMasterIdLst>
   <p:handoutMasterIdLst>
-    <p:handoutMasterId r:id="rId32"/>
+    <p:handoutMasterId r:id="rId35"/>
   </p:handoutMasterIdLst>
   <p:sldIdLst>
     <p:sldId id="256" r:id="rId6"/>
     <p:sldId id="268" r:id="rId7"/>
     <p:sldId id="292" r:id="rId8"/>
     <p:sldId id="323" r:id="rId9"/>
-    <p:sldId id="328" r:id="rId10"/>
-    <p:sldId id="331" r:id="rId11"/>
-    <p:sldId id="336" r:id="rId12"/>
-    <p:sldId id="337" r:id="rId13"/>
-    <p:sldId id="338" r:id="rId14"/>
-    <p:sldId id="339" r:id="rId15"/>
-    <p:sldId id="340" r:id="rId16"/>
-    <p:sldId id="341" r:id="rId17"/>
-    <p:sldId id="335" r:id="rId18"/>
-    <p:sldId id="342" r:id="rId19"/>
-    <p:sldId id="343" r:id="rId20"/>
-    <p:sldId id="345" r:id="rId21"/>
-    <p:sldId id="346" r:id="rId22"/>
-    <p:sldId id="352" r:id="rId23"/>
-    <p:sldId id="350" r:id="rId24"/>
-    <p:sldId id="267" r:id="rId25"/>
-    <p:sldId id="353" r:id="rId26"/>
-    <p:sldId id="347" r:id="rId27"/>
-    <p:sldId id="349" r:id="rId28"/>
-    <p:sldId id="348" r:id="rId29"/>
-    <p:sldId id="351" r:id="rId30"/>
+    <p:sldId id="354" r:id="rId10"/>
+    <p:sldId id="328" r:id="rId11"/>
+    <p:sldId id="355" r:id="rId12"/>
+    <p:sldId id="356" r:id="rId13"/>
+    <p:sldId id="331" r:id="rId14"/>
+    <p:sldId id="336" r:id="rId15"/>
+    <p:sldId id="337" r:id="rId16"/>
+    <p:sldId id="338" r:id="rId17"/>
+    <p:sldId id="339" r:id="rId18"/>
+    <p:sldId id="340" r:id="rId19"/>
+    <p:sldId id="341" r:id="rId20"/>
+    <p:sldId id="335" r:id="rId21"/>
+    <p:sldId id="342" r:id="rId22"/>
+    <p:sldId id="343" r:id="rId23"/>
+    <p:sldId id="345" r:id="rId24"/>
+    <p:sldId id="346" r:id="rId25"/>
+    <p:sldId id="352" r:id="rId26"/>
+    <p:sldId id="350" r:id="rId27"/>
+    <p:sldId id="267" r:id="rId28"/>
+    <p:sldId id="353" r:id="rId29"/>
+    <p:sldId id="347" r:id="rId30"/>
+    <p:sldId id="349" r:id="rId31"/>
+    <p:sldId id="348" r:id="rId32"/>
+    <p:sldId id="351" r:id="rId33"/>
   </p:sldIdLst>
   <p:sldSz cx="9144000" cy="5143500" type="screen16x9"/>
   <p:notesSz cx="6669088" cy="9926638"/>
   <p:custDataLst>
-    <p:tags r:id="rId33"/>
+    <p:tags r:id="rId36"/>
   </p:custDataLst>
   <p:defaultTextStyle>
     <a:defPPr>
@@ -299,7 +302,7 @@
                 <a:latin typeface="Arial" panose="020B0604020202020204" pitchFamily="34" charset="0"/>
               </a:rPr>
               <a:pPr/>
-              <a:t>24.01.2017</a:t>
+              <a:t>25.01.2017</a:t>
             </a:fld>
             <a:endParaRPr lang="ru-RU" dirty="0">
               <a:latin typeface="Arial" panose="020B0604020202020204" pitchFamily="34" charset="0"/>
@@ -478,7 +481,7 @@
             <a:fld id="{416DF00E-BD98-4EFE-81A4-2D9C0739E2F3}" type="datetimeFigureOut">
               <a:rPr lang="ru-RU" smtClean="0"/>
               <a:pPr/>
-              <a:t>24.01.2017</a:t>
+              <a:t>25.01.2017</a:t>
             </a:fld>
             <a:endParaRPr lang="ru-RU" dirty="0"/>
           </a:p>
@@ -912,81 +915,69 @@
           <a:lstStyle/>
           <a:p>
             <a:r>
+              <a:rPr lang="ru-RU" baseline="0" dirty="0" smtClean="0"/>
+              <a:t>Итак, </a:t>
+            </a:r>
+            <a:r>
               <a:rPr lang="en-US" baseline="0" dirty="0" smtClean="0"/>
-              <a:t>Information disclosure – </a:t>
+              <a:t>spoofing</a:t>
             </a:r>
             <a:r>
               <a:rPr lang="ru-RU" baseline="0" dirty="0" smtClean="0"/>
-              <a:t>это несанкционированное раскрытие данных.</a:t>
+              <a:t> – процесс подмены пользователя или программы.</a:t>
             </a:r>
           </a:p>
           <a:p>
             <a:endParaRPr lang="ru-RU" baseline="0" dirty="0" smtClean="0"/>
           </a:p>
           <a:p>
+            <a:r>
+              <a:rPr lang="ru-RU" baseline="0" dirty="0" smtClean="0"/>
+              <a:t>Эта атака возникает в том случае, если нет механизма проверки подлинности (аутентификации).</a:t>
+            </a:r>
+          </a:p>
+          <a:p>
             <a:endParaRPr lang="ru-RU" baseline="0" dirty="0" smtClean="0"/>
           </a:p>
           <a:p>
             <a:r>
               <a:rPr lang="ru-RU" baseline="0" dirty="0" smtClean="0"/>
-              <a:t>Тут можно придумать несколько примеров:</a:t>
-            </a:r>
-          </a:p>
-          <a:p>
+              <a:t>Например, </a:t>
+            </a:r>
+            <a:r>
+              <a:rPr lang="ru-RU" baseline="0" dirty="0" err="1" smtClean="0"/>
+              <a:t>спуфинг</a:t>
+            </a:r>
+            <a:r>
+              <a:rPr lang="ru-RU" baseline="0" dirty="0" smtClean="0"/>
+              <a:t> </a:t>
+            </a:r>
+            <a:r>
+              <a:rPr lang="en-US" baseline="0" dirty="0" smtClean="0"/>
+              <a:t>e-mail:</a:t>
+            </a:r>
+          </a:p>
+          <a:p>
+            <a:endParaRPr lang="en-US" baseline="0" dirty="0" smtClean="0"/>
+          </a:p>
+          <a:p>
+            <a:r>
+              <a:rPr lang="ru-RU" baseline="0" dirty="0" smtClean="0"/>
+              <a:t>В </a:t>
+            </a:r>
+            <a:r>
+              <a:rPr lang="en-US" baseline="0" dirty="0" smtClean="0"/>
+              <a:t>e-mail</a:t>
+            </a:r>
+            <a:r>
+              <a:rPr lang="ru-RU" baseline="0" dirty="0" smtClean="0"/>
+              <a:t> есть поле «отправитель», эту информацию можно легко подделать. </a:t>
+            </a:r>
+            <a:r>
+              <a:rPr lang="ru-RU" baseline="0" dirty="0" smtClean="0"/>
+              <a:t>Пользователь будет считать, что письмо получено от легитимного пользователя, а не от злоумышленника.</a:t>
+            </a:r>
             <a:endParaRPr lang="ru-RU" baseline="0" dirty="0" smtClean="0"/>
-          </a:p>
-          <a:p>
-            <a:r>
-              <a:rPr lang="ru-RU" baseline="0" dirty="0" smtClean="0"/>
-              <a:t>Например, вы передаете секретную информацию в открытом виде по незащищенному каналу – например </a:t>
-            </a:r>
-            <a:r>
-              <a:rPr lang="en-US" baseline="0" dirty="0" smtClean="0"/>
-              <a:t>http.</a:t>
-            </a:r>
-            <a:r>
-              <a:rPr lang="ru-RU" baseline="0" dirty="0" smtClean="0"/>
-              <a:t> В этом случае злоумышленник с помощью обычного </a:t>
-            </a:r>
-            <a:r>
-              <a:rPr lang="ru-RU" baseline="0" dirty="0" err="1" smtClean="0"/>
-              <a:t>снифера</a:t>
-            </a:r>
-            <a:r>
-              <a:rPr lang="ru-RU" baseline="0" dirty="0" smtClean="0"/>
-              <a:t> пакетов может получить всю вашу информацию.</a:t>
-            </a:r>
-          </a:p>
-          <a:p>
-            <a:endParaRPr lang="ru-RU" baseline="0" dirty="0" smtClean="0"/>
-          </a:p>
-          <a:p>
-            <a:r>
-              <a:rPr lang="ru-RU" baseline="0" dirty="0" smtClean="0"/>
-              <a:t>Какие еще есть варианты несанкционированного раскрытия информации?</a:t>
-            </a:r>
-          </a:p>
-          <a:p>
-            <a:endParaRPr lang="ru-RU" baseline="0" dirty="0" smtClean="0"/>
-          </a:p>
-          <a:p>
-            <a:r>
-              <a:rPr lang="ru-RU" baseline="0" dirty="0" smtClean="0"/>
-              <a:t>Например, отладочная печать. Программист для целей отладки включил печать логина и пароля на экран.</a:t>
-            </a:r>
-          </a:p>
-          <a:p>
-            <a:endParaRPr lang="ru-RU" baseline="0" dirty="0" smtClean="0"/>
-          </a:p>
-          <a:p>
-            <a:r>
-              <a:rPr lang="ru-RU" baseline="0" dirty="0" smtClean="0"/>
-              <a:t>Вот вам и угроза.</a:t>
-            </a:r>
-            <a:endParaRPr lang="en-US" baseline="0" dirty="0" smtClean="0"/>
-          </a:p>
-          <a:p>
-            <a:endParaRPr lang="en-US" baseline="0" dirty="0" smtClean="0"/>
           </a:p>
           <a:p>
             <a:endParaRPr lang="ru-RU" baseline="0" dirty="0" smtClean="0"/>
@@ -1020,7 +1011,7 @@
     </p:spTree>
     <p:extLst>
       <p:ext uri="{BB962C8B-B14F-4D97-AF65-F5344CB8AC3E}">
-        <p14:creationId xmlns:p14="http://schemas.microsoft.com/office/powerpoint/2010/main" val="2529652527"/>
+        <p14:creationId xmlns:p14="http://schemas.microsoft.com/office/powerpoint/2010/main" val="1574545940"/>
       </p:ext>
     </p:extLst>
   </p:cSld>
@@ -1075,8 +1066,12 @@
           <a:lstStyle/>
           <a:p>
             <a:r>
+              <a:rPr lang="en-US" baseline="0" dirty="0" smtClean="0"/>
+              <a:t>Tampering</a:t>
+            </a:r>
+            <a:r>
               <a:rPr lang="ru-RU" baseline="0" dirty="0" smtClean="0"/>
-              <a:t>Вариант «отказ в обслуживании» наверное, самый простой.</a:t>
+              <a:t> – процесс подмены данных, или же процесс подмены исполняемого файла.</a:t>
             </a:r>
           </a:p>
           <a:p>
@@ -1085,23 +1080,38 @@
           <a:p>
             <a:r>
               <a:rPr lang="ru-RU" baseline="0" dirty="0" smtClean="0"/>
-              <a:t>Все наверняка слышали о </a:t>
-            </a:r>
-            <a:r>
-              <a:rPr lang="en-US" baseline="0" dirty="0" err="1" smtClean="0"/>
-              <a:t>DoS</a:t>
+              <a:t>В качестве примера </a:t>
+            </a:r>
+            <a:r>
+              <a:rPr lang="en-US" baseline="0" dirty="0" smtClean="0"/>
+              <a:t>tampering</a:t>
             </a:r>
             <a:r>
               <a:rPr lang="ru-RU" baseline="0" dirty="0" smtClean="0"/>
-              <a:t> атаках и </a:t>
+              <a:t> можно рассмотреть опять–же электронную почту.</a:t>
+            </a:r>
+          </a:p>
+          <a:p>
+            <a:r>
+              <a:rPr lang="ru-RU" baseline="0" dirty="0" smtClean="0"/>
+              <a:t>Злоумышленник может перехватить ваше письмо, поменять его содержимое и вы об этом никак не узнаете.</a:t>
+            </a:r>
+          </a:p>
+          <a:p>
+            <a:endParaRPr lang="ru-RU" baseline="0" dirty="0" smtClean="0"/>
+          </a:p>
+          <a:p>
+            <a:r>
+              <a:rPr lang="ru-RU" baseline="0" dirty="0" smtClean="0"/>
+              <a:t>Что важно, </a:t>
             </a:r>
             <a:r>
               <a:rPr lang="en-US" baseline="0" dirty="0" smtClean="0"/>
-              <a:t>DDoS</a:t>
+              <a:t>tampering</a:t>
             </a:r>
             <a:r>
               <a:rPr lang="ru-RU" baseline="0" dirty="0" smtClean="0"/>
-              <a:t> атаках, когда с помощью огромного числа компьютеров организуют одновременные запросы к серверу. Сервер не выдерживает такой нагрузки и падает. При этом легитимные пользователи не могут получить доступ к сервису.</a:t>
+              <a:t>-у подвержены не только данные, но и исполняемые модули:</a:t>
             </a:r>
           </a:p>
           <a:p>
@@ -1110,16 +1120,15 @@
           <a:p>
             <a:r>
               <a:rPr lang="ru-RU" baseline="0" dirty="0" smtClean="0"/>
-              <a:t>Что еще может быть причиной отказа в обслуживании.</a:t>
-            </a:r>
-          </a:p>
-          <a:p>
-            <a:endParaRPr lang="ru-RU" baseline="0" dirty="0" smtClean="0"/>
-          </a:p>
-          <a:p>
+              <a:t>Например, злоумышленник может подменить приложение, </a:t>
+            </a:r>
+            <a:r>
+              <a:rPr lang="en-US" baseline="0" dirty="0" smtClean="0"/>
+              <a:t>DLL</a:t>
+            </a:r>
             <a:r>
               <a:rPr lang="ru-RU" baseline="0" dirty="0" smtClean="0"/>
-              <a:t>Например, мы можем испортить конфигурационный файл программы, из за этого программа не сможет запуститься.</a:t>
+              <a:t>, скрипт на свой, и если у вашей системы нет проверки целостности, то вы об этом никак не узнаете и запустите зловредное приложение.</a:t>
             </a:r>
           </a:p>
         </p:txBody>
@@ -1151,7 +1160,7 @@
     </p:spTree>
     <p:extLst>
       <p:ext uri="{BB962C8B-B14F-4D97-AF65-F5344CB8AC3E}">
-        <p14:creationId xmlns:p14="http://schemas.microsoft.com/office/powerpoint/2010/main" val="2193844591"/>
+        <p14:creationId xmlns:p14="http://schemas.microsoft.com/office/powerpoint/2010/main" val="722600875"/>
       </p:ext>
     </p:extLst>
   </p:cSld>
@@ -1206,8 +1215,12 @@
           <a:lstStyle/>
           <a:p>
             <a:r>
+              <a:rPr lang="en-US" baseline="0" dirty="0" smtClean="0"/>
+              <a:t>Repudiation – </a:t>
+            </a:r>
+            <a:r>
               <a:rPr lang="ru-RU" baseline="0" dirty="0" smtClean="0"/>
-              <a:t>Несанкционированное получение привилегий.</a:t>
+              <a:t>это процесс заметания следов.</a:t>
             </a:r>
           </a:p>
           <a:p>
@@ -1216,63 +1229,57 @@
           <a:p>
             <a:r>
               <a:rPr lang="ru-RU" baseline="0" dirty="0" smtClean="0"/>
-              <a:t>Например, у нас есть система, в которой есть два пользователя: </a:t>
+              <a:t>Например, если данные пользователя были скомпрометированы – например, все знают логин/пароль для входа в какую-нибудь систему.</a:t>
+            </a:r>
+          </a:p>
+          <a:p>
+            <a:r>
+              <a:rPr lang="ru-RU" baseline="0" dirty="0" smtClean="0"/>
+              <a:t>В этом случае, если </a:t>
+            </a:r>
+            <a:r>
+              <a:rPr lang="ru-RU" baseline="0" dirty="0" err="1" smtClean="0"/>
+              <a:t>злоумышленик</a:t>
+            </a:r>
+            <a:r>
+              <a:rPr lang="ru-RU" baseline="0" dirty="0" smtClean="0"/>
+              <a:t> завладеет такими данными, то он сможет выполнить несанкционированные действия, и никто не сможет выяснить, кто же на самом деле осуществил эти действия.</a:t>
+            </a:r>
+          </a:p>
+          <a:p>
+            <a:endParaRPr lang="ru-RU" baseline="0" dirty="0" smtClean="0"/>
+          </a:p>
+          <a:p>
+            <a:endParaRPr lang="ru-RU" baseline="0" dirty="0" smtClean="0"/>
+          </a:p>
+          <a:p>
+            <a:r>
+              <a:rPr lang="ru-RU" baseline="0" dirty="0" smtClean="0"/>
+              <a:t>Кто может еще привести пример </a:t>
             </a:r>
             <a:r>
               <a:rPr lang="en-US" baseline="0" dirty="0" smtClean="0"/>
-              <a:t>user</a:t>
+              <a:t>repudiation</a:t>
             </a:r>
             <a:r>
               <a:rPr lang="ru-RU" baseline="0" dirty="0" smtClean="0"/>
-              <a:t> и </a:t>
-            </a:r>
-            <a:r>
-              <a:rPr lang="en-US" baseline="0" dirty="0" smtClean="0"/>
-              <a:t>admin</a:t>
-            </a:r>
+              <a:t> – например, у нас есть система, которая фиксирует количество неуспешных попыток логина.</a:t>
+            </a:r>
+          </a:p>
+          <a:p>
             <a:r>
               <a:rPr lang="ru-RU" baseline="0" dirty="0" smtClean="0"/>
-              <a:t>. Причем пользователь </a:t>
-            </a:r>
-            <a:r>
-              <a:rPr lang="en-US" baseline="0" dirty="0" smtClean="0"/>
-              <a:t>admin</a:t>
-            </a:r>
+              <a:t>Если данная информация (о неуспешных попытках логина) не защищена должным образом, то злоумышленник может удалить всю информацию о неуспешных попытках логина.</a:t>
+            </a:r>
+          </a:p>
+          <a:p>
+            <a:endParaRPr lang="ru-RU" baseline="0" dirty="0" smtClean="0"/>
+          </a:p>
+          <a:p>
             <a:r>
               <a:rPr lang="ru-RU" baseline="0" dirty="0" smtClean="0"/>
-              <a:t> обладает более мощными привилегиями, чем</a:t>
-            </a:r>
-            <a:r>
-              <a:rPr lang="en-US" baseline="0" dirty="0" smtClean="0"/>
-              <a:t> user</a:t>
-            </a:r>
-            <a:r>
-              <a:rPr lang="ru-RU" baseline="0" dirty="0" smtClean="0"/>
-              <a:t>.</a:t>
-            </a:r>
-          </a:p>
-          <a:p>
-            <a:endParaRPr lang="ru-RU" baseline="0" dirty="0" smtClean="0"/>
-          </a:p>
-          <a:p>
-            <a:r>
-              <a:rPr lang="ru-RU" baseline="0" dirty="0" smtClean="0"/>
-              <a:t>Злоумышленник обладая только логином и паролем </a:t>
-            </a:r>
-            <a:r>
-              <a:rPr lang="en-US" baseline="0" dirty="0" smtClean="0"/>
-              <a:t>user</a:t>
-            </a:r>
-            <a:r>
-              <a:rPr lang="ru-RU" baseline="0" dirty="0" smtClean="0"/>
-              <a:t> может совершать действия, которые доступны только администратору.</a:t>
-            </a:r>
-          </a:p>
-          <a:p>
-            <a:endParaRPr lang="ru-RU" baseline="0" dirty="0" smtClean="0"/>
-          </a:p>
-          <a:p>
-            <a:endParaRPr lang="ru-RU" baseline="0" dirty="0" smtClean="0"/>
+              <a:t>Заметьте, при этом злоумышленник может и не получить доступ к системе, однако информация о неуспешном логине исчезнет.</a:t>
+            </a:r>
           </a:p>
         </p:txBody>
       </p:sp>
@@ -1303,7 +1310,7 @@
     </p:spTree>
     <p:extLst>
       <p:ext uri="{BB962C8B-B14F-4D97-AF65-F5344CB8AC3E}">
-        <p14:creationId xmlns:p14="http://schemas.microsoft.com/office/powerpoint/2010/main" val="1348462960"/>
+        <p14:creationId xmlns:p14="http://schemas.microsoft.com/office/powerpoint/2010/main" val="30538106"/>
       </p:ext>
     </p:extLst>
   </p:cSld>
@@ -1358,77 +1365,80 @@
           <a:lstStyle/>
           <a:p>
             <a:r>
+              <a:rPr lang="en-US" baseline="0" dirty="0" smtClean="0"/>
+              <a:t>Information disclosure – </a:t>
+            </a:r>
+            <a:r>
               <a:rPr lang="ru-RU" baseline="0" dirty="0" smtClean="0"/>
-              <a:t>Теперь, что такое моделирование угроз?</a:t>
+              <a:t>это несанкционированное раскрытие данных.</a:t>
+            </a:r>
+          </a:p>
+          <a:p>
+            <a:endParaRPr lang="ru-RU" baseline="0" dirty="0" smtClean="0"/>
+          </a:p>
+          <a:p>
+            <a:endParaRPr lang="ru-RU" baseline="0" dirty="0" smtClean="0"/>
+          </a:p>
+          <a:p>
+            <a:r>
+              <a:rPr lang="ru-RU" baseline="0" dirty="0" smtClean="0"/>
+              <a:t>Тут можно придумать несколько примеров:</a:t>
+            </a:r>
+          </a:p>
+          <a:p>
+            <a:endParaRPr lang="ru-RU" baseline="0" dirty="0" smtClean="0"/>
+          </a:p>
+          <a:p>
+            <a:r>
+              <a:rPr lang="ru-RU" baseline="0" dirty="0" smtClean="0"/>
+              <a:t>Например, вы передаете секретную информацию в открытом виде по незащищенному каналу – например </a:t>
+            </a:r>
+            <a:r>
+              <a:rPr lang="en-US" baseline="0" dirty="0" smtClean="0"/>
+              <a:t>http.</a:t>
+            </a:r>
+            <a:r>
+              <a:rPr lang="ru-RU" baseline="0" dirty="0" smtClean="0"/>
+              <a:t> В этом случае злоумышленник с помощью обычного </a:t>
+            </a:r>
+            <a:r>
+              <a:rPr lang="ru-RU" baseline="0" dirty="0" err="1" smtClean="0"/>
+              <a:t>снифера</a:t>
+            </a:r>
+            <a:r>
+              <a:rPr lang="ru-RU" baseline="0" dirty="0" smtClean="0"/>
+              <a:t> пакетов может получить всю вашу информацию.</a:t>
+            </a:r>
+          </a:p>
+          <a:p>
+            <a:endParaRPr lang="ru-RU" baseline="0" dirty="0" smtClean="0"/>
+          </a:p>
+          <a:p>
+            <a:r>
+              <a:rPr lang="ru-RU" baseline="0" dirty="0" smtClean="0"/>
+              <a:t>Какие еще есть варианты несанкционированного раскрытия информации?</a:t>
+            </a:r>
+          </a:p>
+          <a:p>
+            <a:endParaRPr lang="ru-RU" baseline="0" dirty="0" smtClean="0"/>
+          </a:p>
+          <a:p>
+            <a:r>
+              <a:rPr lang="ru-RU" baseline="0" dirty="0" smtClean="0"/>
+              <a:t>Например, отладочная печать. Программист для целей отладки включил печать логина и пароля на экран.</a:t>
+            </a:r>
+          </a:p>
+          <a:p>
+            <a:endParaRPr lang="ru-RU" baseline="0" dirty="0" smtClean="0"/>
+          </a:p>
+          <a:p>
+            <a:r>
+              <a:rPr lang="ru-RU" baseline="0" dirty="0" smtClean="0"/>
+              <a:t>Вот вам и угроза.</a:t>
             </a:r>
             <a:endParaRPr lang="en-US" baseline="0" dirty="0" smtClean="0"/>
           </a:p>
           <a:p>
-            <a:endParaRPr lang="en-US" baseline="0" dirty="0" smtClean="0"/>
-          </a:p>
-          <a:p>
-            <a:r>
-              <a:rPr lang="ru-RU" baseline="0" dirty="0" smtClean="0"/>
-              <a:t>Опять нам на помощь приходит чек-лист из 3-х пунктов.</a:t>
-            </a:r>
-          </a:p>
-          <a:p>
-            <a:endParaRPr lang="ru-RU" baseline="0" dirty="0" smtClean="0"/>
-          </a:p>
-          <a:p>
-            <a:pPr marL="0" indent="0">
-              <a:buNone/>
-            </a:pPr>
-            <a:r>
-              <a:rPr lang="ru-RU" baseline="0" dirty="0" smtClean="0"/>
-              <a:t>Чтобы понимать, что угрожает нашей программе, мы должны идентифицировать угрозу. </a:t>
-            </a:r>
-          </a:p>
-          <a:p>
-            <a:pPr marL="0" indent="0">
-              <a:buNone/>
-            </a:pPr>
-            <a:r>
-              <a:rPr lang="ru-RU" baseline="0" dirty="0" smtClean="0"/>
-              <a:t>Что это значит? Это значит, что мы должны сопоставить этой угрозе одно из значений из списка </a:t>
-            </a:r>
-            <a:r>
-              <a:rPr lang="en-US" baseline="0" dirty="0" smtClean="0"/>
-              <a:t>STRIDE.</a:t>
-            </a:r>
-            <a:endParaRPr lang="ru-RU" baseline="0" dirty="0" smtClean="0"/>
-          </a:p>
-          <a:p>
-            <a:pPr marL="0" indent="0">
-              <a:buNone/>
-            </a:pPr>
-            <a:endParaRPr lang="ru-RU" baseline="0" dirty="0" smtClean="0"/>
-          </a:p>
-          <a:p>
-            <a:endParaRPr lang="ru-RU" baseline="0" dirty="0" smtClean="0"/>
-          </a:p>
-          <a:p>
-            <a:r>
-              <a:rPr lang="ru-RU" baseline="0" dirty="0" smtClean="0"/>
-              <a:t>После этого мы должны все угрозы составить в список, чтобы он был перед глазами.</a:t>
-            </a:r>
-          </a:p>
-          <a:p>
-            <a:endParaRPr lang="ru-RU" baseline="0" dirty="0" smtClean="0"/>
-          </a:p>
-          <a:p>
-            <a:r>
-              <a:rPr lang="ru-RU" baseline="0" dirty="0" smtClean="0"/>
-              <a:t>И в конце мы должны эти угрозы </a:t>
-            </a:r>
-            <a:r>
-              <a:rPr lang="ru-RU" baseline="0" dirty="0" err="1" smtClean="0"/>
-              <a:t>приоритезировать</a:t>
-            </a:r>
-            <a:r>
-              <a:rPr lang="ru-RU" baseline="0" dirty="0" smtClean="0"/>
-              <a:t>. Этот пункт очень важный и очень сложный. Важно понимать, какие угрозы наиболее реальны, какие нет. Какие угрозы несут большой вред системе, какие нет. В общем нужно угрозы переупорядочить, и работать с ними начиная с самой важной.</a:t>
-            </a:r>
             <a:endParaRPr lang="en-US" baseline="0" dirty="0" smtClean="0"/>
           </a:p>
           <a:p>
@@ -1463,7 +1473,7 @@
     </p:spTree>
     <p:extLst>
       <p:ext uri="{BB962C8B-B14F-4D97-AF65-F5344CB8AC3E}">
-        <p14:creationId xmlns:p14="http://schemas.microsoft.com/office/powerpoint/2010/main" val="2081521291"/>
+        <p14:creationId xmlns:p14="http://schemas.microsoft.com/office/powerpoint/2010/main" val="2529652527"/>
       </p:ext>
     </p:extLst>
   </p:cSld>
@@ -1519,7 +1529,7 @@
           <a:p>
             <a:r>
               <a:rPr lang="ru-RU" baseline="0" dirty="0" smtClean="0"/>
-              <a:t>Давайте вернемся к пункту 1 – идентификация угроз.</a:t>
+              <a:t>Вариант «отказ в обслуживании» наверное, самый простой.</a:t>
             </a:r>
           </a:p>
           <a:p>
@@ -1528,13 +1538,23 @@
           <a:p>
             <a:r>
               <a:rPr lang="ru-RU" baseline="0" dirty="0" smtClean="0"/>
-              <a:t>Как мы это будем делать?</a:t>
-            </a:r>
-          </a:p>
-          <a:p>
+              <a:t>Все наверняка слышали о </a:t>
+            </a:r>
+            <a:r>
+              <a:rPr lang="en-US" baseline="0" dirty="0" err="1" smtClean="0"/>
+              <a:t>DoS</a:t>
+            </a:r>
             <a:r>
               <a:rPr lang="ru-RU" baseline="0" dirty="0" smtClean="0"/>
-              <a:t>Можно с наскоку навалиться на весь проект. Но такой подход вряд ли нам поможет при моделировании угроз в более-менее серьезном проекте.</a:t>
+              <a:t> атаках и </a:t>
+            </a:r>
+            <a:r>
+              <a:rPr lang="en-US" baseline="0" dirty="0" smtClean="0"/>
+              <a:t>DDoS</a:t>
+            </a:r>
+            <a:r>
+              <a:rPr lang="ru-RU" baseline="0" dirty="0" smtClean="0"/>
+              <a:t> атаках, когда с помощью огромного числа компьютеров организуют одновременные запросы к серверу. Сервер не выдерживает такой нагрузки и падает. При этом легитимные пользователи не могут получить доступ к сервису.</a:t>
             </a:r>
           </a:p>
           <a:p>
@@ -1543,31 +1563,16 @@
           <a:p>
             <a:r>
               <a:rPr lang="ru-RU" baseline="0" dirty="0" smtClean="0"/>
-              <a:t>Опять же, есть формальный подход к идентификации и поиску всех угроз – это </a:t>
-            </a:r>
-            <a:r>
-              <a:rPr lang="en-US" baseline="0" dirty="0" smtClean="0"/>
-              <a:t>Data Flow </a:t>
-            </a:r>
+              <a:t>Что еще может быть причиной отказа в обслуживании.</a:t>
+            </a:r>
+          </a:p>
+          <a:p>
+            <a:endParaRPr lang="ru-RU" baseline="0" dirty="0" smtClean="0"/>
+          </a:p>
+          <a:p>
             <a:r>
               <a:rPr lang="ru-RU" baseline="0" dirty="0" smtClean="0"/>
-              <a:t>Диаграммы</a:t>
-            </a:r>
-            <a:r>
-              <a:rPr lang="en-US" baseline="0" dirty="0" smtClean="0"/>
-              <a:t> </a:t>
-            </a:r>
-            <a:r>
-              <a:rPr lang="ru-RU" baseline="0" dirty="0" smtClean="0"/>
-              <a:t>или </a:t>
-            </a:r>
-            <a:r>
-              <a:rPr lang="en-US" baseline="0" dirty="0" smtClean="0"/>
-              <a:t>DFD</a:t>
-            </a:r>
-            <a:r>
-              <a:rPr lang="ru-RU" baseline="0" dirty="0" smtClean="0"/>
-              <a:t> диаграммы.</a:t>
+              <a:t>Например, мы можем испортить конфигурационный файл программы, из за этого программа не сможет запуститься.</a:t>
             </a:r>
           </a:p>
         </p:txBody>
@@ -1599,7 +1604,7 @@
     </p:spTree>
     <p:extLst>
       <p:ext uri="{BB962C8B-B14F-4D97-AF65-F5344CB8AC3E}">
-        <p14:creationId xmlns:p14="http://schemas.microsoft.com/office/powerpoint/2010/main" val="3580288171"/>
+        <p14:creationId xmlns:p14="http://schemas.microsoft.com/office/powerpoint/2010/main" val="2193844591"/>
       </p:ext>
     </p:extLst>
   </p:cSld>
@@ -1655,15 +1660,48 @@
           <a:p>
             <a:r>
               <a:rPr lang="ru-RU" baseline="0" dirty="0" smtClean="0"/>
-              <a:t>Вот в принципе все элементы, которые участвуют в </a:t>
+              <a:t>Несанкционированное получение привилегий.</a:t>
+            </a:r>
+          </a:p>
+          <a:p>
+            <a:endParaRPr lang="ru-RU" baseline="0" dirty="0" smtClean="0"/>
+          </a:p>
+          <a:p>
+            <a:r>
+              <a:rPr lang="ru-RU" baseline="0" dirty="0" smtClean="0"/>
+              <a:t>Например, у нас есть система, в которой есть два пользователя: </a:t>
             </a:r>
             <a:r>
               <a:rPr lang="en-US" baseline="0" dirty="0" smtClean="0"/>
-              <a:t>DFD</a:t>
+              <a:t>user</a:t>
             </a:r>
             <a:r>
               <a:rPr lang="ru-RU" baseline="0" dirty="0" smtClean="0"/>
-              <a:t> диаграмме.</a:t>
+              <a:t> и </a:t>
+            </a:r>
+            <a:r>
+              <a:rPr lang="en-US" baseline="0" dirty="0" smtClean="0"/>
+              <a:t>admin</a:t>
+            </a:r>
+            <a:r>
+              <a:rPr lang="ru-RU" baseline="0" dirty="0" smtClean="0"/>
+              <a:t>. Причем пользователь </a:t>
+            </a:r>
+            <a:r>
+              <a:rPr lang="en-US" baseline="0" dirty="0" smtClean="0"/>
+              <a:t>admin</a:t>
+            </a:r>
+            <a:r>
+              <a:rPr lang="ru-RU" baseline="0" dirty="0" smtClean="0"/>
+              <a:t> обладает более мощными привилегиями, чем</a:t>
+            </a:r>
+            <a:r>
+              <a:rPr lang="en-US" baseline="0" dirty="0" smtClean="0"/>
+              <a:t> user</a:t>
+            </a:r>
+            <a:r>
+              <a:rPr lang="ru-RU" baseline="0" dirty="0" smtClean="0"/>
+              <a:t>.</a:t>
             </a:r>
           </a:p>
           <a:p>
@@ -1672,113 +1710,22 @@
           <a:p>
             <a:r>
               <a:rPr lang="ru-RU" baseline="0" dirty="0" smtClean="0"/>
-              <a:t>Давайте по каждому поговорим более подробно:</a:t>
+              <a:t>Злоумышленник обладая только логином и паролем </a:t>
+            </a:r>
+            <a:r>
+              <a:rPr lang="en-US" baseline="0" dirty="0" smtClean="0"/>
+              <a:t>user</a:t>
+            </a:r>
+            <a:r>
+              <a:rPr lang="ru-RU" baseline="0" dirty="0" smtClean="0"/>
+              <a:t> может совершать действия, которые доступны только администратору.</a:t>
             </a:r>
           </a:p>
           <a:p>
             <a:endParaRPr lang="ru-RU" baseline="0" dirty="0" smtClean="0"/>
           </a:p>
           <a:p>
-            <a:r>
-              <a:rPr lang="en-US" baseline="0" dirty="0" smtClean="0"/>
-              <a:t>External entity</a:t>
-            </a:r>
-            <a:r>
-              <a:rPr lang="ru-RU" baseline="0" dirty="0" smtClean="0"/>
-              <a:t> – это внешняя по отношению к нашей компоненте сущность – это либо пользователь, либо удаленный сервер, либо другое приложение. Важно – это активная сущность – то есть это не данные.</a:t>
-            </a:r>
-          </a:p>
-          <a:p>
             <a:endParaRPr lang="ru-RU" baseline="0" dirty="0" smtClean="0"/>
-          </a:p>
-          <a:p>
-            <a:r>
-              <a:rPr lang="en-US" baseline="0" dirty="0" smtClean="0"/>
-              <a:t>Process – </a:t>
-            </a:r>
-            <a:r>
-              <a:rPr lang="ru-RU" baseline="0" dirty="0" smtClean="0"/>
-              <a:t>это собственно наш исполняемый модуль, который выполняет полезные действия. Таких процессов может быть несколько. Например, обычные потоки </a:t>
-            </a:r>
-            <a:r>
-              <a:rPr lang="en-US" baseline="0" dirty="0" smtClean="0"/>
-              <a:t>(thread)</a:t>
-            </a:r>
-            <a:r>
-              <a:rPr lang="ru-RU" baseline="0" dirty="0" smtClean="0"/>
-              <a:t> могут быть такими процессами. Могут быть разные приложения, </a:t>
-            </a:r>
-            <a:r>
-              <a:rPr lang="en-US" baseline="0" dirty="0" err="1" smtClean="0"/>
-              <a:t>dll</a:t>
-            </a:r>
-            <a:r>
-              <a:rPr lang="ru-RU" baseline="0" dirty="0" smtClean="0"/>
-              <a:t> и т.д.</a:t>
-            </a:r>
-          </a:p>
-          <a:p>
-            <a:endParaRPr lang="ru-RU" baseline="0" dirty="0" smtClean="0"/>
-          </a:p>
-          <a:p>
-            <a:r>
-              <a:rPr lang="en-US" baseline="0" dirty="0" smtClean="0"/>
-              <a:t>Data store – </a:t>
-            </a:r>
-            <a:r>
-              <a:rPr lang="ru-RU" baseline="0" dirty="0" smtClean="0"/>
-              <a:t>это всевозможные хранилища данных. Это могут быть как данные на диске, так и в памяти (если это имеет смысл). Это может быть база данных, реестр, </a:t>
-            </a:r>
-            <a:r>
-              <a:rPr lang="ru-RU" baseline="0" dirty="0" err="1" smtClean="0"/>
-              <a:t>конфиг</a:t>
-            </a:r>
-            <a:r>
-              <a:rPr lang="ru-RU" baseline="0" dirty="0" smtClean="0"/>
-              <a:t>-файл и т.д.</a:t>
-            </a:r>
-          </a:p>
-          <a:p>
-            <a:endParaRPr lang="ru-RU" baseline="0" dirty="0" smtClean="0"/>
-          </a:p>
-          <a:p>
-            <a:r>
-              <a:rPr lang="en-US" baseline="0" dirty="0" smtClean="0"/>
-              <a:t>Trust boundary</a:t>
-            </a:r>
-            <a:r>
-              <a:rPr lang="ru-RU" baseline="0" dirty="0" smtClean="0"/>
-              <a:t> – это граница, позволяющая объединить несколько процессов в одну группу. Например, если несколько процессов выполняются под одним и тем же пользователем, то их можно объединить в одну группу.</a:t>
-            </a:r>
-          </a:p>
-          <a:p>
-            <a:endParaRPr lang="ru-RU" baseline="0" dirty="0" smtClean="0"/>
-          </a:p>
-          <a:p>
-            <a:r>
-              <a:rPr lang="ru-RU" baseline="0" dirty="0" smtClean="0"/>
-              <a:t>Также можно отсекать границы доверия, например, когда данные уходят или приходят по сети, то это тоже граница доверия – только в этом случае она будет называться по другому – граница доверия локальной машины.</a:t>
-            </a:r>
-          </a:p>
-          <a:p>
-            <a:endParaRPr lang="ru-RU" baseline="0" dirty="0" smtClean="0"/>
-          </a:p>
-          <a:p>
-            <a:endParaRPr lang="ru-RU" baseline="0" dirty="0" smtClean="0"/>
-          </a:p>
-          <a:p>
-            <a:r>
-              <a:rPr lang="ru-RU" baseline="0" dirty="0" smtClean="0"/>
-              <a:t>Итак, все это звучит по умному, давайте я вам покажу наглядный пример, как нарисовать такую </a:t>
-            </a:r>
-            <a:r>
-              <a:rPr lang="en-US" baseline="0" dirty="0" smtClean="0"/>
-              <a:t>DFD</a:t>
-            </a:r>
-            <a:r>
-              <a:rPr lang="ru-RU" baseline="0" dirty="0" smtClean="0"/>
-              <a:t> диаграмму</a:t>
-            </a:r>
           </a:p>
         </p:txBody>
       </p:sp>
@@ -1809,7 +1756,7 @@
     </p:spTree>
     <p:extLst>
       <p:ext uri="{BB962C8B-B14F-4D97-AF65-F5344CB8AC3E}">
-        <p14:creationId xmlns:p14="http://schemas.microsoft.com/office/powerpoint/2010/main" val="78102990"/>
+        <p14:creationId xmlns:p14="http://schemas.microsoft.com/office/powerpoint/2010/main" val="1348462960"/>
       </p:ext>
     </p:extLst>
   </p:cSld>
@@ -1865,34 +1812,79 @@
           <a:p>
             <a:r>
               <a:rPr lang="ru-RU" baseline="0" dirty="0" smtClean="0"/>
-              <a:t>Вот в качестве примера я привел </a:t>
+              <a:t>Теперь, что такое моделирование угроз?</a:t>
+            </a:r>
+            <a:endParaRPr lang="en-US" baseline="0" dirty="0" smtClean="0"/>
+          </a:p>
+          <a:p>
+            <a:endParaRPr lang="en-US" baseline="0" dirty="0" smtClean="0"/>
+          </a:p>
+          <a:p>
+            <a:r>
+              <a:rPr lang="ru-RU" baseline="0" dirty="0" smtClean="0"/>
+              <a:t>Опять нам на помощь приходит чек-лист из 3-х пунктов.</a:t>
+            </a:r>
+          </a:p>
+          <a:p>
+            <a:endParaRPr lang="ru-RU" baseline="0" dirty="0" smtClean="0"/>
+          </a:p>
+          <a:p>
+            <a:pPr marL="0" indent="0">
+              <a:buNone/>
+            </a:pPr>
+            <a:r>
+              <a:rPr lang="ru-RU" baseline="0" dirty="0" smtClean="0"/>
+              <a:t>Чтобы понимать, что угрожает нашей программе, мы должны идентифицировать угрозу. </a:t>
+            </a:r>
+          </a:p>
+          <a:p>
+            <a:pPr marL="0" indent="0">
+              <a:buNone/>
+            </a:pPr>
+            <a:r>
+              <a:rPr lang="ru-RU" baseline="0" dirty="0" smtClean="0"/>
+              <a:t>Что это значит? Это значит, что мы должны сопоставить этой угрозе одно из значений из списка </a:t>
             </a:r>
             <a:r>
               <a:rPr lang="en-US" baseline="0" dirty="0" smtClean="0"/>
-              <a:t>DFD</a:t>
-            </a:r>
+              <a:t>STRIDE.</a:t>
+            </a:r>
+            <a:endParaRPr lang="ru-RU" baseline="0" dirty="0" smtClean="0"/>
+          </a:p>
+          <a:p>
+            <a:pPr marL="0" indent="0">
+              <a:buNone/>
+            </a:pPr>
+            <a:endParaRPr lang="ru-RU" baseline="0" dirty="0" smtClean="0"/>
+          </a:p>
+          <a:p>
+            <a:endParaRPr lang="ru-RU" baseline="0" dirty="0" smtClean="0"/>
+          </a:p>
+          <a:p>
             <a:r>
               <a:rPr lang="ru-RU" baseline="0" dirty="0" smtClean="0"/>
-              <a:t> диаграмму какого-то сервера, который принимает запросы по сети от пользователя и складывает их в базу.</a:t>
+              <a:t>После этого мы должны все угрозы составить в список, чтобы он был перед глазами.</a:t>
+            </a:r>
+          </a:p>
+          <a:p>
+            <a:endParaRPr lang="ru-RU" baseline="0" dirty="0" smtClean="0"/>
+          </a:p>
+          <a:p>
+            <a:r>
+              <a:rPr lang="ru-RU" baseline="0" dirty="0" smtClean="0"/>
+              <a:t>И в конце мы должны эти угрозы </a:t>
+            </a:r>
+            <a:r>
+              <a:rPr lang="ru-RU" baseline="0" dirty="0" err="1" smtClean="0"/>
+              <a:t>приоритезировать</a:t>
+            </a:r>
+            <a:r>
+              <a:rPr lang="ru-RU" baseline="0" dirty="0" smtClean="0"/>
+              <a:t>. Этот пункт очень важный и очень сложный. Важно понимать, какие угрозы наиболее реальны, какие нет. Какие угрозы несут большой вред системе, какие нет. В общем нужно угрозы переупорядочить, и работать с ними начиная с самой важной.</a:t>
             </a:r>
             <a:endParaRPr lang="en-US" baseline="0" dirty="0" smtClean="0"/>
           </a:p>
           <a:p>
-            <a:endParaRPr lang="en-US" baseline="0" dirty="0" smtClean="0"/>
-          </a:p>
-          <a:p>
-            <a:r>
-              <a:rPr lang="ru-RU" baseline="0" dirty="0" smtClean="0"/>
-              <a:t>Я это делал в программе </a:t>
-            </a:r>
-            <a:r>
-              <a:rPr lang="en-US" baseline="0" dirty="0" smtClean="0"/>
-              <a:t>Microsoft </a:t>
-            </a:r>
-            <a:r>
-              <a:rPr lang="en-US" baseline="0" smtClean="0"/>
-              <a:t>Threat Modelling Tool.</a:t>
-            </a:r>
             <a:endParaRPr lang="ru-RU" baseline="0" dirty="0" smtClean="0"/>
           </a:p>
         </p:txBody>
@@ -1924,7 +1916,7 @@
     </p:spTree>
     <p:extLst>
       <p:ext uri="{BB962C8B-B14F-4D97-AF65-F5344CB8AC3E}">
-        <p14:creationId xmlns:p14="http://schemas.microsoft.com/office/powerpoint/2010/main" val="2345022417"/>
+        <p14:creationId xmlns:p14="http://schemas.microsoft.com/office/powerpoint/2010/main" val="2081521291"/>
       </p:ext>
     </p:extLst>
   </p:cSld>
@@ -1980,7 +1972,55 @@
           <a:p>
             <a:r>
               <a:rPr lang="ru-RU" baseline="0" dirty="0" smtClean="0"/>
-              <a:t>Ну и напоследок, табличка, облегчающая анализ </a:t>
+              <a:t>Давайте вернемся к пункту 1 – идентификация угроз.</a:t>
+            </a:r>
+          </a:p>
+          <a:p>
+            <a:endParaRPr lang="ru-RU" baseline="0" dirty="0" smtClean="0"/>
+          </a:p>
+          <a:p>
+            <a:r>
+              <a:rPr lang="ru-RU" baseline="0" dirty="0" smtClean="0"/>
+              <a:t>Как мы это будем делать?</a:t>
+            </a:r>
+          </a:p>
+          <a:p>
+            <a:r>
+              <a:rPr lang="ru-RU" baseline="0" dirty="0" smtClean="0"/>
+              <a:t>Можно с наскоку навалиться на весь проект. Но такой подход вряд ли нам поможет при моделировании угроз в более-менее серьезном проекте.</a:t>
+            </a:r>
+          </a:p>
+          <a:p>
+            <a:endParaRPr lang="ru-RU" baseline="0" dirty="0" smtClean="0"/>
+          </a:p>
+          <a:p>
+            <a:r>
+              <a:rPr lang="ru-RU" baseline="0" dirty="0" smtClean="0"/>
+              <a:t>Опять же, есть </a:t>
+            </a:r>
+            <a:r>
+              <a:rPr lang="ru-RU" baseline="0" dirty="0" smtClean="0"/>
+              <a:t>формальный </a:t>
+            </a:r>
+            <a:r>
+              <a:rPr lang="ru-RU" baseline="0" dirty="0" smtClean="0"/>
+              <a:t>подход к идентификации и поиску всех угроз – это </a:t>
+            </a:r>
+            <a:r>
+              <a:rPr lang="en-US" baseline="0" dirty="0" smtClean="0"/>
+              <a:t>Data Flow </a:t>
+            </a:r>
+            <a:r>
+              <a:rPr lang="ru-RU" baseline="0" dirty="0" smtClean="0"/>
+              <a:t>Диаграммы</a:t>
+            </a:r>
+            <a:r>
+              <a:rPr lang="en-US" baseline="0" dirty="0" smtClean="0"/>
+              <a:t> </a:t>
+            </a:r>
+            <a:r>
+              <a:rPr lang="ru-RU" baseline="0" dirty="0" smtClean="0"/>
+              <a:t>или </a:t>
             </a:r>
             <a:r>
               <a:rPr lang="en-US" baseline="0" dirty="0" smtClean="0"/>
@@ -1988,18 +2028,13 @@
             </a:r>
             <a:r>
               <a:rPr lang="ru-RU" baseline="0" dirty="0" smtClean="0"/>
-              <a:t> диаграмм на наличие угроз</a:t>
-            </a:r>
-            <a:r>
-              <a:rPr lang="en-US" baseline="0" dirty="0" smtClean="0"/>
+              <a:t> диаграммы</a:t>
+            </a:r>
+            <a:r>
+              <a:rPr lang="ru-RU" baseline="0" dirty="0" smtClean="0"/>
               <a:t>.</a:t>
             </a:r>
-          </a:p>
-          <a:p>
-            <a:r>
-              <a:rPr lang="ru-RU" baseline="0" dirty="0" smtClean="0"/>
-              <a:t>В соответствии с этой табличкой вы можете проводить быстрый анализ угроз.</a:t>
-            </a:r>
+            <a:endParaRPr lang="en-US" baseline="0" dirty="0" smtClean="0"/>
           </a:p>
           <a:p>
             <a:endParaRPr lang="ru-RU" baseline="0" dirty="0" smtClean="0"/>
@@ -2033,7 +2068,7 @@
     </p:spTree>
     <p:extLst>
       <p:ext uri="{BB962C8B-B14F-4D97-AF65-F5344CB8AC3E}">
-        <p14:creationId xmlns:p14="http://schemas.microsoft.com/office/powerpoint/2010/main" val="3168373287"/>
+        <p14:creationId xmlns:p14="http://schemas.microsoft.com/office/powerpoint/2010/main" val="3580288171"/>
       </p:ext>
     </p:extLst>
   </p:cSld>
@@ -2087,69 +2122,9 @@
           <a:bodyPr/>
           <a:lstStyle/>
           <a:p>
-            <a:pPr marL="0" marR="0" lvl="0" indent="0" algn="l" defTabSz="1161105" rtl="0" eaLnBrk="1" fontAlgn="auto" latinLnBrk="0" hangingPunct="1">
-              <a:lnSpc>
-                <a:spcPct val="100000"/>
-              </a:lnSpc>
-              <a:spcBef>
-                <a:spcPts val="0"/>
-              </a:spcBef>
-              <a:spcAft>
-                <a:spcPts val="0"/>
-              </a:spcAft>
-              <a:buClrTx/>
-              <a:buSzTx/>
-              <a:buFontTx/>
-              <a:buNone/>
-              <a:tabLst/>
-              <a:defRPr/>
-            </a:pPr>
             <a:r>
               <a:rPr lang="ru-RU" baseline="0" dirty="0" smtClean="0"/>
-              <a:t>Ну и напоследок, один вопрос, что мы со всей этой информацией будем делать?</a:t>
-            </a:r>
-          </a:p>
-          <a:p>
-            <a:pPr marL="0" marR="0" lvl="0" indent="0" algn="l" defTabSz="1161105" rtl="0" eaLnBrk="1" fontAlgn="auto" latinLnBrk="0" hangingPunct="1">
-              <a:lnSpc>
-                <a:spcPct val="100000"/>
-              </a:lnSpc>
-              <a:spcBef>
-                <a:spcPts val="0"/>
-              </a:spcBef>
-              <a:spcAft>
-                <a:spcPts val="0"/>
-              </a:spcAft>
-              <a:buClrTx/>
-              <a:buSzTx/>
-              <a:buFontTx/>
-              <a:buNone/>
-              <a:tabLst/>
-              <a:defRPr/>
-            </a:pPr>
-            <a:endParaRPr lang="ru-RU" baseline="0" dirty="0" smtClean="0"/>
-          </a:p>
-          <a:p>
-            <a:pPr marL="0" marR="0" lvl="0" indent="0" algn="l" defTabSz="1161105" rtl="0" eaLnBrk="1" fontAlgn="auto" latinLnBrk="0" hangingPunct="1">
-              <a:lnSpc>
-                <a:spcPct val="100000"/>
-              </a:lnSpc>
-              <a:spcBef>
-                <a:spcPts val="0"/>
-              </a:spcBef>
-              <a:spcAft>
-                <a:spcPts val="0"/>
-              </a:spcAft>
-              <a:buClrTx/>
-              <a:buSzTx/>
-              <a:buFontTx/>
-              <a:buNone/>
-              <a:tabLst/>
-              <a:defRPr/>
-            </a:pPr>
-            <a:r>
-              <a:rPr lang="ru-RU" baseline="0" dirty="0" smtClean="0"/>
-              <a:t>Вот мы построили </a:t>
+              <a:t>Вот в принципе все элементы, которые участвуют в </a:t>
             </a:r>
             <a:r>
               <a:rPr lang="en-US" baseline="0" dirty="0" smtClean="0"/>
@@ -2157,274 +2132,122 @@
             </a:r>
             <a:r>
               <a:rPr lang="ru-RU" baseline="0" dirty="0" smtClean="0"/>
-              <a:t> диаграммы, выписали все угрозы. Что теперь с этим делать.</a:t>
-            </a:r>
-          </a:p>
-          <a:p>
-            <a:pPr marL="0" marR="0" lvl="0" indent="0" algn="l" defTabSz="1161105" rtl="0" eaLnBrk="1" fontAlgn="auto" latinLnBrk="0" hangingPunct="1">
-              <a:lnSpc>
-                <a:spcPct val="100000"/>
-              </a:lnSpc>
-              <a:spcBef>
-                <a:spcPts val="0"/>
-              </a:spcBef>
-              <a:spcAft>
-                <a:spcPts val="0"/>
-              </a:spcAft>
-              <a:buClrTx/>
-              <a:buSzTx/>
-              <a:buFontTx/>
-              <a:buNone/>
-              <a:tabLst/>
-              <a:defRPr/>
-            </a:pPr>
+              <a:t> диаграмме.</a:t>
+            </a:r>
+          </a:p>
+          <a:p>
             <a:endParaRPr lang="ru-RU" baseline="0" dirty="0" smtClean="0"/>
           </a:p>
           <a:p>
-            <a:pPr marL="0" marR="0" lvl="0" indent="0" algn="l" defTabSz="1161105" rtl="0" eaLnBrk="1" fontAlgn="auto" latinLnBrk="0" hangingPunct="1">
-              <a:lnSpc>
-                <a:spcPct val="100000"/>
-              </a:lnSpc>
-              <a:spcBef>
-                <a:spcPts val="0"/>
-              </a:spcBef>
-              <a:spcAft>
-                <a:spcPts val="0"/>
-              </a:spcAft>
-              <a:buClrTx/>
-              <a:buSzTx/>
-              <a:buFontTx/>
-              <a:buNone/>
-              <a:tabLst/>
-              <a:defRPr/>
-            </a:pPr>
             <a:r>
               <a:rPr lang="ru-RU" baseline="0" dirty="0" smtClean="0"/>
-              <a:t>В </a:t>
-            </a:r>
+              <a:t>Давайте по каждому поговорим более подробно:</a:t>
+            </a:r>
+          </a:p>
+          <a:p>
+            <a:endParaRPr lang="ru-RU" baseline="0" dirty="0" smtClean="0"/>
+          </a:p>
+          <a:p>
             <a:r>
               <a:rPr lang="en-US" baseline="0" dirty="0" smtClean="0"/>
-              <a:t>SDL </a:t>
+              <a:t>External entity</a:t>
             </a:r>
             <a:r>
               <a:rPr lang="ru-RU" baseline="0" dirty="0" smtClean="0"/>
-              <a:t>есть такое понятие </a:t>
-            </a:r>
+              <a:t> – это внешняя по отношению к нашей компоненте сущность – это либо пользователь, либо удаленный сервер, либо другое приложение. Важно – это активная сущность – то есть это не данные.</a:t>
+            </a:r>
+          </a:p>
+          <a:p>
+            <a:endParaRPr lang="ru-RU" baseline="0" dirty="0" smtClean="0"/>
+          </a:p>
+          <a:p>
             <a:r>
               <a:rPr lang="en-US" baseline="0" dirty="0" smtClean="0"/>
-              <a:t>threat mitigation – </a:t>
+              <a:t>Process – </a:t>
             </a:r>
             <a:r>
               <a:rPr lang="ru-RU" baseline="0" dirty="0" smtClean="0"/>
-              <a:t>смягчение угрозы.</a:t>
-            </a:r>
-          </a:p>
-          <a:p>
-            <a:pPr marL="0" marR="0" lvl="0" indent="0" algn="l" defTabSz="1161105" rtl="0" eaLnBrk="1" fontAlgn="auto" latinLnBrk="0" hangingPunct="1">
-              <a:lnSpc>
-                <a:spcPct val="100000"/>
-              </a:lnSpc>
-              <a:spcBef>
-                <a:spcPts val="0"/>
-              </a:spcBef>
-              <a:spcAft>
-                <a:spcPts val="0"/>
-              </a:spcAft>
-              <a:buClrTx/>
-              <a:buSzTx/>
-              <a:buFontTx/>
-              <a:buNone/>
-              <a:tabLst/>
-              <a:defRPr/>
-            </a:pPr>
+              <a:t>это собственно наш исполняемый модуль, который выполняет полезные действия. Таких процессов может быть несколько. Например, обычные потоки </a:t>
+            </a:r>
+            <a:r>
+              <a:rPr lang="en-US" baseline="0" dirty="0" smtClean="0"/>
+              <a:t>(thread)</a:t>
+            </a:r>
             <a:r>
               <a:rPr lang="ru-RU" baseline="0" dirty="0" smtClean="0"/>
-              <a:t>Это такая последовательность действий, которая призвана уменьшить угрозу до приемлемого уровня, или совсем от нее избавиться.</a:t>
-            </a:r>
-          </a:p>
-          <a:p>
-            <a:pPr marL="0" marR="0" lvl="0" indent="0" algn="l" defTabSz="1161105" rtl="0" eaLnBrk="1" fontAlgn="auto" latinLnBrk="0" hangingPunct="1">
-              <a:lnSpc>
-                <a:spcPct val="100000"/>
-              </a:lnSpc>
-              <a:spcBef>
-                <a:spcPts val="0"/>
-              </a:spcBef>
-              <a:spcAft>
-                <a:spcPts val="0"/>
-              </a:spcAft>
-              <a:buClrTx/>
-              <a:buSzTx/>
-              <a:buFontTx/>
-              <a:buNone/>
-              <a:tabLst/>
-              <a:defRPr/>
-            </a:pPr>
+              <a:t> могут быть такими процессами. Могут быть разные приложения, </a:t>
+            </a:r>
+            <a:r>
+              <a:rPr lang="en-US" baseline="0" dirty="0" err="1" smtClean="0"/>
+              <a:t>dll</a:t>
+            </a:r>
+            <a:r>
+              <a:rPr lang="ru-RU" baseline="0" dirty="0" smtClean="0"/>
+              <a:t> и т.д.</a:t>
+            </a:r>
+          </a:p>
+          <a:p>
             <a:endParaRPr lang="ru-RU" baseline="0" dirty="0" smtClean="0"/>
           </a:p>
           <a:p>
-            <a:pPr marL="0" marR="0" lvl="0" indent="0" algn="l" defTabSz="1161105" rtl="0" eaLnBrk="1" fontAlgn="auto" latinLnBrk="0" hangingPunct="1">
-              <a:lnSpc>
-                <a:spcPct val="100000"/>
-              </a:lnSpc>
-              <a:spcBef>
-                <a:spcPts val="0"/>
-              </a:spcBef>
-              <a:spcAft>
-                <a:spcPts val="0"/>
-              </a:spcAft>
-              <a:buClrTx/>
-              <a:buSzTx/>
-              <a:buFontTx/>
-              <a:buNone/>
-              <a:tabLst/>
-              <a:defRPr/>
-            </a:pPr>
+            <a:r>
+              <a:rPr lang="en-US" baseline="0" dirty="0" smtClean="0"/>
+              <a:t>Data store – </a:t>
+            </a:r>
             <a:r>
               <a:rPr lang="ru-RU" baseline="0" dirty="0" smtClean="0"/>
-              <a:t>Бывают разные способы </a:t>
+              <a:t>это всевозможные хранилища данных. Это могут быть как данные на диске, так и в памяти (если это имеет смысл). Это может быть база данных, реестр, </a:t>
             </a:r>
             <a:r>
               <a:rPr lang="ru-RU" baseline="0" dirty="0" err="1" smtClean="0"/>
-              <a:t>митигации</a:t>
+              <a:t>конфиг</a:t>
             </a:r>
             <a:r>
               <a:rPr lang="ru-RU" baseline="0" dirty="0" smtClean="0"/>
-              <a:t> угроз:</a:t>
-            </a:r>
-          </a:p>
-          <a:p>
-            <a:pPr marL="0" marR="0" lvl="0" indent="0" algn="l" defTabSz="1161105" rtl="0" eaLnBrk="1" fontAlgn="auto" latinLnBrk="0" hangingPunct="1">
-              <a:lnSpc>
-                <a:spcPct val="100000"/>
-              </a:lnSpc>
-              <a:spcBef>
-                <a:spcPts val="0"/>
-              </a:spcBef>
-              <a:spcAft>
-                <a:spcPts val="0"/>
-              </a:spcAft>
-              <a:buClrTx/>
-              <a:buSzTx/>
-              <a:buFontTx/>
-              <a:buNone/>
-              <a:tabLst/>
-              <a:defRPr/>
-            </a:pPr>
+              <a:t>-файл и т.д.</a:t>
+            </a:r>
+          </a:p>
+          <a:p>
             <a:endParaRPr lang="ru-RU" baseline="0" dirty="0" smtClean="0"/>
           </a:p>
           <a:p>
-            <a:pPr marL="342900" marR="0" lvl="0" indent="-342900" algn="l" defTabSz="1161105" rtl="0" eaLnBrk="1" fontAlgn="auto" latinLnBrk="0" hangingPunct="1">
-              <a:lnSpc>
-                <a:spcPct val="100000"/>
-              </a:lnSpc>
-              <a:spcBef>
-                <a:spcPts val="0"/>
-              </a:spcBef>
-              <a:spcAft>
-                <a:spcPts val="0"/>
-              </a:spcAft>
-              <a:buClrTx/>
-              <a:buSzTx/>
-              <a:buFontTx/>
-              <a:buAutoNum type="arabicPeriod"/>
-              <a:tabLst/>
-              <a:defRPr/>
-            </a:pPr>
+            <a:r>
+              <a:rPr lang="en-US" baseline="0" dirty="0" smtClean="0"/>
+              <a:t>Trust boundary</a:t>
+            </a:r>
             <a:r>
               <a:rPr lang="ru-RU" baseline="0" dirty="0" smtClean="0"/>
-              <a:t>Например, мы можем на этапе дизайна переработать (или вообще убрать) потоки данных или приложение, так что угроза исчезнет.</a:t>
-            </a:r>
-          </a:p>
-          <a:p>
-            <a:pPr marL="342900" marR="0" lvl="0" indent="-342900" algn="l" defTabSz="1161105" rtl="0" eaLnBrk="1" fontAlgn="auto" latinLnBrk="0" hangingPunct="1">
-              <a:lnSpc>
-                <a:spcPct val="100000"/>
-              </a:lnSpc>
-              <a:spcBef>
-                <a:spcPts val="0"/>
-              </a:spcBef>
-              <a:spcAft>
-                <a:spcPts val="0"/>
-              </a:spcAft>
-              <a:buClrTx/>
-              <a:buSzTx/>
-              <a:buFontTx/>
-              <a:buAutoNum type="arabicPeriod"/>
-              <a:tabLst/>
-              <a:defRPr/>
-            </a:pPr>
+              <a:t> – это граница, позволяющая объединить несколько процессов в одну группу. Например, если несколько процессов выполняются под одним и тем же пользователем, то их можно объединить в одну группу.</a:t>
+            </a:r>
+          </a:p>
+          <a:p>
+            <a:endParaRPr lang="ru-RU" baseline="0" dirty="0" smtClean="0"/>
+          </a:p>
+          <a:p>
             <a:r>
               <a:rPr lang="ru-RU" baseline="0" dirty="0" smtClean="0"/>
-              <a:t>Мы можем использовать какую-то стандартную </a:t>
-            </a:r>
-            <a:r>
-              <a:rPr lang="ru-RU" baseline="0" dirty="0" err="1" smtClean="0"/>
-              <a:t>митигацию</a:t>
-            </a:r>
+              <a:t>Также можно отсекать границы доверия, например, когда данные уходят или приходят по сети, то это тоже граница доверия – только в этом случае она будет называться по другому – граница доверия локальной машины.</a:t>
+            </a:r>
+          </a:p>
+          <a:p>
+            <a:endParaRPr lang="ru-RU" baseline="0" dirty="0" smtClean="0"/>
+          </a:p>
+          <a:p>
+            <a:endParaRPr lang="ru-RU" baseline="0" dirty="0" smtClean="0"/>
+          </a:p>
+          <a:p>
             <a:r>
               <a:rPr lang="ru-RU" baseline="0" dirty="0" smtClean="0"/>
-              <a:t> (об этом позже).</a:t>
-            </a:r>
-          </a:p>
-          <a:p>
-            <a:pPr marL="342900" marR="0" lvl="0" indent="-342900" algn="l" defTabSz="1161105" rtl="0" eaLnBrk="1" fontAlgn="auto" latinLnBrk="0" hangingPunct="1">
-              <a:lnSpc>
-                <a:spcPct val="100000"/>
-              </a:lnSpc>
-              <a:spcBef>
-                <a:spcPts val="0"/>
-              </a:spcBef>
-              <a:spcAft>
-                <a:spcPts val="0"/>
-              </a:spcAft>
-              <a:buClrTx/>
-              <a:buSzTx/>
-              <a:buFontTx/>
-              <a:buAutoNum type="arabicPeriod"/>
-              <a:tabLst/>
-              <a:defRPr/>
-            </a:pPr>
+              <a:t>Итак, все это звучит по умному, давайте я вам покажу наглядный пример, как нарисовать такую </a:t>
+            </a:r>
+            <a:r>
+              <a:rPr lang="en-US" baseline="0" dirty="0" smtClean="0"/>
+              <a:t>DFD</a:t>
+            </a:r>
             <a:r>
               <a:rPr lang="ru-RU" baseline="0" dirty="0" smtClean="0"/>
-              <a:t>Мы можем внести описание угрозы в публичную документацию к нашей программе. Например: внимание, данная программа не обеспечивает конфиденциальности данных. Пожалуйста, используйте другие программы по защите данных, например </a:t>
-            </a:r>
-            <a:r>
-              <a:rPr lang="en-US" baseline="0" dirty="0" err="1" smtClean="0"/>
-              <a:t>GnuPG</a:t>
-            </a:r>
-            <a:r>
-              <a:rPr lang="ru-RU" baseline="0" dirty="0" smtClean="0"/>
-              <a:t>. Или, для того чтобы обезопасить себя от утечки данных, настройте </a:t>
-            </a:r>
-            <a:r>
-              <a:rPr lang="en-US" baseline="0" dirty="0" err="1" smtClean="0"/>
-              <a:t>FireWall</a:t>
-            </a:r>
-            <a:r>
-              <a:rPr lang="ru-RU" baseline="0" dirty="0" smtClean="0"/>
-              <a:t>, так чтобы он блокировал все соединения на порту 8080.</a:t>
-            </a:r>
-          </a:p>
-          <a:p>
-            <a:pPr marL="342900" marR="0" lvl="0" indent="-342900" algn="l" defTabSz="1161105" rtl="0" eaLnBrk="1" fontAlgn="auto" latinLnBrk="0" hangingPunct="1">
-              <a:lnSpc>
-                <a:spcPct val="100000"/>
-              </a:lnSpc>
-              <a:spcBef>
-                <a:spcPts val="0"/>
-              </a:spcBef>
-              <a:spcAft>
-                <a:spcPts val="0"/>
-              </a:spcAft>
-              <a:buClrTx/>
-              <a:buSzTx/>
-              <a:buFontTx/>
-              <a:buAutoNum type="arabicPeriod"/>
-              <a:tabLst/>
-              <a:defRPr/>
-            </a:pPr>
-            <a:endParaRPr lang="ru-RU" baseline="0" dirty="0" smtClean="0"/>
+              <a:t> диаграмму</a:t>
+            </a:r>
           </a:p>
         </p:txBody>
       </p:sp>
@@ -2455,7 +2278,7 @@
     </p:spTree>
     <p:extLst>
       <p:ext uri="{BB962C8B-B14F-4D97-AF65-F5344CB8AC3E}">
-        <p14:creationId xmlns:p14="http://schemas.microsoft.com/office/powerpoint/2010/main" val="2840477499"/>
+        <p14:creationId xmlns:p14="http://schemas.microsoft.com/office/powerpoint/2010/main" val="78102990"/>
       </p:ext>
     </p:extLst>
   </p:cSld>
@@ -2509,40 +2332,43 @@
           <a:bodyPr/>
           <a:lstStyle/>
           <a:p>
-            <a:pPr marL="0" marR="0" lvl="0" indent="0" algn="l" defTabSz="1161105" rtl="0" eaLnBrk="1" fontAlgn="auto" latinLnBrk="0" hangingPunct="1">
-              <a:lnSpc>
-                <a:spcPct val="100000"/>
-              </a:lnSpc>
-              <a:spcBef>
-                <a:spcPts val="0"/>
-              </a:spcBef>
-              <a:spcAft>
-                <a:spcPts val="0"/>
-              </a:spcAft>
-              <a:buClrTx/>
-              <a:buSzTx/>
-              <a:buFontTx/>
-              <a:buNone/>
-              <a:tabLst/>
-              <a:defRPr/>
-            </a:pPr>
             <a:r>
               <a:rPr lang="ru-RU" baseline="0" dirty="0" smtClean="0"/>
-              <a:t>Здесь представлены стандартные варианты </a:t>
-            </a:r>
-            <a:r>
-              <a:rPr lang="ru-RU" baseline="0" dirty="0" err="1" smtClean="0"/>
-              <a:t>митигации</a:t>
+              <a:t>Вот в качестве примера я привел </a:t>
+            </a:r>
+            <a:r>
+              <a:rPr lang="en-US" baseline="0" dirty="0" smtClean="0"/>
+              <a:t>DFD</a:t>
             </a:r>
             <a:r>
               <a:rPr lang="ru-RU" baseline="0" dirty="0" smtClean="0"/>
-              <a:t> </a:t>
-            </a:r>
-            <a:r>
-              <a:rPr lang="ru-RU" baseline="0" smtClean="0"/>
-              <a:t>угроз.</a:t>
+              <a:t> диаграмму какого-то сервера, который принимает запросы по сети от пользователя и складывает их в базу.</a:t>
             </a:r>
             <a:endParaRPr lang="en-US" baseline="0" dirty="0" smtClean="0"/>
+          </a:p>
+          <a:p>
+            <a:endParaRPr lang="en-US" baseline="0" dirty="0" smtClean="0"/>
+          </a:p>
+          <a:p>
+            <a:r>
+              <a:rPr lang="ru-RU" baseline="0" dirty="0" smtClean="0"/>
+              <a:t>Я это делал в </a:t>
+            </a:r>
+            <a:r>
+              <a:rPr lang="ru-RU" baseline="0" dirty="0" smtClean="0"/>
+              <a:t>программе </a:t>
+            </a:r>
+            <a:r>
+              <a:rPr lang="en-US" baseline="0" dirty="0" smtClean="0"/>
+              <a:t>Microsoft Threat Modelling Tool</a:t>
+            </a:r>
+            <a:r>
+              <a:rPr lang="en-US" baseline="0" dirty="0" smtClean="0"/>
+              <a:t>.</a:t>
+            </a:r>
+          </a:p>
+          <a:p>
+            <a:endParaRPr lang="ru-RU" baseline="0" dirty="0" smtClean="0"/>
           </a:p>
         </p:txBody>
       </p:sp>
@@ -2573,7 +2399,7 @@
     </p:spTree>
     <p:extLst>
       <p:ext uri="{BB962C8B-B14F-4D97-AF65-F5344CB8AC3E}">
-        <p14:creationId xmlns:p14="http://schemas.microsoft.com/office/powerpoint/2010/main" val="1112912105"/>
+        <p14:creationId xmlns:p14="http://schemas.microsoft.com/office/powerpoint/2010/main" val="2345022417"/>
       </p:ext>
     </p:extLst>
   </p:cSld>
@@ -2693,7 +2519,15 @@
             </a:pPr>
             <a:r>
               <a:rPr lang="ru-RU" baseline="0" dirty="0" smtClean="0"/>
-              <a:t>В первой части я попытаюсь кратко рассказать о том как можно разрабатывать архитектуру приложений с упором на безопасность, на основе методологии </a:t>
+              <a:t>В первой части я попытаюсь кратко рассказать о том как </a:t>
+            </a:r>
+            <a:r>
+              <a:rPr lang="ru-RU" baseline="0" dirty="0" smtClean="0"/>
+              <a:t>можно проектировать приложения с упором на безопасность, </a:t>
+            </a:r>
+            <a:r>
+              <a:rPr lang="ru-RU" baseline="0" dirty="0" smtClean="0"/>
+              <a:t>на основе методологии </a:t>
             </a:r>
             <a:r>
               <a:rPr lang="en-US" baseline="0" dirty="0" smtClean="0"/>
@@ -2787,7 +2621,15 @@
             </a:pPr>
             <a:r>
               <a:rPr lang="ru-RU" baseline="0" dirty="0" smtClean="0"/>
-              <a:t>Программирования в этой лекции практически не будет, но, надеюсь, она будет не менее интересной.</a:t>
+              <a:t>Программирования в этой лекции </a:t>
+            </a:r>
+            <a:r>
+              <a:rPr lang="ru-RU" baseline="0" dirty="0" smtClean="0"/>
+              <a:t>не </a:t>
+            </a:r>
+            <a:r>
+              <a:rPr lang="ru-RU" baseline="0" dirty="0" smtClean="0"/>
+              <a:t>будет, но, надеюсь, она будет не менее интересной.</a:t>
             </a:r>
           </a:p>
           <a:p>
@@ -2830,7 +2672,27 @@
             </a:pPr>
             <a:r>
               <a:rPr lang="ru-RU" baseline="0" dirty="0" smtClean="0"/>
-              <a:t>Мы будем обсуждать вопросы проектирования ПО. Именно на этапе проектирования закладываются основные ограничения и принципы работы ПО. Именно на этом этапе закладываются и «концептуальные» - нерешаемые проблемы, которые в дальнейшем без переделки архитектуры не исправить, поэтому важность проектирования ПО сложно переоценить.</a:t>
+              <a:t>Мы будем обсуждать вопросы проектирования </a:t>
+            </a:r>
+            <a:r>
+              <a:rPr lang="ru-RU" baseline="0" dirty="0" smtClean="0"/>
+              <a:t>ПО в контексте безопасности. На </a:t>
+            </a:r>
+            <a:r>
+              <a:rPr lang="ru-RU" baseline="0" dirty="0" smtClean="0"/>
+              <a:t>этапе проектирования закладываются основные ограничения и принципы работы </a:t>
+            </a:r>
+            <a:r>
+              <a:rPr lang="ru-RU" baseline="0" dirty="0" smtClean="0"/>
+              <a:t>ПО, также на этапе проектирования закладываются основные проблемы и уязвимости. Сейчас в эпоху интернета, облачных технологий, </a:t>
+            </a:r>
+            <a:r>
+              <a:rPr lang="en-US" baseline="0" dirty="0" smtClean="0"/>
+              <a:t>Internet Of Things</a:t>
+            </a:r>
+            <a:r>
+              <a:rPr lang="ru-RU" baseline="0" dirty="0" smtClean="0"/>
+              <a:t>, вопросы безопасности как никогда актуальны. Поэтому анализ безопасности нашего ПО необходимо проводить начиная с момента проектирования ПО.</a:t>
             </a:r>
           </a:p>
           <a:p>
@@ -2852,217 +2714,6 @@
               <a:defRPr/>
             </a:pPr>
             <a:endParaRPr lang="ru-RU" baseline="0" dirty="0" smtClean="0"/>
-          </a:p>
-          <a:p>
-            <a:pPr marL="0" marR="0" lvl="0" indent="0" algn="l" defTabSz="1161105" rtl="0" eaLnBrk="1" fontAlgn="auto" latinLnBrk="0" hangingPunct="1">
-              <a:lnSpc>
-                <a:spcPct val="100000"/>
-              </a:lnSpc>
-              <a:spcBef>
-                <a:spcPts val="0"/>
-              </a:spcBef>
-              <a:spcAft>
-                <a:spcPts val="0"/>
-              </a:spcAft>
-              <a:buClrTx/>
-              <a:buSzTx/>
-              <a:buFontTx/>
-              <a:buNone/>
-              <a:tabLst/>
-              <a:defRPr/>
-            </a:pPr>
-            <a:r>
-              <a:rPr lang="ru-RU" baseline="0" dirty="0" smtClean="0"/>
-              <a:t>Это на самом деле сложная задача но довольно интересная. Так как именно здесь мы можем решить, как мы будем разрабатывать нашу компоненту: будем использовать новые, экспериментальные технологии, или же сделаем с помощью проверенных временем решений.</a:t>
-            </a:r>
-          </a:p>
-          <a:p>
-            <a:pPr marL="0" marR="0" lvl="0" indent="0" algn="l" defTabSz="1161105" rtl="0" eaLnBrk="1" fontAlgn="auto" latinLnBrk="0" hangingPunct="1">
-              <a:lnSpc>
-                <a:spcPct val="100000"/>
-              </a:lnSpc>
-              <a:spcBef>
-                <a:spcPts val="0"/>
-              </a:spcBef>
-              <a:spcAft>
-                <a:spcPts val="0"/>
-              </a:spcAft>
-              <a:buClrTx/>
-              <a:buSzTx/>
-              <a:buFontTx/>
-              <a:buNone/>
-              <a:tabLst/>
-              <a:defRPr/>
-            </a:pPr>
-            <a:endParaRPr lang="ru-RU" baseline="0" dirty="0" smtClean="0"/>
-          </a:p>
-          <a:p>
-            <a:pPr marL="0" marR="0" lvl="0" indent="0" algn="l" defTabSz="1161105" rtl="0" eaLnBrk="1" fontAlgn="auto" latinLnBrk="0" hangingPunct="1">
-              <a:lnSpc>
-                <a:spcPct val="100000"/>
-              </a:lnSpc>
-              <a:spcBef>
-                <a:spcPts val="0"/>
-              </a:spcBef>
-              <a:spcAft>
-                <a:spcPts val="0"/>
-              </a:spcAft>
-              <a:buClrTx/>
-              <a:buSzTx/>
-              <a:buFontTx/>
-              <a:buNone/>
-              <a:tabLst/>
-              <a:defRPr/>
-            </a:pPr>
-            <a:r>
-              <a:rPr lang="ru-RU" baseline="0" dirty="0" smtClean="0"/>
-              <a:t>Точно также на этапе проектирования ПО мы должны решить вопросы безопасности. Сейчас в эпоху интернета, облачных технологий, </a:t>
-            </a:r>
-            <a:r>
-              <a:rPr lang="en-US" baseline="0" dirty="0" smtClean="0"/>
-              <a:t>Internet Of Things</a:t>
-            </a:r>
-            <a:r>
-              <a:rPr lang="ru-RU" baseline="0" dirty="0" smtClean="0"/>
-              <a:t>, вопросы </a:t>
-            </a:r>
-            <a:r>
-              <a:rPr lang="ru-RU" baseline="0" dirty="0" err="1" smtClean="0"/>
-              <a:t>кибербезопасности</a:t>
-            </a:r>
-            <a:r>
-              <a:rPr lang="ru-RU" baseline="0" dirty="0" smtClean="0"/>
-              <a:t> как никогда актуальны.</a:t>
-            </a:r>
-          </a:p>
-          <a:p>
-            <a:pPr marL="0" marR="0" lvl="0" indent="0" algn="l" defTabSz="1161105" rtl="0" eaLnBrk="1" fontAlgn="auto" latinLnBrk="0" hangingPunct="1">
-              <a:lnSpc>
-                <a:spcPct val="100000"/>
-              </a:lnSpc>
-              <a:spcBef>
-                <a:spcPts val="0"/>
-              </a:spcBef>
-              <a:spcAft>
-                <a:spcPts val="0"/>
-              </a:spcAft>
-              <a:buClrTx/>
-              <a:buSzTx/>
-              <a:buFontTx/>
-              <a:buNone/>
-              <a:tabLst/>
-              <a:defRPr/>
-            </a:pPr>
-            <a:endParaRPr lang="ru-RU" baseline="0" dirty="0" smtClean="0"/>
-          </a:p>
-          <a:p>
-            <a:pPr marL="0" marR="0" lvl="0" indent="0" algn="l" defTabSz="1161105" rtl="0" eaLnBrk="1" fontAlgn="auto" latinLnBrk="0" hangingPunct="1">
-              <a:lnSpc>
-                <a:spcPct val="100000"/>
-              </a:lnSpc>
-              <a:spcBef>
-                <a:spcPts val="0"/>
-              </a:spcBef>
-              <a:spcAft>
-                <a:spcPts val="0"/>
-              </a:spcAft>
-              <a:buClrTx/>
-              <a:buSzTx/>
-              <a:buFontTx/>
-              <a:buNone/>
-              <a:tabLst/>
-              <a:defRPr/>
-            </a:pPr>
-            <a:r>
-              <a:rPr lang="ru-RU" baseline="0" dirty="0" smtClean="0"/>
-              <a:t>Для того, чтобы наше решение было безопасным, быстрым, надежным, удобным, нам просто необходима предварительная проработка архитектуры нашей программы.</a:t>
-            </a:r>
-          </a:p>
-          <a:p>
-            <a:pPr marL="0" marR="0" lvl="0" indent="0" algn="l" defTabSz="1161105" rtl="0" eaLnBrk="1" fontAlgn="auto" latinLnBrk="0" hangingPunct="1">
-              <a:lnSpc>
-                <a:spcPct val="100000"/>
-              </a:lnSpc>
-              <a:spcBef>
-                <a:spcPts val="0"/>
-              </a:spcBef>
-              <a:spcAft>
-                <a:spcPts val="0"/>
-              </a:spcAft>
-              <a:buClrTx/>
-              <a:buSzTx/>
-              <a:buFontTx/>
-              <a:buNone/>
-              <a:tabLst/>
-              <a:defRPr/>
-            </a:pPr>
-            <a:endParaRPr lang="ru-RU" baseline="0" dirty="0" smtClean="0"/>
-          </a:p>
-          <a:p>
-            <a:pPr marL="0" marR="0" lvl="0" indent="0" algn="l" defTabSz="1161105" rtl="0" eaLnBrk="1" fontAlgn="auto" latinLnBrk="0" hangingPunct="1">
-              <a:lnSpc>
-                <a:spcPct val="100000"/>
-              </a:lnSpc>
-              <a:spcBef>
-                <a:spcPts val="0"/>
-              </a:spcBef>
-              <a:spcAft>
-                <a:spcPts val="0"/>
-              </a:spcAft>
-              <a:buClrTx/>
-              <a:buSzTx/>
-              <a:buFontTx/>
-              <a:buNone/>
-              <a:tabLst/>
-              <a:defRPr/>
-            </a:pPr>
-            <a:r>
-              <a:rPr lang="ru-RU" baseline="0" dirty="0" smtClean="0"/>
-              <a:t>Проектирование – это сложно, это почти всегда компромисс. Большая удача, если предложенное решение будет надежным, быстрым, удобным и легко реализуемым. Но в этом и состоит искусство проектирования.</a:t>
-            </a:r>
-          </a:p>
-          <a:p>
-            <a:pPr marL="0" marR="0" lvl="0" indent="0" algn="l" defTabSz="1161105" rtl="0" eaLnBrk="1" fontAlgn="auto" latinLnBrk="0" hangingPunct="1">
-              <a:lnSpc>
-                <a:spcPct val="100000"/>
-              </a:lnSpc>
-              <a:spcBef>
-                <a:spcPts val="0"/>
-              </a:spcBef>
-              <a:spcAft>
-                <a:spcPts val="0"/>
-              </a:spcAft>
-              <a:buClrTx/>
-              <a:buSzTx/>
-              <a:buFontTx/>
-              <a:buNone/>
-              <a:tabLst/>
-              <a:defRPr/>
-            </a:pPr>
-            <a:endParaRPr lang="ru-RU" baseline="0" dirty="0" smtClean="0"/>
-          </a:p>
-          <a:p>
-            <a:pPr marL="0" marR="0" lvl="0" indent="0" algn="l" defTabSz="1161105" rtl="0" eaLnBrk="1" fontAlgn="auto" latinLnBrk="0" hangingPunct="1">
-              <a:lnSpc>
-                <a:spcPct val="100000"/>
-              </a:lnSpc>
-              <a:spcBef>
-                <a:spcPts val="0"/>
-              </a:spcBef>
-              <a:spcAft>
-                <a:spcPts val="0"/>
-              </a:spcAft>
-              <a:buClrTx/>
-              <a:buSzTx/>
-              <a:buFontTx/>
-              <a:buNone/>
-              <a:tabLst/>
-              <a:defRPr/>
-            </a:pPr>
-            <a:r>
-              <a:rPr lang="ru-RU" baseline="0" dirty="0" smtClean="0"/>
-              <a:t>Итак, поехали.</a:t>
-            </a:r>
           </a:p>
         </p:txBody>
       </p:sp>
@@ -3122,7 +2773,7 @@
       </p:grpSpPr>
       <p:sp>
         <p:nvSpPr>
-          <p:cNvPr id="2" name="Slide Image Placeholder 1"/>
+          <p:cNvPr id="2" name="Образ слайда 1"/>
           <p:cNvSpPr>
             <a:spLocks noGrp="1" noRot="1" noChangeAspect="1"/>
           </p:cNvSpPr>
@@ -3134,7 +2785,7 @@
       </p:sp>
       <p:sp>
         <p:nvSpPr>
-          <p:cNvPr id="3" name="Notes Placeholder 2"/>
+          <p:cNvPr id="3" name="Заметки 2"/>
           <p:cNvSpPr>
             <a:spLocks noGrp="1"/>
           </p:cNvSpPr>
@@ -3147,37 +2798,37 @@
           <a:bodyPr/>
           <a:lstStyle/>
           <a:p>
-            <a:pPr marL="0" marR="0" indent="0" algn="l" defTabSz="1161105" rtl="0" eaLnBrk="1" fontAlgn="auto" latinLnBrk="0" hangingPunct="1">
-              <a:lnSpc>
-                <a:spcPct val="100000"/>
-              </a:lnSpc>
-              <a:spcBef>
-                <a:spcPts val="0"/>
-              </a:spcBef>
-              <a:spcAft>
-                <a:spcPts val="0"/>
-              </a:spcAft>
-              <a:buClrTx/>
-              <a:buSzTx/>
-              <a:buFontTx/>
-              <a:buNone/>
-              <a:tabLst/>
-              <a:defRPr/>
-            </a:pPr>
-            <a:r>
-              <a:rPr lang="ru-RU" dirty="0" err="1"/>
-              <a:t>Дискас</a:t>
-            </a:r>
-            <a:r>
-              <a:rPr lang="ru-RU" dirty="0"/>
-              <a:t>!</a:t>
-            </a:r>
-          </a:p>
-        </p:txBody>
-      </p:sp>
-      <p:sp>
-        <p:nvSpPr>
-          <p:cNvPr id="4" name="Slide Number Placeholder 3"/>
+            <a:r>
+              <a:rPr lang="ru-RU" baseline="0" dirty="0" smtClean="0"/>
+              <a:t>Ну и напоследок, табличка, облегчающая анализ </a:t>
+            </a:r>
+            <a:r>
+              <a:rPr lang="en-US" baseline="0" dirty="0" smtClean="0"/>
+              <a:t>DFD</a:t>
+            </a:r>
+            <a:r>
+              <a:rPr lang="ru-RU" baseline="0" dirty="0" smtClean="0"/>
+              <a:t> диаграмм на наличие угроз</a:t>
+            </a:r>
+            <a:r>
+              <a:rPr lang="en-US" baseline="0" dirty="0" smtClean="0"/>
+              <a:t>.</a:t>
+            </a:r>
+          </a:p>
+          <a:p>
+            <a:r>
+              <a:rPr lang="ru-RU" baseline="0" dirty="0" smtClean="0"/>
+              <a:t>В соответствии с этой табличкой вы можете проводить быстрый анализ угроз.</a:t>
+            </a:r>
+          </a:p>
+          <a:p>
+            <a:endParaRPr lang="ru-RU" baseline="0" dirty="0" smtClean="0"/>
+          </a:p>
+        </p:txBody>
+      </p:sp>
+      <p:sp>
+        <p:nvSpPr>
+          <p:cNvPr id="4" name="Номер слайда 3"/>
           <p:cNvSpPr>
             <a:spLocks noGrp="1"/>
           </p:cNvSpPr>
@@ -3191,26 +2842,18 @@
           <a:lstStyle/>
           <a:p>
             <a:fld id="{83FDD216-B18C-4F7A-91C3-E6C7F0FB2278}" type="slidenum">
-              <a:rPr lang="ru-RU" smtClean="0">
-                <a:solidFill>
-                  <a:prstClr val="black"/>
-                </a:solidFill>
-              </a:rPr>
+              <a:rPr lang="ru-RU" smtClean="0"/>
               <a:pPr/>
               <a:t>20</a:t>
             </a:fld>
-            <a:endParaRPr lang="ru-RU">
-              <a:solidFill>
-                <a:prstClr val="black"/>
-              </a:solidFill>
-            </a:endParaRPr>
+            <a:endParaRPr lang="ru-RU" dirty="0"/>
           </a:p>
         </p:txBody>
       </p:sp>
     </p:spTree>
     <p:extLst>
       <p:ext uri="{BB962C8B-B14F-4D97-AF65-F5344CB8AC3E}">
-        <p14:creationId xmlns:p14="http://schemas.microsoft.com/office/powerpoint/2010/main" val="2147510594"/>
+        <p14:creationId xmlns:p14="http://schemas.microsoft.com/office/powerpoint/2010/main" val="3168373287"/>
       </p:ext>
     </p:extLst>
   </p:cSld>
@@ -3264,7 +2907,344 @@
           <a:bodyPr/>
           <a:lstStyle/>
           <a:p>
-            <a:endParaRPr lang="en-US" baseline="0" dirty="0"/>
+            <a:pPr marL="0" marR="0" lvl="0" indent="0" algn="l" defTabSz="1161105" rtl="0" eaLnBrk="1" fontAlgn="auto" latinLnBrk="0" hangingPunct="1">
+              <a:lnSpc>
+                <a:spcPct val="100000"/>
+              </a:lnSpc>
+              <a:spcBef>
+                <a:spcPts val="0"/>
+              </a:spcBef>
+              <a:spcAft>
+                <a:spcPts val="0"/>
+              </a:spcAft>
+              <a:buClrTx/>
+              <a:buSzTx/>
+              <a:buFontTx/>
+              <a:buNone/>
+              <a:tabLst/>
+              <a:defRPr/>
+            </a:pPr>
+            <a:r>
+              <a:rPr lang="ru-RU" baseline="0" dirty="0" smtClean="0"/>
+              <a:t>Ну и напоследок, один вопрос, что мы со всей этой информацией будем делать?</a:t>
+            </a:r>
+          </a:p>
+          <a:p>
+            <a:pPr marL="0" marR="0" lvl="0" indent="0" algn="l" defTabSz="1161105" rtl="0" eaLnBrk="1" fontAlgn="auto" latinLnBrk="0" hangingPunct="1">
+              <a:lnSpc>
+                <a:spcPct val="100000"/>
+              </a:lnSpc>
+              <a:spcBef>
+                <a:spcPts val="0"/>
+              </a:spcBef>
+              <a:spcAft>
+                <a:spcPts val="0"/>
+              </a:spcAft>
+              <a:buClrTx/>
+              <a:buSzTx/>
+              <a:buFontTx/>
+              <a:buNone/>
+              <a:tabLst/>
+              <a:defRPr/>
+            </a:pPr>
+            <a:endParaRPr lang="ru-RU" baseline="0" dirty="0" smtClean="0"/>
+          </a:p>
+          <a:p>
+            <a:pPr marL="0" marR="0" lvl="0" indent="0" algn="l" defTabSz="1161105" rtl="0" eaLnBrk="1" fontAlgn="auto" latinLnBrk="0" hangingPunct="1">
+              <a:lnSpc>
+                <a:spcPct val="100000"/>
+              </a:lnSpc>
+              <a:spcBef>
+                <a:spcPts val="0"/>
+              </a:spcBef>
+              <a:spcAft>
+                <a:spcPts val="0"/>
+              </a:spcAft>
+              <a:buClrTx/>
+              <a:buSzTx/>
+              <a:buFontTx/>
+              <a:buNone/>
+              <a:tabLst/>
+              <a:defRPr/>
+            </a:pPr>
+            <a:r>
+              <a:rPr lang="ru-RU" baseline="0" dirty="0" smtClean="0"/>
+              <a:t>Вот мы построили </a:t>
+            </a:r>
+            <a:r>
+              <a:rPr lang="en-US" baseline="0" dirty="0" smtClean="0"/>
+              <a:t>DFD</a:t>
+            </a:r>
+            <a:r>
+              <a:rPr lang="ru-RU" baseline="0" dirty="0" smtClean="0"/>
+              <a:t> диаграммы, выписали все угрозы. Что теперь с этим делать.</a:t>
+            </a:r>
+          </a:p>
+          <a:p>
+            <a:pPr marL="0" marR="0" lvl="0" indent="0" algn="l" defTabSz="1161105" rtl="0" eaLnBrk="1" fontAlgn="auto" latinLnBrk="0" hangingPunct="1">
+              <a:lnSpc>
+                <a:spcPct val="100000"/>
+              </a:lnSpc>
+              <a:spcBef>
+                <a:spcPts val="0"/>
+              </a:spcBef>
+              <a:spcAft>
+                <a:spcPts val="0"/>
+              </a:spcAft>
+              <a:buClrTx/>
+              <a:buSzTx/>
+              <a:buFontTx/>
+              <a:buNone/>
+              <a:tabLst/>
+              <a:defRPr/>
+            </a:pPr>
+            <a:endParaRPr lang="ru-RU" baseline="0" dirty="0" smtClean="0"/>
+          </a:p>
+          <a:p>
+            <a:pPr marL="0" marR="0" lvl="0" indent="0" algn="l" defTabSz="1161105" rtl="0" eaLnBrk="1" fontAlgn="auto" latinLnBrk="0" hangingPunct="1">
+              <a:lnSpc>
+                <a:spcPct val="100000"/>
+              </a:lnSpc>
+              <a:spcBef>
+                <a:spcPts val="0"/>
+              </a:spcBef>
+              <a:spcAft>
+                <a:spcPts val="0"/>
+              </a:spcAft>
+              <a:buClrTx/>
+              <a:buSzTx/>
+              <a:buFontTx/>
+              <a:buNone/>
+              <a:tabLst/>
+              <a:defRPr/>
+            </a:pPr>
+            <a:r>
+              <a:rPr lang="ru-RU" baseline="0" dirty="0" smtClean="0"/>
+              <a:t>В </a:t>
+            </a:r>
+            <a:r>
+              <a:rPr lang="en-US" baseline="0" dirty="0" smtClean="0"/>
+              <a:t>SDL </a:t>
+            </a:r>
+            <a:r>
+              <a:rPr lang="ru-RU" baseline="0" dirty="0" smtClean="0"/>
+              <a:t>есть такое понятие </a:t>
+            </a:r>
+            <a:r>
+              <a:rPr lang="en-US" baseline="0" dirty="0" smtClean="0"/>
+              <a:t>threat mitigation – </a:t>
+            </a:r>
+            <a:r>
+              <a:rPr lang="ru-RU" baseline="0" dirty="0" smtClean="0"/>
+              <a:t>смягчение угрозы.</a:t>
+            </a:r>
+          </a:p>
+          <a:p>
+            <a:pPr marL="0" marR="0" lvl="0" indent="0" algn="l" defTabSz="1161105" rtl="0" eaLnBrk="1" fontAlgn="auto" latinLnBrk="0" hangingPunct="1">
+              <a:lnSpc>
+                <a:spcPct val="100000"/>
+              </a:lnSpc>
+              <a:spcBef>
+                <a:spcPts val="0"/>
+              </a:spcBef>
+              <a:spcAft>
+                <a:spcPts val="0"/>
+              </a:spcAft>
+              <a:buClrTx/>
+              <a:buSzTx/>
+              <a:buFontTx/>
+              <a:buNone/>
+              <a:tabLst/>
+              <a:defRPr/>
+            </a:pPr>
+            <a:r>
+              <a:rPr lang="ru-RU" baseline="0" dirty="0" smtClean="0"/>
+              <a:t>Это такая последовательность действий, которая призвана уменьшить угрозу до приемлемого уровня, или совсем от нее избавиться.</a:t>
+            </a:r>
+          </a:p>
+          <a:p>
+            <a:pPr marL="0" marR="0" lvl="0" indent="0" algn="l" defTabSz="1161105" rtl="0" eaLnBrk="1" fontAlgn="auto" latinLnBrk="0" hangingPunct="1">
+              <a:lnSpc>
+                <a:spcPct val="100000"/>
+              </a:lnSpc>
+              <a:spcBef>
+                <a:spcPts val="0"/>
+              </a:spcBef>
+              <a:spcAft>
+                <a:spcPts val="0"/>
+              </a:spcAft>
+              <a:buClrTx/>
+              <a:buSzTx/>
+              <a:buFontTx/>
+              <a:buNone/>
+              <a:tabLst/>
+              <a:defRPr/>
+            </a:pPr>
+            <a:endParaRPr lang="ru-RU" baseline="0" dirty="0" smtClean="0"/>
+          </a:p>
+          <a:p>
+            <a:pPr marL="0" marR="0" lvl="0" indent="0" algn="l" defTabSz="1161105" rtl="0" eaLnBrk="1" fontAlgn="auto" latinLnBrk="0" hangingPunct="1">
+              <a:lnSpc>
+                <a:spcPct val="100000"/>
+              </a:lnSpc>
+              <a:spcBef>
+                <a:spcPts val="0"/>
+              </a:spcBef>
+              <a:spcAft>
+                <a:spcPts val="0"/>
+              </a:spcAft>
+              <a:buClrTx/>
+              <a:buSzTx/>
+              <a:buFontTx/>
+              <a:buNone/>
+              <a:tabLst/>
+              <a:defRPr/>
+            </a:pPr>
+            <a:r>
+              <a:rPr lang="ru-RU" baseline="0" dirty="0" smtClean="0"/>
+              <a:t>Бывают разные способы </a:t>
+            </a:r>
+            <a:r>
+              <a:rPr lang="ru-RU" baseline="0" dirty="0" err="1" smtClean="0"/>
+              <a:t>митигации</a:t>
+            </a:r>
+            <a:r>
+              <a:rPr lang="ru-RU" baseline="0" dirty="0" smtClean="0"/>
+              <a:t> угроз:</a:t>
+            </a:r>
+          </a:p>
+          <a:p>
+            <a:pPr marL="0" marR="0" lvl="0" indent="0" algn="l" defTabSz="1161105" rtl="0" eaLnBrk="1" fontAlgn="auto" latinLnBrk="0" hangingPunct="1">
+              <a:lnSpc>
+                <a:spcPct val="100000"/>
+              </a:lnSpc>
+              <a:spcBef>
+                <a:spcPts val="0"/>
+              </a:spcBef>
+              <a:spcAft>
+                <a:spcPts val="0"/>
+              </a:spcAft>
+              <a:buClrTx/>
+              <a:buSzTx/>
+              <a:buFontTx/>
+              <a:buNone/>
+              <a:tabLst/>
+              <a:defRPr/>
+            </a:pPr>
+            <a:endParaRPr lang="ru-RU" baseline="0" dirty="0" smtClean="0"/>
+          </a:p>
+          <a:p>
+            <a:pPr marL="342900" marR="0" lvl="0" indent="-342900" algn="l" defTabSz="1161105" rtl="0" eaLnBrk="1" fontAlgn="auto" latinLnBrk="0" hangingPunct="1">
+              <a:lnSpc>
+                <a:spcPct val="100000"/>
+              </a:lnSpc>
+              <a:spcBef>
+                <a:spcPts val="0"/>
+              </a:spcBef>
+              <a:spcAft>
+                <a:spcPts val="0"/>
+              </a:spcAft>
+              <a:buClrTx/>
+              <a:buSzTx/>
+              <a:buFontTx/>
+              <a:buAutoNum type="arabicPeriod"/>
+              <a:tabLst/>
+              <a:defRPr/>
+            </a:pPr>
+            <a:r>
+              <a:rPr lang="ru-RU" baseline="0" dirty="0" smtClean="0"/>
+              <a:t>Например, мы можем на этапе дизайна переработать (или вообще убрать) потоки данных или приложение, так что угроза исчезнет.</a:t>
+            </a:r>
+          </a:p>
+          <a:p>
+            <a:pPr marL="342900" marR="0" lvl="0" indent="-342900" algn="l" defTabSz="1161105" rtl="0" eaLnBrk="1" fontAlgn="auto" latinLnBrk="0" hangingPunct="1">
+              <a:lnSpc>
+                <a:spcPct val="100000"/>
+              </a:lnSpc>
+              <a:spcBef>
+                <a:spcPts val="0"/>
+              </a:spcBef>
+              <a:spcAft>
+                <a:spcPts val="0"/>
+              </a:spcAft>
+              <a:buClrTx/>
+              <a:buSzTx/>
+              <a:buFontTx/>
+              <a:buAutoNum type="arabicPeriod"/>
+              <a:tabLst/>
+              <a:defRPr/>
+            </a:pPr>
+            <a:r>
+              <a:rPr lang="ru-RU" baseline="0" dirty="0" smtClean="0"/>
+              <a:t>Мы можем использовать какую-то стандартную </a:t>
+            </a:r>
+            <a:r>
+              <a:rPr lang="ru-RU" baseline="0" dirty="0" err="1" smtClean="0"/>
+              <a:t>митигацию</a:t>
+            </a:r>
+            <a:r>
+              <a:rPr lang="ru-RU" baseline="0" dirty="0" smtClean="0"/>
+              <a:t> (об этом позже).</a:t>
+            </a:r>
+          </a:p>
+          <a:p>
+            <a:pPr marL="342900" marR="0" lvl="0" indent="-342900" algn="l" defTabSz="1161105" rtl="0" eaLnBrk="1" fontAlgn="auto" latinLnBrk="0" hangingPunct="1">
+              <a:lnSpc>
+                <a:spcPct val="100000"/>
+              </a:lnSpc>
+              <a:spcBef>
+                <a:spcPts val="0"/>
+              </a:spcBef>
+              <a:spcAft>
+                <a:spcPts val="0"/>
+              </a:spcAft>
+              <a:buClrTx/>
+              <a:buSzTx/>
+              <a:buFontTx/>
+              <a:buAutoNum type="arabicPeriod"/>
+              <a:tabLst/>
+              <a:defRPr/>
+            </a:pPr>
+            <a:r>
+              <a:rPr lang="ru-RU" baseline="0" dirty="0" smtClean="0"/>
+              <a:t>Мы можем внести описание угрозы в публичную документацию к нашей программе. Например: внимание, данная программа не обеспечивает конфиденциальности данных. Пожалуйста, используйте другие программы по защите данных, например </a:t>
+            </a:r>
+            <a:r>
+              <a:rPr lang="en-US" baseline="0" dirty="0" err="1" smtClean="0"/>
+              <a:t>GnuPG</a:t>
+            </a:r>
+            <a:r>
+              <a:rPr lang="ru-RU" baseline="0" dirty="0" smtClean="0"/>
+              <a:t>. Или, для того чтобы обезопасить себя от утечки данных, настройте </a:t>
+            </a:r>
+            <a:r>
+              <a:rPr lang="en-US" baseline="0" dirty="0" err="1" smtClean="0"/>
+              <a:t>FireWall</a:t>
+            </a:r>
+            <a:r>
+              <a:rPr lang="ru-RU" baseline="0" dirty="0" smtClean="0"/>
+              <a:t>, так чтобы он блокировал все соединения на порту 8080.</a:t>
+            </a:r>
+          </a:p>
+          <a:p>
+            <a:pPr marL="342900" marR="0" lvl="0" indent="-342900" algn="l" defTabSz="1161105" rtl="0" eaLnBrk="1" fontAlgn="auto" latinLnBrk="0" hangingPunct="1">
+              <a:lnSpc>
+                <a:spcPct val="100000"/>
+              </a:lnSpc>
+              <a:spcBef>
+                <a:spcPts val="0"/>
+              </a:spcBef>
+              <a:spcAft>
+                <a:spcPts val="0"/>
+              </a:spcAft>
+              <a:buClrTx/>
+              <a:buSzTx/>
+              <a:buFontTx/>
+              <a:buAutoNum type="arabicPeriod"/>
+              <a:tabLst/>
+              <a:defRPr/>
+            </a:pPr>
+            <a:endParaRPr lang="ru-RU" baseline="0" dirty="0" smtClean="0"/>
           </a:p>
         </p:txBody>
       </p:sp>
@@ -3295,7 +3275,7 @@
     </p:spTree>
     <p:extLst>
       <p:ext uri="{BB962C8B-B14F-4D97-AF65-F5344CB8AC3E}">
-        <p14:creationId xmlns:p14="http://schemas.microsoft.com/office/powerpoint/2010/main" val="3131211651"/>
+        <p14:creationId xmlns:p14="http://schemas.microsoft.com/office/powerpoint/2010/main" val="2840477499"/>
       </p:ext>
     </p:extLst>
   </p:cSld>
@@ -3349,7 +3329,36 @@
           <a:bodyPr/>
           <a:lstStyle/>
           <a:p>
-            <a:endParaRPr lang="ru-RU" baseline="0" dirty="0" smtClean="0"/>
+            <a:pPr marL="0" marR="0" lvl="0" indent="0" algn="l" defTabSz="1161105" rtl="0" eaLnBrk="1" fontAlgn="auto" latinLnBrk="0" hangingPunct="1">
+              <a:lnSpc>
+                <a:spcPct val="100000"/>
+              </a:lnSpc>
+              <a:spcBef>
+                <a:spcPts val="0"/>
+              </a:spcBef>
+              <a:spcAft>
+                <a:spcPts val="0"/>
+              </a:spcAft>
+              <a:buClrTx/>
+              <a:buSzTx/>
+              <a:buFontTx/>
+              <a:buNone/>
+              <a:tabLst/>
+              <a:defRPr/>
+            </a:pPr>
+            <a:r>
+              <a:rPr lang="ru-RU" baseline="0" dirty="0" smtClean="0"/>
+              <a:t>Здесь представлены стандартные варианты </a:t>
+            </a:r>
+            <a:r>
+              <a:rPr lang="ru-RU" baseline="0" dirty="0" err="1" smtClean="0"/>
+              <a:t>митигации</a:t>
+            </a:r>
+            <a:r>
+              <a:rPr lang="ru-RU" baseline="0" dirty="0" smtClean="0"/>
+              <a:t> угроз.</a:t>
+            </a:r>
+            <a:endParaRPr lang="en-US" baseline="0" dirty="0" smtClean="0"/>
           </a:p>
         </p:txBody>
       </p:sp>
@@ -3380,7 +3389,7 @@
     </p:spTree>
     <p:extLst>
       <p:ext uri="{BB962C8B-B14F-4D97-AF65-F5344CB8AC3E}">
-        <p14:creationId xmlns:p14="http://schemas.microsoft.com/office/powerpoint/2010/main" val="2445790166"/>
+        <p14:creationId xmlns:p14="http://schemas.microsoft.com/office/powerpoint/2010/main" val="1112912105"/>
       </p:ext>
     </p:extLst>
   </p:cSld>
@@ -3409,7 +3418,7 @@
       </p:grpSpPr>
       <p:sp>
         <p:nvSpPr>
-          <p:cNvPr id="2" name="Образ слайда 1"/>
+          <p:cNvPr id="2" name="Slide Image Placeholder 1"/>
           <p:cNvSpPr>
             <a:spLocks noGrp="1" noRot="1" noChangeAspect="1"/>
           </p:cNvSpPr>
@@ -3421,7 +3430,7 @@
       </p:sp>
       <p:sp>
         <p:nvSpPr>
-          <p:cNvPr id="3" name="Заметки 2"/>
+          <p:cNvPr id="3" name="Notes Placeholder 2"/>
           <p:cNvSpPr>
             <a:spLocks noGrp="1"/>
           </p:cNvSpPr>
@@ -3434,13 +3443,37 @@
           <a:bodyPr/>
           <a:lstStyle/>
           <a:p>
-            <a:endParaRPr lang="ru-RU" baseline="0" dirty="0" smtClean="0"/>
-          </a:p>
-        </p:txBody>
-      </p:sp>
-      <p:sp>
-        <p:nvSpPr>
-          <p:cNvPr id="4" name="Номер слайда 3"/>
+            <a:pPr marL="0" marR="0" indent="0" algn="l" defTabSz="1161105" rtl="0" eaLnBrk="1" fontAlgn="auto" latinLnBrk="0" hangingPunct="1">
+              <a:lnSpc>
+                <a:spcPct val="100000"/>
+              </a:lnSpc>
+              <a:spcBef>
+                <a:spcPts val="0"/>
+              </a:spcBef>
+              <a:spcAft>
+                <a:spcPts val="0"/>
+              </a:spcAft>
+              <a:buClrTx/>
+              <a:buSzTx/>
+              <a:buFontTx/>
+              <a:buNone/>
+              <a:tabLst/>
+              <a:defRPr/>
+            </a:pPr>
+            <a:r>
+              <a:rPr lang="ru-RU" dirty="0" err="1"/>
+              <a:t>Дискас</a:t>
+            </a:r>
+            <a:r>
+              <a:rPr lang="ru-RU" dirty="0"/>
+              <a:t>!</a:t>
+            </a:r>
+          </a:p>
+        </p:txBody>
+      </p:sp>
+      <p:sp>
+        <p:nvSpPr>
+          <p:cNvPr id="4" name="Slide Number Placeholder 3"/>
           <p:cNvSpPr>
             <a:spLocks noGrp="1"/>
           </p:cNvSpPr>
@@ -3454,18 +3487,26 @@
           <a:lstStyle/>
           <a:p>
             <a:fld id="{83FDD216-B18C-4F7A-91C3-E6C7F0FB2278}" type="slidenum">
-              <a:rPr lang="ru-RU" smtClean="0"/>
+              <a:rPr lang="ru-RU" smtClean="0">
+                <a:solidFill>
+                  <a:prstClr val="black"/>
+                </a:solidFill>
+              </a:rPr>
               <a:pPr/>
               <a:t>23</a:t>
             </a:fld>
-            <a:endParaRPr lang="ru-RU" dirty="0"/>
+            <a:endParaRPr lang="ru-RU">
+              <a:solidFill>
+                <a:prstClr val="black"/>
+              </a:solidFill>
+            </a:endParaRPr>
           </a:p>
         </p:txBody>
       </p:sp>
     </p:spTree>
     <p:extLst>
       <p:ext uri="{BB962C8B-B14F-4D97-AF65-F5344CB8AC3E}">
-        <p14:creationId xmlns:p14="http://schemas.microsoft.com/office/powerpoint/2010/main" val="3518859395"/>
+        <p14:creationId xmlns:p14="http://schemas.microsoft.com/office/powerpoint/2010/main" val="2147510594"/>
       </p:ext>
     </p:extLst>
   </p:cSld>
@@ -3519,7 +3560,7 @@
           <a:bodyPr/>
           <a:lstStyle/>
           <a:p>
-            <a:endParaRPr lang="ru-RU" baseline="0" dirty="0" smtClean="0"/>
+            <a:endParaRPr lang="en-US" baseline="0" dirty="0"/>
           </a:p>
         </p:txBody>
       </p:sp>
@@ -3550,7 +3591,7 @@
     </p:spTree>
     <p:extLst>
       <p:ext uri="{BB962C8B-B14F-4D97-AF65-F5344CB8AC3E}">
-        <p14:creationId xmlns:p14="http://schemas.microsoft.com/office/powerpoint/2010/main" val="1113396651"/>
+        <p14:creationId xmlns:p14="http://schemas.microsoft.com/office/powerpoint/2010/main" val="3131211651"/>
       </p:ext>
     </p:extLst>
   </p:cSld>
@@ -3604,6 +3645,261 @@
           <a:bodyPr/>
           <a:lstStyle/>
           <a:p>
+            <a:endParaRPr lang="ru-RU" baseline="0" dirty="0" smtClean="0"/>
+          </a:p>
+        </p:txBody>
+      </p:sp>
+      <p:sp>
+        <p:nvSpPr>
+          <p:cNvPr id="4" name="Номер слайда 3"/>
+          <p:cNvSpPr>
+            <a:spLocks noGrp="1"/>
+          </p:cNvSpPr>
+          <p:nvPr>
+            <p:ph type="sldNum" sz="quarter" idx="10"/>
+          </p:nvPr>
+        </p:nvSpPr>
+        <p:spPr/>
+        <p:txBody>
+          <a:bodyPr/>
+          <a:lstStyle/>
+          <a:p>
+            <a:fld id="{83FDD216-B18C-4F7A-91C3-E6C7F0FB2278}" type="slidenum">
+              <a:rPr lang="ru-RU" smtClean="0"/>
+              <a:pPr/>
+              <a:t>25</a:t>
+            </a:fld>
+            <a:endParaRPr lang="ru-RU" dirty="0"/>
+          </a:p>
+        </p:txBody>
+      </p:sp>
+    </p:spTree>
+    <p:extLst>
+      <p:ext uri="{BB962C8B-B14F-4D97-AF65-F5344CB8AC3E}">
+        <p14:creationId xmlns:p14="http://schemas.microsoft.com/office/powerpoint/2010/main" val="2445790166"/>
+      </p:ext>
+    </p:extLst>
+  </p:cSld>
+  <p:clrMapOvr>
+    <a:masterClrMapping/>
+  </p:clrMapOvr>
+</p:notes>
+</file>
+
+<file path=ppt/notesSlides/notesSlide26.xml><?xml version="1.0" encoding="utf-8"?>
+<p:notes xmlns:a="http://schemas.openxmlformats.org/drawingml/2006/main" xmlns:r="http://schemas.openxmlformats.org/officeDocument/2006/relationships" xmlns:p="http://schemas.openxmlformats.org/presentationml/2006/main">
+  <p:cSld>
+    <p:spTree>
+      <p:nvGrpSpPr>
+        <p:cNvPr id="1" name=""/>
+        <p:cNvGrpSpPr/>
+        <p:nvPr/>
+      </p:nvGrpSpPr>
+      <p:grpSpPr>
+        <a:xfrm>
+          <a:off x="0" y="0"/>
+          <a:ext cx="0" cy="0"/>
+          <a:chOff x="0" y="0"/>
+          <a:chExt cx="0" cy="0"/>
+        </a:xfrm>
+      </p:grpSpPr>
+      <p:sp>
+        <p:nvSpPr>
+          <p:cNvPr id="2" name="Образ слайда 1"/>
+          <p:cNvSpPr>
+            <a:spLocks noGrp="1" noRot="1" noChangeAspect="1"/>
+          </p:cNvSpPr>
+          <p:nvPr>
+            <p:ph type="sldImg"/>
+          </p:nvPr>
+        </p:nvSpPr>
+        <p:spPr/>
+      </p:sp>
+      <p:sp>
+        <p:nvSpPr>
+          <p:cNvPr id="3" name="Заметки 2"/>
+          <p:cNvSpPr>
+            <a:spLocks noGrp="1"/>
+          </p:cNvSpPr>
+          <p:nvPr>
+            <p:ph type="body" idx="1"/>
+          </p:nvPr>
+        </p:nvSpPr>
+        <p:spPr/>
+        <p:txBody>
+          <a:bodyPr/>
+          <a:lstStyle/>
+          <a:p>
+            <a:endParaRPr lang="ru-RU" baseline="0" dirty="0" smtClean="0"/>
+          </a:p>
+        </p:txBody>
+      </p:sp>
+      <p:sp>
+        <p:nvSpPr>
+          <p:cNvPr id="4" name="Номер слайда 3"/>
+          <p:cNvSpPr>
+            <a:spLocks noGrp="1"/>
+          </p:cNvSpPr>
+          <p:nvPr>
+            <p:ph type="sldNum" sz="quarter" idx="10"/>
+          </p:nvPr>
+        </p:nvSpPr>
+        <p:spPr/>
+        <p:txBody>
+          <a:bodyPr/>
+          <a:lstStyle/>
+          <a:p>
+            <a:fld id="{83FDD216-B18C-4F7A-91C3-E6C7F0FB2278}" type="slidenum">
+              <a:rPr lang="ru-RU" smtClean="0"/>
+              <a:pPr/>
+              <a:t>26</a:t>
+            </a:fld>
+            <a:endParaRPr lang="ru-RU" dirty="0"/>
+          </a:p>
+        </p:txBody>
+      </p:sp>
+    </p:spTree>
+    <p:extLst>
+      <p:ext uri="{BB962C8B-B14F-4D97-AF65-F5344CB8AC3E}">
+        <p14:creationId xmlns:p14="http://schemas.microsoft.com/office/powerpoint/2010/main" val="3518859395"/>
+      </p:ext>
+    </p:extLst>
+  </p:cSld>
+  <p:clrMapOvr>
+    <a:masterClrMapping/>
+  </p:clrMapOvr>
+</p:notes>
+</file>
+
+<file path=ppt/notesSlides/notesSlide27.xml><?xml version="1.0" encoding="utf-8"?>
+<p:notes xmlns:a="http://schemas.openxmlformats.org/drawingml/2006/main" xmlns:r="http://schemas.openxmlformats.org/officeDocument/2006/relationships" xmlns:p="http://schemas.openxmlformats.org/presentationml/2006/main">
+  <p:cSld>
+    <p:spTree>
+      <p:nvGrpSpPr>
+        <p:cNvPr id="1" name=""/>
+        <p:cNvGrpSpPr/>
+        <p:nvPr/>
+      </p:nvGrpSpPr>
+      <p:grpSpPr>
+        <a:xfrm>
+          <a:off x="0" y="0"/>
+          <a:ext cx="0" cy="0"/>
+          <a:chOff x="0" y="0"/>
+          <a:chExt cx="0" cy="0"/>
+        </a:xfrm>
+      </p:grpSpPr>
+      <p:sp>
+        <p:nvSpPr>
+          <p:cNvPr id="2" name="Образ слайда 1"/>
+          <p:cNvSpPr>
+            <a:spLocks noGrp="1" noRot="1" noChangeAspect="1"/>
+          </p:cNvSpPr>
+          <p:nvPr>
+            <p:ph type="sldImg"/>
+          </p:nvPr>
+        </p:nvSpPr>
+        <p:spPr/>
+      </p:sp>
+      <p:sp>
+        <p:nvSpPr>
+          <p:cNvPr id="3" name="Заметки 2"/>
+          <p:cNvSpPr>
+            <a:spLocks noGrp="1"/>
+          </p:cNvSpPr>
+          <p:nvPr>
+            <p:ph type="body" idx="1"/>
+          </p:nvPr>
+        </p:nvSpPr>
+        <p:spPr/>
+        <p:txBody>
+          <a:bodyPr/>
+          <a:lstStyle/>
+          <a:p>
+            <a:endParaRPr lang="ru-RU" baseline="0" dirty="0" smtClean="0"/>
+          </a:p>
+        </p:txBody>
+      </p:sp>
+      <p:sp>
+        <p:nvSpPr>
+          <p:cNvPr id="4" name="Номер слайда 3"/>
+          <p:cNvSpPr>
+            <a:spLocks noGrp="1"/>
+          </p:cNvSpPr>
+          <p:nvPr>
+            <p:ph type="sldNum" sz="quarter" idx="10"/>
+          </p:nvPr>
+        </p:nvSpPr>
+        <p:spPr/>
+        <p:txBody>
+          <a:bodyPr/>
+          <a:lstStyle/>
+          <a:p>
+            <a:fld id="{83FDD216-B18C-4F7A-91C3-E6C7F0FB2278}" type="slidenum">
+              <a:rPr lang="ru-RU" smtClean="0"/>
+              <a:pPr/>
+              <a:t>27</a:t>
+            </a:fld>
+            <a:endParaRPr lang="ru-RU" dirty="0"/>
+          </a:p>
+        </p:txBody>
+      </p:sp>
+    </p:spTree>
+    <p:extLst>
+      <p:ext uri="{BB962C8B-B14F-4D97-AF65-F5344CB8AC3E}">
+        <p14:creationId xmlns:p14="http://schemas.microsoft.com/office/powerpoint/2010/main" val="1113396651"/>
+      </p:ext>
+    </p:extLst>
+  </p:cSld>
+  <p:clrMapOvr>
+    <a:masterClrMapping/>
+  </p:clrMapOvr>
+</p:notes>
+</file>
+
+<file path=ppt/notesSlides/notesSlide28.xml><?xml version="1.0" encoding="utf-8"?>
+<p:notes xmlns:a="http://schemas.openxmlformats.org/drawingml/2006/main" xmlns:r="http://schemas.openxmlformats.org/officeDocument/2006/relationships" xmlns:p="http://schemas.openxmlformats.org/presentationml/2006/main">
+  <p:cSld>
+    <p:spTree>
+      <p:nvGrpSpPr>
+        <p:cNvPr id="1" name=""/>
+        <p:cNvGrpSpPr/>
+        <p:nvPr/>
+      </p:nvGrpSpPr>
+      <p:grpSpPr>
+        <a:xfrm>
+          <a:off x="0" y="0"/>
+          <a:ext cx="0" cy="0"/>
+          <a:chOff x="0" y="0"/>
+          <a:chExt cx="0" cy="0"/>
+        </a:xfrm>
+      </p:grpSpPr>
+      <p:sp>
+        <p:nvSpPr>
+          <p:cNvPr id="2" name="Образ слайда 1"/>
+          <p:cNvSpPr>
+            <a:spLocks noGrp="1" noRot="1" noChangeAspect="1"/>
+          </p:cNvSpPr>
+          <p:nvPr>
+            <p:ph type="sldImg"/>
+          </p:nvPr>
+        </p:nvSpPr>
+        <p:spPr/>
+      </p:sp>
+      <p:sp>
+        <p:nvSpPr>
+          <p:cNvPr id="3" name="Заметки 2"/>
+          <p:cNvSpPr>
+            <a:spLocks noGrp="1"/>
+          </p:cNvSpPr>
+          <p:nvPr>
+            <p:ph type="body" idx="1"/>
+          </p:nvPr>
+        </p:nvSpPr>
+        <p:spPr/>
+        <p:txBody>
+          <a:bodyPr/>
+          <a:lstStyle/>
+          <a:p>
             <a:pPr marL="0" marR="0" lvl="0" indent="0" algn="l" defTabSz="1161105" rtl="0" eaLnBrk="1" fontAlgn="auto" latinLnBrk="0" hangingPunct="1">
               <a:lnSpc>
                 <a:spcPct val="100000"/>
@@ -3643,7 +3939,7 @@
             <a:fld id="{83FDD216-B18C-4F7A-91C3-E6C7F0FB2278}" type="slidenum">
               <a:rPr lang="ru-RU" smtClean="0"/>
               <a:pPr/>
-              <a:t>25</a:t>
+              <a:t>28</a:t>
             </a:fld>
             <a:endParaRPr lang="ru-RU" dirty="0"/>
           </a:p>
@@ -3707,29 +4003,12 @@
           <a:lstStyle/>
           <a:p>
             <a:r>
-              <a:rPr lang="ru-RU" dirty="0" smtClean="0"/>
-              <a:t>Итак, я хочу рассказать об</a:t>
-            </a:r>
-            <a:r>
               <a:rPr lang="ru-RU" baseline="0" dirty="0" smtClean="0"/>
-              <a:t> одном подходе к проектированию ПО в контексте безопасности (</a:t>
-            </a:r>
-            <a:r>
-              <a:rPr lang="en-US" baseline="0" dirty="0" smtClean="0"/>
-              <a:t>security)</a:t>
+              <a:t>Давайте </a:t>
             </a:r>
             <a:r>
               <a:rPr lang="ru-RU" baseline="0" dirty="0" smtClean="0"/>
-              <a:t>.</a:t>
-            </a:r>
-          </a:p>
-          <a:p>
-            <a:endParaRPr lang="ru-RU" baseline="0" dirty="0" smtClean="0"/>
-          </a:p>
-          <a:p>
-            <a:r>
-              <a:rPr lang="ru-RU" baseline="0" dirty="0" smtClean="0"/>
-              <a:t>Давайте сначала поговорим о том, что такое проектирование ПО.</a:t>
+              <a:t>сначала поговорим о том, что такое проектирование ПО.</a:t>
             </a:r>
             <a:endParaRPr lang="en-US" baseline="0" dirty="0" smtClean="0"/>
           </a:p>
@@ -3776,6 +4055,20 @@
           </a:p>
           <a:p>
             <a:endParaRPr lang="ru-RU" baseline="0" dirty="0" smtClean="0"/>
+          </a:p>
+          <a:p>
+            <a:r>
+              <a:rPr lang="ru-RU" baseline="0" dirty="0" smtClean="0"/>
+              <a:t>Для того чтобы не упустить из виду детали и все учесть есть </a:t>
+            </a:r>
+            <a:r>
+              <a:rPr lang="ru-RU" baseline="0" dirty="0" err="1" smtClean="0"/>
+              <a:t>пройстой</a:t>
+            </a:r>
+            <a:r>
+              <a:rPr lang="ru-RU" baseline="0" dirty="0" smtClean="0"/>
+              <a:t> механизм – называется чек-лист, вы наверняка с ним уже сталкивались.</a:t>
+            </a:r>
           </a:p>
         </p:txBody>
       </p:sp>
@@ -3862,107 +4155,19 @@
           <a:p>
             <a:r>
               <a:rPr lang="ru-RU" baseline="0" dirty="0" smtClean="0"/>
-              <a:t>Для этого есть различные чек-листы для дизайна ПО, например:</a:t>
-            </a:r>
-          </a:p>
-          <a:p>
+              <a:t>Вот так может выглядеть чек-лист для проектирования ПО</a:t>
+            </a:r>
             <a:endParaRPr lang="ru-RU" baseline="0" dirty="0" smtClean="0"/>
           </a:p>
           <a:p>
-            <a:pPr marL="342900" indent="-342900">
-              <a:buAutoNum type="arabicPeriod"/>
-            </a:pPr>
-            <a:r>
-              <a:rPr lang="ru-RU" baseline="0" dirty="0" smtClean="0"/>
-              <a:t>Описание поведения программы (структуры данных). Здесь мы описываем, что наша программа будет делать и как. Это по факту будет самая большая часть документа.</a:t>
-            </a:r>
-          </a:p>
-          <a:p>
-            <a:pPr marL="342900" indent="-342900">
-              <a:buAutoNum type="arabicPeriod"/>
-            </a:pPr>
-            <a:r>
-              <a:rPr lang="ru-RU" baseline="0" dirty="0" smtClean="0"/>
-              <a:t>Требования к внешней среде (версия ОС, кол-во памяти, </a:t>
-            </a:r>
-            <a:r>
-              <a:rPr lang="en-US" baseline="0" dirty="0" smtClean="0"/>
-              <a:t>CPU</a:t>
-            </a:r>
-            <a:r>
-              <a:rPr lang="ru-RU" baseline="0" dirty="0" smtClean="0"/>
-              <a:t> и т.д.). Какие компоненты (библиотеки) нам нужны, как мы их будем использовать, каких версий.</a:t>
-            </a:r>
-          </a:p>
-          <a:p>
-            <a:pPr marL="342900" indent="-342900">
-              <a:buAutoNum type="arabicPeriod"/>
-            </a:pPr>
-            <a:r>
-              <a:rPr lang="ru-RU" dirty="0" smtClean="0"/>
-              <a:t>Механизм обработки ошибок и реагирования на нештатные</a:t>
-            </a:r>
-            <a:r>
-              <a:rPr lang="ru-RU" baseline="0" dirty="0" smtClean="0"/>
-              <a:t> ситуации. Это очень важный пункт, к тому же он довольно сильно влияет на безопасность. Как мы будем обрабатывать ошибки конфигурации, недостатка памяти, недоступность базы данных.</a:t>
-            </a:r>
-            <a:endParaRPr lang="ru-RU" dirty="0" smtClean="0"/>
-          </a:p>
-          <a:p>
-            <a:pPr marL="342900" indent="-342900">
-              <a:buAutoNum type="arabicPeriod"/>
-            </a:pPr>
-            <a:r>
-              <a:rPr lang="ru-RU" dirty="0" smtClean="0"/>
-              <a:t>Взаимодействие с другими модулями и компонентами. Сюда же относится влияние программы на</a:t>
-            </a:r>
-            <a:r>
-              <a:rPr lang="ru-RU" baseline="0" dirty="0" smtClean="0"/>
-              <a:t> другие компоненты системы (ОС и т.д.). Например, мы запрещаем логин пользователя без пароля для наших нужд. Как на это отреагирует система. Или мы создадим новую таблицу и пользователя в базе данных. Мы никому не должны помешать.</a:t>
-            </a:r>
-            <a:endParaRPr lang="ru-RU" dirty="0" smtClean="0"/>
-          </a:p>
-          <a:p>
-            <a:pPr marL="342900" indent="-342900">
-              <a:buAutoNum type="arabicPeriod"/>
-            </a:pPr>
-            <a:r>
-              <a:rPr lang="ru-RU" dirty="0" smtClean="0"/>
-              <a:t>Требования к безопасности. Об этом мы сегодня</a:t>
-            </a:r>
-            <a:r>
-              <a:rPr lang="ru-RU" baseline="0" dirty="0" smtClean="0"/>
-              <a:t> будем говорить всю лекцию.</a:t>
-            </a:r>
-            <a:endParaRPr lang="ru-RU" dirty="0" smtClean="0"/>
-          </a:p>
-          <a:p>
-            <a:pPr marL="342900" indent="-342900">
-              <a:buAutoNum type="arabicPeriod"/>
-            </a:pPr>
-            <a:r>
-              <a:rPr lang="ru-RU" dirty="0" smtClean="0"/>
-              <a:t>Известные</a:t>
-            </a:r>
-            <a:r>
-              <a:rPr lang="ru-RU" baseline="0" dirty="0" smtClean="0"/>
-              <a:t> ограничения и проблемы. Здесь мы учитываем, например, что к нашему серверу разрешено не более 10 коннектов одновременно. Наша программа не умеет работать через прокси сервер, нужно только прямое соединение и т.д. Эти ограничения тоже влияют на дизайн нашего приложения. Этот пункт тоже важен, и тоже очень сильно влияет на </a:t>
-            </a:r>
-            <a:r>
-              <a:rPr lang="en-US" baseline="0" dirty="0" smtClean="0"/>
-              <a:t>security.</a:t>
-            </a:r>
-            <a:endParaRPr lang="ru-RU" dirty="0" smtClean="0"/>
-          </a:p>
-          <a:p>
-            <a:pPr marL="342900" indent="-342900">
-              <a:buAutoNum type="arabicPeriod"/>
+            <a:pPr marL="0" indent="0">
+              <a:buNone/>
             </a:pPr>
             <a:endParaRPr lang="ru-RU" dirty="0" smtClean="0"/>
           </a:p>
           <a:p>
-            <a:pPr marL="342900" indent="-342900">
-              <a:buAutoNum type="arabicPeriod"/>
+            <a:pPr marL="0" indent="0">
+              <a:buNone/>
             </a:pPr>
             <a:endParaRPr lang="ru-RU" dirty="0" smtClean="0"/>
           </a:p>
@@ -3972,11 +4177,11 @@
             </a:pPr>
             <a:r>
               <a:rPr lang="ru-RU" dirty="0" smtClean="0"/>
-              <a:t>Собственно,</a:t>
+              <a:t>Мы не будем сейчас обсуждать весь чек-лист, так как это займет</a:t>
             </a:r>
             <a:r>
               <a:rPr lang="ru-RU" baseline="0" dirty="0" smtClean="0"/>
-              <a:t> дизайн ПО можно осуществлять в соответствии с такими чек-листами.</a:t>
+              <a:t> много времени. Мы с вами поговорим сегодня только об одном пункте – требования к безопасности.</a:t>
             </a:r>
           </a:p>
           <a:p>
@@ -3991,95 +4196,12 @@
             </a:pPr>
             <a:r>
               <a:rPr lang="ru-RU" baseline="0" dirty="0" smtClean="0"/>
-              <a:t>Мы с вами рассмотрим последний пункт нашего чек листа – требования к безопасности.</a:t>
-            </a:r>
-          </a:p>
-          <a:p>
-            <a:pPr marL="0" indent="0">
-              <a:buNone/>
-            </a:pPr>
-            <a:endParaRPr lang="ru-RU" baseline="0" dirty="0" smtClean="0"/>
-          </a:p>
-          <a:p>
-            <a:pPr marL="0" indent="0">
-              <a:buNone/>
-            </a:pPr>
-            <a:r>
-              <a:rPr lang="ru-RU" baseline="0" dirty="0" smtClean="0"/>
-              <a:t>То что этот пункт идет предпоследним, не значит, что его нужно рассматривать в предпоследнюю очередь.</a:t>
-            </a:r>
-          </a:p>
-          <a:p>
-            <a:pPr marL="0" indent="0">
-              <a:buNone/>
-            </a:pPr>
-            <a:r>
-              <a:rPr lang="ru-RU" baseline="0" dirty="0" smtClean="0"/>
-              <a:t>Наоборот, все пункты равнозначны, и все они должны быть рассмотрены с учетом влияния других пунктов</a:t>
-            </a:r>
-            <a:r>
-              <a:rPr lang="ru-RU" baseline="0" dirty="0" smtClean="0"/>
-              <a:t>.</a:t>
-            </a:r>
-            <a:endParaRPr lang="en-US" baseline="0" dirty="0" smtClean="0"/>
-          </a:p>
-          <a:p>
-            <a:pPr marL="0" indent="0">
-              <a:buNone/>
-            </a:pPr>
-            <a:endParaRPr lang="ru-RU" baseline="0" dirty="0" smtClean="0"/>
-          </a:p>
-          <a:p>
-            <a:pPr marL="0" indent="0">
-              <a:buNone/>
-            </a:pPr>
-            <a:r>
-              <a:rPr lang="ru-RU" baseline="0" dirty="0" smtClean="0"/>
-              <a:t>Например, требования к безопасности могут накладывать ограничение на внешнее окружение. Например, использовать версию библиотеки фиксированной версии (в которой, например, нет уязвимости, или наоборот есть новая </a:t>
+              <a:t>И будем мы рассматривать эти требования к безопасности на основе методологии </a:t>
             </a:r>
             <a:r>
               <a:rPr lang="en-US" baseline="0" dirty="0" smtClean="0"/>
-              <a:t>security </a:t>
-            </a:r>
-            <a:r>
-              <a:rPr lang="ru-RU" baseline="0" dirty="0" err="1" smtClean="0"/>
-              <a:t>фича</a:t>
-            </a:r>
-            <a:r>
-              <a:rPr lang="en-US" baseline="0" dirty="0" smtClean="0"/>
-              <a:t>)</a:t>
-            </a:r>
-            <a:r>
-              <a:rPr lang="ru-RU" baseline="0" dirty="0" smtClean="0"/>
-              <a:t>.</a:t>
-            </a:r>
-            <a:endParaRPr lang="ru-RU" dirty="0" smtClean="0"/>
-          </a:p>
-          <a:p>
-            <a:pPr marL="0" indent="0">
-              <a:buNone/>
-            </a:pPr>
-            <a:endParaRPr lang="ru-RU" dirty="0" smtClean="0"/>
-          </a:p>
-          <a:p>
-            <a:pPr marL="0" indent="0">
-              <a:buNone/>
-            </a:pPr>
-            <a:endParaRPr lang="ru-RU" dirty="0" smtClean="0"/>
-          </a:p>
-          <a:p>
-            <a:pPr marL="0" indent="0">
-              <a:buNone/>
-            </a:pPr>
-            <a:endParaRPr lang="ru-RU" dirty="0" smtClean="0"/>
-          </a:p>
-          <a:p>
-            <a:pPr marL="0" indent="0">
-              <a:buNone/>
-            </a:pPr>
-            <a:endParaRPr lang="ru-RU" dirty="0" smtClean="0"/>
-          </a:p>
-          <a:p>
+              <a:t>SDL</a:t>
+            </a:r>
             <a:endParaRPr lang="en-US" baseline="0" dirty="0"/>
           </a:p>
         </p:txBody>
@@ -4167,275 +4289,114 @@
           <a:p>
             <a:r>
               <a:rPr lang="ru-RU" baseline="0" dirty="0" smtClean="0"/>
-              <a:t>Теперь давайте кратко поговорим об </a:t>
+              <a:t>Я для примера сделал небольшую тестовую </a:t>
+            </a:r>
+            <a:r>
+              <a:rPr lang="ru-RU" baseline="0" dirty="0" err="1" smtClean="0"/>
+              <a:t>програмку</a:t>
+            </a:r>
+            <a:r>
+              <a:rPr lang="ru-RU" baseline="0" dirty="0" smtClean="0"/>
+              <a:t>, назовем ее </a:t>
             </a:r>
             <a:r>
               <a:rPr lang="en-US" baseline="0" dirty="0" smtClean="0"/>
-              <a:t>SDL</a:t>
-            </a:r>
+              <a:t>guestbook.</a:t>
+            </a:r>
+          </a:p>
+          <a:p>
+            <a:endParaRPr lang="en-US" baseline="0" dirty="0" smtClean="0"/>
+          </a:p>
+          <a:p>
+            <a:r>
+              <a:rPr lang="ru-RU" baseline="0" dirty="0" smtClean="0"/>
+              <a:t>Эта программа поддерживает авторизацию по логину, паролю</a:t>
+            </a:r>
+          </a:p>
+          <a:p>
+            <a:r>
+              <a:rPr lang="ru-RU" baseline="0" dirty="0" smtClean="0"/>
+              <a:t>На каждую операцию ведется аудит лог – вход пользователя (в </a:t>
+            </a:r>
+            <a:r>
+              <a:rPr lang="ru-RU" baseline="0" dirty="0" err="1" smtClean="0"/>
+              <a:t>т.ч</a:t>
+            </a:r>
+            <a:r>
+              <a:rPr lang="ru-RU" baseline="0" dirty="0" smtClean="0"/>
+              <a:t>. неуспешный), добавление и удаление пользователя.</a:t>
+            </a:r>
+          </a:p>
+          <a:p>
             <a:endParaRPr lang="ru-RU" baseline="0" dirty="0" smtClean="0"/>
           </a:p>
           <a:p>
+            <a:r>
+              <a:rPr lang="ru-RU" baseline="0" dirty="0" smtClean="0"/>
+              <a:t>У нее есть специальный пользователь </a:t>
+            </a:r>
+            <a:r>
+              <a:rPr lang="en-US" baseline="0" dirty="0" smtClean="0"/>
+              <a:t>– anonymous</a:t>
+            </a:r>
+            <a:r>
+              <a:rPr lang="ru-RU" baseline="0" dirty="0" smtClean="0"/>
+              <a:t>, которым можно </a:t>
+            </a:r>
+            <a:r>
+              <a:rPr lang="ru-RU" baseline="0" dirty="0" err="1" smtClean="0"/>
+              <a:t>логиниться</a:t>
+            </a:r>
+            <a:r>
+              <a:rPr lang="ru-RU" baseline="0" dirty="0" smtClean="0"/>
+              <a:t> без пароля. Этот пользователь может только добавлять сообщения</a:t>
+            </a:r>
+          </a:p>
+          <a:p>
+            <a:r>
+              <a:rPr lang="ru-RU" baseline="0" dirty="0" smtClean="0"/>
+              <a:t>Есть еще обычные пользователи – </a:t>
+            </a:r>
+            <a:r>
+              <a:rPr lang="en-US" baseline="0" dirty="0" smtClean="0"/>
+              <a:t>user</a:t>
+            </a:r>
+            <a:r>
+              <a:rPr lang="ru-RU" baseline="0" dirty="0" smtClean="0"/>
+              <a:t>, этот пользователь может добавлять и читать сообщения</a:t>
+            </a:r>
+          </a:p>
+          <a:p>
+            <a:r>
+              <a:rPr lang="ru-RU" baseline="0" dirty="0" smtClean="0"/>
+              <a:t>Также есть специальный пользователь – </a:t>
+            </a:r>
+            <a:r>
+              <a:rPr lang="en-US" baseline="0" dirty="0" smtClean="0"/>
+              <a:t>admin</a:t>
+            </a:r>
+            <a:r>
+              <a:rPr lang="ru-RU" baseline="0" dirty="0" smtClean="0"/>
+              <a:t> – которому разрешено удалять все сообщения, добавлять и удалять пользователей, а также просматривать аудит.</a:t>
+            </a:r>
+          </a:p>
+          <a:p>
             <a:endParaRPr lang="ru-RU" baseline="0" dirty="0" smtClean="0"/>
           </a:p>
           <a:p>
-            <a:pPr marL="0" marR="0" lvl="0" indent="0" algn="l" defTabSz="1161105" rtl="0" eaLnBrk="1" fontAlgn="auto" latinLnBrk="0" hangingPunct="1">
-              <a:lnSpc>
-                <a:spcPct val="100000"/>
-              </a:lnSpc>
-              <a:spcBef>
-                <a:spcPts val="0"/>
-              </a:spcBef>
-              <a:spcAft>
-                <a:spcPts val="0"/>
-              </a:spcAft>
-              <a:buClrTx/>
-              <a:buSzTx/>
-              <a:buFontTx/>
-              <a:buNone/>
-              <a:tabLst/>
-              <a:defRPr/>
-            </a:pPr>
             <a:r>
               <a:rPr lang="ru-RU" baseline="0" dirty="0" smtClean="0"/>
-              <a:t>Я не знаю, кто первым придумал эту методологию, но судя по всему это был </a:t>
-            </a:r>
-            <a:r>
-              <a:rPr lang="en-US" baseline="0" dirty="0" smtClean="0"/>
-              <a:t>Microsoft</a:t>
-            </a:r>
+              <a:t>Итак, что мы имеем, вроде бы на первый взгляд, все пристойно, гость может только добавить, пользователь еще и прочитать может сообщения от других пользователей. И администратор имеет полный контроль над системой. Плюс к тому же он видит аудит, в котором отражаются основные операции.</a:t>
+            </a:r>
+          </a:p>
+          <a:p>
+            <a:endParaRPr lang="ru-RU" baseline="0" dirty="0" smtClean="0"/>
+          </a:p>
+          <a:p>
             <a:r>
               <a:rPr lang="ru-RU" baseline="0" dirty="0" smtClean="0"/>
-              <a:t>.</a:t>
-            </a:r>
-          </a:p>
-          <a:p>
-            <a:pPr marL="0" marR="0" lvl="0" indent="0" algn="l" defTabSz="1161105" rtl="0" eaLnBrk="1" fontAlgn="auto" latinLnBrk="0" hangingPunct="1">
-              <a:lnSpc>
-                <a:spcPct val="100000"/>
-              </a:lnSpc>
-              <a:spcBef>
-                <a:spcPts val="0"/>
-              </a:spcBef>
-              <a:spcAft>
-                <a:spcPts val="0"/>
-              </a:spcAft>
-              <a:buClrTx/>
-              <a:buSzTx/>
-              <a:buFontTx/>
-              <a:buNone/>
-              <a:tabLst/>
-              <a:defRPr/>
-            </a:pPr>
-            <a:endParaRPr lang="ru-RU" baseline="0" dirty="0" smtClean="0"/>
-          </a:p>
-          <a:p>
-            <a:pPr marL="0" marR="0" lvl="0" indent="0" algn="l" defTabSz="1161105" rtl="0" eaLnBrk="1" fontAlgn="auto" latinLnBrk="0" hangingPunct="1">
-              <a:lnSpc>
-                <a:spcPct val="100000"/>
-              </a:lnSpc>
-              <a:spcBef>
-                <a:spcPts val="0"/>
-              </a:spcBef>
-              <a:spcAft>
-                <a:spcPts val="0"/>
-              </a:spcAft>
-              <a:buClrTx/>
-              <a:buSzTx/>
-              <a:buFontTx/>
-              <a:buNone/>
-              <a:tabLst/>
-              <a:defRPr/>
-            </a:pPr>
-            <a:r>
-              <a:rPr lang="ru-RU" baseline="0" dirty="0" smtClean="0"/>
-              <a:t>Вообще вопрос, кто-нибудь уже знаком с этой методологией?</a:t>
-            </a:r>
-          </a:p>
-          <a:p>
-            <a:endParaRPr lang="ru-RU" baseline="0" dirty="0" smtClean="0"/>
-          </a:p>
-          <a:p>
-            <a:r>
-              <a:rPr lang="en-US" baseline="0" dirty="0" smtClean="0"/>
-              <a:t>SDL</a:t>
-            </a:r>
-            <a:r>
-              <a:rPr lang="ru-RU" baseline="0" dirty="0" smtClean="0"/>
-              <a:t> расшифровывается как </a:t>
-            </a:r>
-            <a:r>
-              <a:rPr lang="en-US" baseline="0" dirty="0" smtClean="0"/>
-              <a:t>Security Development Lifecycle</a:t>
-            </a:r>
-            <a:r>
-              <a:rPr lang="ru-RU" baseline="0" dirty="0" smtClean="0"/>
-              <a:t>.</a:t>
-            </a:r>
-          </a:p>
-          <a:p>
-            <a:endParaRPr lang="ru-RU" baseline="0" dirty="0" smtClean="0"/>
-          </a:p>
-          <a:p>
-            <a:r>
-              <a:rPr lang="ru-RU" baseline="0" dirty="0" smtClean="0"/>
-              <a:t>Вот здесь последнее слово – это </a:t>
-            </a:r>
-            <a:r>
-              <a:rPr lang="en-US" baseline="0" dirty="0" smtClean="0"/>
-              <a:t>lifecycle. </a:t>
-            </a:r>
-            <a:r>
-              <a:rPr lang="ru-RU" baseline="0" dirty="0" smtClean="0"/>
-              <a:t>Это означает, что это постоянный процесс, который работает на протяжении всего цикла разработки и поддержки нашего ПО.</a:t>
-            </a:r>
-          </a:p>
-          <a:p>
-            <a:endParaRPr lang="en-US" baseline="0" dirty="0" smtClean="0"/>
-          </a:p>
-          <a:p>
-            <a:pPr marL="0" marR="0" lvl="0" indent="0" algn="l" defTabSz="1161105" rtl="0" eaLnBrk="1" fontAlgn="auto" latinLnBrk="0" hangingPunct="1">
-              <a:lnSpc>
-                <a:spcPct val="100000"/>
-              </a:lnSpc>
-              <a:spcBef>
-                <a:spcPts val="0"/>
-              </a:spcBef>
-              <a:spcAft>
-                <a:spcPts val="0"/>
-              </a:spcAft>
-              <a:buClrTx/>
-              <a:buSzTx/>
-              <a:buFontTx/>
-              <a:buNone/>
-              <a:tabLst/>
-              <a:defRPr/>
-            </a:pPr>
-            <a:r>
-              <a:rPr lang="ru-RU" baseline="0" dirty="0" smtClean="0"/>
-              <a:t>В практику</a:t>
-            </a:r>
-            <a:r>
-              <a:rPr lang="en-US" baseline="0" dirty="0" smtClean="0"/>
-              <a:t> SDL</a:t>
-            </a:r>
-            <a:r>
-              <a:rPr lang="ru-RU" baseline="0" dirty="0" smtClean="0"/>
-              <a:t> включается много всяких вещей, но мы с вами рассмотрим только одну часть </a:t>
-            </a:r>
-            <a:r>
-              <a:rPr lang="en-US" baseline="0" dirty="0" smtClean="0"/>
-              <a:t>SDL</a:t>
-            </a:r>
-            <a:r>
-              <a:rPr lang="ru-RU" baseline="0" dirty="0" smtClean="0"/>
-              <a:t> – а именно </a:t>
-            </a:r>
-            <a:r>
-              <a:rPr lang="en-US" baseline="0" dirty="0" smtClean="0"/>
-              <a:t>threat modelling</a:t>
-            </a:r>
-            <a:r>
-              <a:rPr lang="ru-RU" baseline="0" dirty="0" smtClean="0"/>
-              <a:t> – моделирование угроз</a:t>
-            </a:r>
-            <a:r>
-              <a:rPr lang="ru-RU" baseline="0" dirty="0" smtClean="0"/>
-              <a:t>.</a:t>
-            </a:r>
-            <a:endParaRPr lang="en-US" baseline="0" dirty="0" smtClean="0"/>
-          </a:p>
-          <a:p>
-            <a:pPr marL="0" marR="0" lvl="0" indent="0" algn="l" defTabSz="1161105" rtl="0" eaLnBrk="1" fontAlgn="auto" latinLnBrk="0" hangingPunct="1">
-              <a:lnSpc>
-                <a:spcPct val="100000"/>
-              </a:lnSpc>
-              <a:spcBef>
-                <a:spcPts val="0"/>
-              </a:spcBef>
-              <a:spcAft>
-                <a:spcPts val="0"/>
-              </a:spcAft>
-              <a:buClrTx/>
-              <a:buSzTx/>
-              <a:buFontTx/>
-              <a:buNone/>
-              <a:tabLst/>
-              <a:defRPr/>
-            </a:pPr>
-            <a:endParaRPr lang="en-US" baseline="0" dirty="0" smtClean="0"/>
-          </a:p>
-          <a:p>
-            <a:r>
-              <a:rPr lang="ru-RU" baseline="0" dirty="0" smtClean="0"/>
-              <a:t>Кто знает что такое угроза?</a:t>
-            </a:r>
-          </a:p>
-          <a:p>
-            <a:r>
-              <a:rPr lang="ru-RU" baseline="0" dirty="0" smtClean="0"/>
-              <a:t>Угроза – это то что угрожает штатному поведению системы. Угроза может привести к различным проблемам, а может и не привести.</a:t>
-            </a:r>
-          </a:p>
-          <a:p>
-            <a:pPr marL="0" marR="0" lvl="0" indent="0" algn="l" defTabSz="1161105" rtl="0" eaLnBrk="1" fontAlgn="auto" latinLnBrk="0" hangingPunct="1">
-              <a:lnSpc>
-                <a:spcPct val="100000"/>
-              </a:lnSpc>
-              <a:spcBef>
-                <a:spcPts val="0"/>
-              </a:spcBef>
-              <a:spcAft>
-                <a:spcPts val="0"/>
-              </a:spcAft>
-              <a:buClrTx/>
-              <a:buSzTx/>
-              <a:buFontTx/>
-              <a:buNone/>
-              <a:tabLst/>
-              <a:defRPr/>
-            </a:pPr>
-            <a:r>
-              <a:rPr lang="ru-RU" baseline="0" dirty="0" smtClean="0"/>
-              <a:t>Тут важно понимать, что угроза может возникнуть из-за того, что на этапе проектирования не учли эту угрозу, так и из-за банального бага в реализации.</a:t>
-            </a:r>
-            <a:r>
-              <a:rPr lang="en-US" baseline="0" dirty="0" smtClean="0"/>
-              <a:t> </a:t>
-            </a:r>
-            <a:r>
-              <a:rPr lang="ru-RU" baseline="0" dirty="0" smtClean="0"/>
-              <a:t>Кроме того, одна угроза, сама по себе может не приносить вреда, однако в сочетании с другими угрозами это может перерасти в настоящую уязвимость.</a:t>
-            </a:r>
-          </a:p>
-          <a:p>
-            <a:endParaRPr lang="ru-RU" baseline="0" dirty="0" smtClean="0"/>
-          </a:p>
-          <a:p>
-            <a:r>
-              <a:rPr lang="ru-RU" baseline="0" dirty="0" smtClean="0"/>
-              <a:t>Давайте обсудим, какие виды угроз бывают, как они классифицируются.</a:t>
-            </a:r>
-          </a:p>
-          <a:p>
-            <a:pPr marL="0" marR="0" lvl="0" indent="0" algn="l" defTabSz="1161105" rtl="0" eaLnBrk="1" fontAlgn="auto" latinLnBrk="0" hangingPunct="1">
-              <a:lnSpc>
-                <a:spcPct val="100000"/>
-              </a:lnSpc>
-              <a:spcBef>
-                <a:spcPts val="0"/>
-              </a:spcBef>
-              <a:spcAft>
-                <a:spcPts val="0"/>
-              </a:spcAft>
-              <a:buClrTx/>
-              <a:buSzTx/>
-              <a:buFontTx/>
-              <a:buNone/>
-              <a:tabLst/>
-              <a:defRPr/>
-            </a:pPr>
-            <a:endParaRPr lang="ru-RU" baseline="0" dirty="0" smtClean="0"/>
+              <a:t>Мы с вами сегодня будем всю лекцию работать с этой программой, и на ее примере попытаемся научиться, как находить угрозы и как проектировать ПО с учетом требований безопасности.</a:t>
+            </a:r>
           </a:p>
         </p:txBody>
       </p:sp>
@@ -4466,7 +4427,7 @@
     </p:spTree>
     <p:extLst>
       <p:ext uri="{BB962C8B-B14F-4D97-AF65-F5344CB8AC3E}">
-        <p14:creationId xmlns:p14="http://schemas.microsoft.com/office/powerpoint/2010/main" val="186281006"/>
+        <p14:creationId xmlns:p14="http://schemas.microsoft.com/office/powerpoint/2010/main" val="2377737470"/>
       </p:ext>
     </p:extLst>
   </p:cSld>
@@ -4520,60 +4481,174 @@
           <a:bodyPr/>
           <a:lstStyle/>
           <a:p>
+            <a:pPr marL="0" marR="0" lvl="0" indent="0" algn="l" defTabSz="1161105" rtl="0" eaLnBrk="1" fontAlgn="auto" latinLnBrk="0" hangingPunct="1">
+              <a:lnSpc>
+                <a:spcPct val="100000"/>
+              </a:lnSpc>
+              <a:spcBef>
+                <a:spcPts val="0"/>
+              </a:spcBef>
+              <a:spcAft>
+                <a:spcPts val="0"/>
+              </a:spcAft>
+              <a:buClrTx/>
+              <a:buSzTx/>
+              <a:buFontTx/>
+              <a:buNone/>
+              <a:tabLst/>
+              <a:defRPr/>
+            </a:pPr>
+            <a:r>
+              <a:rPr lang="ru-RU" baseline="0" dirty="0" smtClean="0"/>
+              <a:t>Вообще вопрос, кто-нибудь уже знаком с этой методологией?</a:t>
+            </a:r>
+            <a:r>
+              <a:rPr lang="en-US" baseline="0" dirty="0" smtClean="0"/>
+              <a:t> SDL</a:t>
+            </a:r>
+            <a:r>
+              <a:rPr lang="ru-RU" baseline="0" dirty="0" smtClean="0"/>
+              <a:t> расшифровывается как </a:t>
+            </a:r>
+            <a:r>
+              <a:rPr lang="en-US" baseline="0" dirty="0" smtClean="0"/>
+              <a:t>Security Development Lifecycle</a:t>
+            </a:r>
+            <a:r>
+              <a:rPr lang="ru-RU" baseline="0" dirty="0" smtClean="0"/>
+              <a:t>.</a:t>
+            </a:r>
+            <a:r>
+              <a:rPr lang="en-US" baseline="0" dirty="0" smtClean="0"/>
+              <a:t> </a:t>
+            </a:r>
+            <a:r>
+              <a:rPr lang="ru-RU" baseline="0" dirty="0" smtClean="0"/>
+              <a:t>Эту методологию разработал  </a:t>
+            </a:r>
+            <a:r>
+              <a:rPr lang="en-US" baseline="0" dirty="0" smtClean="0"/>
+              <a:t>Microsoft</a:t>
+            </a:r>
+            <a:r>
+              <a:rPr lang="ru-RU" baseline="0" dirty="0" smtClean="0"/>
+              <a:t> в 2004 году.</a:t>
+            </a:r>
+            <a:endParaRPr lang="ru-RU" baseline="0" dirty="0" smtClean="0"/>
+          </a:p>
+          <a:p>
+            <a:pPr marL="0" marR="0" lvl="0" indent="0" algn="l" defTabSz="1161105" rtl="0" eaLnBrk="1" fontAlgn="auto" latinLnBrk="0" hangingPunct="1">
+              <a:lnSpc>
+                <a:spcPct val="100000"/>
+              </a:lnSpc>
+              <a:spcBef>
+                <a:spcPts val="0"/>
+              </a:spcBef>
+              <a:spcAft>
+                <a:spcPts val="0"/>
+              </a:spcAft>
+              <a:buClrTx/>
+              <a:buSzTx/>
+              <a:buFontTx/>
+              <a:buNone/>
+              <a:tabLst/>
+              <a:defRPr/>
+            </a:pPr>
+            <a:endParaRPr lang="ru-RU" baseline="0" dirty="0" smtClean="0"/>
+          </a:p>
+          <a:p>
+            <a:pPr marL="0" marR="0" lvl="0" indent="0" algn="l" defTabSz="1161105" rtl="0" eaLnBrk="1" fontAlgn="auto" latinLnBrk="0" hangingPunct="1">
+              <a:lnSpc>
+                <a:spcPct val="100000"/>
+              </a:lnSpc>
+              <a:spcBef>
+                <a:spcPts val="0"/>
+              </a:spcBef>
+              <a:spcAft>
+                <a:spcPts val="0"/>
+              </a:spcAft>
+              <a:buClrTx/>
+              <a:buSzTx/>
+              <a:buFontTx/>
+              <a:buNone/>
+              <a:tabLst/>
+              <a:defRPr/>
+            </a:pPr>
+            <a:r>
+              <a:rPr lang="ru-RU" baseline="0" dirty="0" smtClean="0"/>
+              <a:t>В </a:t>
+            </a:r>
+            <a:r>
+              <a:rPr lang="ru-RU" baseline="0" dirty="0" smtClean="0"/>
+              <a:t>практику</a:t>
+            </a:r>
+            <a:r>
+              <a:rPr lang="en-US" baseline="0" dirty="0" smtClean="0"/>
+              <a:t> SDL</a:t>
+            </a:r>
+            <a:r>
+              <a:rPr lang="ru-RU" baseline="0" dirty="0" smtClean="0"/>
+              <a:t> включается много всяких вещей, но мы с вами рассмотрим только одну часть </a:t>
+            </a:r>
             <a:r>
               <a:rPr lang="en-US" baseline="0" dirty="0" smtClean="0"/>
               <a:t>SDL</a:t>
             </a:r>
             <a:r>
               <a:rPr lang="ru-RU" baseline="0" dirty="0" smtClean="0"/>
-              <a:t> оперирует 6-ю видами угроз. Их названия формируют акроним </a:t>
+              <a:t> – а именно </a:t>
             </a:r>
             <a:r>
               <a:rPr lang="en-US" baseline="0" dirty="0" smtClean="0"/>
-              <a:t>STRIDE.</a:t>
-            </a:r>
-          </a:p>
-          <a:p>
+              <a:t>threat modelling</a:t>
+            </a:r>
             <a:r>
               <a:rPr lang="ru-RU" baseline="0" dirty="0" smtClean="0"/>
-              <a:t>Вот они здесь перечислены. Давайте по каждой из них пройдемся</a:t>
+              <a:t> – моделирование угроз.</a:t>
             </a:r>
             <a:endParaRPr lang="en-US" baseline="0" dirty="0" smtClean="0"/>
           </a:p>
           <a:p>
+            <a:pPr marL="0" marR="0" lvl="0" indent="0" algn="l" defTabSz="1161105" rtl="0" eaLnBrk="1" fontAlgn="auto" latinLnBrk="0" hangingPunct="1">
+              <a:lnSpc>
+                <a:spcPct val="100000"/>
+              </a:lnSpc>
+              <a:spcBef>
+                <a:spcPts val="0"/>
+              </a:spcBef>
+              <a:spcAft>
+                <a:spcPts val="0"/>
+              </a:spcAft>
+              <a:buClrTx/>
+              <a:buSzTx/>
+              <a:buFontTx/>
+              <a:buNone/>
+              <a:tabLst/>
+              <a:defRPr/>
+            </a:pPr>
             <a:endParaRPr lang="en-US" baseline="0" dirty="0" smtClean="0"/>
           </a:p>
           <a:p>
-            <a:endParaRPr lang="en-US" baseline="0" dirty="0" smtClean="0"/>
-          </a:p>
-          <a:p>
-            <a:r>
-              <a:rPr lang="ru-RU" baseline="0" dirty="0" smtClean="0"/>
-              <a:t>В таблице приведены все угрозы с точки зрения </a:t>
-            </a:r>
-            <a:r>
-              <a:rPr lang="en-US" baseline="0" dirty="0" smtClean="0"/>
-              <a:t>SDL</a:t>
-            </a:r>
-            <a:r>
-              <a:rPr lang="ru-RU" baseline="0" dirty="0" smtClean="0"/>
-              <a:t>, а также необходимые свойства компоненты, позволяющие избежать конкретной угрозы.</a:t>
-            </a:r>
-            <a:endParaRPr lang="en-US" baseline="0" dirty="0" smtClean="0"/>
-          </a:p>
-          <a:p>
-            <a:endParaRPr lang="en-US" baseline="0" dirty="0" smtClean="0"/>
-          </a:p>
-          <a:p>
-            <a:r>
-              <a:rPr lang="ru-RU" baseline="0" dirty="0" smtClean="0"/>
-              <a:t>Теперь мы обсудим каждую угрозу более детально</a:t>
-            </a:r>
-          </a:p>
-          <a:p>
             <a:endParaRPr lang="ru-RU" baseline="0" dirty="0" smtClean="0"/>
           </a:p>
           <a:p>
+            <a:pPr marL="0" marR="0" lvl="0" indent="0" algn="l" defTabSz="1161105" rtl="0" eaLnBrk="1" fontAlgn="auto" latinLnBrk="0" hangingPunct="1">
+              <a:lnSpc>
+                <a:spcPct val="100000"/>
+              </a:lnSpc>
+              <a:spcBef>
+                <a:spcPts val="0"/>
+              </a:spcBef>
+              <a:spcAft>
+                <a:spcPts val="0"/>
+              </a:spcAft>
+              <a:buClrTx/>
+              <a:buSzTx/>
+              <a:buFontTx/>
+              <a:buNone/>
+              <a:tabLst/>
+              <a:defRPr/>
+            </a:pPr>
             <a:endParaRPr lang="ru-RU" baseline="0" dirty="0" smtClean="0"/>
           </a:p>
         </p:txBody>
@@ -4605,7 +4680,7 @@
     </p:spTree>
     <p:extLst>
       <p:ext uri="{BB962C8B-B14F-4D97-AF65-F5344CB8AC3E}">
-        <p14:creationId xmlns:p14="http://schemas.microsoft.com/office/powerpoint/2010/main" val="314644239"/>
+        <p14:creationId xmlns:p14="http://schemas.microsoft.com/office/powerpoint/2010/main" val="186281006"/>
       </p:ext>
     </p:extLst>
   </p:cSld>
@@ -4661,66 +4736,11 @@
           <a:p>
             <a:r>
               <a:rPr lang="ru-RU" baseline="0" dirty="0" smtClean="0"/>
-              <a:t>Итак, </a:t>
-            </a:r>
-            <a:r>
-              <a:rPr lang="en-US" baseline="0" dirty="0" smtClean="0"/>
-              <a:t>spoofing</a:t>
-            </a:r>
-            <a:r>
-              <a:rPr lang="ru-RU" baseline="0" dirty="0" smtClean="0"/>
-              <a:t> – процесс подмены пользователя или программы.</a:t>
-            </a:r>
-          </a:p>
-          <a:p>
-            <a:endParaRPr lang="ru-RU" baseline="0" dirty="0" smtClean="0"/>
-          </a:p>
-          <a:p>
-            <a:r>
-              <a:rPr lang="ru-RU" baseline="0" dirty="0" smtClean="0"/>
-              <a:t>Эта атака возникает в том случае, если нет механизма проверки подлинности (аутентификации).</a:t>
-            </a:r>
-          </a:p>
-          <a:p>
-            <a:endParaRPr lang="ru-RU" baseline="0" dirty="0" smtClean="0"/>
-          </a:p>
-          <a:p>
-            <a:r>
-              <a:rPr lang="ru-RU" baseline="0" dirty="0" smtClean="0"/>
-              <a:t>Например, </a:t>
-            </a:r>
-            <a:r>
-              <a:rPr lang="ru-RU" baseline="0" dirty="0" err="1" smtClean="0"/>
-              <a:t>спуфинг</a:t>
-            </a:r>
-            <a:r>
-              <a:rPr lang="ru-RU" baseline="0" dirty="0" smtClean="0"/>
-              <a:t> </a:t>
-            </a:r>
-            <a:r>
-              <a:rPr lang="en-US" baseline="0" dirty="0" smtClean="0"/>
-              <a:t>e-mail:</a:t>
-            </a:r>
-          </a:p>
-          <a:p>
-            <a:endParaRPr lang="en-US" baseline="0" dirty="0" smtClean="0"/>
-          </a:p>
-          <a:p>
-            <a:r>
-              <a:rPr lang="ru-RU" baseline="0" dirty="0" smtClean="0"/>
-              <a:t>В </a:t>
-            </a:r>
-            <a:r>
-              <a:rPr lang="en-US" baseline="0" dirty="0" smtClean="0"/>
-              <a:t>e-mail</a:t>
-            </a:r>
-            <a:r>
-              <a:rPr lang="ru-RU" baseline="0" dirty="0" smtClean="0"/>
-              <a:t> есть поле «отправитель», эту информацию можно легко подделать. Если пользователь ответит на такое письмо, то оно будет доставлено злоумышленнику вместо легитимного пользователя.</a:t>
-            </a:r>
-          </a:p>
-          <a:p>
-            <a:endParaRPr lang="ru-RU" baseline="0" dirty="0" smtClean="0"/>
+              <a:t>Кто знает что такое угроза?</a:t>
+            </a:r>
+          </a:p>
+          <a:p>
+            <a:endParaRPr lang="en-US" baseline="0" dirty="0"/>
           </a:p>
         </p:txBody>
       </p:sp>
@@ -4751,7 +4771,7 @@
     </p:spTree>
     <p:extLst>
       <p:ext uri="{BB962C8B-B14F-4D97-AF65-F5344CB8AC3E}">
-        <p14:creationId xmlns:p14="http://schemas.microsoft.com/office/powerpoint/2010/main" val="1574545940"/>
+        <p14:creationId xmlns:p14="http://schemas.microsoft.com/office/powerpoint/2010/main" val="2425504691"/>
       </p:ext>
     </p:extLst>
   </p:cSld>
@@ -4806,12 +4826,48 @@
           <a:lstStyle/>
           <a:p>
             <a:r>
+              <a:rPr lang="ru-RU" baseline="0" dirty="0" smtClean="0"/>
+              <a:t>Угроза – это то что угрожает безопасности системы. Под угрозой понимается возможное действие или совокупность действий, которые могут нанести ущерб чьим либо интересам.</a:t>
+            </a:r>
+          </a:p>
+          <a:p>
+            <a:endParaRPr lang="ru-RU" baseline="0" dirty="0" smtClean="0"/>
+          </a:p>
+          <a:p>
+            <a:r>
+              <a:rPr lang="ru-RU" baseline="0" dirty="0" smtClean="0"/>
+              <a:t>Угроза может привести к различным проблемам, а может и не привести.</a:t>
+            </a:r>
+          </a:p>
+          <a:p>
+            <a:pPr marL="0" marR="0" lvl="0" indent="0" algn="l" defTabSz="1161105" rtl="0" eaLnBrk="1" fontAlgn="auto" latinLnBrk="0" hangingPunct="1">
+              <a:lnSpc>
+                <a:spcPct val="100000"/>
+              </a:lnSpc>
+              <a:spcBef>
+                <a:spcPts val="0"/>
+              </a:spcBef>
+              <a:spcAft>
+                <a:spcPts val="0"/>
+              </a:spcAft>
+              <a:buClrTx/>
+              <a:buSzTx/>
+              <a:buFontTx/>
+              <a:buNone/>
+              <a:tabLst/>
+              <a:defRPr/>
+            </a:pPr>
+            <a:r>
+              <a:rPr lang="ru-RU" baseline="0" dirty="0" smtClean="0"/>
+              <a:t>Тут важно понимать, что угроза может возникнуть из-за того, что на этапе проектирования не учли эту угрозу, так и из-за банального бага в реализации.</a:t>
+            </a:r>
+            <a:r>
               <a:rPr lang="en-US" baseline="0" dirty="0" smtClean="0"/>
-              <a:t>Tampering</a:t>
+              <a:t> </a:t>
             </a:r>
             <a:r>
               <a:rPr lang="ru-RU" baseline="0" dirty="0" smtClean="0"/>
-              <a:t> – процесс подмены данных, или же процесс подмены исполняемого файла.</a:t>
+              <a:t>Кроме того, одна угроза, сама по себе может не приносить вреда, однако в сочетании с другими угрозами это может перерасти в настоящую уязвимость.</a:t>
             </a:r>
           </a:p>
           <a:p>
@@ -4820,56 +4876,9 @@
           <a:p>
             <a:r>
               <a:rPr lang="ru-RU" baseline="0" dirty="0" smtClean="0"/>
-              <a:t>В качестве примера </a:t>
-            </a:r>
-            <a:r>
-              <a:rPr lang="en-US" baseline="0" dirty="0" smtClean="0"/>
-              <a:t>tampering</a:t>
-            </a:r>
-            <a:r>
-              <a:rPr lang="ru-RU" baseline="0" dirty="0" smtClean="0"/>
-              <a:t> можно рассмотреть опять–же электронную почту.</a:t>
-            </a:r>
-          </a:p>
-          <a:p>
-            <a:r>
-              <a:rPr lang="ru-RU" baseline="0" dirty="0" smtClean="0"/>
-              <a:t>Злоумышленник может перехватить ваше письмо, поменять его содержимое и вы об этом никак не узнаете.</a:t>
-            </a:r>
-          </a:p>
-          <a:p>
-            <a:endParaRPr lang="ru-RU" baseline="0" dirty="0" smtClean="0"/>
-          </a:p>
-          <a:p>
-            <a:r>
-              <a:rPr lang="ru-RU" baseline="0" dirty="0" smtClean="0"/>
-              <a:t>Что важно, </a:t>
-            </a:r>
-            <a:r>
-              <a:rPr lang="en-US" baseline="0" dirty="0" smtClean="0"/>
-              <a:t>tampering</a:t>
-            </a:r>
-            <a:r>
-              <a:rPr lang="ru-RU" baseline="0" dirty="0" smtClean="0"/>
-              <a:t>-у подвержены не только данные, но и исполняемые модули:</a:t>
-            </a:r>
-          </a:p>
-          <a:p>
-            <a:endParaRPr lang="ru-RU" baseline="0" dirty="0" smtClean="0"/>
-          </a:p>
-          <a:p>
-            <a:r>
-              <a:rPr lang="ru-RU" baseline="0" dirty="0" smtClean="0"/>
-              <a:t>Например, злоумышленник может подменить приложение, </a:t>
-            </a:r>
-            <a:r>
-              <a:rPr lang="en-US" baseline="0" dirty="0" smtClean="0"/>
-              <a:t>DLL</a:t>
-            </a:r>
-            <a:r>
-              <a:rPr lang="ru-RU" baseline="0" dirty="0" smtClean="0"/>
-              <a:t>, скрипт на свой, и если у вашей системы нет проверки целостности, то вы об этом никак не узнаете и запустите зловредное приложение.</a:t>
-            </a:r>
+              <a:t>Давайте обсудим, какие виды угроз бывают, как они классифицируются.</a:t>
+            </a:r>
+            <a:endParaRPr lang="en-US" baseline="0" dirty="0"/>
           </a:p>
         </p:txBody>
       </p:sp>
@@ -4900,7 +4909,7 @@
     </p:spTree>
     <p:extLst>
       <p:ext uri="{BB962C8B-B14F-4D97-AF65-F5344CB8AC3E}">
-        <p14:creationId xmlns:p14="http://schemas.microsoft.com/office/powerpoint/2010/main" val="722600875"/>
+        <p14:creationId xmlns:p14="http://schemas.microsoft.com/office/powerpoint/2010/main" val="830646375"/>
       </p:ext>
     </p:extLst>
   </p:cSld>
@@ -4956,70 +4965,59 @@
           <a:p>
             <a:r>
               <a:rPr lang="en-US" baseline="0" dirty="0" smtClean="0"/>
-              <a:t>Repudiation – </a:t>
+              <a:t>SDL</a:t>
             </a:r>
             <a:r>
               <a:rPr lang="ru-RU" baseline="0" dirty="0" smtClean="0"/>
-              <a:t>это процесс заметания следов.</a:t>
+              <a:t> оперирует 6-ю видами угроз. Их названия формируют акроним </a:t>
+            </a:r>
+            <a:r>
+              <a:rPr lang="en-US" baseline="0" dirty="0" smtClean="0"/>
+              <a:t>STRIDE.</a:t>
+            </a:r>
+          </a:p>
+          <a:p>
+            <a:r>
+              <a:rPr lang="ru-RU" baseline="0" dirty="0" smtClean="0"/>
+              <a:t>Вот они здесь перечислены. Давайте по каждой из них пройдемся</a:t>
+            </a:r>
+            <a:endParaRPr lang="en-US" baseline="0" dirty="0" smtClean="0"/>
+          </a:p>
+          <a:p>
+            <a:endParaRPr lang="en-US" baseline="0" dirty="0" smtClean="0"/>
+          </a:p>
+          <a:p>
+            <a:endParaRPr lang="en-US" baseline="0" dirty="0" smtClean="0"/>
+          </a:p>
+          <a:p>
+            <a:r>
+              <a:rPr lang="ru-RU" baseline="0" dirty="0" smtClean="0"/>
+              <a:t>В таблице приведены все угрозы с точки зрения </a:t>
+            </a:r>
+            <a:r>
+              <a:rPr lang="en-US" baseline="0" dirty="0" smtClean="0"/>
+              <a:t>SDL</a:t>
+            </a:r>
+            <a:r>
+              <a:rPr lang="ru-RU" baseline="0" dirty="0" smtClean="0"/>
+              <a:t>, а также необходимые свойства компоненты, позволяющие избежать конкретной угрозы.</a:t>
+            </a:r>
+            <a:endParaRPr lang="en-US" baseline="0" dirty="0" smtClean="0"/>
+          </a:p>
+          <a:p>
+            <a:endParaRPr lang="en-US" baseline="0" dirty="0" smtClean="0"/>
+          </a:p>
+          <a:p>
+            <a:r>
+              <a:rPr lang="ru-RU" baseline="0" dirty="0" smtClean="0"/>
+              <a:t>Теперь мы обсудим каждую угрозу более детально</a:t>
             </a:r>
           </a:p>
           <a:p>
             <a:endParaRPr lang="ru-RU" baseline="0" dirty="0" smtClean="0"/>
           </a:p>
           <a:p>
-            <a:r>
-              <a:rPr lang="ru-RU" baseline="0" dirty="0" smtClean="0"/>
-              <a:t>Например, если данные пользователя были скомпрометированы – например, все знают логин/пароль для входа в какую-нибудь систему.</a:t>
-            </a:r>
-          </a:p>
-          <a:p>
-            <a:r>
-              <a:rPr lang="ru-RU" baseline="0" dirty="0" smtClean="0"/>
-              <a:t>В этом случае, если </a:t>
-            </a:r>
-            <a:r>
-              <a:rPr lang="ru-RU" baseline="0" dirty="0" err="1" smtClean="0"/>
-              <a:t>злоумышленик</a:t>
-            </a:r>
-            <a:r>
-              <a:rPr lang="ru-RU" baseline="0" dirty="0" smtClean="0"/>
-              <a:t> завладеет такими данными, то он сможет выполнить несанкционированные действия, и никто не сможет выяснить, кто же на самом деле осуществил эти действия.</a:t>
-            </a:r>
-          </a:p>
-          <a:p>
             <a:endParaRPr lang="ru-RU" baseline="0" dirty="0" smtClean="0"/>
-          </a:p>
-          <a:p>
-            <a:endParaRPr lang="ru-RU" baseline="0" dirty="0" smtClean="0"/>
-          </a:p>
-          <a:p>
-            <a:r>
-              <a:rPr lang="ru-RU" baseline="0" dirty="0" smtClean="0"/>
-              <a:t>Кто может еще привести пример </a:t>
-            </a:r>
-            <a:r>
-              <a:rPr lang="en-US" baseline="0" dirty="0" smtClean="0"/>
-              <a:t>repudiation</a:t>
-            </a:r>
-            <a:r>
-              <a:rPr lang="ru-RU" baseline="0" dirty="0" smtClean="0"/>
-              <a:t> – например, у нас есть система, которая фиксирует количество неуспешных попыток логина.</a:t>
-            </a:r>
-          </a:p>
-          <a:p>
-            <a:r>
-              <a:rPr lang="ru-RU" baseline="0" dirty="0" smtClean="0"/>
-              <a:t>Если данная информация (о неуспешных попытках логина) не защищена должным образом, то злоумышленник может удалить всю информацию о неуспешных попытках логина.</a:t>
-            </a:r>
-          </a:p>
-          <a:p>
-            <a:endParaRPr lang="ru-RU" baseline="0" dirty="0" smtClean="0"/>
-          </a:p>
-          <a:p>
-            <a:r>
-              <a:rPr lang="ru-RU" baseline="0" dirty="0" smtClean="0"/>
-              <a:t>Заметьте, при этом злоумышленник может и не получить доступ к системе, однако информация о неуспешном логине исчезнет.</a:t>
-            </a:r>
           </a:p>
         </p:txBody>
       </p:sp>
@@ -5050,7 +5048,7 @@
     </p:spTree>
     <p:extLst>
       <p:ext uri="{BB962C8B-B14F-4D97-AF65-F5344CB8AC3E}">
-        <p14:creationId xmlns:p14="http://schemas.microsoft.com/office/powerpoint/2010/main" val="30538106"/>
+        <p14:creationId xmlns:p14="http://schemas.microsoft.com/office/powerpoint/2010/main" val="314644239"/>
       </p:ext>
     </p:extLst>
   </p:cSld>
@@ -26580,7 +26578,7 @@
             <a:fld id="{4A7DA880-8181-4E9F-8B22-A8B3F921EFD5}" type="datetimeFigureOut">
               <a:rPr lang="ru-RU" smtClean="0"/>
               <a:pPr/>
-              <a:t>24.01.2017</a:t>
+              <a:t>25.01.2017</a:t>
             </a:fld>
             <a:endParaRPr lang="ru-RU" dirty="0"/>
           </a:p>
@@ -27754,11 +27752,15 @@
                   <a:srgbClr val="C00000"/>
                 </a:solidFill>
               </a:rPr>
-              <a:t>Information disclosure</a:t>
+              <a:t>Spoofing</a:t>
+            </a:r>
+            <a:r>
+              <a:rPr lang="ru-RU" dirty="0" smtClean="0"/>
+              <a:t> - </a:t>
             </a:r>
             <a:r>
               <a:rPr lang="en-US" dirty="0" smtClean="0"/>
-              <a:t> - confidentiality</a:t>
+              <a:t>authentication</a:t>
             </a:r>
             <a:endParaRPr lang="ru-RU" dirty="0"/>
           </a:p>
@@ -27774,7 +27776,12 @@
             <p:ph sz="quarter" idx="12"/>
           </p:nvPr>
         </p:nvSpPr>
-        <p:spPr/>
+        <p:spPr>
+          <a:xfrm>
+            <a:off x="357441" y="1130401"/>
+            <a:ext cx="3530483" cy="3277554"/>
+          </a:xfrm>
+        </p:spPr>
         <p:txBody>
           <a:bodyPr/>
           <a:lstStyle/>
@@ -27788,30 +27795,52 @@
             <a:pPr marL="0" indent="0" algn="ctr">
               <a:buNone/>
             </a:pPr>
-            <a:endParaRPr lang="ru-RU" sz="1800" dirty="0" smtClean="0"/>
-          </a:p>
-          <a:p>
-            <a:pPr marL="0" indent="0" algn="ctr">
-              <a:buNone/>
-            </a:pPr>
-            <a:endParaRPr lang="ru-RU" sz="1800" dirty="0" smtClean="0"/>
-          </a:p>
-          <a:p>
-            <a:pPr marL="0" indent="0" algn="ctr">
-              <a:buNone/>
-            </a:pPr>
             <a:r>
               <a:rPr lang="ru-RU" sz="2800" dirty="0" smtClean="0"/>
-              <a:t>Несанкционированное раскрытие информации</a:t>
+              <a:t>Процесс </a:t>
+            </a:r>
+            <a:r>
+              <a:rPr lang="ru-RU" sz="2800" dirty="0" smtClean="0"/>
+              <a:t>маскировки (подмены) пользователя или программы под другую</a:t>
             </a:r>
             <a:endParaRPr lang="ru-RU" sz="2800" dirty="0"/>
           </a:p>
         </p:txBody>
       </p:sp>
+      <p:pic>
+        <p:nvPicPr>
+          <p:cNvPr id="3" name="Picture 2"/>
+          <p:cNvPicPr>
+            <a:picLocks noChangeAspect="1"/>
+          </p:cNvPicPr>
+          <p:nvPr/>
+        </p:nvPicPr>
+        <p:blipFill>
+          <a:blip r:embed="rId3">
+            <a:extLst>
+              <a:ext uri="{28A0092B-C50C-407E-A947-70E740481C1C}">
+                <a14:useLocalDpi xmlns:a14="http://schemas.microsoft.com/office/drawing/2010/main" val="0"/>
+              </a:ext>
+            </a:extLst>
+          </a:blip>
+          <a:stretch>
+            <a:fillRect/>
+          </a:stretch>
+        </p:blipFill>
+        <p:spPr>
+          <a:xfrm>
+            <a:off x="4205985" y="854177"/>
+            <a:ext cx="4926437" cy="3553777"/>
+          </a:xfrm>
+          <a:prstGeom prst="rect">
+            <a:avLst/>
+          </a:prstGeom>
+        </p:spPr>
+      </p:pic>
     </p:spTree>
     <p:extLst>
       <p:ext uri="{BB962C8B-B14F-4D97-AF65-F5344CB8AC3E}">
-        <p14:creationId xmlns:p14="http://schemas.microsoft.com/office/powerpoint/2010/main" val="1407972076"/>
+        <p14:creationId xmlns:p14="http://schemas.microsoft.com/office/powerpoint/2010/main" val="4220539737"/>
       </p:ext>
     </p:extLst>
   </p:cSld>
@@ -27866,11 +27895,11 @@
                   <a:srgbClr val="C00000"/>
                 </a:solidFill>
               </a:rPr>
-              <a:t>Denial of service</a:t>
+              <a:t>Tampering</a:t>
             </a:r>
             <a:r>
               <a:rPr lang="en-US" dirty="0" smtClean="0"/>
-              <a:t> - availability</a:t>
+              <a:t> - integrity</a:t>
             </a:r>
             <a:endParaRPr lang="ru-RU" dirty="0"/>
           </a:p>
@@ -27886,7 +27915,12 @@
             <p:ph sz="quarter" idx="12"/>
           </p:nvPr>
         </p:nvSpPr>
-        <p:spPr/>
+        <p:spPr>
+          <a:xfrm>
+            <a:off x="357441" y="1130400"/>
+            <a:ext cx="3890523" cy="3492501"/>
+          </a:xfrm>
+        </p:spPr>
         <p:txBody>
           <a:bodyPr/>
           <a:lstStyle/>
@@ -27900,30 +27934,48 @@
             <a:pPr marL="0" indent="0" algn="ctr">
               <a:buNone/>
             </a:pPr>
-            <a:endParaRPr lang="ru-RU" sz="1800" dirty="0" smtClean="0"/>
-          </a:p>
-          <a:p>
-            <a:pPr marL="0" indent="0" algn="ctr">
-              <a:buNone/>
-            </a:pPr>
-            <a:endParaRPr lang="ru-RU" sz="1800" dirty="0" smtClean="0"/>
-          </a:p>
-          <a:p>
-            <a:pPr marL="0" indent="0" algn="ctr">
-              <a:buNone/>
-            </a:pPr>
             <a:r>
               <a:rPr lang="ru-RU" sz="2800" dirty="0" smtClean="0"/>
-              <a:t>Отказ в обслуживании</a:t>
+              <a:t>Несанкционированный процесс изменения (разрушения) данных или программы.</a:t>
             </a:r>
             <a:endParaRPr lang="ru-RU" sz="2800" dirty="0"/>
           </a:p>
         </p:txBody>
       </p:sp>
+      <p:pic>
+        <p:nvPicPr>
+          <p:cNvPr id="3" name="Picture 2"/>
+          <p:cNvPicPr>
+            <a:picLocks noChangeAspect="1"/>
+          </p:cNvPicPr>
+          <p:nvPr/>
+        </p:nvPicPr>
+        <p:blipFill>
+          <a:blip r:embed="rId3" cstate="print">
+            <a:extLst>
+              <a:ext uri="{28A0092B-C50C-407E-A947-70E740481C1C}">
+                <a14:useLocalDpi xmlns:a14="http://schemas.microsoft.com/office/drawing/2010/main" val="0"/>
+              </a:ext>
+            </a:extLst>
+          </a:blip>
+          <a:stretch>
+            <a:fillRect/>
+          </a:stretch>
+        </p:blipFill>
+        <p:spPr>
+          <a:xfrm>
+            <a:off x="4243155" y="1239602"/>
+            <a:ext cx="4892036" cy="2751770"/>
+          </a:xfrm>
+          <a:prstGeom prst="rect">
+            <a:avLst/>
+          </a:prstGeom>
+        </p:spPr>
+      </p:pic>
     </p:spTree>
     <p:extLst>
       <p:ext uri="{BB962C8B-B14F-4D97-AF65-F5344CB8AC3E}">
-        <p14:creationId xmlns:p14="http://schemas.microsoft.com/office/powerpoint/2010/main" val="2019271087"/>
+        <p14:creationId xmlns:p14="http://schemas.microsoft.com/office/powerpoint/2010/main" val="3285988337"/>
       </p:ext>
     </p:extLst>
   </p:cSld>
@@ -27973,40 +28025,17 @@
           <a:lstStyle/>
           <a:p>
             <a:r>
-              <a:rPr lang="en-US" sz="2800" dirty="0" smtClean="0">
+              <a:rPr lang="en-US" dirty="0" smtClean="0">
                 <a:solidFill>
                   <a:srgbClr val="C00000"/>
                 </a:solidFill>
               </a:rPr>
-              <a:t>Elevation </a:t>
-            </a:r>
-            <a:r>
-              <a:rPr lang="en-US" sz="2800" dirty="0">
-                <a:solidFill>
-                  <a:srgbClr val="C00000"/>
-                </a:solidFill>
-              </a:rPr>
-              <a:t>of </a:t>
-            </a:r>
-            <a:r>
-              <a:rPr lang="en-US" sz="2800" dirty="0" smtClean="0">
-                <a:solidFill>
-                  <a:srgbClr val="C00000"/>
-                </a:solidFill>
-              </a:rPr>
-              <a:t>Privilege</a:t>
-            </a:r>
-            <a:r>
-              <a:rPr lang="en-US" sz="2800" dirty="0" smtClean="0"/>
-              <a:t> - authorization</a:t>
-            </a:r>
-            <a:r>
-              <a:rPr lang="ru-RU" sz="2800" dirty="0"/>
-              <a:t/>
-            </a:r>
-            <a:br>
-              <a:rPr lang="ru-RU" sz="2800" dirty="0"/>
-            </a:br>
+              <a:t>Repudiation</a:t>
+            </a:r>
+            <a:r>
+              <a:rPr lang="en-US" dirty="0" smtClean="0"/>
+              <a:t> – non-repudiation</a:t>
+            </a:r>
             <a:endParaRPr lang="ru-RU" dirty="0"/>
           </a:p>
         </p:txBody>
@@ -28021,7 +28050,12 @@
             <p:ph sz="quarter" idx="12"/>
           </p:nvPr>
         </p:nvSpPr>
-        <p:spPr/>
+        <p:spPr>
+          <a:xfrm>
+            <a:off x="357441" y="1130400"/>
+            <a:ext cx="3812381" cy="3492501"/>
+          </a:xfrm>
+        </p:spPr>
         <p:txBody>
           <a:bodyPr/>
           <a:lstStyle/>
@@ -28049,16 +28083,46 @@
             </a:pPr>
             <a:r>
               <a:rPr lang="ru-RU" sz="2800" dirty="0" smtClean="0"/>
-              <a:t>Несанкционированное получение привилегий</a:t>
+              <a:t>Заметание следов (запутывание).</a:t>
             </a:r>
             <a:endParaRPr lang="ru-RU" sz="2800" dirty="0"/>
           </a:p>
         </p:txBody>
       </p:sp>
+      <p:pic>
+        <p:nvPicPr>
+          <p:cNvPr id="3" name="Picture 2"/>
+          <p:cNvPicPr>
+            <a:picLocks noChangeAspect="1"/>
+          </p:cNvPicPr>
+          <p:nvPr/>
+        </p:nvPicPr>
+        <p:blipFill>
+          <a:blip r:embed="rId3">
+            <a:extLst>
+              <a:ext uri="{28A0092B-C50C-407E-A947-70E740481C1C}">
+                <a14:useLocalDpi xmlns:a14="http://schemas.microsoft.com/office/drawing/2010/main" val="0"/>
+              </a:ext>
+            </a:extLst>
+          </a:blip>
+          <a:stretch>
+            <a:fillRect/>
+          </a:stretch>
+        </p:blipFill>
+        <p:spPr>
+          <a:xfrm>
+            <a:off x="4169822" y="915566"/>
+            <a:ext cx="4364973" cy="3902459"/>
+          </a:xfrm>
+          <a:prstGeom prst="rect">
+            <a:avLst/>
+          </a:prstGeom>
+        </p:spPr>
+      </p:pic>
     </p:spTree>
     <p:extLst>
       <p:ext uri="{BB962C8B-B14F-4D97-AF65-F5344CB8AC3E}">
-        <p14:creationId xmlns:p14="http://schemas.microsoft.com/office/powerpoint/2010/main" val="345684248"/>
+        <p14:creationId xmlns:p14="http://schemas.microsoft.com/office/powerpoint/2010/main" val="2530193212"/>
       </p:ext>
     </p:extLst>
   </p:cSld>
@@ -28108,8 +28172,16 @@
           <a:lstStyle/>
           <a:p>
             <a:r>
+              <a:rPr lang="en-US" dirty="0" smtClean="0">
+                <a:solidFill>
+                  <a:srgbClr val="C00000"/>
+                </a:solidFill>
+              </a:rPr>
+              <a:t>Information disclosure</a:t>
+            </a:r>
+            <a:r>
               <a:rPr lang="en-US" dirty="0" smtClean="0"/>
-              <a:t>Threat modelling</a:t>
+              <a:t> - confidentiality</a:t>
             </a:r>
             <a:endParaRPr lang="ru-RU" dirty="0"/>
           </a:p>
@@ -28117,7 +28189,7 @@
       </p:sp>
       <p:sp>
         <p:nvSpPr>
-          <p:cNvPr id="3" name="Объект 2"/>
+          <p:cNvPr id="6" name="Content Placeholder 5"/>
           <p:cNvSpPr>
             <a:spLocks noGrp="1"/>
           </p:cNvSpPr>
@@ -28127,51 +28199,77 @@
         </p:nvSpPr>
         <p:spPr>
           <a:xfrm>
-            <a:off x="357441" y="1167481"/>
-            <a:ext cx="8426450" cy="3492501"/>
+            <a:off x="357441" y="1130400"/>
+            <a:ext cx="3854519" cy="3492501"/>
           </a:xfrm>
         </p:spPr>
         <p:txBody>
           <a:bodyPr/>
           <a:lstStyle/>
           <a:p>
-            <a:r>
-              <a:rPr lang="ru-RU" sz="2400" dirty="0" smtClean="0"/>
-              <a:t>Идентифицировать угрозы</a:t>
-            </a:r>
-          </a:p>
-          <a:p>
-            <a:endParaRPr lang="ru-RU" sz="2400" dirty="0"/>
-          </a:p>
-          <a:p>
-            <a:r>
-              <a:rPr lang="ru-RU" sz="2400" dirty="0"/>
-              <a:t>Составить список </a:t>
-            </a:r>
-            <a:r>
-              <a:rPr lang="ru-RU" sz="2400" dirty="0" smtClean="0"/>
-              <a:t>угроз</a:t>
-            </a:r>
-          </a:p>
-          <a:p>
-            <a:endParaRPr lang="ru-RU" sz="2400" dirty="0"/>
-          </a:p>
-          <a:p>
-            <a:r>
-              <a:rPr lang="ru-RU" sz="2400" dirty="0" smtClean="0"/>
-              <a:t>Упорядочить угрозы согласно приоритета</a:t>
-            </a:r>
-            <a:endParaRPr lang="ru-RU" sz="2400" dirty="0"/>
-          </a:p>
-          <a:p>
+            <a:pPr marL="0" indent="0" algn="ctr">
+              <a:buNone/>
+            </a:pPr>
             <a:endParaRPr lang="ru-RU" sz="1800" dirty="0" smtClean="0"/>
           </a:p>
-        </p:txBody>
-      </p:sp>
+          <a:p>
+            <a:pPr marL="0" indent="0" algn="ctr">
+              <a:buNone/>
+            </a:pPr>
+            <a:endParaRPr lang="ru-RU" sz="1800" dirty="0" smtClean="0"/>
+          </a:p>
+          <a:p>
+            <a:pPr marL="0" indent="0" algn="ctr">
+              <a:buNone/>
+            </a:pPr>
+            <a:endParaRPr lang="ru-RU" sz="1800" dirty="0" smtClean="0"/>
+          </a:p>
+          <a:p>
+            <a:pPr marL="0" indent="0" algn="ctr">
+              <a:buNone/>
+            </a:pPr>
+            <a:r>
+              <a:rPr lang="ru-RU" sz="2800" dirty="0" smtClean="0"/>
+              <a:t>Несанкционированное раскрытие информации</a:t>
+            </a:r>
+            <a:endParaRPr lang="ru-RU" sz="2800" dirty="0"/>
+          </a:p>
+        </p:txBody>
+      </p:sp>
+      <p:pic>
+        <p:nvPicPr>
+          <p:cNvPr id="3" name="Picture 2"/>
+          <p:cNvPicPr>
+            <a:picLocks noChangeAspect="1"/>
+          </p:cNvPicPr>
+          <p:nvPr/>
+        </p:nvPicPr>
+        <p:blipFill>
+          <a:blip r:embed="rId3">
+            <a:extLst>
+              <a:ext uri="{28A0092B-C50C-407E-A947-70E740481C1C}">
+                <a14:useLocalDpi xmlns:a14="http://schemas.microsoft.com/office/drawing/2010/main" val="0"/>
+              </a:ext>
+            </a:extLst>
+          </a:blip>
+          <a:stretch>
+            <a:fillRect/>
+          </a:stretch>
+        </p:blipFill>
+        <p:spPr>
+          <a:xfrm>
+            <a:off x="4211959" y="1184095"/>
+            <a:ext cx="4573265" cy="3043300"/>
+          </a:xfrm>
+          <a:prstGeom prst="rect">
+            <a:avLst/>
+          </a:prstGeom>
+        </p:spPr>
+      </p:pic>
     </p:spTree>
     <p:extLst>
       <p:ext uri="{BB962C8B-B14F-4D97-AF65-F5344CB8AC3E}">
-        <p14:creationId xmlns:p14="http://schemas.microsoft.com/office/powerpoint/2010/main" val="3539263801"/>
+        <p14:creationId xmlns:p14="http://schemas.microsoft.com/office/powerpoint/2010/main" val="1407972076"/>
       </p:ext>
     </p:extLst>
   </p:cSld>
@@ -28207,12 +28305,12 @@
       </p:grpSpPr>
       <p:sp>
         <p:nvSpPr>
-          <p:cNvPr id="2" name="Текст 1"/>
-          <p:cNvSpPr>
-            <a:spLocks noGrp="1"/>
-          </p:cNvSpPr>
-          <p:nvPr>
-            <p:ph type="body" sz="quarter" idx="12"/>
+          <p:cNvPr id="2" name="Заголовок 1"/>
+          <p:cNvSpPr>
+            <a:spLocks noGrp="1"/>
+          </p:cNvSpPr>
+          <p:nvPr>
+            <p:ph type="title"/>
           </p:nvPr>
         </p:nvSpPr>
         <p:spPr/>
@@ -28220,38 +28318,105 @@
           <a:bodyPr/>
           <a:lstStyle/>
           <a:p>
-            <a:endParaRPr lang="ru-RU"/>
-          </a:p>
-        </p:txBody>
-      </p:sp>
-      <p:sp>
-        <p:nvSpPr>
-          <p:cNvPr id="3" name="Текст 2"/>
-          <p:cNvSpPr>
-            <a:spLocks noGrp="1"/>
-          </p:cNvSpPr>
-          <p:nvPr>
-            <p:ph type="body" sz="quarter" idx="14"/>
-          </p:nvPr>
-        </p:nvSpPr>
-        <p:spPr/>
+            <a:r>
+              <a:rPr lang="en-US" dirty="0" smtClean="0">
+                <a:solidFill>
+                  <a:srgbClr val="C00000"/>
+                </a:solidFill>
+              </a:rPr>
+              <a:t>Denial of service</a:t>
+            </a:r>
+            <a:r>
+              <a:rPr lang="en-US" dirty="0" smtClean="0"/>
+              <a:t> - availability</a:t>
+            </a:r>
+            <a:endParaRPr lang="ru-RU" dirty="0"/>
+          </a:p>
+        </p:txBody>
+      </p:sp>
+      <p:sp>
+        <p:nvSpPr>
+          <p:cNvPr id="6" name="Content Placeholder 5"/>
+          <p:cNvSpPr>
+            <a:spLocks noGrp="1"/>
+          </p:cNvSpPr>
+          <p:nvPr>
+            <p:ph sz="quarter" idx="12"/>
+          </p:nvPr>
+        </p:nvSpPr>
+        <p:spPr>
+          <a:xfrm>
+            <a:off x="357441" y="1130400"/>
+            <a:ext cx="3170443" cy="3492501"/>
+          </a:xfrm>
+        </p:spPr>
         <p:txBody>
           <a:bodyPr/>
           <a:lstStyle/>
           <a:p>
-            <a:pPr algn="ctr"/>
-            <a:r>
-              <a:rPr lang="en-US" dirty="0" smtClean="0"/>
-              <a:t>Data flow diagrams</a:t>
-            </a:r>
-            <a:endParaRPr lang="ru-RU" dirty="0"/>
-          </a:p>
-        </p:txBody>
-      </p:sp>
+            <a:pPr marL="0" indent="0" algn="ctr">
+              <a:buNone/>
+            </a:pPr>
+            <a:endParaRPr lang="ru-RU" sz="1800" dirty="0" smtClean="0"/>
+          </a:p>
+          <a:p>
+            <a:pPr marL="0" indent="0" algn="ctr">
+              <a:buNone/>
+            </a:pPr>
+            <a:endParaRPr lang="ru-RU" sz="1800" dirty="0" smtClean="0"/>
+          </a:p>
+          <a:p>
+            <a:pPr marL="0" indent="0" algn="ctr">
+              <a:buNone/>
+            </a:pPr>
+            <a:endParaRPr lang="ru-RU" sz="1800" dirty="0" smtClean="0"/>
+          </a:p>
+          <a:p>
+            <a:pPr marL="0" indent="0" algn="ctr">
+              <a:buNone/>
+            </a:pPr>
+            <a:r>
+              <a:rPr lang="ru-RU" sz="2800" dirty="0" smtClean="0"/>
+              <a:t>Отказ в обслуживании</a:t>
+            </a:r>
+            <a:endParaRPr lang="ru-RU" sz="2800" dirty="0"/>
+          </a:p>
+        </p:txBody>
+      </p:sp>
+      <p:pic>
+        <p:nvPicPr>
+          <p:cNvPr id="4" name="Picture 3"/>
+          <p:cNvPicPr>
+            <a:picLocks noChangeAspect="1"/>
+          </p:cNvPicPr>
+          <p:nvPr/>
+        </p:nvPicPr>
+        <p:blipFill>
+          <a:blip r:embed="rId3">
+            <a:extLst>
+              <a:ext uri="{28A0092B-C50C-407E-A947-70E740481C1C}">
+                <a14:useLocalDpi xmlns:a14="http://schemas.microsoft.com/office/drawing/2010/main" val="0"/>
+              </a:ext>
+            </a:extLst>
+          </a:blip>
+          <a:stretch>
+            <a:fillRect/>
+          </a:stretch>
+        </p:blipFill>
+        <p:spPr>
+          <a:xfrm>
+            <a:off x="4139952" y="1443600"/>
+            <a:ext cx="4991200" cy="2555177"/>
+          </a:xfrm>
+          <a:prstGeom prst="rect">
+            <a:avLst/>
+          </a:prstGeom>
+        </p:spPr>
+      </p:pic>
     </p:spTree>
     <p:extLst>
       <p:ext uri="{BB962C8B-B14F-4D97-AF65-F5344CB8AC3E}">
-        <p14:creationId xmlns:p14="http://schemas.microsoft.com/office/powerpoint/2010/main" val="1415025088"/>
+        <p14:creationId xmlns:p14="http://schemas.microsoft.com/office/powerpoint/2010/main" val="2019271087"/>
       </p:ext>
     </p:extLst>
   </p:cSld>
@@ -28301,6 +28466,369 @@
           <a:lstStyle/>
           <a:p>
             <a:r>
+              <a:rPr lang="en-US" sz="2800" dirty="0" smtClean="0">
+                <a:solidFill>
+                  <a:srgbClr val="C00000"/>
+                </a:solidFill>
+              </a:rPr>
+              <a:t>Elevation </a:t>
+            </a:r>
+            <a:r>
+              <a:rPr lang="en-US" sz="2800" dirty="0">
+                <a:solidFill>
+                  <a:srgbClr val="C00000"/>
+                </a:solidFill>
+              </a:rPr>
+              <a:t>of </a:t>
+            </a:r>
+            <a:r>
+              <a:rPr lang="en-US" sz="2800" dirty="0" smtClean="0">
+                <a:solidFill>
+                  <a:srgbClr val="C00000"/>
+                </a:solidFill>
+              </a:rPr>
+              <a:t>Privilege</a:t>
+            </a:r>
+            <a:r>
+              <a:rPr lang="en-US" sz="2800" dirty="0" smtClean="0"/>
+              <a:t> - authorization</a:t>
+            </a:r>
+            <a:r>
+              <a:rPr lang="ru-RU" sz="2800" dirty="0"/>
+              <a:t/>
+            </a:r>
+            <a:br>
+              <a:rPr lang="ru-RU" sz="2800" dirty="0"/>
+            </a:br>
+            <a:endParaRPr lang="ru-RU" dirty="0"/>
+          </a:p>
+        </p:txBody>
+      </p:sp>
+      <p:sp>
+        <p:nvSpPr>
+          <p:cNvPr id="6" name="Content Placeholder 5"/>
+          <p:cNvSpPr>
+            <a:spLocks noGrp="1"/>
+          </p:cNvSpPr>
+          <p:nvPr>
+            <p:ph sz="quarter" idx="12"/>
+          </p:nvPr>
+        </p:nvSpPr>
+        <p:spPr>
+          <a:xfrm>
+            <a:off x="357441" y="1130400"/>
+            <a:ext cx="3602491" cy="3492501"/>
+          </a:xfrm>
+        </p:spPr>
+        <p:txBody>
+          <a:bodyPr/>
+          <a:lstStyle/>
+          <a:p>
+            <a:pPr marL="0" indent="0" algn="ctr">
+              <a:buNone/>
+            </a:pPr>
+            <a:endParaRPr lang="ru-RU" sz="1800" dirty="0" smtClean="0"/>
+          </a:p>
+          <a:p>
+            <a:pPr marL="0" indent="0" algn="ctr">
+              <a:buNone/>
+            </a:pPr>
+            <a:endParaRPr lang="ru-RU" sz="1800" dirty="0" smtClean="0"/>
+          </a:p>
+          <a:p>
+            <a:pPr marL="0" indent="0" algn="ctr">
+              <a:buNone/>
+            </a:pPr>
+            <a:endParaRPr lang="ru-RU" sz="1800" dirty="0" smtClean="0"/>
+          </a:p>
+          <a:p>
+            <a:pPr marL="0" indent="0" algn="ctr">
+              <a:buNone/>
+            </a:pPr>
+            <a:r>
+              <a:rPr lang="ru-RU" sz="2600" dirty="0" smtClean="0"/>
+              <a:t>Несанкционированное получение привилегий</a:t>
+            </a:r>
+            <a:endParaRPr lang="ru-RU" sz="2600" dirty="0"/>
+          </a:p>
+        </p:txBody>
+      </p:sp>
+      <p:pic>
+        <p:nvPicPr>
+          <p:cNvPr id="3" name="Picture 2"/>
+          <p:cNvPicPr>
+            <a:picLocks noChangeAspect="1"/>
+          </p:cNvPicPr>
+          <p:nvPr/>
+        </p:nvPicPr>
+        <p:blipFill>
+          <a:blip r:embed="rId3">
+            <a:extLst>
+              <a:ext uri="{28A0092B-C50C-407E-A947-70E740481C1C}">
+                <a14:useLocalDpi xmlns:a14="http://schemas.microsoft.com/office/drawing/2010/main" val="0"/>
+              </a:ext>
+            </a:extLst>
+          </a:blip>
+          <a:stretch>
+            <a:fillRect/>
+          </a:stretch>
+        </p:blipFill>
+        <p:spPr>
+          <a:xfrm>
+            <a:off x="3959932" y="920066"/>
+            <a:ext cx="5185353" cy="3240846"/>
+          </a:xfrm>
+          <a:prstGeom prst="rect">
+            <a:avLst/>
+          </a:prstGeom>
+        </p:spPr>
+      </p:pic>
+    </p:spTree>
+    <p:extLst>
+      <p:ext uri="{BB962C8B-B14F-4D97-AF65-F5344CB8AC3E}">
+        <p14:creationId xmlns:p14="http://schemas.microsoft.com/office/powerpoint/2010/main" val="345684248"/>
+      </p:ext>
+    </p:extLst>
+  </p:cSld>
+  <p:clrMapOvr>
+    <a:masterClrMapping/>
+  </p:clrMapOvr>
+  <p:timing>
+    <p:tnLst>
+      <p:par>
+        <p:cTn id="1" dur="indefinite" restart="never" nodeType="tmRoot"/>
+      </p:par>
+    </p:tnLst>
+  </p:timing>
+</p:sld>
+</file>
+
+<file path=ppt/slides/slide16.xml><?xml version="1.0" encoding="utf-8"?>
+<p:sld xmlns:a="http://schemas.openxmlformats.org/drawingml/2006/main" xmlns:r="http://schemas.openxmlformats.org/officeDocument/2006/relationships" xmlns:p="http://schemas.openxmlformats.org/presentationml/2006/main">
+  <p:cSld>
+    <p:spTree>
+      <p:nvGrpSpPr>
+        <p:cNvPr id="1" name=""/>
+        <p:cNvGrpSpPr/>
+        <p:nvPr/>
+      </p:nvGrpSpPr>
+      <p:grpSpPr>
+        <a:xfrm>
+          <a:off x="0" y="0"/>
+          <a:ext cx="0" cy="0"/>
+          <a:chOff x="0" y="0"/>
+          <a:chExt cx="0" cy="0"/>
+        </a:xfrm>
+      </p:grpSpPr>
+      <p:sp>
+        <p:nvSpPr>
+          <p:cNvPr id="2" name="Заголовок 1"/>
+          <p:cNvSpPr>
+            <a:spLocks noGrp="1"/>
+          </p:cNvSpPr>
+          <p:nvPr>
+            <p:ph type="title"/>
+          </p:nvPr>
+        </p:nvSpPr>
+        <p:spPr/>
+        <p:txBody>
+          <a:bodyPr/>
+          <a:lstStyle/>
+          <a:p>
+            <a:r>
+              <a:rPr lang="en-US" dirty="0" smtClean="0"/>
+              <a:t>Threat modelling</a:t>
+            </a:r>
+            <a:endParaRPr lang="ru-RU" dirty="0"/>
+          </a:p>
+        </p:txBody>
+      </p:sp>
+      <p:sp>
+        <p:nvSpPr>
+          <p:cNvPr id="3" name="Объект 2"/>
+          <p:cNvSpPr>
+            <a:spLocks noGrp="1"/>
+          </p:cNvSpPr>
+          <p:nvPr>
+            <p:ph sz="quarter" idx="12"/>
+          </p:nvPr>
+        </p:nvSpPr>
+        <p:spPr>
+          <a:xfrm>
+            <a:off x="357441" y="1167481"/>
+            <a:ext cx="8426450" cy="3492501"/>
+          </a:xfrm>
+        </p:spPr>
+        <p:txBody>
+          <a:bodyPr/>
+          <a:lstStyle/>
+          <a:p>
+            <a:r>
+              <a:rPr lang="ru-RU" sz="2400" dirty="0" smtClean="0"/>
+              <a:t>Идентифицировать угрозы</a:t>
+            </a:r>
+          </a:p>
+          <a:p>
+            <a:endParaRPr lang="ru-RU" sz="2400" dirty="0"/>
+          </a:p>
+          <a:p>
+            <a:r>
+              <a:rPr lang="ru-RU" sz="2400" dirty="0"/>
+              <a:t>Составить список </a:t>
+            </a:r>
+            <a:r>
+              <a:rPr lang="ru-RU" sz="2400" dirty="0" smtClean="0"/>
+              <a:t>угроз</a:t>
+            </a:r>
+          </a:p>
+          <a:p>
+            <a:endParaRPr lang="ru-RU" sz="2400" dirty="0"/>
+          </a:p>
+          <a:p>
+            <a:r>
+              <a:rPr lang="ru-RU" sz="2400" dirty="0" smtClean="0"/>
+              <a:t>Упорядочить угрозы согласно приоритета</a:t>
+            </a:r>
+            <a:endParaRPr lang="ru-RU" sz="2400" dirty="0"/>
+          </a:p>
+          <a:p>
+            <a:endParaRPr lang="ru-RU" sz="1800" dirty="0" smtClean="0"/>
+          </a:p>
+        </p:txBody>
+      </p:sp>
+    </p:spTree>
+    <p:extLst>
+      <p:ext uri="{BB962C8B-B14F-4D97-AF65-F5344CB8AC3E}">
+        <p14:creationId xmlns:p14="http://schemas.microsoft.com/office/powerpoint/2010/main" val="3539263801"/>
+      </p:ext>
+    </p:extLst>
+  </p:cSld>
+  <p:clrMapOvr>
+    <a:masterClrMapping/>
+  </p:clrMapOvr>
+  <p:timing>
+    <p:tnLst>
+      <p:par>
+        <p:cTn id="1" dur="indefinite" restart="never" nodeType="tmRoot"/>
+      </p:par>
+    </p:tnLst>
+  </p:timing>
+</p:sld>
+</file>
+
+<file path=ppt/slides/slide17.xml><?xml version="1.0" encoding="utf-8"?>
+<p:sld xmlns:a="http://schemas.openxmlformats.org/drawingml/2006/main" xmlns:r="http://schemas.openxmlformats.org/officeDocument/2006/relationships" xmlns:p="http://schemas.openxmlformats.org/presentationml/2006/main">
+  <p:cSld>
+    <p:spTree>
+      <p:nvGrpSpPr>
+        <p:cNvPr id="1" name=""/>
+        <p:cNvGrpSpPr/>
+        <p:nvPr/>
+      </p:nvGrpSpPr>
+      <p:grpSpPr>
+        <a:xfrm>
+          <a:off x="0" y="0"/>
+          <a:ext cx="0" cy="0"/>
+          <a:chOff x="0" y="0"/>
+          <a:chExt cx="0" cy="0"/>
+        </a:xfrm>
+      </p:grpSpPr>
+      <p:sp>
+        <p:nvSpPr>
+          <p:cNvPr id="2" name="Текст 1"/>
+          <p:cNvSpPr>
+            <a:spLocks noGrp="1"/>
+          </p:cNvSpPr>
+          <p:nvPr>
+            <p:ph type="body" sz="quarter" idx="12"/>
+          </p:nvPr>
+        </p:nvSpPr>
+        <p:spPr/>
+        <p:txBody>
+          <a:bodyPr/>
+          <a:lstStyle/>
+          <a:p>
+            <a:endParaRPr lang="ru-RU"/>
+          </a:p>
+        </p:txBody>
+      </p:sp>
+      <p:sp>
+        <p:nvSpPr>
+          <p:cNvPr id="3" name="Текст 2"/>
+          <p:cNvSpPr>
+            <a:spLocks noGrp="1"/>
+          </p:cNvSpPr>
+          <p:nvPr>
+            <p:ph type="body" sz="quarter" idx="14"/>
+          </p:nvPr>
+        </p:nvSpPr>
+        <p:spPr/>
+        <p:txBody>
+          <a:bodyPr/>
+          <a:lstStyle/>
+          <a:p>
+            <a:pPr algn="ctr"/>
+            <a:r>
+              <a:rPr lang="en-US" dirty="0" smtClean="0"/>
+              <a:t>Data flow diagrams</a:t>
+            </a:r>
+            <a:endParaRPr lang="ru-RU" dirty="0"/>
+          </a:p>
+        </p:txBody>
+      </p:sp>
+    </p:spTree>
+    <p:extLst>
+      <p:ext uri="{BB962C8B-B14F-4D97-AF65-F5344CB8AC3E}">
+        <p14:creationId xmlns:p14="http://schemas.microsoft.com/office/powerpoint/2010/main" val="1415025088"/>
+      </p:ext>
+    </p:extLst>
+  </p:cSld>
+  <p:clrMapOvr>
+    <a:masterClrMapping/>
+  </p:clrMapOvr>
+  <p:timing>
+    <p:tnLst>
+      <p:par>
+        <p:cTn id="1" dur="indefinite" restart="never" nodeType="tmRoot"/>
+      </p:par>
+    </p:tnLst>
+  </p:timing>
+</p:sld>
+</file>
+
+<file path=ppt/slides/slide18.xml><?xml version="1.0" encoding="utf-8"?>
+<p:sld xmlns:a="http://schemas.openxmlformats.org/drawingml/2006/main" xmlns:r="http://schemas.openxmlformats.org/officeDocument/2006/relationships" xmlns:p="http://schemas.openxmlformats.org/presentationml/2006/main">
+  <p:cSld>
+    <p:spTree>
+      <p:nvGrpSpPr>
+        <p:cNvPr id="1" name=""/>
+        <p:cNvGrpSpPr/>
+        <p:nvPr/>
+      </p:nvGrpSpPr>
+      <p:grpSpPr>
+        <a:xfrm>
+          <a:off x="0" y="0"/>
+          <a:ext cx="0" cy="0"/>
+          <a:chOff x="0" y="0"/>
+          <a:chExt cx="0" cy="0"/>
+        </a:xfrm>
+      </p:grpSpPr>
+      <p:sp>
+        <p:nvSpPr>
+          <p:cNvPr id="2" name="Заголовок 1"/>
+          <p:cNvSpPr>
+            <a:spLocks noGrp="1"/>
+          </p:cNvSpPr>
+          <p:nvPr>
+            <p:ph type="title"/>
+          </p:nvPr>
+        </p:nvSpPr>
+        <p:spPr/>
+        <p:txBody>
+          <a:bodyPr/>
+          <a:lstStyle/>
+          <a:p>
+            <a:r>
               <a:rPr lang="en-US" dirty="0" smtClean="0"/>
               <a:t>Data flow diagrams</a:t>
             </a:r>
@@ -28318,13 +28846,13 @@
             <p:ph sz="quarter" idx="12"/>
             <p:extLst>
               <p:ext uri="{D42A27DB-BD31-4B8C-83A1-F6EECF244321}">
-                <p14:modId xmlns:p14="http://schemas.microsoft.com/office/powerpoint/2010/main" val="1416822040"/>
+                <p14:modId xmlns:p14="http://schemas.microsoft.com/office/powerpoint/2010/main" val="2029887317"/>
               </p:ext>
             </p:extLst>
           </p:nvPr>
         </p:nvGraphicFramePr>
         <p:xfrm>
-          <a:off x="575556" y="878433"/>
+          <a:off x="863588" y="771550"/>
           <a:ext cx="7392205" cy="4013154"/>
         </p:xfrm>
         <a:graphic>
@@ -28618,7 +29146,7 @@
         </p:nvSpPr>
         <p:spPr>
           <a:xfrm>
-            <a:off x="2536352" y="1613534"/>
+            <a:off x="2824384" y="1506651"/>
             <a:ext cx="1224136" cy="360040"/>
           </a:xfrm>
           <a:prstGeom prst="rect">
@@ -28664,7 +29192,7 @@
         </p:nvSpPr>
         <p:spPr>
           <a:xfrm>
-            <a:off x="2590358" y="2230734"/>
+            <a:off x="2878390" y="2123851"/>
             <a:ext cx="1116124" cy="396044"/>
           </a:xfrm>
           <a:prstGeom prst="ellipse">
@@ -28712,7 +29240,7 @@
         </p:nvGrpSpPr>
         <p:grpSpPr bwMode="auto">
           <a:xfrm>
-            <a:off x="2576920" y="2892564"/>
+            <a:off x="2864952" y="2785681"/>
             <a:ext cx="1143000" cy="294752"/>
             <a:chOff x="2743200" y="3972448"/>
             <a:chExt cx="1143000" cy="294752"/>
@@ -28797,7 +29325,7 @@
         </p:nvSpPr>
         <p:spPr>
           <a:xfrm rot="19075897">
-            <a:off x="2241200" y="3577570"/>
+            <a:off x="2529232" y="3470687"/>
             <a:ext cx="1693863" cy="1543050"/>
           </a:xfrm>
           <a:prstGeom prst="arc">
@@ -28844,7 +29372,7 @@
         </p:nvCxnSpPr>
         <p:spPr>
           <a:xfrm>
-            <a:off x="2452201" y="4258207"/>
+            <a:off x="2740233" y="4151324"/>
             <a:ext cx="1332148" cy="348961"/>
           </a:xfrm>
           <a:prstGeom prst="line">
@@ -28889,7 +29417,7 @@
 </p:sld>
 </file>
 
-<file path=ppt/slides/slide16.xml><?xml version="1.0" encoding="utf-8"?>
+<file path=ppt/slides/slide19.xml><?xml version="1.0" encoding="utf-8"?>
 <p:sld xmlns:a="http://schemas.openxmlformats.org/drawingml/2006/main" xmlns:r="http://schemas.openxmlformats.org/officeDocument/2006/relationships" xmlns:p="http://schemas.openxmlformats.org/presentationml/2006/main">
   <p:cSld>
     <p:spTree>
@@ -28974,7 +29502,115 @@
 </p:sld>
 </file>
 
-<file path=ppt/slides/slide17.xml><?xml version="1.0" encoding="utf-8"?>
+<file path=ppt/slides/slide2.xml><?xml version="1.0" encoding="utf-8"?>
+<p:sld xmlns:a="http://schemas.openxmlformats.org/drawingml/2006/main" xmlns:r="http://schemas.openxmlformats.org/officeDocument/2006/relationships" xmlns:p="http://schemas.openxmlformats.org/presentationml/2006/main">
+  <p:cSld>
+    <p:spTree>
+      <p:nvGrpSpPr>
+        <p:cNvPr id="1" name=""/>
+        <p:cNvGrpSpPr/>
+        <p:nvPr/>
+      </p:nvGrpSpPr>
+      <p:grpSpPr>
+        <a:xfrm>
+          <a:off x="0" y="0"/>
+          <a:ext cx="0" cy="0"/>
+          <a:chOff x="0" y="0"/>
+          <a:chExt cx="0" cy="0"/>
+        </a:xfrm>
+      </p:grpSpPr>
+      <p:sp>
+        <p:nvSpPr>
+          <p:cNvPr id="2" name="Заголовок 1"/>
+          <p:cNvSpPr>
+            <a:spLocks noGrp="1"/>
+          </p:cNvSpPr>
+          <p:nvPr>
+            <p:ph type="title"/>
+          </p:nvPr>
+        </p:nvSpPr>
+        <p:spPr/>
+        <p:txBody>
+          <a:bodyPr/>
+          <a:lstStyle/>
+          <a:p>
+            <a:r>
+              <a:rPr lang="en-US" dirty="0"/>
+              <a:t>agenda</a:t>
+            </a:r>
+            <a:endParaRPr lang="ru-RU" dirty="0"/>
+          </a:p>
+        </p:txBody>
+      </p:sp>
+      <p:sp>
+        <p:nvSpPr>
+          <p:cNvPr id="3" name="Объект 2"/>
+          <p:cNvSpPr>
+            <a:spLocks noGrp="1"/>
+          </p:cNvSpPr>
+          <p:nvPr>
+            <p:ph sz="quarter" idx="12"/>
+          </p:nvPr>
+        </p:nvSpPr>
+        <p:spPr/>
+        <p:txBody>
+          <a:bodyPr/>
+          <a:lstStyle/>
+          <a:p>
+            <a:endParaRPr lang="ru-RU" sz="2400" dirty="0" smtClean="0"/>
+          </a:p>
+          <a:p>
+            <a:r>
+              <a:rPr lang="ru-RU" sz="2400" dirty="0" smtClean="0"/>
+              <a:t>Теоретическая часть</a:t>
+            </a:r>
+            <a:endParaRPr lang="ru-RU" sz="2400" dirty="0"/>
+          </a:p>
+          <a:p>
+            <a:endParaRPr lang="ru-RU" sz="2400" dirty="0" smtClean="0"/>
+          </a:p>
+          <a:p>
+            <a:endParaRPr lang="ru-RU" sz="2400" dirty="0"/>
+          </a:p>
+          <a:p>
+            <a:r>
+              <a:rPr lang="ru-RU" sz="2400" dirty="0" smtClean="0"/>
+              <a:t>Практическая часть</a:t>
+            </a:r>
+            <a:endParaRPr lang="ru-RU" sz="2400" dirty="0"/>
+          </a:p>
+          <a:p>
+            <a:endParaRPr lang="ru-RU" sz="2400" dirty="0"/>
+          </a:p>
+          <a:p>
+            <a:endParaRPr lang="en-US" sz="2400" dirty="0"/>
+          </a:p>
+          <a:p>
+            <a:endParaRPr lang="ru-RU" sz="3200" dirty="0"/>
+          </a:p>
+        </p:txBody>
+      </p:sp>
+    </p:spTree>
+    <p:extLst>
+      <p:ext uri="{BB962C8B-B14F-4D97-AF65-F5344CB8AC3E}">
+        <p14:creationId xmlns:p14="http://schemas.microsoft.com/office/powerpoint/2010/main" val="2637384618"/>
+      </p:ext>
+    </p:extLst>
+  </p:cSld>
+  <p:clrMapOvr>
+    <a:masterClrMapping/>
+  </p:clrMapOvr>
+  <p:timing>
+    <p:tnLst>
+      <p:par>
+        <p:cTn id="1" dur="indefinite" restart="never" nodeType="tmRoot"/>
+      </p:par>
+    </p:tnLst>
+  </p:timing>
+</p:sld>
+</file>
+
+<file path=ppt/slides/slide20.xml><?xml version="1.0" encoding="utf-8"?>
 <p:sld xmlns:a="http://schemas.openxmlformats.org/drawingml/2006/main" xmlns:r="http://schemas.openxmlformats.org/officeDocument/2006/relationships" xmlns:p="http://schemas.openxmlformats.org/presentationml/2006/main">
   <p:cSld>
     <p:spTree>
@@ -29590,7 +30226,7 @@
 </p:sld>
 </file>
 
-<file path=ppt/slides/slide18.xml><?xml version="1.0" encoding="utf-8"?>
+<file path=ppt/slides/slide21.xml><?xml version="1.0" encoding="utf-8"?>
 <p:sld xmlns:a="http://schemas.openxmlformats.org/drawingml/2006/main" xmlns:r="http://schemas.openxmlformats.org/officeDocument/2006/relationships" xmlns:p="http://schemas.openxmlformats.org/presentationml/2006/main">
   <p:cSld>
     <p:spTree>
@@ -29670,7 +30306,7 @@
 </p:sld>
 </file>
 
-<file path=ppt/slides/slide19.xml><?xml version="1.0" encoding="utf-8"?>
+<file path=ppt/slides/slide22.xml><?xml version="1.0" encoding="utf-8"?>
 <p:sld xmlns:a="http://schemas.openxmlformats.org/drawingml/2006/main" xmlns:r="http://schemas.openxmlformats.org/officeDocument/2006/relationships" xmlns:p="http://schemas.openxmlformats.org/presentationml/2006/main">
   <p:cSld>
     <p:spTree>
@@ -30002,115 +30638,7 @@
 </p:sld>
 </file>
 
-<file path=ppt/slides/slide2.xml><?xml version="1.0" encoding="utf-8"?>
-<p:sld xmlns:a="http://schemas.openxmlformats.org/drawingml/2006/main" xmlns:r="http://schemas.openxmlformats.org/officeDocument/2006/relationships" xmlns:p="http://schemas.openxmlformats.org/presentationml/2006/main">
-  <p:cSld>
-    <p:spTree>
-      <p:nvGrpSpPr>
-        <p:cNvPr id="1" name=""/>
-        <p:cNvGrpSpPr/>
-        <p:nvPr/>
-      </p:nvGrpSpPr>
-      <p:grpSpPr>
-        <a:xfrm>
-          <a:off x="0" y="0"/>
-          <a:ext cx="0" cy="0"/>
-          <a:chOff x="0" y="0"/>
-          <a:chExt cx="0" cy="0"/>
-        </a:xfrm>
-      </p:grpSpPr>
-      <p:sp>
-        <p:nvSpPr>
-          <p:cNvPr id="2" name="Заголовок 1"/>
-          <p:cNvSpPr>
-            <a:spLocks noGrp="1"/>
-          </p:cNvSpPr>
-          <p:nvPr>
-            <p:ph type="title"/>
-          </p:nvPr>
-        </p:nvSpPr>
-        <p:spPr/>
-        <p:txBody>
-          <a:bodyPr/>
-          <a:lstStyle/>
-          <a:p>
-            <a:r>
-              <a:rPr lang="en-US" dirty="0"/>
-              <a:t>agenda</a:t>
-            </a:r>
-            <a:endParaRPr lang="ru-RU" dirty="0"/>
-          </a:p>
-        </p:txBody>
-      </p:sp>
-      <p:sp>
-        <p:nvSpPr>
-          <p:cNvPr id="3" name="Объект 2"/>
-          <p:cNvSpPr>
-            <a:spLocks noGrp="1"/>
-          </p:cNvSpPr>
-          <p:nvPr>
-            <p:ph sz="quarter" idx="12"/>
-          </p:nvPr>
-        </p:nvSpPr>
-        <p:spPr/>
-        <p:txBody>
-          <a:bodyPr/>
-          <a:lstStyle/>
-          <a:p>
-            <a:endParaRPr lang="ru-RU" sz="2400" dirty="0" smtClean="0"/>
-          </a:p>
-          <a:p>
-            <a:r>
-              <a:rPr lang="ru-RU" sz="2400" dirty="0" smtClean="0"/>
-              <a:t>Теоретическая часть</a:t>
-            </a:r>
-            <a:endParaRPr lang="ru-RU" sz="2400" dirty="0"/>
-          </a:p>
-          <a:p>
-            <a:endParaRPr lang="ru-RU" sz="2400" dirty="0" smtClean="0"/>
-          </a:p>
-          <a:p>
-            <a:endParaRPr lang="ru-RU" sz="2400" dirty="0"/>
-          </a:p>
-          <a:p>
-            <a:r>
-              <a:rPr lang="ru-RU" sz="2400" dirty="0" smtClean="0"/>
-              <a:t>Практическая часть</a:t>
-            </a:r>
-            <a:endParaRPr lang="ru-RU" sz="2400" dirty="0"/>
-          </a:p>
-          <a:p>
-            <a:endParaRPr lang="ru-RU" sz="2400" dirty="0"/>
-          </a:p>
-          <a:p>
-            <a:endParaRPr lang="en-US" sz="2400" dirty="0"/>
-          </a:p>
-          <a:p>
-            <a:endParaRPr lang="ru-RU" sz="3200" dirty="0"/>
-          </a:p>
-        </p:txBody>
-      </p:sp>
-    </p:spTree>
-    <p:extLst>
-      <p:ext uri="{BB962C8B-B14F-4D97-AF65-F5344CB8AC3E}">
-        <p14:creationId xmlns:p14="http://schemas.microsoft.com/office/powerpoint/2010/main" val="2637384618"/>
-      </p:ext>
-    </p:extLst>
-  </p:cSld>
-  <p:clrMapOvr>
-    <a:masterClrMapping/>
-  </p:clrMapOvr>
-  <p:timing>
-    <p:tnLst>
-      <p:par>
-        <p:cTn id="1" dur="indefinite" restart="never" nodeType="tmRoot"/>
-      </p:par>
-    </p:tnLst>
-  </p:timing>
-</p:sld>
-</file>
-
-<file path=ppt/slides/slide20.xml><?xml version="1.0" encoding="utf-8"?>
+<file path=ppt/slides/slide23.xml><?xml version="1.0" encoding="utf-8"?>
 <p:sld xmlns:a="http://schemas.openxmlformats.org/drawingml/2006/main" xmlns:r="http://schemas.openxmlformats.org/officeDocument/2006/relationships" xmlns:p="http://schemas.openxmlformats.org/presentationml/2006/main">
   <p:cSld>
     <p:spTree>
@@ -30285,7 +30813,7 @@
 </p:sld>
 </file>
 
-<file path=ppt/slides/slide21.xml><?xml version="1.0" encoding="utf-8"?>
+<file path=ppt/slides/slide24.xml><?xml version="1.0" encoding="utf-8"?>
 <p:sld xmlns:a="http://schemas.openxmlformats.org/drawingml/2006/main" xmlns:r="http://schemas.openxmlformats.org/officeDocument/2006/relationships" xmlns:p="http://schemas.openxmlformats.org/presentationml/2006/main">
   <p:cSld>
     <p:spTree>
@@ -30421,7 +30949,7 @@
 </p:sld>
 </file>
 
-<file path=ppt/slides/slide22.xml><?xml version="1.0" encoding="utf-8"?>
+<file path=ppt/slides/slide25.xml><?xml version="1.0" encoding="utf-8"?>
 <p:sld xmlns:a="http://schemas.openxmlformats.org/drawingml/2006/main" xmlns:r="http://schemas.openxmlformats.org/officeDocument/2006/relationships" xmlns:p="http://schemas.openxmlformats.org/presentationml/2006/main">
   <p:cSld>
     <p:spTree>
@@ -30785,7 +31313,7 @@
 </p:sld>
 </file>
 
-<file path=ppt/slides/slide23.xml><?xml version="1.0" encoding="utf-8"?>
+<file path=ppt/slides/slide26.xml><?xml version="1.0" encoding="utf-8"?>
 <p:sld xmlns:a="http://schemas.openxmlformats.org/drawingml/2006/main" xmlns:r="http://schemas.openxmlformats.org/officeDocument/2006/relationships" xmlns:p="http://schemas.openxmlformats.org/presentationml/2006/main">
   <p:cSld>
     <p:spTree>
@@ -31401,7 +31929,7 @@
 </p:sld>
 </file>
 
-<file path=ppt/slides/slide24.xml><?xml version="1.0" encoding="utf-8"?>
+<file path=ppt/slides/slide27.xml><?xml version="1.0" encoding="utf-8"?>
 <p:sld xmlns:a="http://schemas.openxmlformats.org/drawingml/2006/main" xmlns:r="http://schemas.openxmlformats.org/officeDocument/2006/relationships" xmlns:p="http://schemas.openxmlformats.org/presentationml/2006/main">
   <p:cSld>
     <p:spTree>
@@ -32012,7 +32540,7 @@
 </p:sld>
 </file>
 
-<file path=ppt/slides/slide25.xml><?xml version="1.0" encoding="utf-8"?>
+<file path=ppt/slides/slide28.xml><?xml version="1.0" encoding="utf-8"?>
 <p:sld xmlns:a="http://schemas.openxmlformats.org/drawingml/2006/main" xmlns:r="http://schemas.openxmlformats.org/officeDocument/2006/relationships" xmlns:p="http://schemas.openxmlformats.org/presentationml/2006/main">
   <p:cSld>
     <p:spTree>
@@ -32523,7 +33051,11 @@
           </a:p>
           <a:p>
             <a:r>
-              <a:rPr lang="ru-RU" sz="1800" dirty="0" smtClean="0"/>
+              <a:rPr lang="ru-RU" sz="1800" b="1" dirty="0" smtClean="0">
+                <a:solidFill>
+                  <a:srgbClr val="C00000"/>
+                </a:solidFill>
+              </a:rPr>
               <a:t>Требования к безопасности</a:t>
             </a:r>
           </a:p>
@@ -32578,12 +33110,12 @@
       </p:grpSpPr>
       <p:sp>
         <p:nvSpPr>
-          <p:cNvPr id="2" name="Текст 1"/>
-          <p:cNvSpPr>
-            <a:spLocks noGrp="1"/>
-          </p:cNvSpPr>
-          <p:nvPr>
-            <p:ph type="body" sz="quarter" idx="12"/>
+          <p:cNvPr id="2" name="Заголовок 1"/>
+          <p:cNvSpPr>
+            <a:spLocks noGrp="1"/>
+          </p:cNvSpPr>
+          <p:nvPr>
+            <p:ph type="title"/>
           </p:nvPr>
         </p:nvSpPr>
         <p:spPr/>
@@ -32592,41 +33124,46 @@
           <a:lstStyle/>
           <a:p>
             <a:r>
-              <a:rPr lang="en-US" sz="2400" dirty="0" smtClean="0"/>
-              <a:t>Threat modelling</a:t>
-            </a:r>
-            <a:endParaRPr lang="ru-RU" sz="2400" dirty="0"/>
-          </a:p>
-        </p:txBody>
-      </p:sp>
-      <p:sp>
-        <p:nvSpPr>
-          <p:cNvPr id="3" name="Текст 2"/>
-          <p:cNvSpPr>
-            <a:spLocks noGrp="1"/>
-          </p:cNvSpPr>
-          <p:nvPr>
-            <p:ph type="body" sz="quarter" idx="14"/>
-          </p:nvPr>
-        </p:nvSpPr>
-        <p:spPr/>
-        <p:txBody>
-          <a:bodyPr/>
-          <a:lstStyle/>
-          <a:p>
-            <a:pPr algn="ctr"/>
-            <a:r>
-              <a:rPr lang="en-US" dirty="0" smtClean="0"/>
-              <a:t>Security development lifecycle</a:t>
+              <a:rPr lang="ru-RU" dirty="0" smtClean="0"/>
+              <a:t>Пример – гостевая книга</a:t>
             </a:r>
             <a:endParaRPr lang="ru-RU" dirty="0"/>
           </a:p>
         </p:txBody>
       </p:sp>
+      <p:pic>
+        <p:nvPicPr>
+          <p:cNvPr id="4" name="Content Placeholder 3"/>
+          <p:cNvPicPr>
+            <a:picLocks noGrp="1" noChangeAspect="1"/>
+          </p:cNvPicPr>
+          <p:nvPr>
+            <p:ph sz="quarter" idx="12"/>
+          </p:nvPr>
+        </p:nvPicPr>
+        <p:blipFill>
+          <a:blip r:embed="rId3">
+            <a:extLst>
+              <a:ext uri="{28A0092B-C50C-407E-A947-70E740481C1C}">
+                <a14:useLocalDpi xmlns:a14="http://schemas.microsoft.com/office/drawing/2010/main" val="0"/>
+              </a:ext>
+            </a:extLst>
+          </a:blip>
+          <a:stretch>
+            <a:fillRect/>
+          </a:stretch>
+        </p:blipFill>
+        <p:spPr>
+          <a:xfrm>
+            <a:off x="2702946" y="989013"/>
+            <a:ext cx="3738107" cy="3356666"/>
+          </a:xfrm>
+        </p:spPr>
+      </p:pic>
     </p:spTree>
     <p:extLst>
       <p:ext uri="{BB962C8B-B14F-4D97-AF65-F5344CB8AC3E}">
-        <p14:creationId xmlns:p14="http://schemas.microsoft.com/office/powerpoint/2010/main" val="637901549"/>
+        <p14:creationId xmlns:p14="http://schemas.microsoft.com/office/powerpoint/2010/main" val="662620696"/>
       </p:ext>
     </p:extLst>
   </p:cSld>
@@ -32662,12 +33199,12 @@
       </p:grpSpPr>
       <p:sp>
         <p:nvSpPr>
-          <p:cNvPr id="2" name="Заголовок 1"/>
-          <p:cNvSpPr>
-            <a:spLocks noGrp="1"/>
-          </p:cNvSpPr>
-          <p:nvPr>
-            <p:ph type="title"/>
+          <p:cNvPr id="2" name="Текст 1"/>
+          <p:cNvSpPr>
+            <a:spLocks noGrp="1"/>
+          </p:cNvSpPr>
+          <p:nvPr>
+            <p:ph type="body" sz="quarter" idx="12"/>
           </p:nvPr>
         </p:nvSpPr>
         <p:spPr/>
@@ -32676,8 +33213,292 @@
           <a:lstStyle/>
           <a:p>
             <a:r>
+              <a:rPr lang="en-US" sz="2400" dirty="0" smtClean="0"/>
+              <a:t>Threat modelling</a:t>
+            </a:r>
+            <a:endParaRPr lang="ru-RU" sz="2400" dirty="0"/>
+          </a:p>
+        </p:txBody>
+      </p:sp>
+      <p:sp>
+        <p:nvSpPr>
+          <p:cNvPr id="3" name="Текст 2"/>
+          <p:cNvSpPr>
+            <a:spLocks noGrp="1"/>
+          </p:cNvSpPr>
+          <p:nvPr>
+            <p:ph type="body" sz="quarter" idx="14"/>
+          </p:nvPr>
+        </p:nvSpPr>
+        <p:spPr/>
+        <p:txBody>
+          <a:bodyPr/>
+          <a:lstStyle/>
+          <a:p>
+            <a:pPr algn="ctr"/>
+            <a:r>
               <a:rPr lang="en-US" dirty="0" smtClean="0"/>
-              <a:t>Threat types (</a:t>
+              <a:t>Security development lifecycle</a:t>
+            </a:r>
+            <a:endParaRPr lang="ru-RU" dirty="0"/>
+          </a:p>
+        </p:txBody>
+      </p:sp>
+    </p:spTree>
+    <p:extLst>
+      <p:ext uri="{BB962C8B-B14F-4D97-AF65-F5344CB8AC3E}">
+        <p14:creationId xmlns:p14="http://schemas.microsoft.com/office/powerpoint/2010/main" val="637901549"/>
+      </p:ext>
+    </p:extLst>
+  </p:cSld>
+  <p:clrMapOvr>
+    <a:masterClrMapping/>
+  </p:clrMapOvr>
+  <p:timing>
+    <p:tnLst>
+      <p:par>
+        <p:cTn id="1" dur="indefinite" restart="never" nodeType="tmRoot"/>
+      </p:par>
+    </p:tnLst>
+  </p:timing>
+</p:sld>
+</file>
+
+<file path=ppt/slides/slide7.xml><?xml version="1.0" encoding="utf-8"?>
+<p:sld xmlns:a="http://schemas.openxmlformats.org/drawingml/2006/main" xmlns:r="http://schemas.openxmlformats.org/officeDocument/2006/relationships" xmlns:p="http://schemas.openxmlformats.org/presentationml/2006/main">
+  <p:cSld>
+    <p:spTree>
+      <p:nvGrpSpPr>
+        <p:cNvPr id="1" name=""/>
+        <p:cNvGrpSpPr/>
+        <p:nvPr/>
+      </p:nvGrpSpPr>
+      <p:grpSpPr>
+        <a:xfrm>
+          <a:off x="0" y="0"/>
+          <a:ext cx="0" cy="0"/>
+          <a:chOff x="0" y="0"/>
+          <a:chExt cx="0" cy="0"/>
+        </a:xfrm>
+      </p:grpSpPr>
+      <p:sp>
+        <p:nvSpPr>
+          <p:cNvPr id="2" name="Заголовок 1"/>
+          <p:cNvSpPr>
+            <a:spLocks noGrp="1"/>
+          </p:cNvSpPr>
+          <p:nvPr>
+            <p:ph type="title"/>
+          </p:nvPr>
+        </p:nvSpPr>
+        <p:spPr/>
+        <p:txBody>
+          <a:bodyPr/>
+          <a:lstStyle/>
+          <a:p>
+            <a:r>
+              <a:rPr lang="ru-RU" dirty="0" smtClean="0"/>
+              <a:t>Что такое угроза</a:t>
+            </a:r>
+            <a:endParaRPr lang="ru-RU" dirty="0"/>
+          </a:p>
+        </p:txBody>
+      </p:sp>
+      <p:sp>
+        <p:nvSpPr>
+          <p:cNvPr id="3" name="Объект 2"/>
+          <p:cNvSpPr>
+            <a:spLocks noGrp="1"/>
+          </p:cNvSpPr>
+          <p:nvPr>
+            <p:ph sz="quarter" idx="12"/>
+          </p:nvPr>
+        </p:nvSpPr>
+        <p:spPr>
+          <a:xfrm>
+            <a:off x="357441" y="1167481"/>
+            <a:ext cx="8426450" cy="3492501"/>
+          </a:xfrm>
+        </p:spPr>
+        <p:txBody>
+          <a:bodyPr/>
+          <a:lstStyle/>
+          <a:p>
+            <a:pPr marL="0" indent="0">
+              <a:buNone/>
+            </a:pPr>
+            <a:endParaRPr lang="ru-RU" sz="1800" dirty="0"/>
+          </a:p>
+        </p:txBody>
+      </p:sp>
+    </p:spTree>
+    <p:extLst>
+      <p:ext uri="{BB962C8B-B14F-4D97-AF65-F5344CB8AC3E}">
+        <p14:creationId xmlns:p14="http://schemas.microsoft.com/office/powerpoint/2010/main" val="3957676624"/>
+      </p:ext>
+    </p:extLst>
+  </p:cSld>
+  <p:clrMapOvr>
+    <a:masterClrMapping/>
+  </p:clrMapOvr>
+  <p:timing>
+    <p:tnLst>
+      <p:par>
+        <p:cTn id="1" dur="indefinite" restart="never" nodeType="tmRoot"/>
+      </p:par>
+    </p:tnLst>
+  </p:timing>
+</p:sld>
+</file>
+
+<file path=ppt/slides/slide8.xml><?xml version="1.0" encoding="utf-8"?>
+<p:sld xmlns:a="http://schemas.openxmlformats.org/drawingml/2006/main" xmlns:r="http://schemas.openxmlformats.org/officeDocument/2006/relationships" xmlns:p="http://schemas.openxmlformats.org/presentationml/2006/main">
+  <p:cSld>
+    <p:spTree>
+      <p:nvGrpSpPr>
+        <p:cNvPr id="1" name=""/>
+        <p:cNvGrpSpPr/>
+        <p:nvPr/>
+      </p:nvGrpSpPr>
+      <p:grpSpPr>
+        <a:xfrm>
+          <a:off x="0" y="0"/>
+          <a:ext cx="0" cy="0"/>
+          <a:chOff x="0" y="0"/>
+          <a:chExt cx="0" cy="0"/>
+        </a:xfrm>
+      </p:grpSpPr>
+      <p:sp>
+        <p:nvSpPr>
+          <p:cNvPr id="2" name="Заголовок 1"/>
+          <p:cNvSpPr>
+            <a:spLocks noGrp="1"/>
+          </p:cNvSpPr>
+          <p:nvPr>
+            <p:ph type="title"/>
+          </p:nvPr>
+        </p:nvSpPr>
+        <p:spPr/>
+        <p:txBody>
+          <a:bodyPr/>
+          <a:lstStyle/>
+          <a:p>
+            <a:r>
+              <a:rPr lang="ru-RU" dirty="0" smtClean="0"/>
+              <a:t>Что такое угроза</a:t>
+            </a:r>
+            <a:endParaRPr lang="ru-RU" dirty="0"/>
+          </a:p>
+        </p:txBody>
+      </p:sp>
+      <p:sp>
+        <p:nvSpPr>
+          <p:cNvPr id="3" name="Объект 2"/>
+          <p:cNvSpPr>
+            <a:spLocks noGrp="1"/>
+          </p:cNvSpPr>
+          <p:nvPr>
+            <p:ph sz="quarter" idx="12"/>
+          </p:nvPr>
+        </p:nvSpPr>
+        <p:spPr>
+          <a:xfrm>
+            <a:off x="357441" y="1167481"/>
+            <a:ext cx="8426450" cy="3492501"/>
+          </a:xfrm>
+        </p:spPr>
+        <p:txBody>
+          <a:bodyPr/>
+          <a:lstStyle/>
+          <a:p>
+            <a:pPr marL="0" indent="0" algn="ctr">
+              <a:buNone/>
+            </a:pPr>
+            <a:endParaRPr lang="ru-RU" sz="1200" dirty="0"/>
+          </a:p>
+          <a:p>
+            <a:pPr marL="0" indent="0" algn="ctr">
+              <a:buNone/>
+            </a:pPr>
+            <a:endParaRPr lang="ru-RU" sz="1200" dirty="0" smtClean="0"/>
+          </a:p>
+          <a:p>
+            <a:pPr marL="0" indent="0" algn="ctr">
+              <a:buNone/>
+            </a:pPr>
+            <a:endParaRPr lang="ru-RU" sz="1200" dirty="0" smtClean="0"/>
+          </a:p>
+          <a:p>
+            <a:pPr marL="0" indent="0" algn="ctr">
+              <a:buNone/>
+            </a:pPr>
+            <a:r>
+              <a:rPr lang="ru-RU" sz="2800" dirty="0"/>
+              <a:t>Под угрозой понимается возможное действие или совокупность действий, которые могут нанести ущерб чьим либо интересам.</a:t>
+            </a:r>
+            <a:endParaRPr lang="ru-RU" sz="2800" dirty="0"/>
+          </a:p>
+        </p:txBody>
+      </p:sp>
+    </p:spTree>
+    <p:extLst>
+      <p:ext uri="{BB962C8B-B14F-4D97-AF65-F5344CB8AC3E}">
+        <p14:creationId xmlns:p14="http://schemas.microsoft.com/office/powerpoint/2010/main" val="2607009223"/>
+      </p:ext>
+    </p:extLst>
+  </p:cSld>
+  <p:clrMapOvr>
+    <a:masterClrMapping/>
+  </p:clrMapOvr>
+  <p:timing>
+    <p:tnLst>
+      <p:par>
+        <p:cTn id="1" dur="indefinite" restart="never" nodeType="tmRoot"/>
+      </p:par>
+    </p:tnLst>
+  </p:timing>
+</p:sld>
+</file>
+
+<file path=ppt/slides/slide9.xml><?xml version="1.0" encoding="utf-8"?>
+<p:sld xmlns:a="http://schemas.openxmlformats.org/drawingml/2006/main" xmlns:r="http://schemas.openxmlformats.org/officeDocument/2006/relationships" xmlns:p="http://schemas.openxmlformats.org/presentationml/2006/main">
+  <p:cSld>
+    <p:spTree>
+      <p:nvGrpSpPr>
+        <p:cNvPr id="1" name=""/>
+        <p:cNvGrpSpPr/>
+        <p:nvPr/>
+      </p:nvGrpSpPr>
+      <p:grpSpPr>
+        <a:xfrm>
+          <a:off x="0" y="0"/>
+          <a:ext cx="0" cy="0"/>
+          <a:chOff x="0" y="0"/>
+          <a:chExt cx="0" cy="0"/>
+        </a:xfrm>
+      </p:grpSpPr>
+      <p:sp>
+        <p:nvSpPr>
+          <p:cNvPr id="2" name="Заголовок 1"/>
+          <p:cNvSpPr>
+            <a:spLocks noGrp="1"/>
+          </p:cNvSpPr>
+          <p:nvPr>
+            <p:ph type="title"/>
+          </p:nvPr>
+        </p:nvSpPr>
+        <p:spPr/>
+        <p:txBody>
+          <a:bodyPr/>
+          <a:lstStyle/>
+          <a:p>
+            <a:r>
+              <a:rPr lang="ru-RU" dirty="0" smtClean="0"/>
+              <a:t>Типы угроз </a:t>
+            </a:r>
+            <a:r>
+              <a:rPr lang="en-US" dirty="0" smtClean="0"/>
+              <a:t>(</a:t>
             </a:r>
             <a:r>
               <a:rPr lang="en-US" dirty="0" smtClean="0">
@@ -32705,7 +33526,7 @@
             <p:ph sz="quarter" idx="12"/>
             <p:extLst>
               <p:ext uri="{D42A27DB-BD31-4B8C-83A1-F6EECF244321}">
-                <p14:modId xmlns:p14="http://schemas.microsoft.com/office/powerpoint/2010/main" val="323982386"/>
+                <p14:modId xmlns:p14="http://schemas.microsoft.com/office/powerpoint/2010/main" val="3883987037"/>
               </p:ext>
             </p:extLst>
           </p:nvPr>
@@ -32731,8 +33552,8 @@
                     <a:lstStyle/>
                     <a:p>
                       <a:r>
-                        <a:rPr lang="en-US" sz="2400" dirty="0" smtClean="0"/>
-                        <a:t>Threat</a:t>
+                        <a:rPr lang="ru-RU" sz="2400" dirty="0" smtClean="0"/>
+                        <a:t>Угроза</a:t>
                       </a:r>
                       <a:endParaRPr lang="ru-RU" sz="2400" dirty="0"/>
                     </a:p>
@@ -32745,8 +33566,16 @@
                     <a:lstStyle/>
                     <a:p>
                       <a:r>
-                        <a:rPr lang="en-US" sz="2400" dirty="0" smtClean="0"/>
-                        <a:t>Desired property</a:t>
+                        <a:rPr lang="ru-RU" sz="2400" dirty="0" smtClean="0"/>
+                        <a:t>Требуемое</a:t>
+                      </a:r>
+                      <a:r>
+                        <a:rPr lang="ru-RU" sz="2400" baseline="0" dirty="0" smtClean="0"/>
+                        <a:t> с</a:t>
+                      </a:r>
+                      <a:r>
+                        <a:rPr lang="ru-RU" sz="2400" dirty="0" smtClean="0"/>
+                        <a:t>войство</a:t>
                       </a:r>
                       <a:endParaRPr lang="ru-RU" sz="2400" dirty="0"/>
                     </a:p>
@@ -33007,346 +33836,6 @@
     <p:extLst>
       <p:ext uri="{BB962C8B-B14F-4D97-AF65-F5344CB8AC3E}">
         <p14:creationId xmlns:p14="http://schemas.microsoft.com/office/powerpoint/2010/main" val="2717567738"/>
-      </p:ext>
-    </p:extLst>
-  </p:cSld>
-  <p:clrMapOvr>
-    <a:masterClrMapping/>
-  </p:clrMapOvr>
-  <p:timing>
-    <p:tnLst>
-      <p:par>
-        <p:cTn id="1" dur="indefinite" restart="never" nodeType="tmRoot"/>
-      </p:par>
-    </p:tnLst>
-  </p:timing>
-</p:sld>
-</file>
-
-<file path=ppt/slides/slide7.xml><?xml version="1.0" encoding="utf-8"?>
-<p:sld xmlns:a="http://schemas.openxmlformats.org/drawingml/2006/main" xmlns:r="http://schemas.openxmlformats.org/officeDocument/2006/relationships" xmlns:p="http://schemas.openxmlformats.org/presentationml/2006/main">
-  <p:cSld>
-    <p:spTree>
-      <p:nvGrpSpPr>
-        <p:cNvPr id="1" name=""/>
-        <p:cNvGrpSpPr/>
-        <p:nvPr/>
-      </p:nvGrpSpPr>
-      <p:grpSpPr>
-        <a:xfrm>
-          <a:off x="0" y="0"/>
-          <a:ext cx="0" cy="0"/>
-          <a:chOff x="0" y="0"/>
-          <a:chExt cx="0" cy="0"/>
-        </a:xfrm>
-      </p:grpSpPr>
-      <p:sp>
-        <p:nvSpPr>
-          <p:cNvPr id="2" name="Заголовок 1"/>
-          <p:cNvSpPr>
-            <a:spLocks noGrp="1"/>
-          </p:cNvSpPr>
-          <p:nvPr>
-            <p:ph type="title"/>
-          </p:nvPr>
-        </p:nvSpPr>
-        <p:spPr/>
-        <p:txBody>
-          <a:bodyPr/>
-          <a:lstStyle/>
-          <a:p>
-            <a:r>
-              <a:rPr lang="en-US" dirty="0" smtClean="0">
-                <a:solidFill>
-                  <a:srgbClr val="C00000"/>
-                </a:solidFill>
-              </a:rPr>
-              <a:t>Spoofing</a:t>
-            </a:r>
-            <a:r>
-              <a:rPr lang="ru-RU" dirty="0" smtClean="0"/>
-              <a:t> - </a:t>
-            </a:r>
-            <a:r>
-              <a:rPr lang="en-US" dirty="0" smtClean="0"/>
-              <a:t>authentication</a:t>
-            </a:r>
-            <a:endParaRPr lang="ru-RU" dirty="0"/>
-          </a:p>
-        </p:txBody>
-      </p:sp>
-      <p:sp>
-        <p:nvSpPr>
-          <p:cNvPr id="6" name="Content Placeholder 5"/>
-          <p:cNvSpPr>
-            <a:spLocks noGrp="1"/>
-          </p:cNvSpPr>
-          <p:nvPr>
-            <p:ph sz="quarter" idx="12"/>
-          </p:nvPr>
-        </p:nvSpPr>
-        <p:spPr/>
-        <p:txBody>
-          <a:bodyPr/>
-          <a:lstStyle/>
-          <a:p>
-            <a:pPr marL="0" indent="0" algn="ctr">
-              <a:buNone/>
-            </a:pPr>
-            <a:endParaRPr lang="ru-RU" sz="1800" dirty="0" smtClean="0"/>
-          </a:p>
-          <a:p>
-            <a:pPr marL="0" indent="0" algn="ctr">
-              <a:buNone/>
-            </a:pPr>
-            <a:endParaRPr lang="ru-RU" sz="1800" dirty="0" smtClean="0"/>
-          </a:p>
-          <a:p>
-            <a:pPr marL="0" indent="0" algn="ctr">
-              <a:buNone/>
-            </a:pPr>
-            <a:endParaRPr lang="ru-RU" sz="1800" dirty="0" smtClean="0"/>
-          </a:p>
-          <a:p>
-            <a:pPr marL="0" indent="0" algn="ctr">
-              <a:buNone/>
-            </a:pPr>
-            <a:r>
-              <a:rPr lang="ru-RU" sz="2800" dirty="0" smtClean="0"/>
-              <a:t>Процесс маскировки (подмены) пользователя или программы под другую</a:t>
-            </a:r>
-            <a:endParaRPr lang="ru-RU" sz="2800" dirty="0"/>
-          </a:p>
-        </p:txBody>
-      </p:sp>
-    </p:spTree>
-    <p:extLst>
-      <p:ext uri="{BB962C8B-B14F-4D97-AF65-F5344CB8AC3E}">
-        <p14:creationId xmlns:p14="http://schemas.microsoft.com/office/powerpoint/2010/main" val="4220539737"/>
-      </p:ext>
-    </p:extLst>
-  </p:cSld>
-  <p:clrMapOvr>
-    <a:masterClrMapping/>
-  </p:clrMapOvr>
-  <p:timing>
-    <p:tnLst>
-      <p:par>
-        <p:cTn id="1" dur="indefinite" restart="never" nodeType="tmRoot"/>
-      </p:par>
-    </p:tnLst>
-  </p:timing>
-</p:sld>
-</file>
-
-<file path=ppt/slides/slide8.xml><?xml version="1.0" encoding="utf-8"?>
-<p:sld xmlns:a="http://schemas.openxmlformats.org/drawingml/2006/main" xmlns:r="http://schemas.openxmlformats.org/officeDocument/2006/relationships" xmlns:p="http://schemas.openxmlformats.org/presentationml/2006/main">
-  <p:cSld>
-    <p:spTree>
-      <p:nvGrpSpPr>
-        <p:cNvPr id="1" name=""/>
-        <p:cNvGrpSpPr/>
-        <p:nvPr/>
-      </p:nvGrpSpPr>
-      <p:grpSpPr>
-        <a:xfrm>
-          <a:off x="0" y="0"/>
-          <a:ext cx="0" cy="0"/>
-          <a:chOff x="0" y="0"/>
-          <a:chExt cx="0" cy="0"/>
-        </a:xfrm>
-      </p:grpSpPr>
-      <p:sp>
-        <p:nvSpPr>
-          <p:cNvPr id="2" name="Заголовок 1"/>
-          <p:cNvSpPr>
-            <a:spLocks noGrp="1"/>
-          </p:cNvSpPr>
-          <p:nvPr>
-            <p:ph type="title"/>
-          </p:nvPr>
-        </p:nvSpPr>
-        <p:spPr/>
-        <p:txBody>
-          <a:bodyPr/>
-          <a:lstStyle/>
-          <a:p>
-            <a:r>
-              <a:rPr lang="en-US" dirty="0" smtClean="0">
-                <a:solidFill>
-                  <a:srgbClr val="C00000"/>
-                </a:solidFill>
-              </a:rPr>
-              <a:t>Tampering</a:t>
-            </a:r>
-            <a:r>
-              <a:rPr lang="en-US" dirty="0" smtClean="0"/>
-              <a:t> - integrity</a:t>
-            </a:r>
-            <a:endParaRPr lang="ru-RU" dirty="0"/>
-          </a:p>
-        </p:txBody>
-      </p:sp>
-      <p:sp>
-        <p:nvSpPr>
-          <p:cNvPr id="6" name="Content Placeholder 5"/>
-          <p:cNvSpPr>
-            <a:spLocks noGrp="1"/>
-          </p:cNvSpPr>
-          <p:nvPr>
-            <p:ph sz="quarter" idx="12"/>
-          </p:nvPr>
-        </p:nvSpPr>
-        <p:spPr/>
-        <p:txBody>
-          <a:bodyPr/>
-          <a:lstStyle/>
-          <a:p>
-            <a:pPr marL="0" indent="0" algn="ctr">
-              <a:buNone/>
-            </a:pPr>
-            <a:endParaRPr lang="ru-RU" sz="1800" dirty="0" smtClean="0"/>
-          </a:p>
-          <a:p>
-            <a:pPr marL="0" indent="0" algn="ctr">
-              <a:buNone/>
-            </a:pPr>
-            <a:endParaRPr lang="ru-RU" sz="1800" dirty="0" smtClean="0"/>
-          </a:p>
-          <a:p>
-            <a:pPr marL="0" indent="0" algn="ctr">
-              <a:buNone/>
-            </a:pPr>
-            <a:endParaRPr lang="ru-RU" sz="1800" dirty="0" smtClean="0"/>
-          </a:p>
-          <a:p>
-            <a:pPr marL="0" indent="0" algn="ctr">
-              <a:buNone/>
-            </a:pPr>
-            <a:r>
-              <a:rPr lang="ru-RU" sz="2800" dirty="0" smtClean="0"/>
-              <a:t>Несанкционированный процесс изменения (разрушения) данных или программы.</a:t>
-            </a:r>
-            <a:endParaRPr lang="ru-RU" sz="2800" dirty="0"/>
-          </a:p>
-        </p:txBody>
-      </p:sp>
-    </p:spTree>
-    <p:extLst>
-      <p:ext uri="{BB962C8B-B14F-4D97-AF65-F5344CB8AC3E}">
-        <p14:creationId xmlns:p14="http://schemas.microsoft.com/office/powerpoint/2010/main" val="3285988337"/>
-      </p:ext>
-    </p:extLst>
-  </p:cSld>
-  <p:clrMapOvr>
-    <a:masterClrMapping/>
-  </p:clrMapOvr>
-  <p:timing>
-    <p:tnLst>
-      <p:par>
-        <p:cTn id="1" dur="indefinite" restart="never" nodeType="tmRoot"/>
-      </p:par>
-    </p:tnLst>
-  </p:timing>
-</p:sld>
-</file>
-
-<file path=ppt/slides/slide9.xml><?xml version="1.0" encoding="utf-8"?>
-<p:sld xmlns:a="http://schemas.openxmlformats.org/drawingml/2006/main" xmlns:r="http://schemas.openxmlformats.org/officeDocument/2006/relationships" xmlns:p="http://schemas.openxmlformats.org/presentationml/2006/main">
-  <p:cSld>
-    <p:spTree>
-      <p:nvGrpSpPr>
-        <p:cNvPr id="1" name=""/>
-        <p:cNvGrpSpPr/>
-        <p:nvPr/>
-      </p:nvGrpSpPr>
-      <p:grpSpPr>
-        <a:xfrm>
-          <a:off x="0" y="0"/>
-          <a:ext cx="0" cy="0"/>
-          <a:chOff x="0" y="0"/>
-          <a:chExt cx="0" cy="0"/>
-        </a:xfrm>
-      </p:grpSpPr>
-      <p:sp>
-        <p:nvSpPr>
-          <p:cNvPr id="2" name="Заголовок 1"/>
-          <p:cNvSpPr>
-            <a:spLocks noGrp="1"/>
-          </p:cNvSpPr>
-          <p:nvPr>
-            <p:ph type="title"/>
-          </p:nvPr>
-        </p:nvSpPr>
-        <p:spPr/>
-        <p:txBody>
-          <a:bodyPr/>
-          <a:lstStyle/>
-          <a:p>
-            <a:r>
-              <a:rPr lang="en-US" dirty="0" smtClean="0">
-                <a:solidFill>
-                  <a:srgbClr val="C00000"/>
-                </a:solidFill>
-              </a:rPr>
-              <a:t>Repudiation</a:t>
-            </a:r>
-            <a:r>
-              <a:rPr lang="en-US" dirty="0" smtClean="0"/>
-              <a:t> – non-repudiation</a:t>
-            </a:r>
-            <a:endParaRPr lang="ru-RU" dirty="0"/>
-          </a:p>
-        </p:txBody>
-      </p:sp>
-      <p:sp>
-        <p:nvSpPr>
-          <p:cNvPr id="6" name="Content Placeholder 5"/>
-          <p:cNvSpPr>
-            <a:spLocks noGrp="1"/>
-          </p:cNvSpPr>
-          <p:nvPr>
-            <p:ph sz="quarter" idx="12"/>
-          </p:nvPr>
-        </p:nvSpPr>
-        <p:spPr/>
-        <p:txBody>
-          <a:bodyPr/>
-          <a:lstStyle/>
-          <a:p>
-            <a:pPr marL="0" indent="0" algn="ctr">
-              <a:buNone/>
-            </a:pPr>
-            <a:endParaRPr lang="ru-RU" sz="1800" dirty="0" smtClean="0"/>
-          </a:p>
-          <a:p>
-            <a:pPr marL="0" indent="0" algn="ctr">
-              <a:buNone/>
-            </a:pPr>
-            <a:endParaRPr lang="ru-RU" sz="1800" dirty="0" smtClean="0"/>
-          </a:p>
-          <a:p>
-            <a:pPr marL="0" indent="0" algn="ctr">
-              <a:buNone/>
-            </a:pPr>
-            <a:endParaRPr lang="ru-RU" sz="1800" dirty="0" smtClean="0"/>
-          </a:p>
-          <a:p>
-            <a:pPr marL="0" indent="0" algn="ctr">
-              <a:buNone/>
-            </a:pPr>
-            <a:r>
-              <a:rPr lang="ru-RU" sz="2800" dirty="0" smtClean="0"/>
-              <a:t>Заметание следов (запутывание).</a:t>
-            </a:r>
-            <a:endParaRPr lang="ru-RU" sz="2800" dirty="0"/>
-          </a:p>
-        </p:txBody>
-      </p:sp>
-    </p:spTree>
-    <p:extLst>
-      <p:ext uri="{BB962C8B-B14F-4D97-AF65-F5344CB8AC3E}">
-        <p14:creationId xmlns:p14="http://schemas.microsoft.com/office/powerpoint/2010/main" val="2530193212"/>
       </p:ext>
     </p:extLst>
   </p:cSld>
@@ -34505,18 +34994,6 @@
 </file>
 
 <file path=customXml/item1.xml><?xml version="1.0" encoding="utf-8"?>
-<p:properties xmlns:p="http://schemas.microsoft.com/office/2006/metadata/properties" xmlns:xsi="http://www.w3.org/2001/XMLSchema-instance" xmlns:pc="http://schemas.microsoft.com/office/infopath/2007/PartnerControls">
-  <documentManagement>
-    <Preview xmlns="8a09c138-3bb3-4bc6-a8a7-2afac9fb1b96">https://intranet.kaspersky.com/PublishingImages/Brand_Central/16x9.jpg, </Preview>
-    <Link xmlns="8a09c138-3bb3-4bc6-a8a7-2afac9fb1b96">
-      <Url xsi:nil="true"/>
-      <Description xsi:nil="true"/>
-    </Link>
-  </documentManagement>
-</p:properties>
-</file>
-
-<file path=customXml/item2.xml><?xml version="1.0" encoding="utf-8"?>
 <ct:contentTypeSchema xmlns:ct="http://schemas.microsoft.com/office/2006/metadata/contentType" xmlns:ma="http://schemas.microsoft.com/office/2006/metadata/properties/metaAttributes" ct:_="" ma:_="" ma:contentTypeName="Document" ma:contentTypeID="0x010100C1586E4E9F030F4399E265B5D2D2EC9A" ma:contentTypeVersion="2" ma:contentTypeDescription="Create a new document." ma:contentTypeScope="" ma:versionID="4091279fccd7624e96e41653ff018ce7">
   <xsd:schema xmlns:xsd="http://www.w3.org/2001/XMLSchema" xmlns:xs="http://www.w3.org/2001/XMLSchema" xmlns:p="http://schemas.microsoft.com/office/2006/metadata/properties" xmlns:ns1="8a09c138-3bb3-4bc6-a8a7-2afac9fb1b96" targetNamespace="http://schemas.microsoft.com/office/2006/metadata/properties" ma:root="true" ma:fieldsID="920cbb75d2dd36b9330eb638bfb0df8f" ns1:_="">
     <xsd:import namespace="8a09c138-3bb3-4bc6-a8a7-2afac9fb1b96"/>
@@ -34655,6 +35132,18 @@
 </ct:contentTypeSchema>
 </file>
 
+<file path=customXml/item2.xml><?xml version="1.0" encoding="utf-8"?>
+<p:properties xmlns:p="http://schemas.microsoft.com/office/2006/metadata/properties" xmlns:xsi="http://www.w3.org/2001/XMLSchema-instance" xmlns:pc="http://schemas.microsoft.com/office/infopath/2007/PartnerControls">
+  <documentManagement>
+    <Preview xmlns="8a09c138-3bb3-4bc6-a8a7-2afac9fb1b96">https://intranet.kaspersky.com/PublishingImages/Brand_Central/16x9.jpg, </Preview>
+    <Link xmlns="8a09c138-3bb3-4bc6-a8a7-2afac9fb1b96">
+      <Url xsi:nil="true"/>
+      <Description xsi:nil="true"/>
+    </Link>
+  </documentManagement>
+</p:properties>
+</file>
+
 <file path=customXml/item3.xml><?xml version="1.0" encoding="utf-8"?>
 <?mso-contentType ?>
 <FormTemplates xmlns="http://schemas.microsoft.com/sharepoint/v3/contenttype/forms">
@@ -34665,22 +35154,6 @@
 </file>
 
 <file path=customXml/itemProps1.xml><?xml version="1.0" encoding="utf-8"?>
-<ds:datastoreItem xmlns:ds="http://schemas.openxmlformats.org/officeDocument/2006/customXml" ds:itemID="{3235EFE6-ED36-44A8-992E-657AFD707955}">
-  <ds:schemaRefs>
-    <ds:schemaRef ds:uri="http://purl.org/dc/elements/1.1/"/>
-    <ds:schemaRef ds:uri="http://schemas.microsoft.com/office/2006/metadata/properties"/>
-    <ds:schemaRef ds:uri="http://schemas.openxmlformats.org/package/2006/metadata/core-properties"/>
-    <ds:schemaRef ds:uri="8a09c138-3bb3-4bc6-a8a7-2afac9fb1b96"/>
-    <ds:schemaRef ds:uri="http://schemas.microsoft.com/office/infopath/2007/PartnerControls"/>
-    <ds:schemaRef ds:uri="http://purl.org/dc/terms/"/>
-    <ds:schemaRef ds:uri="http://schemas.microsoft.com/office/2006/documentManagement/types"/>
-    <ds:schemaRef ds:uri="http://www.w3.org/XML/1998/namespace"/>
-    <ds:schemaRef ds:uri="http://purl.org/dc/dcmitype/"/>
-  </ds:schemaRefs>
-</ds:datastoreItem>
-</file>
-
-<file path=customXml/itemProps2.xml><?xml version="1.0" encoding="utf-8"?>
 <ds:datastoreItem xmlns:ds="http://schemas.openxmlformats.org/officeDocument/2006/customXml" ds:itemID="{35F66CE6-A235-4737-ABB5-528646C78818}">
   <ds:schemaRefs>
     <ds:schemaRef ds:uri="http://schemas.microsoft.com/office/2006/metadata/contentType"/>
@@ -34698,6 +35171,22 @@
 </ds:datastoreItem>
 </file>
 
+<file path=customXml/itemProps2.xml><?xml version="1.0" encoding="utf-8"?>
+<ds:datastoreItem xmlns:ds="http://schemas.openxmlformats.org/officeDocument/2006/customXml" ds:itemID="{3235EFE6-ED36-44A8-992E-657AFD707955}">
+  <ds:schemaRefs>
+    <ds:schemaRef ds:uri="http://purl.org/dc/elements/1.1/"/>
+    <ds:schemaRef ds:uri="http://schemas.microsoft.com/office/2006/metadata/properties"/>
+    <ds:schemaRef ds:uri="http://schemas.openxmlformats.org/package/2006/metadata/core-properties"/>
+    <ds:schemaRef ds:uri="8a09c138-3bb3-4bc6-a8a7-2afac9fb1b96"/>
+    <ds:schemaRef ds:uri="http://schemas.microsoft.com/office/infopath/2007/PartnerControls"/>
+    <ds:schemaRef ds:uri="http://purl.org/dc/terms/"/>
+    <ds:schemaRef ds:uri="http://schemas.microsoft.com/office/2006/documentManagement/types"/>
+    <ds:schemaRef ds:uri="http://www.w3.org/XML/1998/namespace"/>
+    <ds:schemaRef ds:uri="http://purl.org/dc/dcmitype/"/>
+  </ds:schemaRefs>
+</ds:datastoreItem>
+</file>
+
 <file path=customXml/itemProps3.xml><?xml version="1.0" encoding="utf-8"?>
 <ds:datastoreItem xmlns:ds="http://schemas.openxmlformats.org/officeDocument/2006/customXml" ds:itemID="{A9684E87-8FA4-4297-8378-8D5D3320CC30}">
   <ds:schemaRefs>
